--- a/spring13/slides13/ranvar-binomial.pptx
+++ b/spring13/slides13/ranvar-binomial.pptx
@@ -5,29 +5,27 @@
     <p:sldMasterId id="2147483648" r:id="rId1"/>
   </p:sldMasterIdLst>
   <p:notesMasterIdLst>
-    <p:notesMasterId r:id="rId19"/>
+    <p:notesMasterId r:id="rId17"/>
   </p:notesMasterIdLst>
   <p:handoutMasterIdLst>
-    <p:handoutMasterId r:id="rId20"/>
+    <p:handoutMasterId r:id="rId18"/>
   </p:handoutMasterIdLst>
   <p:sldIdLst>
     <p:sldId id="257" r:id="rId2"/>
-    <p:sldId id="294" r:id="rId3"/>
-    <p:sldId id="369" r:id="rId4"/>
-    <p:sldId id="374" r:id="rId5"/>
-    <p:sldId id="296" r:id="rId6"/>
-    <p:sldId id="297" r:id="rId7"/>
-    <p:sldId id="301" r:id="rId8"/>
-    <p:sldId id="278" r:id="rId9"/>
-    <p:sldId id="376" r:id="rId10"/>
-    <p:sldId id="300" r:id="rId11"/>
-    <p:sldId id="375" r:id="rId12"/>
-    <p:sldId id="291" r:id="rId13"/>
-    <p:sldId id="279" r:id="rId14"/>
-    <p:sldId id="359" r:id="rId15"/>
-    <p:sldId id="373" r:id="rId16"/>
-    <p:sldId id="371" r:id="rId17"/>
-    <p:sldId id="372" r:id="rId18"/>
+    <p:sldId id="291" r:id="rId3"/>
+    <p:sldId id="279" r:id="rId4"/>
+    <p:sldId id="382" r:id="rId5"/>
+    <p:sldId id="383" r:id="rId6"/>
+    <p:sldId id="294" r:id="rId7"/>
+    <p:sldId id="369" r:id="rId8"/>
+    <p:sldId id="374" r:id="rId9"/>
+    <p:sldId id="296" r:id="rId10"/>
+    <p:sldId id="297" r:id="rId11"/>
+    <p:sldId id="301" r:id="rId12"/>
+    <p:sldId id="278" r:id="rId13"/>
+    <p:sldId id="384" r:id="rId14"/>
+    <p:sldId id="376" r:id="rId15"/>
+    <p:sldId id="375" r:id="rId16"/>
   </p:sldIdLst>
   <p:sldSz cx="9144000" cy="6858000" type="screen4x3"/>
   <p:notesSz cx="9601200" cy="7315200"/>
@@ -1032,6 +1030,190 @@
       </p:grpSpPr>
       <p:sp>
         <p:nvSpPr>
+          <p:cNvPr id="73730" name="Rectangle 7"/>
+          <p:cNvSpPr>
+            <a:spLocks noGrp="1" noChangeArrowheads="1"/>
+          </p:cNvSpPr>
+          <p:nvPr>
+            <p:ph type="sldNum" sz="quarter" idx="5"/>
+          </p:nvPr>
+        </p:nvSpPr>
+        <p:spPr>
+          <a:noFill/>
+        </p:spPr>
+        <p:txBody>
+          <a:bodyPr/>
+          <a:lstStyle/>
+          <a:p>
+            <a:fld id="{4888E725-8B12-40CE-8DAE-87CF7A00F3E7}" type="slidenum">
+              <a:rPr lang="en-US" smtClean="0"/>
+              <a:pPr/>
+              <a:t>10</a:t>
+            </a:fld>
+            <a:endParaRPr lang="en-US" smtClean="0"/>
+          </a:p>
+        </p:txBody>
+      </p:sp>
+      <p:sp>
+        <p:nvSpPr>
+          <p:cNvPr id="73731" name="Rectangle 2"/>
+          <p:cNvSpPr>
+            <a:spLocks noGrp="1" noRot="1" noChangeAspect="1" noChangeArrowheads="1" noTextEdit="1"/>
+          </p:cNvSpPr>
+          <p:nvPr>
+            <p:ph type="sldImg"/>
+          </p:nvPr>
+        </p:nvSpPr>
+        <p:spPr>
+          <a:xfrm>
+            <a:off x="2973388" y="549275"/>
+            <a:ext cx="3659187" cy="2743200"/>
+          </a:xfrm>
+          <a:ln/>
+        </p:spPr>
+      </p:sp>
+      <p:sp>
+        <p:nvSpPr>
+          <p:cNvPr id="73732" name="Rectangle 3"/>
+          <p:cNvSpPr>
+            <a:spLocks noGrp="1" noChangeArrowheads="1"/>
+          </p:cNvSpPr>
+          <p:nvPr>
+            <p:ph type="body" idx="1"/>
+          </p:nvPr>
+        </p:nvSpPr>
+        <p:spPr>
+          <a:noFill/>
+          <a:ln/>
+        </p:spPr>
+        <p:txBody>
+          <a:bodyPr/>
+          <a:lstStyle/>
+          <a:p>
+            <a:pPr eaLnBrk="1" hangingPunct="1"/>
+            <a:endParaRPr lang="en-US" smtClean="0"/>
+          </a:p>
+        </p:txBody>
+      </p:sp>
+    </p:spTree>
+  </p:cSld>
+  <p:clrMapOvr>
+    <a:masterClrMapping/>
+  </p:clrMapOvr>
+</p:notes>
+</file>
+
+<file path=ppt/notesSlides/notesSlide11.xml><?xml version="1.0" encoding="utf-8"?>
+<p:notes xmlns:a="http://schemas.openxmlformats.org/drawingml/2006/main" xmlns:r="http://schemas.openxmlformats.org/officeDocument/2006/relationships" xmlns:p="http://schemas.openxmlformats.org/presentationml/2006/main">
+  <p:cSld>
+    <p:spTree>
+      <p:nvGrpSpPr>
+        <p:cNvPr id="1" name=""/>
+        <p:cNvGrpSpPr/>
+        <p:nvPr/>
+      </p:nvGrpSpPr>
+      <p:grpSpPr>
+        <a:xfrm>
+          <a:off x="0" y="0"/>
+          <a:ext cx="0" cy="0"/>
+          <a:chOff x="0" y="0"/>
+          <a:chExt cx="0" cy="0"/>
+        </a:xfrm>
+      </p:grpSpPr>
+      <p:sp>
+        <p:nvSpPr>
+          <p:cNvPr id="73730" name="Rectangle 7"/>
+          <p:cNvSpPr>
+            <a:spLocks noGrp="1" noChangeArrowheads="1"/>
+          </p:cNvSpPr>
+          <p:nvPr>
+            <p:ph type="sldNum" sz="quarter" idx="5"/>
+          </p:nvPr>
+        </p:nvSpPr>
+        <p:spPr>
+          <a:noFill/>
+        </p:spPr>
+        <p:txBody>
+          <a:bodyPr/>
+          <a:lstStyle/>
+          <a:p>
+            <a:fld id="{4888E725-8B12-40CE-8DAE-87CF7A00F3E7}" type="slidenum">
+              <a:rPr lang="en-US" smtClean="0"/>
+              <a:pPr/>
+              <a:t>11</a:t>
+            </a:fld>
+            <a:endParaRPr lang="en-US" smtClean="0"/>
+          </a:p>
+        </p:txBody>
+      </p:sp>
+      <p:sp>
+        <p:nvSpPr>
+          <p:cNvPr id="73731" name="Rectangle 2"/>
+          <p:cNvSpPr>
+            <a:spLocks noGrp="1" noRot="1" noChangeAspect="1" noChangeArrowheads="1" noTextEdit="1"/>
+          </p:cNvSpPr>
+          <p:nvPr>
+            <p:ph type="sldImg"/>
+          </p:nvPr>
+        </p:nvSpPr>
+        <p:spPr>
+          <a:xfrm>
+            <a:off x="2973388" y="549275"/>
+            <a:ext cx="3659187" cy="2743200"/>
+          </a:xfrm>
+          <a:ln/>
+        </p:spPr>
+      </p:sp>
+      <p:sp>
+        <p:nvSpPr>
+          <p:cNvPr id="73732" name="Rectangle 3"/>
+          <p:cNvSpPr>
+            <a:spLocks noGrp="1" noChangeArrowheads="1"/>
+          </p:cNvSpPr>
+          <p:nvPr>
+            <p:ph type="body" idx="1"/>
+          </p:nvPr>
+        </p:nvSpPr>
+        <p:spPr>
+          <a:noFill/>
+          <a:ln/>
+        </p:spPr>
+        <p:txBody>
+          <a:bodyPr/>
+          <a:lstStyle/>
+          <a:p>
+            <a:pPr eaLnBrk="1" hangingPunct="1"/>
+            <a:endParaRPr lang="en-US" smtClean="0"/>
+          </a:p>
+        </p:txBody>
+      </p:sp>
+    </p:spTree>
+  </p:cSld>
+  <p:clrMapOvr>
+    <a:masterClrMapping/>
+  </p:clrMapOvr>
+</p:notes>
+</file>
+
+<file path=ppt/notesSlides/notesSlide12.xml><?xml version="1.0" encoding="utf-8"?>
+<p:notes xmlns:a="http://schemas.openxmlformats.org/drawingml/2006/main" xmlns:r="http://schemas.openxmlformats.org/officeDocument/2006/relationships" xmlns:p="http://schemas.openxmlformats.org/presentationml/2006/main">
+  <p:cSld>
+    <p:spTree>
+      <p:nvGrpSpPr>
+        <p:cNvPr id="1" name=""/>
+        <p:cNvGrpSpPr/>
+        <p:nvPr/>
+      </p:nvGrpSpPr>
+      <p:grpSpPr>
+        <a:xfrm>
+          <a:off x="0" y="0"/>
+          <a:ext cx="0" cy="0"/>
+          <a:chOff x="0" y="0"/>
+          <a:chExt cx="0" cy="0"/>
+        </a:xfrm>
+      </p:grpSpPr>
+      <p:sp>
+        <p:nvSpPr>
           <p:cNvPr id="68610" name="Rectangle 7"/>
           <p:cNvSpPr>
             <a:spLocks noGrp="1" noChangeArrowheads="1"/>
@@ -1050,7 +1232,7 @@
             <a:fld id="{5EB02511-0D7A-4E7C-93BD-BE9165986261}" type="slidenum">
               <a:rPr lang="en-US" smtClean="0"/>
               <a:pPr/>
-              <a:t>10</a:t>
+              <a:t>12</a:t>
             </a:fld>
             <a:endParaRPr lang="en-US" smtClean="0"/>
           </a:p>
@@ -1105,7 +1287,7 @@
 </p:notes>
 </file>
 
-<file path=ppt/notesSlides/notesSlide11.xml><?xml version="1.0" encoding="utf-8"?>
+<file path=ppt/notesSlides/notesSlide13.xml><?xml version="1.0" encoding="utf-8"?>
 <p:notes xmlns:a="http://schemas.openxmlformats.org/drawingml/2006/main" xmlns:r="http://schemas.openxmlformats.org/officeDocument/2006/relationships" xmlns:p="http://schemas.openxmlformats.org/presentationml/2006/main">
   <p:cSld>
     <p:spTree>
@@ -1142,7 +1324,7 @@
             <a:fld id="{5EB02511-0D7A-4E7C-93BD-BE9165986261}" type="slidenum">
               <a:rPr lang="en-US" smtClean="0"/>
               <a:pPr/>
-              <a:t>11</a:t>
+              <a:t>13</a:t>
             </a:fld>
             <a:endParaRPr lang="en-US" smtClean="0"/>
           </a:p>
@@ -1197,7 +1379,191 @@
 </p:notes>
 </file>
 
-<file path=ppt/notesSlides/notesSlide12.xml><?xml version="1.0" encoding="utf-8"?>
+<file path=ppt/notesSlides/notesSlide14.xml><?xml version="1.0" encoding="utf-8"?>
+<p:notes xmlns:a="http://schemas.openxmlformats.org/drawingml/2006/main" xmlns:r="http://schemas.openxmlformats.org/officeDocument/2006/relationships" xmlns:p="http://schemas.openxmlformats.org/presentationml/2006/main">
+  <p:cSld>
+    <p:spTree>
+      <p:nvGrpSpPr>
+        <p:cNvPr id="1" name=""/>
+        <p:cNvGrpSpPr/>
+        <p:nvPr/>
+      </p:nvGrpSpPr>
+      <p:grpSpPr>
+        <a:xfrm>
+          <a:off x="0" y="0"/>
+          <a:ext cx="0" cy="0"/>
+          <a:chOff x="0" y="0"/>
+          <a:chExt cx="0" cy="0"/>
+        </a:xfrm>
+      </p:grpSpPr>
+      <p:sp>
+        <p:nvSpPr>
+          <p:cNvPr id="68610" name="Rectangle 7"/>
+          <p:cNvSpPr>
+            <a:spLocks noGrp="1" noChangeArrowheads="1"/>
+          </p:cNvSpPr>
+          <p:nvPr>
+            <p:ph type="sldNum" sz="quarter" idx="5"/>
+          </p:nvPr>
+        </p:nvSpPr>
+        <p:spPr>
+          <a:noFill/>
+        </p:spPr>
+        <p:txBody>
+          <a:bodyPr/>
+          <a:lstStyle/>
+          <a:p>
+            <a:fld id="{5EB02511-0D7A-4E7C-93BD-BE9165986261}" type="slidenum">
+              <a:rPr lang="en-US" smtClean="0"/>
+              <a:pPr/>
+              <a:t>14</a:t>
+            </a:fld>
+            <a:endParaRPr lang="en-US" smtClean="0"/>
+          </a:p>
+        </p:txBody>
+      </p:sp>
+      <p:sp>
+        <p:nvSpPr>
+          <p:cNvPr id="68611" name="Rectangle 2"/>
+          <p:cNvSpPr>
+            <a:spLocks noGrp="1" noRot="1" noChangeAspect="1" noChangeArrowheads="1" noTextEdit="1"/>
+          </p:cNvSpPr>
+          <p:nvPr>
+            <p:ph type="sldImg"/>
+          </p:nvPr>
+        </p:nvSpPr>
+        <p:spPr>
+          <a:xfrm>
+            <a:off x="2973388" y="549275"/>
+            <a:ext cx="3659187" cy="2743200"/>
+          </a:xfrm>
+          <a:ln/>
+        </p:spPr>
+      </p:sp>
+      <p:sp>
+        <p:nvSpPr>
+          <p:cNvPr id="68612" name="Rectangle 3"/>
+          <p:cNvSpPr>
+            <a:spLocks noGrp="1" noChangeArrowheads="1"/>
+          </p:cNvSpPr>
+          <p:nvPr>
+            <p:ph type="body" idx="1"/>
+          </p:nvPr>
+        </p:nvSpPr>
+        <p:spPr>
+          <a:noFill/>
+          <a:ln/>
+        </p:spPr>
+        <p:txBody>
+          <a:bodyPr/>
+          <a:lstStyle/>
+          <a:p>
+            <a:pPr eaLnBrk="1" hangingPunct="1"/>
+            <a:endParaRPr lang="en-US" smtClean="0"/>
+          </a:p>
+        </p:txBody>
+      </p:sp>
+    </p:spTree>
+  </p:cSld>
+  <p:clrMapOvr>
+    <a:masterClrMapping/>
+  </p:clrMapOvr>
+</p:notes>
+</file>
+
+<file path=ppt/notesSlides/notesSlide15.xml><?xml version="1.0" encoding="utf-8"?>
+<p:notes xmlns:a="http://schemas.openxmlformats.org/drawingml/2006/main" xmlns:r="http://schemas.openxmlformats.org/officeDocument/2006/relationships" xmlns:p="http://schemas.openxmlformats.org/presentationml/2006/main">
+  <p:cSld>
+    <p:spTree>
+      <p:nvGrpSpPr>
+        <p:cNvPr id="1" name=""/>
+        <p:cNvGrpSpPr/>
+        <p:nvPr/>
+      </p:nvGrpSpPr>
+      <p:grpSpPr>
+        <a:xfrm>
+          <a:off x="0" y="0"/>
+          <a:ext cx="0" cy="0"/>
+          <a:chOff x="0" y="0"/>
+          <a:chExt cx="0" cy="0"/>
+        </a:xfrm>
+      </p:grpSpPr>
+      <p:sp>
+        <p:nvSpPr>
+          <p:cNvPr id="68610" name="Rectangle 7"/>
+          <p:cNvSpPr>
+            <a:spLocks noGrp="1" noChangeArrowheads="1"/>
+          </p:cNvSpPr>
+          <p:nvPr>
+            <p:ph type="sldNum" sz="quarter" idx="5"/>
+          </p:nvPr>
+        </p:nvSpPr>
+        <p:spPr>
+          <a:noFill/>
+        </p:spPr>
+        <p:txBody>
+          <a:bodyPr/>
+          <a:lstStyle/>
+          <a:p>
+            <a:fld id="{5EB02511-0D7A-4E7C-93BD-BE9165986261}" type="slidenum">
+              <a:rPr lang="en-US" smtClean="0"/>
+              <a:pPr/>
+              <a:t>15</a:t>
+            </a:fld>
+            <a:endParaRPr lang="en-US" smtClean="0"/>
+          </a:p>
+        </p:txBody>
+      </p:sp>
+      <p:sp>
+        <p:nvSpPr>
+          <p:cNvPr id="68611" name="Rectangle 2"/>
+          <p:cNvSpPr>
+            <a:spLocks noGrp="1" noRot="1" noChangeAspect="1" noChangeArrowheads="1" noTextEdit="1"/>
+          </p:cNvSpPr>
+          <p:nvPr>
+            <p:ph type="sldImg"/>
+          </p:nvPr>
+        </p:nvSpPr>
+        <p:spPr>
+          <a:xfrm>
+            <a:off x="2973388" y="549275"/>
+            <a:ext cx="3659187" cy="2743200"/>
+          </a:xfrm>
+          <a:ln/>
+        </p:spPr>
+      </p:sp>
+      <p:sp>
+        <p:nvSpPr>
+          <p:cNvPr id="68612" name="Rectangle 3"/>
+          <p:cNvSpPr>
+            <a:spLocks noGrp="1" noChangeArrowheads="1"/>
+          </p:cNvSpPr>
+          <p:nvPr>
+            <p:ph type="body" idx="1"/>
+          </p:nvPr>
+        </p:nvSpPr>
+        <p:spPr>
+          <a:noFill/>
+          <a:ln/>
+        </p:spPr>
+        <p:txBody>
+          <a:bodyPr/>
+          <a:lstStyle/>
+          <a:p>
+            <a:pPr eaLnBrk="1" hangingPunct="1"/>
+            <a:endParaRPr lang="en-US" smtClean="0"/>
+          </a:p>
+        </p:txBody>
+      </p:sp>
+    </p:spTree>
+  </p:cSld>
+  <p:clrMapOvr>
+    <a:masterClrMapping/>
+  </p:clrMapOvr>
+</p:notes>
+</file>
+
+<file path=ppt/notesSlides/notesSlide2.xml><?xml version="1.0" encoding="utf-8"?>
 <p:notes xmlns:a="http://schemas.openxmlformats.org/drawingml/2006/main" xmlns:r="http://schemas.openxmlformats.org/officeDocument/2006/relationships" xmlns:p="http://schemas.openxmlformats.org/presentationml/2006/main">
   <p:cSld>
     <p:spTree>
@@ -1234,7 +1600,7 @@
             <a:fld id="{909E1EC8-93AE-4827-A095-28410727E457}" type="slidenum">
               <a:rPr lang="en-US" smtClean="0"/>
               <a:pPr/>
-              <a:t>12</a:t>
+              <a:t>2</a:t>
             </a:fld>
             <a:endParaRPr lang="en-US" smtClean="0"/>
           </a:p>
@@ -1289,7 +1655,7 @@
 </p:notes>
 </file>
 
-<file path=ppt/notesSlides/notesSlide13.xml><?xml version="1.0" encoding="utf-8"?>
+<file path=ppt/notesSlides/notesSlide3.xml><?xml version="1.0" encoding="utf-8"?>
 <p:notes xmlns:a="http://schemas.openxmlformats.org/drawingml/2006/main" xmlns:r="http://schemas.openxmlformats.org/officeDocument/2006/relationships" xmlns:p="http://schemas.openxmlformats.org/presentationml/2006/main">
   <p:cSld>
     <p:spTree>
@@ -1326,7 +1692,7 @@
             <a:fld id="{1FDF02B9-50A4-44CF-82CB-DCD8E445C1AE}" type="slidenum">
               <a:rPr lang="en-US" smtClean="0"/>
               <a:pPr/>
-              <a:t>13</a:t>
+              <a:t>3</a:t>
             </a:fld>
             <a:endParaRPr lang="en-US" smtClean="0"/>
           </a:p>
@@ -1381,7 +1747,7 @@
 </p:notes>
 </file>
 
-<file path=ppt/notesSlides/notesSlide14.xml><?xml version="1.0" encoding="utf-8"?>
+<file path=ppt/notesSlides/notesSlide4.xml><?xml version="1.0" encoding="utf-8"?>
 <p:notes xmlns:a="http://schemas.openxmlformats.org/drawingml/2006/main" xmlns:r="http://schemas.openxmlformats.org/officeDocument/2006/relationships" xmlns:p="http://schemas.openxmlformats.org/presentationml/2006/main">
   <p:cSld>
     <p:spTree>
@@ -1454,7 +1820,7 @@
               <a:pPr>
                 <a:defRPr/>
               </a:pPr>
-              <a:t>14</a:t>
+              <a:t>4</a:t>
             </a:fld>
             <a:endParaRPr lang="en-US"/>
           </a:p>
@@ -1468,7 +1834,7 @@
 </p:notes>
 </file>
 
-<file path=ppt/notesSlides/notesSlide15.xml><?xml version="1.0" encoding="utf-8"?>
+<file path=ppt/notesSlides/notesSlide5.xml><?xml version="1.0" encoding="utf-8"?>
 <p:notes xmlns:a="http://schemas.openxmlformats.org/drawingml/2006/main" xmlns:r="http://schemas.openxmlformats.org/officeDocument/2006/relationships" xmlns:p="http://schemas.openxmlformats.org/presentationml/2006/main">
   <p:cSld>
     <p:spTree>
@@ -1541,551 +1907,9 @@
               <a:pPr>
                 <a:defRPr/>
               </a:pPr>
-              <a:t>15</a:t>
+              <a:t>5</a:t>
             </a:fld>
             <a:endParaRPr lang="en-US"/>
-          </a:p>
-        </p:txBody>
-      </p:sp>
-    </p:spTree>
-  </p:cSld>
-  <p:clrMapOvr>
-    <a:masterClrMapping/>
-  </p:clrMapOvr>
-</p:notes>
-</file>
-
-<file path=ppt/notesSlides/notesSlide16.xml><?xml version="1.0" encoding="utf-8"?>
-<p:notes xmlns:a="http://schemas.openxmlformats.org/drawingml/2006/main" xmlns:r="http://schemas.openxmlformats.org/officeDocument/2006/relationships" xmlns:p="http://schemas.openxmlformats.org/presentationml/2006/main">
-  <p:cSld>
-    <p:spTree>
-      <p:nvGrpSpPr>
-        <p:cNvPr id="1" name=""/>
-        <p:cNvGrpSpPr/>
-        <p:nvPr/>
-      </p:nvGrpSpPr>
-      <p:grpSpPr>
-        <a:xfrm>
-          <a:off x="0" y="0"/>
-          <a:ext cx="0" cy="0"/>
-          <a:chOff x="0" y="0"/>
-          <a:chExt cx="0" cy="0"/>
-        </a:xfrm>
-      </p:grpSpPr>
-      <p:sp>
-        <p:nvSpPr>
-          <p:cNvPr id="2" name="Slide Image Placeholder 1"/>
-          <p:cNvSpPr>
-            <a:spLocks noGrp="1" noRot="1" noChangeAspect="1"/>
-          </p:cNvSpPr>
-          <p:nvPr>
-            <p:ph type="sldImg"/>
-          </p:nvPr>
-        </p:nvSpPr>
-        <p:spPr/>
-      </p:sp>
-      <p:sp>
-        <p:nvSpPr>
-          <p:cNvPr id="3" name="Notes Placeholder 2"/>
-          <p:cNvSpPr>
-            <a:spLocks noGrp="1"/>
-          </p:cNvSpPr>
-          <p:nvPr>
-            <p:ph type="body" idx="1"/>
-          </p:nvPr>
-        </p:nvSpPr>
-        <p:spPr/>
-        <p:txBody>
-          <a:bodyPr>
-            <a:normAutofit/>
-          </a:bodyPr>
-          <a:lstStyle/>
-          <a:p>
-            <a:endParaRPr lang="en-US"/>
-          </a:p>
-        </p:txBody>
-      </p:sp>
-      <p:sp>
-        <p:nvSpPr>
-          <p:cNvPr id="4" name="Slide Number Placeholder 3"/>
-          <p:cNvSpPr>
-            <a:spLocks noGrp="1"/>
-          </p:cNvSpPr>
-          <p:nvPr>
-            <p:ph type="sldNum" sz="quarter" idx="10"/>
-          </p:nvPr>
-        </p:nvSpPr>
-        <p:spPr/>
-        <p:txBody>
-          <a:bodyPr/>
-          <a:lstStyle/>
-          <a:p>
-            <a:pPr>
-              <a:defRPr/>
-            </a:pPr>
-            <a:fld id="{AE36780C-D2CC-4707-BDEA-F7C72E5CF167}" type="slidenum">
-              <a:rPr lang="en-US" smtClean="0"/>
-              <a:pPr>
-                <a:defRPr/>
-              </a:pPr>
-              <a:t>16</a:t>
-            </a:fld>
-            <a:endParaRPr lang="en-US"/>
-          </a:p>
-        </p:txBody>
-      </p:sp>
-    </p:spTree>
-  </p:cSld>
-  <p:clrMapOvr>
-    <a:masterClrMapping/>
-  </p:clrMapOvr>
-</p:notes>
-</file>
-
-<file path=ppt/notesSlides/notesSlide17.xml><?xml version="1.0" encoding="utf-8"?>
-<p:notes xmlns:a="http://schemas.openxmlformats.org/drawingml/2006/main" xmlns:r="http://schemas.openxmlformats.org/officeDocument/2006/relationships" xmlns:p="http://schemas.openxmlformats.org/presentationml/2006/main">
-  <p:cSld>
-    <p:spTree>
-      <p:nvGrpSpPr>
-        <p:cNvPr id="1" name=""/>
-        <p:cNvGrpSpPr/>
-        <p:nvPr/>
-      </p:nvGrpSpPr>
-      <p:grpSpPr>
-        <a:xfrm>
-          <a:off x="0" y="0"/>
-          <a:ext cx="0" cy="0"/>
-          <a:chOff x="0" y="0"/>
-          <a:chExt cx="0" cy="0"/>
-        </a:xfrm>
-      </p:grpSpPr>
-      <p:sp>
-        <p:nvSpPr>
-          <p:cNvPr id="2" name="Slide Image Placeholder 1"/>
-          <p:cNvSpPr>
-            <a:spLocks noGrp="1" noRot="1" noChangeAspect="1"/>
-          </p:cNvSpPr>
-          <p:nvPr>
-            <p:ph type="sldImg"/>
-          </p:nvPr>
-        </p:nvSpPr>
-        <p:spPr/>
-      </p:sp>
-      <p:sp>
-        <p:nvSpPr>
-          <p:cNvPr id="3" name="Notes Placeholder 2"/>
-          <p:cNvSpPr>
-            <a:spLocks noGrp="1"/>
-          </p:cNvSpPr>
-          <p:nvPr>
-            <p:ph type="body" idx="1"/>
-          </p:nvPr>
-        </p:nvSpPr>
-        <p:spPr/>
-        <p:txBody>
-          <a:bodyPr>
-            <a:normAutofit/>
-          </a:bodyPr>
-          <a:lstStyle/>
-          <a:p>
-            <a:endParaRPr lang="en-US"/>
-          </a:p>
-        </p:txBody>
-      </p:sp>
-      <p:sp>
-        <p:nvSpPr>
-          <p:cNvPr id="4" name="Slide Number Placeholder 3"/>
-          <p:cNvSpPr>
-            <a:spLocks noGrp="1"/>
-          </p:cNvSpPr>
-          <p:nvPr>
-            <p:ph type="sldNum" sz="quarter" idx="10"/>
-          </p:nvPr>
-        </p:nvSpPr>
-        <p:spPr/>
-        <p:txBody>
-          <a:bodyPr/>
-          <a:lstStyle/>
-          <a:p>
-            <a:pPr>
-              <a:defRPr/>
-            </a:pPr>
-            <a:fld id="{AE36780C-D2CC-4707-BDEA-F7C72E5CF167}" type="slidenum">
-              <a:rPr lang="en-US" smtClean="0"/>
-              <a:pPr>
-                <a:defRPr/>
-              </a:pPr>
-              <a:t>17</a:t>
-            </a:fld>
-            <a:endParaRPr lang="en-US"/>
-          </a:p>
-        </p:txBody>
-      </p:sp>
-    </p:spTree>
-  </p:cSld>
-  <p:clrMapOvr>
-    <a:masterClrMapping/>
-  </p:clrMapOvr>
-</p:notes>
-</file>
-
-<file path=ppt/notesSlides/notesSlide2.xml><?xml version="1.0" encoding="utf-8"?>
-<p:notes xmlns:a="http://schemas.openxmlformats.org/drawingml/2006/main" xmlns:r="http://schemas.openxmlformats.org/officeDocument/2006/relationships" xmlns:p="http://schemas.openxmlformats.org/presentationml/2006/main">
-  <p:cSld>
-    <p:spTree>
-      <p:nvGrpSpPr>
-        <p:cNvPr id="1" name=""/>
-        <p:cNvGrpSpPr/>
-        <p:nvPr/>
-      </p:nvGrpSpPr>
-      <p:grpSpPr>
-        <a:xfrm>
-          <a:off x="0" y="0"/>
-          <a:ext cx="0" cy="0"/>
-          <a:chOff x="0" y="0"/>
-          <a:chExt cx="0" cy="0"/>
-        </a:xfrm>
-      </p:grpSpPr>
-      <p:sp>
-        <p:nvSpPr>
-          <p:cNvPr id="73730" name="Rectangle 7"/>
-          <p:cNvSpPr>
-            <a:spLocks noGrp="1" noChangeArrowheads="1"/>
-          </p:cNvSpPr>
-          <p:nvPr>
-            <p:ph type="sldNum" sz="quarter" idx="5"/>
-          </p:nvPr>
-        </p:nvSpPr>
-        <p:spPr>
-          <a:noFill/>
-        </p:spPr>
-        <p:txBody>
-          <a:bodyPr/>
-          <a:lstStyle/>
-          <a:p>
-            <a:fld id="{4888E725-8B12-40CE-8DAE-87CF7A00F3E7}" type="slidenum">
-              <a:rPr lang="en-US" smtClean="0"/>
-              <a:pPr/>
-              <a:t>2</a:t>
-            </a:fld>
-            <a:endParaRPr lang="en-US" smtClean="0"/>
-          </a:p>
-        </p:txBody>
-      </p:sp>
-      <p:sp>
-        <p:nvSpPr>
-          <p:cNvPr id="73731" name="Rectangle 2"/>
-          <p:cNvSpPr>
-            <a:spLocks noGrp="1" noRot="1" noChangeAspect="1" noChangeArrowheads="1" noTextEdit="1"/>
-          </p:cNvSpPr>
-          <p:nvPr>
-            <p:ph type="sldImg"/>
-          </p:nvPr>
-        </p:nvSpPr>
-        <p:spPr>
-          <a:xfrm>
-            <a:off x="2973388" y="549275"/>
-            <a:ext cx="3659187" cy="2743200"/>
-          </a:xfrm>
-          <a:ln/>
-        </p:spPr>
-      </p:sp>
-      <p:sp>
-        <p:nvSpPr>
-          <p:cNvPr id="73732" name="Rectangle 3"/>
-          <p:cNvSpPr>
-            <a:spLocks noGrp="1" noChangeArrowheads="1"/>
-          </p:cNvSpPr>
-          <p:nvPr>
-            <p:ph type="body" idx="1"/>
-          </p:nvPr>
-        </p:nvSpPr>
-        <p:spPr>
-          <a:noFill/>
-          <a:ln/>
-        </p:spPr>
-        <p:txBody>
-          <a:bodyPr/>
-          <a:lstStyle/>
-          <a:p>
-            <a:pPr eaLnBrk="1" hangingPunct="1"/>
-            <a:endParaRPr lang="en-US" smtClean="0"/>
-          </a:p>
-        </p:txBody>
-      </p:sp>
-    </p:spTree>
-  </p:cSld>
-  <p:clrMapOvr>
-    <a:masterClrMapping/>
-  </p:clrMapOvr>
-</p:notes>
-</file>
-
-<file path=ppt/notesSlides/notesSlide3.xml><?xml version="1.0" encoding="utf-8"?>
-<p:notes xmlns:a="http://schemas.openxmlformats.org/drawingml/2006/main" xmlns:r="http://schemas.openxmlformats.org/officeDocument/2006/relationships" xmlns:p="http://schemas.openxmlformats.org/presentationml/2006/main">
-  <p:cSld>
-    <p:spTree>
-      <p:nvGrpSpPr>
-        <p:cNvPr id="1" name=""/>
-        <p:cNvGrpSpPr/>
-        <p:nvPr/>
-      </p:nvGrpSpPr>
-      <p:grpSpPr>
-        <a:xfrm>
-          <a:off x="0" y="0"/>
-          <a:ext cx="0" cy="0"/>
-          <a:chOff x="0" y="0"/>
-          <a:chExt cx="0" cy="0"/>
-        </a:xfrm>
-      </p:grpSpPr>
-      <p:sp>
-        <p:nvSpPr>
-          <p:cNvPr id="73730" name="Rectangle 7"/>
-          <p:cNvSpPr>
-            <a:spLocks noGrp="1" noChangeArrowheads="1"/>
-          </p:cNvSpPr>
-          <p:nvPr>
-            <p:ph type="sldNum" sz="quarter" idx="5"/>
-          </p:nvPr>
-        </p:nvSpPr>
-        <p:spPr>
-          <a:noFill/>
-        </p:spPr>
-        <p:txBody>
-          <a:bodyPr/>
-          <a:lstStyle/>
-          <a:p>
-            <a:fld id="{4888E725-8B12-40CE-8DAE-87CF7A00F3E7}" type="slidenum">
-              <a:rPr lang="en-US" smtClean="0"/>
-              <a:pPr/>
-              <a:t>3</a:t>
-            </a:fld>
-            <a:endParaRPr lang="en-US" smtClean="0"/>
-          </a:p>
-        </p:txBody>
-      </p:sp>
-      <p:sp>
-        <p:nvSpPr>
-          <p:cNvPr id="73731" name="Rectangle 2"/>
-          <p:cNvSpPr>
-            <a:spLocks noGrp="1" noRot="1" noChangeAspect="1" noChangeArrowheads="1" noTextEdit="1"/>
-          </p:cNvSpPr>
-          <p:nvPr>
-            <p:ph type="sldImg"/>
-          </p:nvPr>
-        </p:nvSpPr>
-        <p:spPr>
-          <a:xfrm>
-            <a:off x="2973388" y="549275"/>
-            <a:ext cx="3659187" cy="2743200"/>
-          </a:xfrm>
-          <a:ln/>
-        </p:spPr>
-      </p:sp>
-      <p:sp>
-        <p:nvSpPr>
-          <p:cNvPr id="73732" name="Rectangle 3"/>
-          <p:cNvSpPr>
-            <a:spLocks noGrp="1" noChangeArrowheads="1"/>
-          </p:cNvSpPr>
-          <p:nvPr>
-            <p:ph type="body" idx="1"/>
-          </p:nvPr>
-        </p:nvSpPr>
-        <p:spPr>
-          <a:noFill/>
-          <a:ln/>
-        </p:spPr>
-        <p:txBody>
-          <a:bodyPr/>
-          <a:lstStyle/>
-          <a:p>
-            <a:pPr eaLnBrk="1" hangingPunct="1"/>
-            <a:endParaRPr lang="en-US" smtClean="0"/>
-          </a:p>
-        </p:txBody>
-      </p:sp>
-    </p:spTree>
-  </p:cSld>
-  <p:clrMapOvr>
-    <a:masterClrMapping/>
-  </p:clrMapOvr>
-</p:notes>
-</file>
-
-<file path=ppt/notesSlides/notesSlide4.xml><?xml version="1.0" encoding="utf-8"?>
-<p:notes xmlns:a="http://schemas.openxmlformats.org/drawingml/2006/main" xmlns:r="http://schemas.openxmlformats.org/officeDocument/2006/relationships" xmlns:p="http://schemas.openxmlformats.org/presentationml/2006/main">
-  <p:cSld>
-    <p:spTree>
-      <p:nvGrpSpPr>
-        <p:cNvPr id="1" name=""/>
-        <p:cNvGrpSpPr/>
-        <p:nvPr/>
-      </p:nvGrpSpPr>
-      <p:grpSpPr>
-        <a:xfrm>
-          <a:off x="0" y="0"/>
-          <a:ext cx="0" cy="0"/>
-          <a:chOff x="0" y="0"/>
-          <a:chExt cx="0" cy="0"/>
-        </a:xfrm>
-      </p:grpSpPr>
-      <p:sp>
-        <p:nvSpPr>
-          <p:cNvPr id="73730" name="Rectangle 7"/>
-          <p:cNvSpPr>
-            <a:spLocks noGrp="1" noChangeArrowheads="1"/>
-          </p:cNvSpPr>
-          <p:nvPr>
-            <p:ph type="sldNum" sz="quarter" idx="5"/>
-          </p:nvPr>
-        </p:nvSpPr>
-        <p:spPr>
-          <a:noFill/>
-        </p:spPr>
-        <p:txBody>
-          <a:bodyPr/>
-          <a:lstStyle/>
-          <a:p>
-            <a:fld id="{4888E725-8B12-40CE-8DAE-87CF7A00F3E7}" type="slidenum">
-              <a:rPr lang="en-US" smtClean="0"/>
-              <a:pPr/>
-              <a:t>4</a:t>
-            </a:fld>
-            <a:endParaRPr lang="en-US" smtClean="0"/>
-          </a:p>
-        </p:txBody>
-      </p:sp>
-      <p:sp>
-        <p:nvSpPr>
-          <p:cNvPr id="73731" name="Rectangle 2"/>
-          <p:cNvSpPr>
-            <a:spLocks noGrp="1" noRot="1" noChangeAspect="1" noChangeArrowheads="1" noTextEdit="1"/>
-          </p:cNvSpPr>
-          <p:nvPr>
-            <p:ph type="sldImg"/>
-          </p:nvPr>
-        </p:nvSpPr>
-        <p:spPr>
-          <a:xfrm>
-            <a:off x="2973388" y="549275"/>
-            <a:ext cx="3659187" cy="2743200"/>
-          </a:xfrm>
-          <a:ln/>
-        </p:spPr>
-      </p:sp>
-      <p:sp>
-        <p:nvSpPr>
-          <p:cNvPr id="73732" name="Rectangle 3"/>
-          <p:cNvSpPr>
-            <a:spLocks noGrp="1" noChangeArrowheads="1"/>
-          </p:cNvSpPr>
-          <p:nvPr>
-            <p:ph type="body" idx="1"/>
-          </p:nvPr>
-        </p:nvSpPr>
-        <p:spPr>
-          <a:noFill/>
-          <a:ln/>
-        </p:spPr>
-        <p:txBody>
-          <a:bodyPr/>
-          <a:lstStyle/>
-          <a:p>
-            <a:pPr eaLnBrk="1" hangingPunct="1"/>
-            <a:endParaRPr lang="en-US" smtClean="0"/>
-          </a:p>
-        </p:txBody>
-      </p:sp>
-    </p:spTree>
-  </p:cSld>
-  <p:clrMapOvr>
-    <a:masterClrMapping/>
-  </p:clrMapOvr>
-</p:notes>
-</file>
-
-<file path=ppt/notesSlides/notesSlide5.xml><?xml version="1.0" encoding="utf-8"?>
-<p:notes xmlns:a="http://schemas.openxmlformats.org/drawingml/2006/main" xmlns:r="http://schemas.openxmlformats.org/officeDocument/2006/relationships" xmlns:p="http://schemas.openxmlformats.org/presentationml/2006/main">
-  <p:cSld>
-    <p:spTree>
-      <p:nvGrpSpPr>
-        <p:cNvPr id="1" name=""/>
-        <p:cNvGrpSpPr/>
-        <p:nvPr/>
-      </p:nvGrpSpPr>
-      <p:grpSpPr>
-        <a:xfrm>
-          <a:off x="0" y="0"/>
-          <a:ext cx="0" cy="0"/>
-          <a:chOff x="0" y="0"/>
-          <a:chExt cx="0" cy="0"/>
-        </a:xfrm>
-      </p:grpSpPr>
-      <p:sp>
-        <p:nvSpPr>
-          <p:cNvPr id="73730" name="Rectangle 7"/>
-          <p:cNvSpPr>
-            <a:spLocks noGrp="1" noChangeArrowheads="1"/>
-          </p:cNvSpPr>
-          <p:nvPr>
-            <p:ph type="sldNum" sz="quarter" idx="5"/>
-          </p:nvPr>
-        </p:nvSpPr>
-        <p:spPr>
-          <a:noFill/>
-        </p:spPr>
-        <p:txBody>
-          <a:bodyPr/>
-          <a:lstStyle/>
-          <a:p>
-            <a:fld id="{4888E725-8B12-40CE-8DAE-87CF7A00F3E7}" type="slidenum">
-              <a:rPr lang="en-US" smtClean="0"/>
-              <a:pPr/>
-              <a:t>5</a:t>
-            </a:fld>
-            <a:endParaRPr lang="en-US" smtClean="0"/>
-          </a:p>
-        </p:txBody>
-      </p:sp>
-      <p:sp>
-        <p:nvSpPr>
-          <p:cNvPr id="73731" name="Rectangle 2"/>
-          <p:cNvSpPr>
-            <a:spLocks noGrp="1" noRot="1" noChangeAspect="1" noChangeArrowheads="1" noTextEdit="1"/>
-          </p:cNvSpPr>
-          <p:nvPr>
-            <p:ph type="sldImg"/>
-          </p:nvPr>
-        </p:nvSpPr>
-        <p:spPr>
-          <a:xfrm>
-            <a:off x="2973388" y="549275"/>
-            <a:ext cx="3659187" cy="2743200"/>
-          </a:xfrm>
-          <a:ln/>
-        </p:spPr>
-      </p:sp>
-      <p:sp>
-        <p:nvSpPr>
-          <p:cNvPr id="73732" name="Rectangle 3"/>
-          <p:cNvSpPr>
-            <a:spLocks noGrp="1" noChangeArrowheads="1"/>
-          </p:cNvSpPr>
-          <p:nvPr>
-            <p:ph type="body" idx="1"/>
-          </p:nvPr>
-        </p:nvSpPr>
-        <p:spPr>
-          <a:noFill/>
-          <a:ln/>
-        </p:spPr>
-        <p:txBody>
-          <a:bodyPr/>
-          <a:lstStyle/>
-          <a:p>
-            <a:pPr eaLnBrk="1" hangingPunct="1"/>
-            <a:endParaRPr lang="en-US" smtClean="0"/>
           </a:p>
         </p:txBody>
       </p:sp>
@@ -2300,7 +2124,7 @@
       </p:grpSpPr>
       <p:sp>
         <p:nvSpPr>
-          <p:cNvPr id="68610" name="Rectangle 7"/>
+          <p:cNvPr id="73730" name="Rectangle 7"/>
           <p:cNvSpPr>
             <a:spLocks noGrp="1" noChangeArrowheads="1"/>
           </p:cNvSpPr>
@@ -2315,7 +2139,7 @@
           <a:bodyPr/>
           <a:lstStyle/>
           <a:p>
-            <a:fld id="{5EB02511-0D7A-4E7C-93BD-BE9165986261}" type="slidenum">
+            <a:fld id="{4888E725-8B12-40CE-8DAE-87CF7A00F3E7}" type="slidenum">
               <a:rPr lang="en-US" smtClean="0"/>
               <a:pPr/>
               <a:t>8</a:t>
@@ -2326,7 +2150,7 @@
       </p:sp>
       <p:sp>
         <p:nvSpPr>
-          <p:cNvPr id="68611" name="Rectangle 2"/>
+          <p:cNvPr id="73731" name="Rectangle 2"/>
           <p:cNvSpPr>
             <a:spLocks noGrp="1" noRot="1" noChangeAspect="1" noChangeArrowheads="1" noTextEdit="1"/>
           </p:cNvSpPr>
@@ -2344,7 +2168,7 @@
       </p:sp>
       <p:sp>
         <p:nvSpPr>
-          <p:cNvPr id="68612" name="Rectangle 3"/>
+          <p:cNvPr id="73732" name="Rectangle 3"/>
           <p:cNvSpPr>
             <a:spLocks noGrp="1" noChangeArrowheads="1"/>
           </p:cNvSpPr>
@@ -2392,7 +2216,7 @@
       </p:grpSpPr>
       <p:sp>
         <p:nvSpPr>
-          <p:cNvPr id="68610" name="Rectangle 7"/>
+          <p:cNvPr id="73730" name="Rectangle 7"/>
           <p:cNvSpPr>
             <a:spLocks noGrp="1" noChangeArrowheads="1"/>
           </p:cNvSpPr>
@@ -2407,7 +2231,7 @@
           <a:bodyPr/>
           <a:lstStyle/>
           <a:p>
-            <a:fld id="{5EB02511-0D7A-4E7C-93BD-BE9165986261}" type="slidenum">
+            <a:fld id="{4888E725-8B12-40CE-8DAE-87CF7A00F3E7}" type="slidenum">
               <a:rPr lang="en-US" smtClean="0"/>
               <a:pPr/>
               <a:t>9</a:t>
@@ -2418,7 +2242,7 @@
       </p:sp>
       <p:sp>
         <p:nvSpPr>
-          <p:cNvPr id="68611" name="Rectangle 2"/>
+          <p:cNvPr id="73731" name="Rectangle 2"/>
           <p:cNvSpPr>
             <a:spLocks noGrp="1" noRot="1" noChangeAspect="1" noChangeArrowheads="1" noTextEdit="1"/>
           </p:cNvSpPr>
@@ -2436,7 +2260,7 @@
       </p:sp>
       <p:sp>
         <p:nvSpPr>
-          <p:cNvPr id="68612" name="Rectangle 3"/>
+          <p:cNvPr id="73732" name="Rectangle 3"/>
           <p:cNvSpPr>
             <a:spLocks noGrp="1" noChangeArrowheads="1"/>
           </p:cNvSpPr>
@@ -3885,16 +3709,34 @@
               <a:rPr lang="en-US" sz="6000" b="1" dirty="0" smtClean="0">
                 <a:latin typeface="Comic Sans MS" pitchFamily="66" charset="0"/>
               </a:rPr>
-              <a:t>Random Variables:</a:t>
-            </a:r>
-          </a:p>
-          <a:p>
-            <a:pPr algn="ctr"/>
+              <a:t>Random </a:t>
+            </a:r>
             <a:r>
               <a:rPr lang="en-US" sz="6000" b="1" dirty="0" smtClean="0">
                 <a:latin typeface="Comic Sans MS" pitchFamily="66" charset="0"/>
               </a:rPr>
-              <a:t>Binomial, Uniform</a:t>
+              <a:t>Variables</a:t>
+            </a:r>
+            <a:endParaRPr lang="en-US" sz="6000" b="1" dirty="0" smtClean="0">
+              <a:latin typeface="Comic Sans MS" pitchFamily="66" charset="0"/>
+            </a:endParaRPr>
+          </a:p>
+          <a:p>
+            <a:pPr algn="ctr"/>
+            <a:r>
+              <a:rPr lang="en-US" sz="6000" b="1" dirty="0" smtClean="0">
+                <a:latin typeface="Comic Sans MS" pitchFamily="66" charset="0"/>
+              </a:rPr>
+              <a:t>Uniform, </a:t>
+            </a:r>
+            <a:r>
+              <a:rPr lang="en-US" sz="6000" b="1" dirty="0" smtClean="0">
+                <a:solidFill>
+                  <a:srgbClr val="000000"/>
+                </a:solidFill>
+                <a:latin typeface="Comic Sans MS" pitchFamily="66" charset="0"/>
+              </a:rPr>
+              <a:t>Binomial</a:t>
             </a:r>
             <a:endParaRPr lang="en-US" sz="1200" b="1" dirty="0">
               <a:latin typeface="Comic Sans MS" pitchFamily="66" charset="0"/>
@@ -3918,7 +3760,91 @@
   <p:timing>
     <p:tnLst>
       <p:par>
-        <p:cTn xmlns:p14="http://schemas.microsoft.com/office/powerpoint/2010/main" id="1" dur="indefinite" restart="never" nodeType="tmRoot"/>
+        <p:cTn xmlns:p14="http://schemas.microsoft.com/office/powerpoint/2010/main" id="1" dur="indefinite" restart="never" nodeType="tmRoot">
+          <p:childTnLst>
+            <p:seq concurrent="1" nextAc="seek">
+              <p:cTn id="2" dur="indefinite" nodeType="mainSeq">
+                <p:childTnLst>
+                  <p:par>
+                    <p:cTn id="3" fill="hold">
+                      <p:stCondLst>
+                        <p:cond delay="indefinite"/>
+                      </p:stCondLst>
+                      <p:childTnLst>
+                        <p:par>
+                          <p:cTn id="4" fill="hold">
+                            <p:stCondLst>
+                              <p:cond delay="0"/>
+                            </p:stCondLst>
+                            <p:childTnLst>
+                              <p:par>
+                                <p:cTn id="5" presetID="10" presetClass="entr" presetSubtype="0" fill="hold" nodeType="clickEffect">
+                                  <p:stCondLst>
+                                    <p:cond delay="0"/>
+                                  </p:stCondLst>
+                                  <p:childTnLst>
+                                    <p:set>
+                                      <p:cBhvr>
+                                        <p:cTn id="6" dur="1" fill="hold">
+                                          <p:stCondLst>
+                                            <p:cond delay="0"/>
+                                          </p:stCondLst>
+                                        </p:cTn>
+                                        <p:tgtEl>
+                                          <p:spTgt spid="22532">
+                                            <p:txEl>
+                                              <p:pRg st="1" end="1"/>
+                                            </p:txEl>
+                                          </p:spTgt>
+                                        </p:tgtEl>
+                                        <p:attrNameLst>
+                                          <p:attrName>style.visibility</p:attrName>
+                                        </p:attrNameLst>
+                                      </p:cBhvr>
+                                      <p:to>
+                                        <p:strVal val="visible"/>
+                                      </p:to>
+                                    </p:set>
+                                    <p:animEffect transition="in" filter="fade">
+                                      <p:cBhvr>
+                                        <p:cTn id="7" dur="500"/>
+                                        <p:tgtEl>
+                                          <p:spTgt spid="22532">
+                                            <p:txEl>
+                                              <p:pRg st="1" end="1"/>
+                                            </p:txEl>
+                                          </p:spTgt>
+                                        </p:tgtEl>
+                                      </p:cBhvr>
+                                    </p:animEffect>
+                                  </p:childTnLst>
+                                </p:cTn>
+                              </p:par>
+                            </p:childTnLst>
+                          </p:cTn>
+                        </p:par>
+                      </p:childTnLst>
+                    </p:cTn>
+                  </p:par>
+                </p:childTnLst>
+              </p:cTn>
+              <p:prevCondLst>
+                <p:cond evt="onPrev" delay="0">
+                  <p:tgtEl>
+                    <p:sldTgt/>
+                  </p:tgtEl>
+                </p:cond>
+              </p:prevCondLst>
+              <p:nextCondLst>
+                <p:cond evt="onNext" delay="0">
+                  <p:tgtEl>
+                    <p:sldTgt/>
+                  </p:tgtEl>
+                </p:cond>
+              </p:nextCondLst>
+            </p:seq>
+          </p:childTnLst>
+        </p:cTn>
       </p:par>
     </p:tnLst>
   </p:timing>
@@ -3926,7 +3852,7 @@
 </file>
 
 <file path=ppt/slides/slide10.xml><?xml version="1.0" encoding="utf-8"?>
-<p:sld xmlns:a="http://schemas.openxmlformats.org/drawingml/2006/main" xmlns:r="http://schemas.openxmlformats.org/officeDocument/2006/relationships" xmlns:p="http://schemas.openxmlformats.org/presentationml/2006/main" show="0">
+<p:sld xmlns:a="http://schemas.openxmlformats.org/drawingml/2006/main" xmlns:r="http://schemas.openxmlformats.org/officeDocument/2006/relationships" xmlns:p="http://schemas.openxmlformats.org/presentationml/2006/main">
   <p:cSld>
     <p:spTree>
       <p:nvGrpSpPr>
@@ -3968,7 +3894,7 @@
               <a:rPr lang="en-US" dirty="0" smtClean="0"/>
               <a:t>-uniform.</a:t>
             </a:r>
-            <a:fld id="{96B43620-50E9-4AF8-A2CB-DB1E00EE695D}" type="slidenum">
+            <a:fld id="{DEDCF3E0-95E5-4B40-9A75-5FDE935C9264}" type="slidenum">
               <a:rPr lang="en-US" smtClean="0"/>
               <a:pPr>
                 <a:defRPr/>
@@ -3981,7 +3907,7 @@
       </p:sp>
       <p:sp>
         <p:nvSpPr>
-          <p:cNvPr id="38915" name="Rectangle 2"/>
+          <p:cNvPr id="41987" name="Rectangle 2"/>
           <p:cNvSpPr>
             <a:spLocks noGrp="1" noChangeArrowheads="1"/>
           </p:cNvSpPr>
@@ -3996,15 +3922,15 @@
           <a:p>
             <a:pPr eaLnBrk="1" hangingPunct="1"/>
             <a:r>
-              <a:rPr lang="en-US" smtClean="0"/>
-              <a:t>Density &amp; Distribution</a:t>
+              <a:rPr lang="en-US" dirty="0" smtClean="0"/>
+              <a:t>Binomial Random Variable</a:t>
             </a:r>
           </a:p>
         </p:txBody>
       </p:sp>
       <p:sp>
         <p:nvSpPr>
-          <p:cNvPr id="152579" name="Rectangle 3"/>
+          <p:cNvPr id="157699" name="Rectangle 3"/>
           <p:cNvSpPr>
             <a:spLocks noGrp="1" noChangeArrowheads="1"/>
           </p:cNvSpPr>
@@ -4014,8 +3940,8 @@
         </p:nvSpPr>
         <p:spPr>
           <a:xfrm>
-            <a:off x="203200" y="1427163"/>
-            <a:ext cx="8672513" cy="3963987"/>
+            <a:off x="137588" y="984253"/>
+            <a:ext cx="8889181" cy="5609978"/>
           </a:xfrm>
         </p:spPr>
         <p:txBody>
@@ -4024,256 +3950,313 @@
           <a:p>
             <a:pPr eaLnBrk="1" hangingPunct="1"/>
             <a:r>
+              <a:rPr lang="en-US" sz="3600" dirty="0" err="1" smtClean="0">
+                <a:solidFill>
+                  <a:srgbClr val="3333FF"/>
+                </a:solidFill>
+              </a:rPr>
+              <a:t>B</a:t>
+            </a:r>
+            <a:r>
+              <a:rPr lang="en-US" sz="3600" baseline="-25000" dirty="0" err="1" smtClean="0">
+                <a:solidFill>
+                  <a:srgbClr val="3333FF"/>
+                </a:solidFill>
+              </a:rPr>
+              <a:t>n,p</a:t>
+            </a:r>
+            <a:r>
               <a:rPr lang="en-US" sz="3600" dirty="0" smtClean="0"/>
-              <a:t>The </a:t>
+              <a:t>::= # heads in </a:t>
+            </a:r>
+            <a:r>
+              <a:rPr lang="en-US" sz="3600" dirty="0" err="1" smtClean="0">
+                <a:solidFill>
+                  <a:srgbClr val="3333FF"/>
+                </a:solidFill>
+              </a:rPr>
+              <a:t>n</a:t>
+            </a:r>
+            <a:r>
+              <a:rPr lang="en-US" sz="3600" dirty="0" smtClean="0"/>
+              <a:t> </a:t>
             </a:r>
             <a:r>
               <a:rPr lang="en-US" sz="3600" dirty="0" smtClean="0">
                 <a:solidFill>
-                  <a:srgbClr val="9B2894"/>
-                </a:solidFill>
-              </a:rPr>
-              <a:t>Probability Density Function</a:t>
-            </a:r>
+                  <a:srgbClr val="FF00FF"/>
+                </a:solidFill>
+              </a:rPr>
+              <a:t>mutually</a:t>
+            </a:r>
+            <a:r>
+              <a:rPr lang="en-US" sz="3600" dirty="0" smtClean="0"/>
+              <a:t> </a:t>
+            </a:r>
+            <a:r>
+              <a:rPr lang="en-US" sz="3600" dirty="0" err="1" smtClean="0"/>
+              <a:t>indep</a:t>
+            </a:r>
+            <a:r>
+              <a:rPr lang="en-US" sz="3600" dirty="0" smtClean="0"/>
+              <a:t> flips.</a:t>
+            </a:r>
+            <a:endParaRPr lang="en-US" sz="3600" baseline="-25000" dirty="0" smtClean="0">
+              <a:solidFill>
+                <a:srgbClr val="3333FF"/>
+              </a:solidFill>
+            </a:endParaRPr>
           </a:p>
           <a:p>
             <a:pPr eaLnBrk="1" hangingPunct="1"/>
             <a:r>
               <a:rPr lang="en-US" sz="3600" dirty="0" smtClean="0"/>
-              <a:t>of random variable </a:t>
-            </a:r>
-            <a:r>
-              <a:rPr lang="en-US" sz="3600" dirty="0" smtClean="0">
+              <a:t>Coin may be biased.  So 2 parameters</a:t>
+            </a:r>
+          </a:p>
+          <a:p>
+            <a:pPr algn="ctr" eaLnBrk="1" hangingPunct="1"/>
+            <a:r>
+              <a:rPr lang="en-US" sz="3600" dirty="0" err="1" smtClean="0">
                 <a:solidFill>
                   <a:srgbClr val="3333FF"/>
                 </a:solidFill>
               </a:rPr>
-              <a:t>R</a:t>
+              <a:t>n</a:t>
             </a:r>
             <a:r>
               <a:rPr lang="en-US" sz="3600" dirty="0" smtClean="0"/>
-              <a:t>, </a:t>
-            </a:r>
-          </a:p>
-          <a:p>
-            <a:pPr algn="ctr" eaLnBrk="1" hangingPunct="1"/>
-            <a:r>
-              <a:rPr lang="en-US" sz="4400" dirty="0" smtClean="0">
-                <a:solidFill>
-                  <a:srgbClr val="9B2894"/>
-                </a:solidFill>
-              </a:rPr>
-              <a:t>PDF</a:t>
-            </a:r>
-            <a:r>
-              <a:rPr lang="en-US" sz="4400" baseline="-25000" dirty="0" smtClean="0">
+              <a:t> ::= # flips,    </a:t>
+            </a:r>
+            <a:r>
+              <a:rPr lang="en-US" sz="3600" dirty="0" err="1" smtClean="0">
                 <a:solidFill>
                   <a:srgbClr val="3333FF"/>
                 </a:solidFill>
               </a:rPr>
-              <a:t>R</a:t>
-            </a:r>
-            <a:r>
-              <a:rPr lang="en-US" sz="4400" dirty="0" smtClean="0"/>
-              <a:t>(</a:t>
-            </a:r>
-            <a:r>
-              <a:rPr lang="en-US" sz="4400" dirty="0" smtClean="0">
-                <a:solidFill>
-                  <a:srgbClr val="3333FF"/>
-                </a:solidFill>
-              </a:rPr>
-              <a:t>a</a:t>
-            </a:r>
-            <a:r>
-              <a:rPr lang="en-US" sz="4400" dirty="0" smtClean="0"/>
-              <a:t>)</a:t>
-            </a:r>
-            <a:r>
-              <a:rPr lang="en-US" sz="4400" baseline="-25000" dirty="0" smtClean="0"/>
-              <a:t>  </a:t>
-            </a:r>
-            <a:r>
-              <a:rPr lang="en-US" sz="4400" b="1" dirty="0" smtClean="0">
-                <a:latin typeface="Euclid Symbol" charset="2"/>
-                <a:cs typeface="Euclid Symbol" charset="2"/>
-              </a:rPr>
-              <a:t>::=</a:t>
-            </a:r>
-            <a:r>
-              <a:rPr lang="en-US" sz="4400" dirty="0" smtClean="0"/>
+              <a:t>p</a:t>
+            </a:r>
+            <a:r>
+              <a:rPr lang="en-US" sz="3600" dirty="0" smtClean="0"/>
+              <a:t> ::=  </a:t>
+            </a:r>
+            <a:r>
+              <a:rPr lang="en-US" sz="3600" dirty="0" err="1" smtClean="0"/>
+              <a:t>Pr{head</a:t>
+            </a:r>
+            <a:r>
+              <a:rPr lang="en-US" sz="3600" dirty="0" smtClean="0"/>
+              <a:t>}</a:t>
+            </a:r>
+          </a:p>
+          <a:p>
+            <a:pPr eaLnBrk="1" hangingPunct="1"/>
+            <a:r>
+              <a:rPr lang="en-US" dirty="0" err="1" smtClean="0">
+                <a:solidFill>
+                  <a:srgbClr val="0000FF"/>
+                </a:solidFill>
+              </a:rPr>
+              <a:t>Pr</a:t>
+            </a:r>
+            <a:r>
+              <a:rPr lang="en-US" dirty="0" smtClean="0">
+                <a:solidFill>
+                  <a:srgbClr val="0000FF"/>
+                </a:solidFill>
+              </a:rPr>
+              <a:t>[</a:t>
+            </a:r>
+            <a:r>
+              <a:rPr lang="en-US" dirty="0" smtClean="0">
+                <a:solidFill>
+                  <a:srgbClr val="000000"/>
+                </a:solidFill>
+              </a:rPr>
+              <a:t>get</a:t>
+            </a:r>
+            <a:r>
+              <a:rPr lang="en-US" dirty="0" smtClean="0">
+                <a:solidFill>
+                  <a:srgbClr val="0000FF"/>
+                </a:solidFill>
+              </a:rPr>
               <a:t> </a:t>
             </a:r>
             <a:r>
-              <a:rPr lang="en-US" sz="4400" dirty="0" err="1" smtClean="0"/>
-              <a:t>Pr</a:t>
-            </a:r>
-            <a:r>
-              <a:rPr lang="en-US" sz="4400" dirty="0" smtClean="0"/>
+              <a:rPr lang="en-US" dirty="0" err="1" smtClean="0">
+                <a:solidFill>
+                  <a:srgbClr val="0000FF"/>
+                </a:solidFill>
+              </a:rPr>
+              <a:t>i</a:t>
+            </a:r>
+            <a:r>
+              <a:rPr lang="en-US" dirty="0" smtClean="0">
+                <a:solidFill>
+                  <a:srgbClr val="0000FF"/>
+                </a:solidFill>
+              </a:rPr>
+              <a:t> H</a:t>
+            </a:r>
+            <a:r>
+              <a:rPr lang="en-US" dirty="0" smtClean="0">
+                <a:solidFill>
+                  <a:srgbClr val="000000"/>
+                </a:solidFill>
+              </a:rPr>
+              <a:t>’s,</a:t>
+            </a:r>
+            <a:r>
+              <a:rPr lang="en-US" dirty="0" smtClean="0">
+                <a:solidFill>
+                  <a:srgbClr val="0000FF"/>
+                </a:solidFill>
+              </a:rPr>
+              <a:t> n-</a:t>
+            </a:r>
+            <a:r>
+              <a:rPr lang="en-US" dirty="0" err="1" smtClean="0">
+                <a:solidFill>
+                  <a:srgbClr val="0000FF"/>
+                </a:solidFill>
+              </a:rPr>
+              <a:t>i</a:t>
+            </a:r>
+            <a:r>
+              <a:rPr lang="en-US" dirty="0" smtClean="0">
+                <a:solidFill>
+                  <a:srgbClr val="0000FF"/>
+                </a:solidFill>
+              </a:rPr>
+              <a:t> T</a:t>
+            </a:r>
+            <a:r>
+              <a:rPr lang="en-US" dirty="0" smtClean="0">
+                <a:solidFill>
+                  <a:srgbClr val="000000"/>
+                </a:solidFill>
+              </a:rPr>
+              <a:t>’s</a:t>
+            </a:r>
+            <a:r>
+              <a:rPr lang="en-US" dirty="0" smtClean="0">
+                <a:solidFill>
+                  <a:srgbClr val="0000FF"/>
+                </a:solidFill>
+              </a:rPr>
+              <a:t>]</a:t>
+            </a:r>
+            <a:r>
+              <a:rPr lang="en-US" dirty="0" smtClean="0"/>
+              <a:t> = #</a:t>
+            </a:r>
+            <a:r>
+              <a:rPr lang="en-US" dirty="0" err="1" smtClean="0"/>
+              <a:t>seq’s⋅pr</a:t>
+            </a:r>
+            <a:r>
+              <a:rPr lang="en-US" dirty="0" smtClean="0"/>
               <a:t>[</a:t>
             </a:r>
             <a:r>
-              <a:rPr lang="en-US" sz="4400" dirty="0" smtClean="0">
-                <a:solidFill>
-                  <a:srgbClr val="3333FF"/>
-                </a:solidFill>
-              </a:rPr>
-              <a:t>R</a:t>
-            </a:r>
-            <a:r>
-              <a:rPr lang="en-US" sz="4400" dirty="0" smtClean="0"/>
-              <a:t>=</a:t>
-            </a:r>
-            <a:r>
-              <a:rPr lang="en-US" sz="4400" dirty="0" smtClean="0">
-                <a:solidFill>
-                  <a:srgbClr val="3333FF"/>
-                </a:solidFill>
-              </a:rPr>
-              <a:t>a</a:t>
-            </a:r>
-            <a:r>
-              <a:rPr lang="en-US" sz="4400" dirty="0" smtClean="0"/>
+              <a:rPr lang="en-US" dirty="0" err="1" smtClean="0"/>
+              <a:t>seq</a:t>
+            </a:r>
+            <a:r>
+              <a:rPr lang="en-US" dirty="0" smtClean="0"/>
               <a:t>]</a:t>
             </a:r>
-            <a:endParaRPr lang="en-US" sz="4400" dirty="0" smtClean="0"/>
-          </a:p>
-          <a:p>
-            <a:pPr eaLnBrk="1" hangingPunct="1"/>
-            <a:r>
-              <a:rPr lang="en-US" sz="3600" dirty="0" smtClean="0">
-                <a:solidFill>
-                  <a:srgbClr val="9B2894"/>
-                </a:solidFill>
-              </a:rPr>
-              <a:t>Cumulative Distribution Function</a:t>
-            </a:r>
-            <a:r>
-              <a:rPr lang="en-US" sz="3600" dirty="0" smtClean="0"/>
-              <a:t> of </a:t>
-            </a:r>
-            <a:r>
-              <a:rPr lang="en-US" sz="3600" dirty="0" smtClean="0">
-                <a:solidFill>
-                  <a:srgbClr val="3333FF"/>
-                </a:solidFill>
-              </a:rPr>
-              <a:t>R</a:t>
-            </a:r>
-            <a:r>
-              <a:rPr lang="en-US" sz="3600" dirty="0" smtClean="0"/>
-              <a:t>, </a:t>
-            </a:r>
-          </a:p>
-          <a:p>
-            <a:pPr algn="ctr" eaLnBrk="1" hangingPunct="1"/>
-            <a:r>
-              <a:rPr lang="en-US" sz="4400" dirty="0" smtClean="0">
-                <a:solidFill>
-                  <a:srgbClr val="9B2894"/>
-                </a:solidFill>
-              </a:rPr>
-              <a:t>CDF</a:t>
-            </a:r>
-            <a:r>
-              <a:rPr lang="en-US" sz="4400" baseline="-25000" dirty="0" smtClean="0">
-                <a:solidFill>
-                  <a:srgbClr val="3333FF"/>
-                </a:solidFill>
-              </a:rPr>
-              <a:t>R</a:t>
-            </a:r>
-            <a:r>
-              <a:rPr lang="en-US" sz="4400" dirty="0" smtClean="0"/>
-              <a:t>(</a:t>
-            </a:r>
-            <a:r>
-              <a:rPr lang="en-US" sz="4400" dirty="0" smtClean="0">
-                <a:solidFill>
-                  <a:srgbClr val="3333FF"/>
-                </a:solidFill>
-              </a:rPr>
-              <a:t>a</a:t>
-            </a:r>
-            <a:r>
-              <a:rPr lang="en-US" sz="4400" dirty="0" smtClean="0"/>
-              <a:t>)</a:t>
-            </a:r>
-            <a:r>
-              <a:rPr lang="en-US" sz="4400" baseline="-25000" dirty="0" smtClean="0"/>
-              <a:t> </a:t>
-            </a:r>
-            <a:r>
-              <a:rPr lang="en-US" sz="4400" b="1" dirty="0">
-                <a:latin typeface="Euclid Symbol" charset="2"/>
-                <a:cs typeface="Euclid Symbol" charset="2"/>
-              </a:rPr>
-              <a:t>::=</a:t>
-            </a:r>
-            <a:r>
-              <a:rPr lang="en-US" sz="4400" dirty="0" smtClean="0"/>
-              <a:t> </a:t>
-            </a:r>
-            <a:r>
-              <a:rPr lang="en-US" sz="4400" dirty="0" err="1" smtClean="0"/>
-              <a:t>Pr</a:t>
-            </a:r>
-            <a:r>
-              <a:rPr lang="en-US" sz="4400" dirty="0" smtClean="0"/>
-              <a:t>[</a:t>
-            </a:r>
-            <a:r>
-              <a:rPr lang="en-US" sz="4400" dirty="0" smtClean="0">
-                <a:solidFill>
-                  <a:srgbClr val="3333FF"/>
-                </a:solidFill>
-              </a:rPr>
-              <a:t>R</a:t>
-            </a:r>
-            <a:r>
-              <a:rPr lang="en-US" sz="4400" dirty="0" smtClean="0"/>
-              <a:t> </a:t>
-            </a:r>
-            <a:r>
-              <a:rPr lang="en-US" sz="4400" b="1" dirty="0" smtClean="0">
-                <a:latin typeface="Euclid Symbol" charset="2"/>
-                <a:cs typeface="Euclid Symbol" charset="2"/>
-                <a:sym typeface="Euclid Symbol" pitchFamily="18" charset="2"/>
-              </a:rPr>
-              <a:t>≤</a:t>
-            </a:r>
-            <a:r>
-              <a:rPr lang="en-US" sz="4400" dirty="0" smtClean="0"/>
-              <a:t> </a:t>
-            </a:r>
-            <a:r>
-              <a:rPr lang="en-US" sz="4400" dirty="0" smtClean="0">
-                <a:solidFill>
-                  <a:srgbClr val="3333FF"/>
-                </a:solidFill>
-              </a:rPr>
-              <a:t>a</a:t>
-            </a:r>
-            <a:r>
-              <a:rPr lang="en-US" sz="4400" dirty="0" smtClean="0"/>
-              <a:t>]</a:t>
-            </a:r>
-            <a:endParaRPr lang="en-US" sz="4400" dirty="0" smtClean="0"/>
+            <a:endParaRPr lang="en-US" dirty="0" smtClean="0">
+              <a:solidFill>
+                <a:srgbClr val="0000FF"/>
+              </a:solidFill>
+            </a:endParaRPr>
           </a:p>
         </p:txBody>
       </p:sp>
+      <p:graphicFrame>
+        <p:nvGraphicFramePr>
+          <p:cNvPr id="8" name="Object 7"/>
+          <p:cNvGraphicFramePr>
+            <a:graphicFrameLocks noChangeAspect="1"/>
+          </p:cNvGraphicFramePr>
+          <p:nvPr/>
+        </p:nvGraphicFramePr>
+        <p:xfrm>
+          <a:off x="2432535" y="3818125"/>
+          <a:ext cx="4184040" cy="2473257"/>
+        </p:xfrm>
+        <a:graphic>
+          <a:graphicData uri="http://schemas.openxmlformats.org/presentationml/2006/ole">
+            <mc:AlternateContent xmlns:mc="http://schemas.openxmlformats.org/markup-compatibility/2006">
+              <mc:Choice xmlns:v="urn:schemas-microsoft-com:vml" Requires="v">
+                <p:oleObj spid="_x0000_s122924" name="Equation" r:id="rId4" imgW="901700" imgH="533400" progId="Equation.DSMT4">
+                  <p:embed/>
+                </p:oleObj>
+              </mc:Choice>
+              <mc:Fallback>
+                <p:oleObj name="Equation" r:id="rId4" imgW="901700" imgH="533400" progId="Equation.DSMT4">
+                  <p:embed/>
+                  <p:pic>
+                    <p:nvPicPr>
+                      <p:cNvPr id="0" name="Picture 2"/>
+                      <p:cNvPicPr>
+                        <a:picLocks noChangeAspect="1" noChangeArrowheads="1"/>
+                      </p:cNvPicPr>
+                      <p:nvPr/>
+                    </p:nvPicPr>
+                    <p:blipFill>
+                      <a:blip r:embed="rId5">
+                        <a:extLst>
+                          <a:ext uri="{28A0092B-C50C-407E-A947-70E740481C1C}">
+                            <a14:useLocalDpi xmlns:a14="http://schemas.microsoft.com/office/drawing/2010/main" val="0"/>
+                          </a:ext>
+                        </a:extLst>
+                      </a:blip>
+                      <a:srcRect/>
+                      <a:stretch>
+                        <a:fillRect/>
+                      </a:stretch>
+                    </p:blipFill>
+                    <p:spPr bwMode="auto">
+                      <a:xfrm>
+                        <a:off x="2432535" y="3818125"/>
+                        <a:ext cx="4184040" cy="2473257"/>
+                      </a:xfrm>
+                      <a:prstGeom prst="rect">
+                        <a:avLst/>
+                      </a:prstGeom>
+                      <a:noFill/>
+                      <a:extLst>
+                        <a:ext uri="{909E8E84-426E-40dd-AFC4-6F175D3DCCD1}">
+                          <a14:hiddenFill xmlns:a14="http://schemas.microsoft.com/office/drawing/2010/main">
+                            <a:solidFill>
+                              <a:srgbClr val="FFFFFF"/>
+                            </a:solidFill>
+                          </a14:hiddenFill>
+                        </a:ext>
+                      </a:extLst>
+                    </p:spPr>
+                  </p:pic>
+                </p:oleObj>
+              </mc:Fallback>
+            </mc:AlternateContent>
+          </a:graphicData>
+        </a:graphic>
+      </p:graphicFrame>
     </p:spTree>
   </p:cSld>
   <p:clrMapOvr>
     <a:masterClrMapping/>
   </p:clrMapOvr>
-  <mc:AlternateContent xmlns:mc="http://schemas.openxmlformats.org/markup-compatibility/2006">
-    <mc:Choice xmlns:p14="http://schemas.microsoft.com/office/powerpoint/2010/main" Requires="p14">
+  <mc:AlternateContent xmlns:mc="http://schemas.openxmlformats.org/markup-compatibility/2006" xmlns:p14="http://schemas.microsoft.com/office/powerpoint/2010/main">
+    <mc:Choice Requires="p14">
       <p:transition spd="slow" p14:dur="900" advClick="0">
         <p:fade/>
       </p:transition>
     </mc:Choice>
-    <mc:Fallback>
+    <mc:Fallback xmlns="">
       <p:transition xmlns:p14="http://schemas.microsoft.com/office/powerpoint/2010/main" spd="slow" advClick="0">
         <p:fade/>
       </p:transition>
@@ -4300,7 +4283,7 @@
                             </p:stCondLst>
                             <p:childTnLst>
                               <p:par>
-                                <p:cTn id="5" presetID="9" presetClass="entr" presetSubtype="0" fill="hold" nodeType="clickEffect">
+                                <p:cTn id="5" presetID="22" presetClass="entr" presetSubtype="8" fill="hold" nodeType="clickEffect">
                                   <p:stCondLst>
                                     <p:cond delay="0"/>
                                   </p:stCondLst>
@@ -4313,72 +4296,7 @@
                                           </p:stCondLst>
                                         </p:cTn>
                                         <p:tgtEl>
-                                          <p:spTgt spid="152579">
-                                            <p:txEl>
-                                              <p:pRg st="3" end="3"/>
-                                            </p:txEl>
-                                          </p:spTgt>
-                                        </p:tgtEl>
-                                        <p:attrNameLst>
-                                          <p:attrName>style.visibility</p:attrName>
-                                        </p:attrNameLst>
-                                      </p:cBhvr>
-                                      <p:to>
-                                        <p:strVal val="visible"/>
-                                      </p:to>
-                                    </p:set>
-                                    <p:animEffect transition="in" filter="dissolve">
-                                      <p:cBhvr>
-                                        <p:cTn id="7" dur="500"/>
-                                        <p:tgtEl>
-                                          <p:spTgt spid="152579">
-                                            <p:txEl>
-                                              <p:pRg st="3" end="3"/>
-                                            </p:txEl>
-                                          </p:spTgt>
-                                        </p:tgtEl>
-                                      </p:cBhvr>
-                                    </p:animEffect>
-                                  </p:childTnLst>
-                                </p:cTn>
-                              </p:par>
-                            </p:childTnLst>
-                          </p:cTn>
-                        </p:par>
-                      </p:childTnLst>
-                    </p:cTn>
-                  </p:par>
-                  <p:par>
-                    <p:cTn id="8" fill="hold">
-                      <p:stCondLst>
-                        <p:cond delay="indefinite"/>
-                      </p:stCondLst>
-                      <p:childTnLst>
-                        <p:par>
-                          <p:cTn id="9" fill="hold">
-                            <p:stCondLst>
-                              <p:cond delay="0"/>
-                            </p:stCondLst>
-                            <p:childTnLst>
-                              <p:par>
-                                <p:cTn id="10" presetID="22" presetClass="entr" presetSubtype="8" fill="hold" nodeType="clickEffect">
-                                  <p:stCondLst>
-                                    <p:cond delay="0"/>
-                                  </p:stCondLst>
-                                  <p:childTnLst>
-                                    <p:set>
-                                      <p:cBhvr>
-                                        <p:cTn id="11" dur="1" fill="hold">
-                                          <p:stCondLst>
-                                            <p:cond delay="0"/>
-                                          </p:stCondLst>
-                                        </p:cTn>
-                                        <p:tgtEl>
-                                          <p:spTgt spid="152579">
-                                            <p:txEl>
-                                              <p:pRg st="4" end="4"/>
-                                            </p:txEl>
-                                          </p:spTgt>
+                                          <p:spTgt spid="8"/>
                                         </p:tgtEl>
                                         <p:attrNameLst>
                                           <p:attrName>style.visibility</p:attrName>
@@ -4390,13 +4308,9 @@
                                     </p:set>
                                     <p:animEffect transition="in" filter="wipe(left)">
                                       <p:cBhvr>
-                                        <p:cTn id="12" dur="1000"/>
+                                        <p:cTn id="7" dur="1000"/>
                                         <p:tgtEl>
-                                          <p:spTgt spid="152579">
-                                            <p:txEl>
-                                              <p:pRg st="4" end="4"/>
-                                            </p:txEl>
-                                          </p:spTgt>
+                                          <p:spTgt spid="8"/>
                                         </p:tgtEl>
                                       </p:cBhvr>
                                     </p:animEffect>
@@ -4477,7 +4391,7 @@
               <a:rPr lang="en-US" dirty="0" smtClean="0"/>
               <a:t>-uniform.</a:t>
             </a:r>
-            <a:fld id="{96B43620-50E9-4AF8-A2CB-DB1E00EE695D}" type="slidenum">
+            <a:fld id="{DEDCF3E0-95E5-4B40-9A75-5FDE935C9264}" type="slidenum">
               <a:rPr lang="en-US" smtClean="0"/>
               <a:pPr>
                 <a:defRPr/>
@@ -4490,7 +4404,7 @@
       </p:sp>
       <p:sp>
         <p:nvSpPr>
-          <p:cNvPr id="38915" name="Rectangle 2"/>
+          <p:cNvPr id="41987" name="Rectangle 2"/>
           <p:cNvSpPr>
             <a:spLocks noGrp="1" noChangeArrowheads="1"/>
           </p:cNvSpPr>
@@ -4506,14 +4420,14 @@
             <a:pPr eaLnBrk="1" hangingPunct="1"/>
             <a:r>
               <a:rPr lang="en-US" dirty="0" smtClean="0"/>
-              <a:t>Density &amp; Distribution</a:t>
+              <a:t>Binomial Random Variable</a:t>
             </a:r>
           </a:p>
         </p:txBody>
       </p:sp>
       <p:sp>
         <p:nvSpPr>
-          <p:cNvPr id="152579" name="Rectangle 3"/>
+          <p:cNvPr id="157699" name="Rectangle 3"/>
           <p:cNvSpPr>
             <a:spLocks noGrp="1" noChangeArrowheads="1"/>
           </p:cNvSpPr>
@@ -4523,8 +4437,8 @@
         </p:nvSpPr>
         <p:spPr>
           <a:xfrm>
-            <a:off x="575133" y="1653945"/>
-            <a:ext cx="8006443" cy="3543980"/>
+            <a:off x="137588" y="986691"/>
+            <a:ext cx="9006412" cy="5607539"/>
           </a:xfrm>
         </p:spPr>
         <p:txBody>
@@ -4533,94 +4447,228 @@
           <a:p>
             <a:pPr eaLnBrk="1" hangingPunct="1"/>
             <a:r>
-              <a:rPr lang="en-US" sz="4800" dirty="0" smtClean="0"/>
-              <a:t>The </a:t>
-            </a:r>
-            <a:r>
-              <a:rPr lang="en-US" sz="4800" dirty="0" smtClean="0">
-                <a:solidFill>
-                  <a:srgbClr val="9B2894"/>
-                </a:solidFill>
-              </a:rPr>
-              <a:t>Probability Density</a:t>
-            </a:r>
-            <a:r>
-              <a:rPr lang="en-US" sz="4800" dirty="0" smtClean="0">
+              <a:rPr lang="en-US" sz="3600" dirty="0" err="1" smtClean="0">
+                <a:solidFill>
+                  <a:srgbClr val="3333FF"/>
+                </a:solidFill>
+              </a:rPr>
+              <a:t>B</a:t>
+            </a:r>
+            <a:r>
+              <a:rPr lang="en-US" sz="3600" baseline="-25000" dirty="0" err="1" smtClean="0">
+                <a:solidFill>
+                  <a:srgbClr val="3333FF"/>
+                </a:solidFill>
+              </a:rPr>
+              <a:t>n,p</a:t>
+            </a:r>
+            <a:r>
+              <a:rPr lang="en-US" sz="3600" dirty="0" smtClean="0"/>
+              <a:t>::= # heads in </a:t>
+            </a:r>
+            <a:r>
+              <a:rPr lang="en-US" sz="3600" dirty="0" err="1" smtClean="0">
+                <a:solidFill>
+                  <a:srgbClr val="3333FF"/>
+                </a:solidFill>
+              </a:rPr>
+              <a:t>n</a:t>
+            </a:r>
+            <a:r>
+              <a:rPr lang="en-US" sz="3600" dirty="0" smtClean="0"/>
+              <a:t> </a:t>
+            </a:r>
+            <a:r>
+              <a:rPr lang="en-US" sz="3600" dirty="0" smtClean="0">
+                <a:solidFill>
+                  <a:srgbClr val="FF00FF"/>
+                </a:solidFill>
+              </a:rPr>
+              <a:t>mutually</a:t>
+            </a:r>
+            <a:r>
+              <a:rPr lang="en-US" sz="3600" dirty="0" smtClean="0"/>
+              <a:t> </a:t>
+            </a:r>
+            <a:r>
+              <a:rPr lang="en-US" sz="3600" dirty="0" err="1" smtClean="0"/>
+              <a:t>indep</a:t>
+            </a:r>
+            <a:r>
+              <a:rPr lang="en-US" sz="3600" dirty="0" smtClean="0"/>
+              <a:t> flips.</a:t>
+            </a:r>
+            <a:endParaRPr lang="en-US" sz="3600" baseline="-25000" dirty="0" smtClean="0">
+              <a:solidFill>
+                <a:srgbClr val="3333FF"/>
+              </a:solidFill>
+            </a:endParaRPr>
+          </a:p>
+          <a:p>
+            <a:pPr eaLnBrk="1" hangingPunct="1"/>
+            <a:r>
+              <a:rPr lang="en-US" sz="3600" dirty="0" smtClean="0"/>
+              <a:t>Coin may be biased.  So 2 parameters</a:t>
+            </a:r>
+          </a:p>
+          <a:p>
+            <a:pPr algn="ctr" eaLnBrk="1" hangingPunct="1"/>
+            <a:r>
+              <a:rPr lang="en-US" sz="3600" dirty="0" smtClean="0">
+                <a:solidFill>
+                  <a:srgbClr val="3333FF"/>
+                </a:solidFill>
+              </a:rPr>
+              <a:t>n</a:t>
+            </a:r>
+            <a:r>
+              <a:rPr lang="en-US" sz="3600" dirty="0" smtClean="0"/>
+              <a:t> ::= # flips,    </a:t>
+            </a:r>
+            <a:r>
+              <a:rPr lang="en-US" sz="3600" dirty="0" smtClean="0">
+                <a:solidFill>
+                  <a:srgbClr val="3333FF"/>
+                </a:solidFill>
+              </a:rPr>
+              <a:t>p</a:t>
+            </a:r>
+            <a:r>
+              <a:rPr lang="en-US" sz="3600" dirty="0" smtClean="0"/>
+              <a:t> ::=  </a:t>
+            </a:r>
+            <a:r>
+              <a:rPr lang="en-US" sz="3600" dirty="0" err="1" smtClean="0"/>
+              <a:t>Pr</a:t>
+            </a:r>
+            <a:r>
+              <a:rPr lang="en-US" sz="3600" dirty="0" smtClean="0"/>
+              <a:t>{head}</a:t>
+            </a:r>
+          </a:p>
+          <a:p>
+            <a:pPr eaLnBrk="1" hangingPunct="1"/>
+            <a:r>
+              <a:rPr lang="en-US" dirty="0" err="1" smtClean="0">
                 <a:solidFill>
                   <a:srgbClr val="0000FF"/>
                 </a:solidFill>
               </a:rPr>
+              <a:t>Pr</a:t>
+            </a:r>
+            <a:r>
+              <a:rPr lang="en-US" dirty="0" smtClean="0">
+                <a:solidFill>
+                  <a:srgbClr val="0000FF"/>
+                </a:solidFill>
+              </a:rPr>
+              <a:t>[</a:t>
+            </a:r>
+            <a:r>
+              <a:rPr lang="en-US" dirty="0" smtClean="0">
+                <a:solidFill>
+                  <a:srgbClr val="000000"/>
+                </a:solidFill>
+              </a:rPr>
+              <a:t>                        </a:t>
+            </a:r>
+            <a:r>
+              <a:rPr lang="en-US" baseline="-25000" dirty="0" smtClean="0">
+                <a:solidFill>
+                  <a:srgbClr val="000000"/>
+                </a:solidFill>
+              </a:rPr>
               <a:t> </a:t>
             </a:r>
             <a:r>
-              <a:rPr lang="en-US" sz="4800" dirty="0" smtClean="0">
-                <a:solidFill>
-                  <a:schemeClr val="tx2"/>
-                </a:solidFill>
-              </a:rPr>
-              <a:t>&amp;</a:t>
-            </a:r>
-            <a:r>
-              <a:rPr lang="en-US" sz="4800" dirty="0" smtClean="0">
+              <a:rPr lang="en-US" dirty="0" smtClean="0">
                 <a:solidFill>
                   <a:srgbClr val="0000FF"/>
                 </a:solidFill>
               </a:rPr>
-              <a:t> </a:t>
-            </a:r>
-            <a:r>
-              <a:rPr lang="en-US" sz="4800" dirty="0" smtClean="0">
-                <a:solidFill>
-                  <a:srgbClr val="9B2894"/>
-                </a:solidFill>
-              </a:rPr>
-              <a:t>Cumulative Distribution Functions</a:t>
-            </a:r>
-            <a:r>
-              <a:rPr lang="en-US" sz="4800" dirty="0" smtClean="0">
-                <a:solidFill>
-                  <a:srgbClr val="0000FF"/>
-                </a:solidFill>
-              </a:rPr>
-              <a:t> </a:t>
-            </a:r>
-            <a:r>
-              <a:rPr lang="en-US" sz="4800" dirty="0" smtClean="0">
-                <a:solidFill>
-                  <a:srgbClr val="000000"/>
-                </a:solidFill>
-              </a:rPr>
-              <a:t>of</a:t>
-            </a:r>
-            <a:r>
-              <a:rPr lang="en-US" sz="4800" dirty="0" smtClean="0">
-                <a:solidFill>
-                  <a:srgbClr val="0000FF"/>
-                </a:solidFill>
-              </a:rPr>
-              <a:t> R</a:t>
-            </a:r>
-            <a:r>
-              <a:rPr lang="en-US" sz="4800" dirty="0" smtClean="0"/>
-              <a:t>, do not depend on </a:t>
-            </a:r>
-            <a:r>
-              <a:rPr lang="en-US" sz="4800" dirty="0" smtClean="0">
-                <a:solidFill>
-                  <a:srgbClr val="0000FF"/>
-                </a:solidFill>
-              </a:rPr>
-              <a:t>sample space</a:t>
-            </a:r>
+              <a:t>]</a:t>
+            </a:r>
+            <a:r>
+              <a:rPr lang="en-US" dirty="0" smtClean="0"/>
+              <a:t> = #</a:t>
+            </a:r>
+            <a:r>
+              <a:rPr lang="en-US" dirty="0" err="1" smtClean="0"/>
+              <a:t>seq’s⋅pr</a:t>
+            </a:r>
+            <a:r>
+              <a:rPr lang="en-US" dirty="0" smtClean="0"/>
+              <a:t>{</a:t>
+            </a:r>
+            <a:r>
+              <a:rPr lang="en-US" dirty="0" err="1" smtClean="0"/>
+              <a:t>seq</a:t>
+            </a:r>
+            <a:r>
+              <a:rPr lang="en-US" dirty="0" smtClean="0"/>
+              <a:t>}</a:t>
+            </a:r>
+            <a:endParaRPr lang="en-US" dirty="0" smtClean="0">
+              <a:solidFill>
+                <a:srgbClr val="0000FF"/>
+              </a:solidFill>
+            </a:endParaRPr>
           </a:p>
         </p:txBody>
       </p:sp>
+      <p:pic>
+        <p:nvPicPr>
+          <p:cNvPr id="131074" name="Picture 2"/>
+          <p:cNvPicPr>
+            <a:picLocks noChangeAspect="1" noChangeArrowheads="1"/>
+          </p:cNvPicPr>
+          <p:nvPr/>
+        </p:nvPicPr>
+        <p:blipFill>
+          <a:blip r:embed="rId3"/>
+          <a:srcRect/>
+          <a:stretch>
+            <a:fillRect/>
+          </a:stretch>
+        </p:blipFill>
+        <p:spPr bwMode="auto">
+          <a:xfrm>
+            <a:off x="2452688" y="3817938"/>
+            <a:ext cx="4183062" cy="2473325"/>
+          </a:xfrm>
+          <a:prstGeom prst="rect">
+            <a:avLst/>
+          </a:prstGeom>
+          <a:noFill/>
+        </p:spPr>
+      </p:pic>
+      <p:pic>
+        <p:nvPicPr>
+          <p:cNvPr id="131075" name="Picture 3"/>
+          <p:cNvPicPr>
+            <a:picLocks noChangeAspect="1" noChangeArrowheads="1"/>
+          </p:cNvPicPr>
+          <p:nvPr/>
+        </p:nvPicPr>
+        <p:blipFill>
+          <a:blip r:embed="rId4"/>
+          <a:srcRect/>
+          <a:stretch>
+            <a:fillRect/>
+          </a:stretch>
+        </p:blipFill>
+        <p:spPr bwMode="auto">
+          <a:xfrm>
+            <a:off x="1471613" y="2594512"/>
+            <a:ext cx="2289175" cy="1527175"/>
+          </a:xfrm>
+          <a:prstGeom prst="rect">
+            <a:avLst/>
+          </a:prstGeom>
+          <a:noFill/>
+        </p:spPr>
+      </p:pic>
     </p:spTree>
-    <p:extLst>
-      <p:ext uri="{BB962C8B-B14F-4D97-AF65-F5344CB8AC3E}">
-        <p14:creationId xmlns:p14="http://schemas.microsoft.com/office/powerpoint/2010/main" val="1967514877"/>
-      </p:ext>
-    </p:extLst>
   </p:cSld>
   <p:clrMapOvr>
     <a:masterClrMapping/>
@@ -4666,7 +4714,7 @@
       </p:grpSpPr>
       <p:sp>
         <p:nvSpPr>
-          <p:cNvPr id="7" name="Slide Number Placeholder 3"/>
+          <p:cNvPr id="6" name="Slide Number Placeholder 3"/>
           <p:cNvSpPr>
             <a:spLocks noGrp="1"/>
           </p:cNvSpPr>
@@ -4690,7 +4738,7 @@
               <a:rPr lang="en-US" dirty="0" smtClean="0"/>
               <a:t>-uniform.</a:t>
             </a:r>
-            <a:fld id="{C000224B-2332-4750-9253-37D5821B63F0}" type="slidenum">
+            <a:fld id="{96B43620-50E9-4AF8-A2CB-DB1E00EE695D}" type="slidenum">
               <a:rPr lang="en-US" smtClean="0"/>
               <a:pPr>
                 <a:defRPr/>
@@ -4703,7 +4751,7 @@
       </p:sp>
       <p:sp>
         <p:nvSpPr>
-          <p:cNvPr id="7172" name="Rectangle 2"/>
+          <p:cNvPr id="38915" name="Rectangle 2"/>
           <p:cNvSpPr>
             <a:spLocks noGrp="1" noChangeArrowheads="1"/>
           </p:cNvSpPr>
@@ -4719,14 +4767,14 @@
             <a:pPr eaLnBrk="1" hangingPunct="1"/>
             <a:r>
               <a:rPr lang="en-US" smtClean="0"/>
-              <a:t>Uniform Distribution</a:t>
+              <a:t>Density &amp; Distribution</a:t>
             </a:r>
           </a:p>
         </p:txBody>
       </p:sp>
       <p:sp>
         <p:nvSpPr>
-          <p:cNvPr id="7173" name="Rectangle 3"/>
+          <p:cNvPr id="152579" name="Rectangle 3"/>
           <p:cNvSpPr>
             <a:spLocks noGrp="1" noChangeArrowheads="1"/>
           </p:cNvSpPr>
@@ -4736,44 +4784,51 @@
         </p:nvSpPr>
         <p:spPr>
           <a:xfrm>
-            <a:off x="226876" y="1215784"/>
-            <a:ext cx="8690247" cy="3699080"/>
+            <a:off x="166073" y="986691"/>
+            <a:ext cx="8841154" cy="3847625"/>
           </a:xfrm>
         </p:spPr>
         <p:txBody>
           <a:bodyPr/>
           <a:lstStyle/>
           <a:p>
+            <a:pPr eaLnBrk="1" hangingPunct="1"/>
+            <a:r>
+              <a:rPr lang="en-US" sz="4800" dirty="0" smtClean="0">
+                <a:solidFill>
+                  <a:srgbClr val="9B2894"/>
+                </a:solidFill>
+              </a:rPr>
+              <a:t>Probability Density Function</a:t>
+            </a:r>
+          </a:p>
+          <a:p>
+            <a:pPr eaLnBrk="1" hangingPunct="1"/>
+            <a:r>
+              <a:rPr lang="en-US" sz="4800" dirty="0" smtClean="0"/>
+              <a:t>of random variable </a:t>
+            </a:r>
+            <a:r>
+              <a:rPr lang="en-US" sz="4800" dirty="0" smtClean="0">
+                <a:solidFill>
+                  <a:srgbClr val="3333FF"/>
+                </a:solidFill>
+              </a:rPr>
+              <a:t>R</a:t>
+            </a:r>
+            <a:r>
+              <a:rPr lang="en-US" sz="4800" dirty="0" smtClean="0"/>
+              <a:t>, </a:t>
+            </a:r>
+          </a:p>
+          <a:p>
             <a:pPr algn="ctr" eaLnBrk="1" hangingPunct="1"/>
             <a:r>
-              <a:rPr lang="en-US" sz="4800" dirty="0" smtClean="0">
-                <a:solidFill>
-                  <a:srgbClr val="1B7F3C"/>
-                </a:solidFill>
-              </a:rPr>
-              <a:t>…all values equally likely</a:t>
-            </a:r>
-            <a:r>
-              <a:rPr lang="en-US" sz="4800" dirty="0" smtClean="0"/>
-              <a:t>.</a:t>
-            </a:r>
-          </a:p>
-          <a:p>
-            <a:pPr eaLnBrk="1" hangingPunct="1"/>
-            <a:r>
-              <a:rPr lang="en-US" dirty="0" smtClean="0"/>
-              <a:t>“threshold” variable </a:t>
-            </a:r>
-            <a:r>
-              <a:rPr lang="en-US" sz="4400" dirty="0" smtClean="0"/>
-              <a:t>was uniform:</a:t>
-            </a:r>
-            <a:endParaRPr lang="en-US" dirty="0" smtClean="0"/>
-          </a:p>
-          <a:p>
-            <a:pPr eaLnBrk="1" hangingPunct="1"/>
-            <a:r>
-              <a:rPr lang="en-US" sz="5400" dirty="0" smtClean="0"/>
+              <a:rPr lang="en-US" sz="5400" dirty="0" smtClean="0">
+                <a:solidFill>
+                  <a:srgbClr val="9B2894"/>
+                </a:solidFill>
+              </a:rPr>
               <a:t>PDF</a:t>
             </a:r>
             <a:r>
@@ -4782,27 +4837,31 @@
                   <a:srgbClr val="3333FF"/>
                 </a:solidFill>
               </a:rPr>
-              <a:t>Z</a:t>
+              <a:t>R</a:t>
             </a:r>
             <a:r>
               <a:rPr lang="en-US" sz="5400" dirty="0" smtClean="0"/>
               <a:t>(</a:t>
             </a:r>
             <a:r>
-              <a:rPr lang="en-US" sz="5400" dirty="0" err="1" smtClean="0"/>
-              <a:t>i</a:t>
+              <a:rPr lang="en-US" sz="5400" dirty="0" smtClean="0">
+                <a:solidFill>
+                  <a:srgbClr val="3333FF"/>
+                </a:solidFill>
+              </a:rPr>
+              <a:t>a</a:t>
             </a:r>
             <a:r>
               <a:rPr lang="en-US" sz="5400" dirty="0" smtClean="0"/>
-              <a:t>) ::=</a:t>
-            </a:r>
-            <a:r>
-              <a:rPr lang="en-US" sz="5400" dirty="0" smtClean="0">
-                <a:solidFill>
-                  <a:srgbClr val="0000FF"/>
-                </a:solidFill>
-              </a:rPr>
-              <a:t> </a:t>
+              <a:t>)</a:t>
+            </a:r>
+            <a:r>
+              <a:rPr lang="en-US" sz="5400" baseline="-25000" dirty="0" smtClean="0"/>
+              <a:t>  </a:t>
+            </a:r>
+            <a:r>
+              <a:rPr lang="en-US" sz="5400" dirty="0" smtClean="0"/>
+              <a:t>::= </a:t>
             </a:r>
             <a:r>
               <a:rPr lang="en-US" sz="5400" dirty="0" err="1" smtClean="0"/>
@@ -4818,103 +4877,73 @@
                   <a:srgbClr val="3333FF"/>
                 </a:solidFill>
               </a:rPr>
-              <a:t>Z</a:t>
-            </a:r>
-            <a:r>
-              <a:rPr lang="en-US" sz="5400" dirty="0" smtClean="0">
-                <a:solidFill>
-                  <a:srgbClr val="FF6600"/>
-                </a:solidFill>
-              </a:rPr>
-              <a:t> </a:t>
+              <a:t>R </a:t>
             </a:r>
             <a:r>
               <a:rPr lang="en-US" sz="5400" dirty="0" smtClean="0"/>
               <a:t>= </a:t>
             </a:r>
             <a:r>
-              <a:rPr lang="en-US" sz="5400" dirty="0" err="1" smtClean="0"/>
-              <a:t>i</a:t>
+              <a:rPr lang="en-US" sz="5400" dirty="0" smtClean="0">
+                <a:solidFill>
+                  <a:srgbClr val="3333FF"/>
+                </a:solidFill>
+              </a:rPr>
+              <a:t>a</a:t>
             </a:r>
             <a:r>
               <a:rPr lang="en-US" sz="5400" dirty="0" smtClean="0"/>
-              <a:t>] </a:t>
-            </a:r>
+              <a:t>]</a:t>
+            </a:r>
+          </a:p>
+          <a:p>
+            <a:pPr eaLnBrk="1" hangingPunct="1"/>
             <a:r>
               <a:rPr lang="en-US" sz="5400" dirty="0" smtClean="0"/>
-              <a:t>= </a:t>
-            </a:r>
-            <a:endParaRPr lang="en-US" sz="5400" dirty="0" smtClean="0">
-              <a:solidFill>
-                <a:srgbClr val="3333FF"/>
-              </a:solidFill>
-            </a:endParaRPr>
-          </a:p>
-          <a:p>
-            <a:pPr eaLnBrk="1" hangingPunct="1"/>
-            <a:r>
-              <a:rPr lang="en-US" dirty="0" smtClean="0"/>
-              <a:t>   </a:t>
-            </a:r>
-            <a:r>
-              <a:rPr lang="en-US" sz="5400" dirty="0" smtClean="0"/>
-              <a:t>for </a:t>
-            </a:r>
-            <a:r>
-              <a:rPr lang="en-US" sz="5400" dirty="0" err="1" smtClean="0"/>
-              <a:t>i</a:t>
-            </a:r>
-            <a:r>
-              <a:rPr lang="en-US" sz="5400" i="1" dirty="0" smtClean="0"/>
-              <a:t> </a:t>
-            </a:r>
-            <a:r>
-              <a:rPr lang="en-US" sz="5400" dirty="0" smtClean="0"/>
-              <a:t>= 0,1,…,6.</a:t>
-            </a:r>
-            <a:endParaRPr lang="en-US" sz="4400" dirty="0" smtClean="0"/>
+              <a:t>so</a:t>
+            </a:r>
           </a:p>
         </p:txBody>
       </p:sp>
       <p:graphicFrame>
         <p:nvGraphicFramePr>
-          <p:cNvPr id="51205" name="Object 5"/>
+          <p:cNvPr id="5" name="Object 4"/>
           <p:cNvGraphicFramePr>
             <a:graphicFrameLocks noChangeAspect="1"/>
           </p:cNvGraphicFramePr>
-          <p:nvPr/>
+          <p:nvPr>
+            <p:extLst>
+              <p:ext uri="{D42A27DB-BD31-4B8C-83A1-F6EECF244321}">
+                <p14:modId xmlns:p14="http://schemas.microsoft.com/office/powerpoint/2010/main" val="3900551252"/>
+              </p:ext>
+            </p:extLst>
+          </p:nvPr>
         </p:nvGraphicFramePr>
         <p:xfrm>
-          <a:off x="7235829" y="2590130"/>
-          <a:ext cx="726097" cy="1731732"/>
+          <a:off x="1120775" y="3532188"/>
+          <a:ext cx="7510463" cy="2408237"/>
         </p:xfrm>
         <a:graphic>
           <a:graphicData uri="http://schemas.openxmlformats.org/presentationml/2006/ole">
             <mc:AlternateContent xmlns:mc="http://schemas.openxmlformats.org/markup-compatibility/2006">
               <mc:Choice xmlns:v="urn:schemas-microsoft-com:vml" Requires="v">
-                <p:oleObj spid="_x0000_s79911" name="Equation" r:id="rId4" imgW="164880" imgH="393480" progId="Equation.DSMT4">
+                <p:oleObj spid="_x0000_s104492" name="Equation" r:id="rId4" imgW="1663700" imgH="533400" progId="Equation.DSMT4">
                   <p:embed/>
                 </p:oleObj>
               </mc:Choice>
               <mc:Fallback>
-                <p:oleObj name="Equation" r:id="rId4" imgW="164880" imgH="393480" progId="Equation.DSMT4">
+                <p:oleObj name="Equation" r:id="rId4" imgW="1663700" imgH="533400" progId="Equation.DSMT4">
                   <p:embed/>
                   <p:pic>
                     <p:nvPicPr>
-                      <p:cNvPr id="0" name="Object 5"/>
+                      <p:cNvPr id="0" name="Picture 2"/>
                       <p:cNvPicPr>
                         <a:picLocks noChangeAspect="1" noChangeArrowheads="1"/>
                       </p:cNvPicPr>
                       <p:nvPr/>
                     </p:nvPicPr>
                     <p:blipFill>
-                      <a:blip r:embed="rId5">
-                        <a:extLst>
-                          <a:ext uri="{28A0092B-C50C-407E-A947-70E740481C1C}">
-                            <a14:useLocalDpi xmlns:a14="http://schemas.microsoft.com/office/drawing/2010/main" val="0"/>
-                          </a:ext>
-                        </a:extLst>
-                      </a:blip>
+                      <a:blip r:embed="rId5"/>
                       <a:srcRect/>
                       <a:stretch>
                         <a:fillRect/>
@@ -4922,8 +4951,8 @@
                     </p:blipFill>
                     <p:spPr bwMode="auto">
                       <a:xfrm>
-                        <a:off x="7235829" y="2590130"/>
-                        <a:ext cx="726097" cy="1731732"/>
+                        <a:off x="1120775" y="3532188"/>
+                        <a:ext cx="7510463" cy="2408237"/>
                       </a:xfrm>
                       <a:prstGeom prst="rect">
                         <a:avLst/>
@@ -4975,7 +5004,1797 @@
                             </p:stCondLst>
                             <p:childTnLst>
                               <p:par>
-                                <p:cTn id="5" presetID="10" presetClass="entr" presetSubtype="0" fill="hold" grpId="0" nodeType="clickEffect">
+                                <p:cTn id="5" presetID="22" presetClass="entr" presetSubtype="8" fill="hold" grpId="0" nodeType="clickEffect">
+                                  <p:stCondLst>
+                                    <p:cond delay="0"/>
+                                  </p:stCondLst>
+                                  <p:childTnLst>
+                                    <p:set>
+                                      <p:cBhvr>
+                                        <p:cTn id="6" dur="1" fill="hold">
+                                          <p:stCondLst>
+                                            <p:cond delay="0"/>
+                                          </p:stCondLst>
+                                        </p:cTn>
+                                        <p:tgtEl>
+                                          <p:spTgt spid="152579">
+                                            <p:txEl>
+                                              <p:pRg st="2" end="2"/>
+                                            </p:txEl>
+                                          </p:spTgt>
+                                        </p:tgtEl>
+                                        <p:attrNameLst>
+                                          <p:attrName>style.visibility</p:attrName>
+                                        </p:attrNameLst>
+                                      </p:cBhvr>
+                                      <p:to>
+                                        <p:strVal val="visible"/>
+                                      </p:to>
+                                    </p:set>
+                                    <p:animEffect transition="in" filter="wipe(left)">
+                                      <p:cBhvr>
+                                        <p:cTn id="7" dur="1000"/>
+                                        <p:tgtEl>
+                                          <p:spTgt spid="152579">
+                                            <p:txEl>
+                                              <p:pRg st="2" end="2"/>
+                                            </p:txEl>
+                                          </p:spTgt>
+                                        </p:tgtEl>
+                                      </p:cBhvr>
+                                    </p:animEffect>
+                                  </p:childTnLst>
+                                </p:cTn>
+                              </p:par>
+                            </p:childTnLst>
+                          </p:cTn>
+                        </p:par>
+                      </p:childTnLst>
+                    </p:cTn>
+                  </p:par>
+                  <p:par>
+                    <p:cTn id="8" fill="hold">
+                      <p:stCondLst>
+                        <p:cond delay="indefinite"/>
+                      </p:stCondLst>
+                      <p:childTnLst>
+                        <p:par>
+                          <p:cTn id="9" fill="hold">
+                            <p:stCondLst>
+                              <p:cond delay="0"/>
+                            </p:stCondLst>
+                            <p:childTnLst>
+                              <p:par>
+                                <p:cTn id="10" presetID="10" presetClass="entr" presetSubtype="0" fill="hold" grpId="0" nodeType="clickEffect">
+                                  <p:stCondLst>
+                                    <p:cond delay="0"/>
+                                  </p:stCondLst>
+                                  <p:childTnLst>
+                                    <p:set>
+                                      <p:cBhvr>
+                                        <p:cTn id="11" dur="1" fill="hold">
+                                          <p:stCondLst>
+                                            <p:cond delay="0"/>
+                                          </p:stCondLst>
+                                        </p:cTn>
+                                        <p:tgtEl>
+                                          <p:spTgt spid="152579">
+                                            <p:txEl>
+                                              <p:pRg st="3" end="3"/>
+                                            </p:txEl>
+                                          </p:spTgt>
+                                        </p:tgtEl>
+                                        <p:attrNameLst>
+                                          <p:attrName>style.visibility</p:attrName>
+                                        </p:attrNameLst>
+                                      </p:cBhvr>
+                                      <p:to>
+                                        <p:strVal val="visible"/>
+                                      </p:to>
+                                    </p:set>
+                                    <p:animEffect transition="in" filter="fade">
+                                      <p:cBhvr>
+                                        <p:cTn id="12" dur="500"/>
+                                        <p:tgtEl>
+                                          <p:spTgt spid="152579">
+                                            <p:txEl>
+                                              <p:pRg st="3" end="3"/>
+                                            </p:txEl>
+                                          </p:spTgt>
+                                        </p:tgtEl>
+                                      </p:cBhvr>
+                                    </p:animEffect>
+                                  </p:childTnLst>
+                                </p:cTn>
+                              </p:par>
+                            </p:childTnLst>
+                          </p:cTn>
+                        </p:par>
+                        <p:par>
+                          <p:cTn id="13" fill="hold">
+                            <p:stCondLst>
+                              <p:cond delay="500"/>
+                            </p:stCondLst>
+                            <p:childTnLst>
+                              <p:par>
+                                <p:cTn id="14" presetID="22" presetClass="entr" presetSubtype="8" fill="hold" nodeType="afterEffect">
+                                  <p:stCondLst>
+                                    <p:cond delay="0"/>
+                                  </p:stCondLst>
+                                  <p:childTnLst>
+                                    <p:set>
+                                      <p:cBhvr>
+                                        <p:cTn id="15" dur="1" fill="hold">
+                                          <p:stCondLst>
+                                            <p:cond delay="0"/>
+                                          </p:stCondLst>
+                                        </p:cTn>
+                                        <p:tgtEl>
+                                          <p:spTgt spid="5"/>
+                                        </p:tgtEl>
+                                        <p:attrNameLst>
+                                          <p:attrName>style.visibility</p:attrName>
+                                        </p:attrNameLst>
+                                      </p:cBhvr>
+                                      <p:to>
+                                        <p:strVal val="visible"/>
+                                      </p:to>
+                                    </p:set>
+                                    <p:animEffect transition="in" filter="wipe(left)">
+                                      <p:cBhvr>
+                                        <p:cTn id="16" dur="1000"/>
+                                        <p:tgtEl>
+                                          <p:spTgt spid="5"/>
+                                        </p:tgtEl>
+                                      </p:cBhvr>
+                                    </p:animEffect>
+                                  </p:childTnLst>
+                                </p:cTn>
+                              </p:par>
+                            </p:childTnLst>
+                          </p:cTn>
+                        </p:par>
+                      </p:childTnLst>
+                    </p:cTn>
+                  </p:par>
+                </p:childTnLst>
+              </p:cTn>
+              <p:prevCondLst>
+                <p:cond evt="onPrev" delay="0">
+                  <p:tgtEl>
+                    <p:sldTgt/>
+                  </p:tgtEl>
+                </p:cond>
+              </p:prevCondLst>
+              <p:nextCondLst>
+                <p:cond evt="onNext" delay="0">
+                  <p:tgtEl>
+                    <p:sldTgt/>
+                  </p:tgtEl>
+                </p:cond>
+              </p:nextCondLst>
+            </p:seq>
+          </p:childTnLst>
+        </p:cTn>
+      </p:par>
+    </p:tnLst>
+    <p:bldLst>
+      <p:bldP spid="152579" grpId="0" build="p"/>
+    </p:bldLst>
+  </p:timing>
+</p:sld>
+</file>
+
+<file path=ppt/slides/slide13.xml><?xml version="1.0" encoding="utf-8"?>
+<p:sld xmlns:a="http://schemas.openxmlformats.org/drawingml/2006/main" xmlns:r="http://schemas.openxmlformats.org/officeDocument/2006/relationships" xmlns:p="http://schemas.openxmlformats.org/presentationml/2006/main">
+  <p:cSld>
+    <p:spTree>
+      <p:nvGrpSpPr>
+        <p:cNvPr id="1" name=""/>
+        <p:cNvGrpSpPr/>
+        <p:nvPr/>
+      </p:nvGrpSpPr>
+      <p:grpSpPr>
+        <a:xfrm>
+          <a:off x="0" y="0"/>
+          <a:ext cx="0" cy="0"/>
+          <a:chOff x="0" y="0"/>
+          <a:chExt cx="0" cy="0"/>
+        </a:xfrm>
+      </p:grpSpPr>
+      <p:sp>
+        <p:nvSpPr>
+          <p:cNvPr id="6" name="Slide Number Placeholder 3"/>
+          <p:cNvSpPr>
+            <a:spLocks noGrp="1"/>
+          </p:cNvSpPr>
+          <p:nvPr>
+            <p:ph type="sldNum" sz="quarter" idx="11"/>
+          </p:nvPr>
+        </p:nvSpPr>
+        <p:spPr/>
+        <p:txBody>
+          <a:bodyPr/>
+          <a:lstStyle/>
+          <a:p>
+            <a:pPr>
+              <a:defRPr/>
+            </a:pPr>
+            <a:r>
+              <a:rPr lang="en-US" dirty="0" err="1" smtClean="0"/>
+              <a:t>binom</a:t>
+            </a:r>
+            <a:r>
+              <a:rPr lang="en-US" dirty="0" smtClean="0"/>
+              <a:t>-uniform.</a:t>
+            </a:r>
+            <a:fld id="{96B43620-50E9-4AF8-A2CB-DB1E00EE695D}" type="slidenum">
+              <a:rPr lang="en-US" smtClean="0"/>
+              <a:pPr>
+                <a:defRPr/>
+              </a:pPr>
+              <a:t>13</a:t>
+            </a:fld>
+            <a:endParaRPr lang="en-US" dirty="0"/>
+          </a:p>
+        </p:txBody>
+      </p:sp>
+      <p:sp>
+        <p:nvSpPr>
+          <p:cNvPr id="38915" name="Rectangle 2"/>
+          <p:cNvSpPr>
+            <a:spLocks noGrp="1" noChangeArrowheads="1"/>
+          </p:cNvSpPr>
+          <p:nvPr>
+            <p:ph type="title" idx="4294967295"/>
+          </p:nvPr>
+        </p:nvSpPr>
+        <p:spPr/>
+        <p:txBody>
+          <a:bodyPr/>
+          <a:lstStyle/>
+          <a:p>
+            <a:pPr eaLnBrk="1" hangingPunct="1"/>
+            <a:r>
+              <a:rPr lang="en-US" sz="4800" smtClean="0"/>
+              <a:t>Density &amp; Distribution</a:t>
+            </a:r>
+          </a:p>
+        </p:txBody>
+      </p:sp>
+      <p:sp>
+        <p:nvSpPr>
+          <p:cNvPr id="152579" name="Rectangle 3"/>
+          <p:cNvSpPr>
+            <a:spLocks noGrp="1" noChangeArrowheads="1"/>
+          </p:cNvSpPr>
+          <p:nvPr>
+            <p:ph idx="4294967295"/>
+          </p:nvPr>
+        </p:nvSpPr>
+        <p:spPr>
+          <a:xfrm>
+            <a:off x="166073" y="986691"/>
+            <a:ext cx="8841154" cy="3847625"/>
+          </a:xfrm>
+        </p:spPr>
+        <p:txBody>
+          <a:bodyPr/>
+          <a:lstStyle/>
+          <a:p>
+            <a:pPr eaLnBrk="1" hangingPunct="1"/>
+            <a:r>
+              <a:rPr lang="en-US" sz="4800" dirty="0" smtClean="0">
+                <a:solidFill>
+                  <a:srgbClr val="9B2894"/>
+                </a:solidFill>
+              </a:rPr>
+              <a:t>Probability Density Function</a:t>
+            </a:r>
+          </a:p>
+          <a:p>
+            <a:pPr eaLnBrk="1" hangingPunct="1"/>
+            <a:r>
+              <a:rPr lang="en-US" sz="4800" dirty="0" smtClean="0"/>
+              <a:t>of random variable </a:t>
+            </a:r>
+            <a:r>
+              <a:rPr lang="en-US" sz="4800" dirty="0" smtClean="0">
+                <a:solidFill>
+                  <a:srgbClr val="3333FF"/>
+                </a:solidFill>
+              </a:rPr>
+              <a:t>R</a:t>
+            </a:r>
+            <a:r>
+              <a:rPr lang="en-US" sz="4800" dirty="0" smtClean="0"/>
+              <a:t>, </a:t>
+            </a:r>
+          </a:p>
+          <a:p>
+            <a:pPr algn="ctr" eaLnBrk="1" hangingPunct="1"/>
+            <a:r>
+              <a:rPr lang="en-US" sz="4800" dirty="0" smtClean="0">
+                <a:solidFill>
+                  <a:srgbClr val="9B2894"/>
+                </a:solidFill>
+              </a:rPr>
+              <a:t>PDF</a:t>
+            </a:r>
+            <a:r>
+              <a:rPr lang="en-US" sz="4800" baseline="-25000" dirty="0" smtClean="0">
+                <a:solidFill>
+                  <a:srgbClr val="3333FF"/>
+                </a:solidFill>
+              </a:rPr>
+              <a:t>R</a:t>
+            </a:r>
+            <a:r>
+              <a:rPr lang="en-US" sz="4800" dirty="0" smtClean="0"/>
+              <a:t>(</a:t>
+            </a:r>
+            <a:r>
+              <a:rPr lang="en-US" sz="4800" dirty="0" smtClean="0">
+                <a:solidFill>
+                  <a:srgbClr val="3333FF"/>
+                </a:solidFill>
+              </a:rPr>
+              <a:t>a</a:t>
+            </a:r>
+            <a:r>
+              <a:rPr lang="en-US" sz="4800" dirty="0" smtClean="0"/>
+              <a:t>)</a:t>
+            </a:r>
+            <a:r>
+              <a:rPr lang="en-US" sz="4800" baseline="-25000" dirty="0" smtClean="0"/>
+              <a:t>  </a:t>
+            </a:r>
+            <a:r>
+              <a:rPr lang="en-US" sz="4800" dirty="0" smtClean="0"/>
+              <a:t>::= </a:t>
+            </a:r>
+            <a:r>
+              <a:rPr lang="en-US" sz="4800" dirty="0" err="1" smtClean="0"/>
+              <a:t>Pr</a:t>
+            </a:r>
+            <a:r>
+              <a:rPr lang="en-US" sz="4800" dirty="0" smtClean="0"/>
+              <a:t>[</a:t>
+            </a:r>
+            <a:r>
+              <a:rPr lang="en-US" sz="4800" dirty="0" smtClean="0">
+                <a:solidFill>
+                  <a:srgbClr val="3333FF"/>
+                </a:solidFill>
+              </a:rPr>
+              <a:t>R </a:t>
+            </a:r>
+            <a:r>
+              <a:rPr lang="en-US" sz="4800" dirty="0" smtClean="0"/>
+              <a:t>= </a:t>
+            </a:r>
+            <a:r>
+              <a:rPr lang="en-US" sz="4800" dirty="0" smtClean="0">
+                <a:solidFill>
+                  <a:srgbClr val="3333FF"/>
+                </a:solidFill>
+              </a:rPr>
+              <a:t>a</a:t>
+            </a:r>
+            <a:r>
+              <a:rPr lang="en-US" sz="4800" dirty="0" smtClean="0"/>
+              <a:t>]</a:t>
+            </a:r>
+          </a:p>
+          <a:p>
+            <a:pPr eaLnBrk="1" hangingPunct="1"/>
+            <a:r>
+              <a:rPr lang="en-US" sz="4800" dirty="0" smtClean="0"/>
+              <a:t>so</a:t>
+            </a:r>
+          </a:p>
+        </p:txBody>
+      </p:sp>
+      <p:graphicFrame>
+        <p:nvGraphicFramePr>
+          <p:cNvPr id="5" name="Object 4"/>
+          <p:cNvGraphicFramePr>
+            <a:graphicFrameLocks noChangeAspect="1"/>
+          </p:cNvGraphicFramePr>
+          <p:nvPr>
+            <p:extLst>
+              <p:ext uri="{D42A27DB-BD31-4B8C-83A1-F6EECF244321}">
+                <p14:modId xmlns:p14="http://schemas.microsoft.com/office/powerpoint/2010/main" val="1803993794"/>
+              </p:ext>
+            </p:extLst>
+          </p:nvPr>
+        </p:nvGraphicFramePr>
+        <p:xfrm>
+          <a:off x="1110714" y="3990975"/>
+          <a:ext cx="6191250" cy="1490663"/>
+        </p:xfrm>
+        <a:graphic>
+          <a:graphicData uri="http://schemas.openxmlformats.org/presentationml/2006/ole">
+            <mc:AlternateContent xmlns:mc="http://schemas.openxmlformats.org/markup-compatibility/2006">
+              <mc:Choice xmlns:v="urn:schemas-microsoft-com:vml" Requires="v">
+                <p:oleObj spid="_x0000_s1028" name="Equation" r:id="rId4" imgW="1371600" imgH="330200" progId="Equation.DSMT4">
+                  <p:embed/>
+                </p:oleObj>
+              </mc:Choice>
+              <mc:Fallback>
+                <p:oleObj name="Equation" r:id="rId4" imgW="1371600" imgH="330200" progId="Equation.DSMT4">
+                  <p:embed/>
+                  <p:pic>
+                    <p:nvPicPr>
+                      <p:cNvPr id="0" name=""/>
+                      <p:cNvPicPr>
+                        <a:picLocks noChangeAspect="1" noChangeArrowheads="1"/>
+                      </p:cNvPicPr>
+                      <p:nvPr/>
+                    </p:nvPicPr>
+                    <p:blipFill>
+                      <a:blip r:embed="rId5"/>
+                      <a:srcRect/>
+                      <a:stretch>
+                        <a:fillRect/>
+                      </a:stretch>
+                    </p:blipFill>
+                    <p:spPr bwMode="auto">
+                      <a:xfrm>
+                        <a:off x="1110714" y="3990975"/>
+                        <a:ext cx="6191250" cy="1490663"/>
+                      </a:xfrm>
+                      <a:prstGeom prst="rect">
+                        <a:avLst/>
+                      </a:prstGeom>
+                      <a:noFill/>
+                      <a:extLst>
+                        <a:ext uri="{909E8E84-426E-40dd-AFC4-6F175D3DCCD1}">
+                          <a14:hiddenFill xmlns:a14="http://schemas.microsoft.com/office/drawing/2010/main">
+                            <a:solidFill>
+                              <a:srgbClr val="FFFFFF"/>
+                            </a:solidFill>
+                          </a14:hiddenFill>
+                        </a:ext>
+                      </a:extLst>
+                    </p:spPr>
+                  </p:pic>
+                </p:oleObj>
+              </mc:Fallback>
+            </mc:AlternateContent>
+          </a:graphicData>
+        </a:graphic>
+      </p:graphicFrame>
+      <p:sp>
+        <p:nvSpPr>
+          <p:cNvPr id="2" name="TextBox 1"/>
+          <p:cNvSpPr txBox="1"/>
+          <p:nvPr/>
+        </p:nvSpPr>
+        <p:spPr>
+          <a:xfrm>
+            <a:off x="440267" y="5325533"/>
+            <a:ext cx="7927170" cy="830997"/>
+          </a:xfrm>
+          <a:prstGeom prst="rect">
+            <a:avLst/>
+          </a:prstGeom>
+          <a:noFill/>
+        </p:spPr>
+        <p:txBody>
+          <a:bodyPr wrap="none" rtlCol="0">
+            <a:spAutoFit/>
+          </a:bodyPr>
+          <a:lstStyle/>
+          <a:p>
+            <a:r>
+              <a:rPr lang="en-US" sz="4800" dirty="0" smtClean="0">
+                <a:latin typeface="Comic Sans MS"/>
+                <a:cs typeface="Comic Sans MS"/>
+              </a:rPr>
+              <a:t>for </a:t>
+            </a:r>
+            <a:r>
+              <a:rPr lang="en-US" sz="4800" dirty="0" smtClean="0">
+                <a:solidFill>
+                  <a:srgbClr val="3333FF"/>
+                </a:solidFill>
+                <a:latin typeface="Comic Sans MS"/>
+                <a:cs typeface="Comic Sans MS"/>
+              </a:rPr>
+              <a:t>v</a:t>
+            </a:r>
+            <a:r>
+              <a:rPr lang="en-US" sz="4800" dirty="0" smtClean="0">
+                <a:latin typeface="Comic Sans MS"/>
+                <a:cs typeface="Comic Sans MS"/>
+              </a:rPr>
+              <a:t> in range of </a:t>
+            </a:r>
+            <a:r>
+              <a:rPr lang="en-US" sz="4800" dirty="0" smtClean="0">
+                <a:solidFill>
+                  <a:srgbClr val="9B2894"/>
+                </a:solidFill>
+                <a:latin typeface="Comic Sans MS"/>
+                <a:cs typeface="Comic Sans MS"/>
+              </a:rPr>
+              <a:t>uniform</a:t>
+            </a:r>
+            <a:r>
+              <a:rPr lang="en-US" sz="4800" dirty="0" smtClean="0">
+                <a:latin typeface="Comic Sans MS"/>
+                <a:cs typeface="Comic Sans MS"/>
+              </a:rPr>
+              <a:t> </a:t>
+            </a:r>
+            <a:r>
+              <a:rPr lang="en-US" sz="4800" dirty="0" smtClean="0">
+                <a:solidFill>
+                  <a:srgbClr val="3333FF"/>
+                </a:solidFill>
+                <a:latin typeface="Comic Sans MS"/>
+                <a:cs typeface="Comic Sans MS"/>
+              </a:rPr>
+              <a:t>U</a:t>
+            </a:r>
+            <a:endParaRPr lang="en-US" sz="4800" dirty="0">
+              <a:solidFill>
+                <a:srgbClr val="3333FF"/>
+              </a:solidFill>
+              <a:latin typeface="Comic Sans MS"/>
+              <a:cs typeface="Comic Sans MS"/>
+            </a:endParaRPr>
+          </a:p>
+        </p:txBody>
+      </p:sp>
+    </p:spTree>
+    <p:extLst>
+      <p:ext uri="{BB962C8B-B14F-4D97-AF65-F5344CB8AC3E}">
+        <p14:creationId xmlns:p14="http://schemas.microsoft.com/office/powerpoint/2010/main" val="1614964825"/>
+      </p:ext>
+    </p:extLst>
+  </p:cSld>
+  <p:clrMapOvr>
+    <a:masterClrMapping/>
+  </p:clrMapOvr>
+  <p:transition xmlns:p14="http://schemas.microsoft.com/office/powerpoint/2010/main" spd="slow" advClick="0">
+    <p:fade thruBlk="1"/>
+  </p:transition>
+  <p:timing>
+    <p:tnLst>
+      <p:par>
+        <p:cTn xmlns:p14="http://schemas.microsoft.com/office/powerpoint/2010/main" id="1" dur="indefinite" restart="never" nodeType="tmRoot">
+          <p:childTnLst>
+            <p:seq concurrent="1" nextAc="seek">
+              <p:cTn id="2" dur="indefinite" nodeType="mainSeq">
+                <p:childTnLst>
+                  <p:par>
+                    <p:cTn id="3" fill="hold">
+                      <p:stCondLst>
+                        <p:cond delay="indefinite"/>
+                      </p:stCondLst>
+                      <p:childTnLst>
+                        <p:par>
+                          <p:cTn id="4" fill="hold">
+                            <p:stCondLst>
+                              <p:cond delay="0"/>
+                            </p:stCondLst>
+                            <p:childTnLst>
+                              <p:par>
+                                <p:cTn id="5" presetID="22" presetClass="entr" presetSubtype="8" fill="hold" grpId="0" nodeType="clickEffect">
+                                  <p:stCondLst>
+                                    <p:cond delay="0"/>
+                                  </p:stCondLst>
+                                  <p:childTnLst>
+                                    <p:set>
+                                      <p:cBhvr>
+                                        <p:cTn id="6" dur="1" fill="hold">
+                                          <p:stCondLst>
+                                            <p:cond delay="0"/>
+                                          </p:stCondLst>
+                                        </p:cTn>
+                                        <p:tgtEl>
+                                          <p:spTgt spid="152579">
+                                            <p:txEl>
+                                              <p:pRg st="2" end="2"/>
+                                            </p:txEl>
+                                          </p:spTgt>
+                                        </p:tgtEl>
+                                        <p:attrNameLst>
+                                          <p:attrName>style.visibility</p:attrName>
+                                        </p:attrNameLst>
+                                      </p:cBhvr>
+                                      <p:to>
+                                        <p:strVal val="visible"/>
+                                      </p:to>
+                                    </p:set>
+                                    <p:animEffect transition="in" filter="wipe(left)">
+                                      <p:cBhvr>
+                                        <p:cTn id="7" dur="1000"/>
+                                        <p:tgtEl>
+                                          <p:spTgt spid="152579">
+                                            <p:txEl>
+                                              <p:pRg st="2" end="2"/>
+                                            </p:txEl>
+                                          </p:spTgt>
+                                        </p:tgtEl>
+                                      </p:cBhvr>
+                                    </p:animEffect>
+                                  </p:childTnLst>
+                                </p:cTn>
+                              </p:par>
+                            </p:childTnLst>
+                          </p:cTn>
+                        </p:par>
+                      </p:childTnLst>
+                    </p:cTn>
+                  </p:par>
+                  <p:par>
+                    <p:cTn id="8" fill="hold">
+                      <p:stCondLst>
+                        <p:cond delay="indefinite"/>
+                      </p:stCondLst>
+                      <p:childTnLst>
+                        <p:par>
+                          <p:cTn id="9" fill="hold">
+                            <p:stCondLst>
+                              <p:cond delay="0"/>
+                            </p:stCondLst>
+                            <p:childTnLst>
+                              <p:par>
+                                <p:cTn id="10" presetID="10" presetClass="entr" presetSubtype="0" fill="hold" grpId="0" nodeType="clickEffect">
+                                  <p:stCondLst>
+                                    <p:cond delay="0"/>
+                                  </p:stCondLst>
+                                  <p:childTnLst>
+                                    <p:set>
+                                      <p:cBhvr>
+                                        <p:cTn id="11" dur="1" fill="hold">
+                                          <p:stCondLst>
+                                            <p:cond delay="0"/>
+                                          </p:stCondLst>
+                                        </p:cTn>
+                                        <p:tgtEl>
+                                          <p:spTgt spid="152579">
+                                            <p:txEl>
+                                              <p:pRg st="3" end="3"/>
+                                            </p:txEl>
+                                          </p:spTgt>
+                                        </p:tgtEl>
+                                        <p:attrNameLst>
+                                          <p:attrName>style.visibility</p:attrName>
+                                        </p:attrNameLst>
+                                      </p:cBhvr>
+                                      <p:to>
+                                        <p:strVal val="visible"/>
+                                      </p:to>
+                                    </p:set>
+                                    <p:animEffect transition="in" filter="fade">
+                                      <p:cBhvr>
+                                        <p:cTn id="12" dur="500"/>
+                                        <p:tgtEl>
+                                          <p:spTgt spid="152579">
+                                            <p:txEl>
+                                              <p:pRg st="3" end="3"/>
+                                            </p:txEl>
+                                          </p:spTgt>
+                                        </p:tgtEl>
+                                      </p:cBhvr>
+                                    </p:animEffect>
+                                  </p:childTnLst>
+                                </p:cTn>
+                              </p:par>
+                            </p:childTnLst>
+                          </p:cTn>
+                        </p:par>
+                        <p:par>
+                          <p:cTn id="13" fill="hold">
+                            <p:stCondLst>
+                              <p:cond delay="500"/>
+                            </p:stCondLst>
+                            <p:childTnLst>
+                              <p:par>
+                                <p:cTn id="14" presetID="10" presetClass="entr" presetSubtype="0" fill="hold" nodeType="afterEffect">
+                                  <p:stCondLst>
+                                    <p:cond delay="0"/>
+                                  </p:stCondLst>
+                                  <p:childTnLst>
+                                    <p:set>
+                                      <p:cBhvr>
+                                        <p:cTn id="15" dur="1" fill="hold">
+                                          <p:stCondLst>
+                                            <p:cond delay="0"/>
+                                          </p:stCondLst>
+                                        </p:cTn>
+                                        <p:tgtEl>
+                                          <p:spTgt spid="5"/>
+                                        </p:tgtEl>
+                                        <p:attrNameLst>
+                                          <p:attrName>style.visibility</p:attrName>
+                                        </p:attrNameLst>
+                                      </p:cBhvr>
+                                      <p:to>
+                                        <p:strVal val="visible"/>
+                                      </p:to>
+                                    </p:set>
+                                    <p:animEffect transition="in" filter="fade">
+                                      <p:cBhvr>
+                                        <p:cTn id="16" dur="500"/>
+                                        <p:tgtEl>
+                                          <p:spTgt spid="5"/>
+                                        </p:tgtEl>
+                                      </p:cBhvr>
+                                    </p:animEffect>
+                                  </p:childTnLst>
+                                </p:cTn>
+                              </p:par>
+                            </p:childTnLst>
+                          </p:cTn>
+                        </p:par>
+                        <p:par>
+                          <p:cTn id="17" fill="hold">
+                            <p:stCondLst>
+                              <p:cond delay="1000"/>
+                            </p:stCondLst>
+                            <p:childTnLst>
+                              <p:par>
+                                <p:cTn id="18" presetID="10" presetClass="entr" presetSubtype="0" fill="hold" grpId="0" nodeType="afterEffect">
+                                  <p:stCondLst>
+                                    <p:cond delay="0"/>
+                                  </p:stCondLst>
+                                  <p:childTnLst>
+                                    <p:set>
+                                      <p:cBhvr>
+                                        <p:cTn id="19" dur="1" fill="hold">
+                                          <p:stCondLst>
+                                            <p:cond delay="0"/>
+                                          </p:stCondLst>
+                                        </p:cTn>
+                                        <p:tgtEl>
+                                          <p:spTgt spid="2"/>
+                                        </p:tgtEl>
+                                        <p:attrNameLst>
+                                          <p:attrName>style.visibility</p:attrName>
+                                        </p:attrNameLst>
+                                      </p:cBhvr>
+                                      <p:to>
+                                        <p:strVal val="visible"/>
+                                      </p:to>
+                                    </p:set>
+                                    <p:animEffect transition="in" filter="fade">
+                                      <p:cBhvr>
+                                        <p:cTn id="20" dur="500"/>
+                                        <p:tgtEl>
+                                          <p:spTgt spid="2"/>
+                                        </p:tgtEl>
+                                      </p:cBhvr>
+                                    </p:animEffect>
+                                  </p:childTnLst>
+                                </p:cTn>
+                              </p:par>
+                            </p:childTnLst>
+                          </p:cTn>
+                        </p:par>
+                      </p:childTnLst>
+                    </p:cTn>
+                  </p:par>
+                </p:childTnLst>
+              </p:cTn>
+              <p:prevCondLst>
+                <p:cond evt="onPrev" delay="0">
+                  <p:tgtEl>
+                    <p:sldTgt/>
+                  </p:tgtEl>
+                </p:cond>
+              </p:prevCondLst>
+              <p:nextCondLst>
+                <p:cond evt="onNext" delay="0">
+                  <p:tgtEl>
+                    <p:sldTgt/>
+                  </p:tgtEl>
+                </p:cond>
+              </p:nextCondLst>
+            </p:seq>
+          </p:childTnLst>
+        </p:cTn>
+      </p:par>
+    </p:tnLst>
+    <p:bldLst>
+      <p:bldP spid="152579" grpId="0" build="p"/>
+      <p:bldP spid="2" grpId="0"/>
+    </p:bldLst>
+  </p:timing>
+</p:sld>
+</file>
+
+<file path=ppt/slides/slide14.xml><?xml version="1.0" encoding="utf-8"?>
+<p:sld xmlns:a="http://schemas.openxmlformats.org/drawingml/2006/main" xmlns:r="http://schemas.openxmlformats.org/officeDocument/2006/relationships" xmlns:p="http://schemas.openxmlformats.org/presentationml/2006/main">
+  <p:cSld>
+    <p:spTree>
+      <p:nvGrpSpPr>
+        <p:cNvPr id="1" name=""/>
+        <p:cNvGrpSpPr/>
+        <p:nvPr/>
+      </p:nvGrpSpPr>
+      <p:grpSpPr>
+        <a:xfrm>
+          <a:off x="0" y="0"/>
+          <a:ext cx="0" cy="0"/>
+          <a:chOff x="0" y="0"/>
+          <a:chExt cx="0" cy="0"/>
+        </a:xfrm>
+      </p:grpSpPr>
+      <p:sp>
+        <p:nvSpPr>
+          <p:cNvPr id="6" name="Slide Number Placeholder 3"/>
+          <p:cNvSpPr>
+            <a:spLocks noGrp="1"/>
+          </p:cNvSpPr>
+          <p:nvPr>
+            <p:ph type="sldNum" sz="quarter" idx="11"/>
+          </p:nvPr>
+        </p:nvSpPr>
+        <p:spPr>
+          <a:xfrm>
+            <a:off x="7580313" y="6568894"/>
+            <a:ext cx="1527175" cy="244475"/>
+          </a:xfrm>
+        </p:spPr>
+        <p:txBody>
+          <a:bodyPr/>
+          <a:lstStyle/>
+          <a:p>
+            <a:pPr>
+              <a:defRPr/>
+            </a:pPr>
+            <a:r>
+              <a:rPr lang="en-US" dirty="0" err="1" smtClean="0"/>
+              <a:t>binom</a:t>
+            </a:r>
+            <a:r>
+              <a:rPr lang="en-US" dirty="0" smtClean="0"/>
+              <a:t>-uniform.</a:t>
+            </a:r>
+            <a:fld id="{96B43620-50E9-4AF8-A2CB-DB1E00EE695D}" type="slidenum">
+              <a:rPr lang="en-US" smtClean="0"/>
+              <a:pPr>
+                <a:defRPr/>
+              </a:pPr>
+              <a:t>14</a:t>
+            </a:fld>
+            <a:endParaRPr lang="en-US" dirty="0"/>
+          </a:p>
+        </p:txBody>
+      </p:sp>
+      <p:sp>
+        <p:nvSpPr>
+          <p:cNvPr id="38915" name="Rectangle 2"/>
+          <p:cNvSpPr>
+            <a:spLocks noGrp="1" noChangeArrowheads="1"/>
+          </p:cNvSpPr>
+          <p:nvPr>
+            <p:ph type="title" idx="4294967295"/>
+          </p:nvPr>
+        </p:nvSpPr>
+        <p:spPr/>
+        <p:txBody>
+          <a:bodyPr/>
+          <a:lstStyle/>
+          <a:p>
+            <a:pPr eaLnBrk="1" hangingPunct="1"/>
+            <a:r>
+              <a:rPr lang="en-US" smtClean="0"/>
+              <a:t>Density &amp; Distribution</a:t>
+            </a:r>
+          </a:p>
+        </p:txBody>
+      </p:sp>
+      <p:sp>
+        <p:nvSpPr>
+          <p:cNvPr id="152579" name="Rectangle 3"/>
+          <p:cNvSpPr>
+            <a:spLocks noGrp="1" noChangeArrowheads="1"/>
+          </p:cNvSpPr>
+          <p:nvPr>
+            <p:ph idx="4294967295"/>
+          </p:nvPr>
+        </p:nvSpPr>
+        <p:spPr>
+          <a:xfrm>
+            <a:off x="166073" y="986691"/>
+            <a:ext cx="8896284" cy="5172809"/>
+          </a:xfrm>
+        </p:spPr>
+        <p:txBody>
+          <a:bodyPr/>
+          <a:lstStyle/>
+          <a:p>
+            <a:pPr eaLnBrk="1" hangingPunct="1"/>
+            <a:r>
+              <a:rPr lang="en-US" sz="4800" dirty="0" smtClean="0">
+                <a:solidFill>
+                  <a:srgbClr val="9B2894"/>
+                </a:solidFill>
+              </a:rPr>
+              <a:t>Probability Density Function</a:t>
+            </a:r>
+          </a:p>
+          <a:p>
+            <a:pPr eaLnBrk="1" hangingPunct="1"/>
+            <a:r>
+              <a:rPr lang="en-US" sz="4800" dirty="0" smtClean="0"/>
+              <a:t>of random variable </a:t>
+            </a:r>
+            <a:r>
+              <a:rPr lang="en-US" sz="4800" dirty="0" smtClean="0">
+                <a:solidFill>
+                  <a:srgbClr val="3333FF"/>
+                </a:solidFill>
+              </a:rPr>
+              <a:t>R</a:t>
+            </a:r>
+            <a:r>
+              <a:rPr lang="en-US" sz="4800" dirty="0" smtClean="0"/>
+              <a:t>, </a:t>
+            </a:r>
+          </a:p>
+          <a:p>
+            <a:pPr algn="ctr" eaLnBrk="1" hangingPunct="1"/>
+            <a:r>
+              <a:rPr lang="en-US" sz="5400" dirty="0" smtClean="0">
+                <a:solidFill>
+                  <a:srgbClr val="9B2894"/>
+                </a:solidFill>
+              </a:rPr>
+              <a:t>PDF</a:t>
+            </a:r>
+            <a:r>
+              <a:rPr lang="en-US" sz="5400" baseline="-25000" dirty="0" smtClean="0">
+                <a:solidFill>
+                  <a:srgbClr val="3333FF"/>
+                </a:solidFill>
+              </a:rPr>
+              <a:t>R</a:t>
+            </a:r>
+            <a:r>
+              <a:rPr lang="en-US" sz="5400" dirty="0" smtClean="0"/>
+              <a:t>(</a:t>
+            </a:r>
+            <a:r>
+              <a:rPr lang="en-US" sz="5400" dirty="0" smtClean="0">
+                <a:solidFill>
+                  <a:srgbClr val="3333FF"/>
+                </a:solidFill>
+              </a:rPr>
+              <a:t>a</a:t>
+            </a:r>
+            <a:r>
+              <a:rPr lang="en-US" sz="5400" dirty="0" smtClean="0"/>
+              <a:t>)</a:t>
+            </a:r>
+            <a:r>
+              <a:rPr lang="en-US" sz="5400" baseline="-25000" dirty="0" smtClean="0"/>
+              <a:t>  </a:t>
+            </a:r>
+            <a:r>
+              <a:rPr lang="en-US" sz="5400" dirty="0" smtClean="0"/>
+              <a:t>::= </a:t>
+            </a:r>
+            <a:r>
+              <a:rPr lang="en-US" sz="5400" dirty="0" err="1" smtClean="0"/>
+              <a:t>Pr</a:t>
+            </a:r>
+            <a:r>
+              <a:rPr lang="en-US" sz="5400" dirty="0" smtClean="0"/>
+              <a:t>[</a:t>
+            </a:r>
+            <a:r>
+              <a:rPr lang="en-US" sz="5400" dirty="0" smtClean="0">
+                <a:solidFill>
+                  <a:srgbClr val="3333FF"/>
+                </a:solidFill>
+              </a:rPr>
+              <a:t>R </a:t>
+            </a:r>
+            <a:r>
+              <a:rPr lang="en-US" sz="5400" dirty="0" smtClean="0"/>
+              <a:t>= </a:t>
+            </a:r>
+            <a:r>
+              <a:rPr lang="en-US" sz="5400" dirty="0" smtClean="0">
+                <a:solidFill>
+                  <a:srgbClr val="3333FF"/>
+                </a:solidFill>
+              </a:rPr>
+              <a:t>a</a:t>
+            </a:r>
+            <a:r>
+              <a:rPr lang="en-US" sz="5400" dirty="0" smtClean="0"/>
+              <a:t>]</a:t>
+            </a:r>
+          </a:p>
+          <a:p>
+            <a:pPr eaLnBrk="1" hangingPunct="1"/>
+            <a:r>
+              <a:rPr lang="en-US" sz="5400" dirty="0" smtClean="0">
+                <a:solidFill>
+                  <a:srgbClr val="9B2894"/>
+                </a:solidFill>
+              </a:rPr>
+              <a:t>Cumulative Distribution</a:t>
+            </a:r>
+          </a:p>
+          <a:p>
+            <a:pPr algn="ctr" eaLnBrk="1" hangingPunct="1"/>
+            <a:r>
+              <a:rPr lang="en-US" sz="5400" dirty="0">
+                <a:solidFill>
+                  <a:srgbClr val="9B2894"/>
+                </a:solidFill>
+              </a:rPr>
+              <a:t>CDF</a:t>
+            </a:r>
+            <a:r>
+              <a:rPr lang="en-US" sz="5400" baseline="-25000" dirty="0">
+                <a:solidFill>
+                  <a:srgbClr val="3333FF"/>
+                </a:solidFill>
+              </a:rPr>
+              <a:t>R</a:t>
+            </a:r>
+            <a:r>
+              <a:rPr lang="en-US" sz="5400" dirty="0"/>
+              <a:t>(</a:t>
+            </a:r>
+            <a:r>
+              <a:rPr lang="en-US" sz="5400" dirty="0">
+                <a:solidFill>
+                  <a:srgbClr val="3333FF"/>
+                </a:solidFill>
+              </a:rPr>
+              <a:t>a</a:t>
+            </a:r>
+            <a:r>
+              <a:rPr lang="en-US" sz="5400" dirty="0"/>
+              <a:t>)</a:t>
+            </a:r>
+            <a:r>
+              <a:rPr lang="en-US" sz="5400" baseline="-25000" dirty="0"/>
+              <a:t> </a:t>
+            </a:r>
+            <a:r>
+              <a:rPr lang="en-US" sz="5400" b="1" dirty="0">
+                <a:latin typeface="Euclid Symbol" charset="2"/>
+                <a:cs typeface="Euclid Symbol" charset="2"/>
+              </a:rPr>
+              <a:t>::=</a:t>
+            </a:r>
+            <a:r>
+              <a:rPr lang="en-US" sz="5400" dirty="0"/>
+              <a:t> </a:t>
+            </a:r>
+            <a:r>
+              <a:rPr lang="en-US" sz="5400" dirty="0" err="1" smtClean="0"/>
+              <a:t>Pr</a:t>
+            </a:r>
+            <a:r>
+              <a:rPr lang="en-US" sz="5400" dirty="0" smtClean="0"/>
+              <a:t>[</a:t>
+            </a:r>
+            <a:r>
+              <a:rPr lang="en-US" sz="5400" dirty="0" smtClean="0">
+                <a:solidFill>
+                  <a:srgbClr val="3333FF"/>
+                </a:solidFill>
+              </a:rPr>
+              <a:t>R</a:t>
+            </a:r>
+            <a:r>
+              <a:rPr lang="en-US" sz="5400" dirty="0" smtClean="0"/>
+              <a:t> </a:t>
+            </a:r>
+            <a:r>
+              <a:rPr lang="en-US" sz="5400" b="1" dirty="0">
+                <a:latin typeface="Euclid Symbol" charset="2"/>
+                <a:cs typeface="Euclid Symbol" charset="2"/>
+                <a:sym typeface="Euclid Symbol" pitchFamily="18" charset="2"/>
+              </a:rPr>
+              <a:t>≤</a:t>
+            </a:r>
+            <a:r>
+              <a:rPr lang="en-US" sz="5400" dirty="0"/>
+              <a:t> </a:t>
+            </a:r>
+            <a:r>
+              <a:rPr lang="en-US" sz="5400" dirty="0" smtClean="0">
+                <a:solidFill>
+                  <a:srgbClr val="3333FF"/>
+                </a:solidFill>
+              </a:rPr>
+              <a:t>a</a:t>
+            </a:r>
+            <a:r>
+              <a:rPr lang="en-US" sz="5400" dirty="0" smtClean="0"/>
+              <a:t>]</a:t>
+            </a:r>
+            <a:endParaRPr lang="en-US" sz="5400" dirty="0">
+              <a:solidFill>
+                <a:srgbClr val="9B2894"/>
+              </a:solidFill>
+            </a:endParaRPr>
+          </a:p>
+        </p:txBody>
+      </p:sp>
+    </p:spTree>
+    <p:extLst>
+      <p:ext uri="{BB962C8B-B14F-4D97-AF65-F5344CB8AC3E}">
+        <p14:creationId xmlns:p14="http://schemas.microsoft.com/office/powerpoint/2010/main" val="570934241"/>
+      </p:ext>
+    </p:extLst>
+  </p:cSld>
+  <p:clrMapOvr>
+    <a:masterClrMapping/>
+  </p:clrMapOvr>
+  <mc:AlternateContent xmlns:mc="http://schemas.openxmlformats.org/markup-compatibility/2006" xmlns:p14="http://schemas.microsoft.com/office/powerpoint/2010/main">
+    <mc:Choice Requires="p14">
+      <p:transition spd="med" p14:dur="700" advClick="0">
+        <p:fade/>
+      </p:transition>
+    </mc:Choice>
+    <mc:Fallback xmlns="">
+      <p:transition xmlns:p14="http://schemas.microsoft.com/office/powerpoint/2010/main" spd="med" advClick="0">
+        <p:fade/>
+      </p:transition>
+    </mc:Fallback>
+  </mc:AlternateContent>
+  <p:timing>
+    <p:tnLst>
+      <p:par>
+        <p:cTn xmlns:p14="http://schemas.microsoft.com/office/powerpoint/2010/main" id="1" dur="indefinite" restart="never" nodeType="tmRoot">
+          <p:childTnLst>
+            <p:seq concurrent="1" nextAc="seek">
+              <p:cTn id="2" dur="indefinite" nodeType="mainSeq">
+                <p:childTnLst>
+                  <p:par>
+                    <p:cTn id="3" fill="hold">
+                      <p:stCondLst>
+                        <p:cond delay="indefinite"/>
+                      </p:stCondLst>
+                      <p:childTnLst>
+                        <p:par>
+                          <p:cTn id="4" fill="hold">
+                            <p:stCondLst>
+                              <p:cond delay="0"/>
+                            </p:stCondLst>
+                            <p:childTnLst>
+                              <p:par>
+                                <p:cTn id="5" presetID="22" presetClass="entr" presetSubtype="8" fill="hold" nodeType="clickEffect">
+                                  <p:stCondLst>
+                                    <p:cond delay="0"/>
+                                  </p:stCondLst>
+                                  <p:childTnLst>
+                                    <p:set>
+                                      <p:cBhvr>
+                                        <p:cTn id="6" dur="1" fill="hold">
+                                          <p:stCondLst>
+                                            <p:cond delay="0"/>
+                                          </p:stCondLst>
+                                        </p:cTn>
+                                        <p:tgtEl>
+                                          <p:spTgt spid="152579">
+                                            <p:txEl>
+                                              <p:pRg st="4" end="4"/>
+                                            </p:txEl>
+                                          </p:spTgt>
+                                        </p:tgtEl>
+                                        <p:attrNameLst>
+                                          <p:attrName>style.visibility</p:attrName>
+                                        </p:attrNameLst>
+                                      </p:cBhvr>
+                                      <p:to>
+                                        <p:strVal val="visible"/>
+                                      </p:to>
+                                    </p:set>
+                                    <p:animEffect transition="in" filter="wipe(left)">
+                                      <p:cBhvr>
+                                        <p:cTn id="7" dur="1000"/>
+                                        <p:tgtEl>
+                                          <p:spTgt spid="152579">
+                                            <p:txEl>
+                                              <p:pRg st="4" end="4"/>
+                                            </p:txEl>
+                                          </p:spTgt>
+                                        </p:tgtEl>
+                                      </p:cBhvr>
+                                    </p:animEffect>
+                                  </p:childTnLst>
+                                </p:cTn>
+                              </p:par>
+                            </p:childTnLst>
+                          </p:cTn>
+                        </p:par>
+                      </p:childTnLst>
+                    </p:cTn>
+                  </p:par>
+                </p:childTnLst>
+              </p:cTn>
+              <p:prevCondLst>
+                <p:cond evt="onPrev" delay="0">
+                  <p:tgtEl>
+                    <p:sldTgt/>
+                  </p:tgtEl>
+                </p:cond>
+              </p:prevCondLst>
+              <p:nextCondLst>
+                <p:cond evt="onNext" delay="0">
+                  <p:tgtEl>
+                    <p:sldTgt/>
+                  </p:tgtEl>
+                </p:cond>
+              </p:nextCondLst>
+            </p:seq>
+          </p:childTnLst>
+        </p:cTn>
+      </p:par>
+    </p:tnLst>
+  </p:timing>
+</p:sld>
+</file>
+
+<file path=ppt/slides/slide15.xml><?xml version="1.0" encoding="utf-8"?>
+<p:sld xmlns:a="http://schemas.openxmlformats.org/drawingml/2006/main" xmlns:r="http://schemas.openxmlformats.org/officeDocument/2006/relationships" xmlns:p="http://schemas.openxmlformats.org/presentationml/2006/main">
+  <p:cSld>
+    <p:spTree>
+      <p:nvGrpSpPr>
+        <p:cNvPr id="1" name=""/>
+        <p:cNvGrpSpPr/>
+        <p:nvPr/>
+      </p:nvGrpSpPr>
+      <p:grpSpPr>
+        <a:xfrm>
+          <a:off x="0" y="0"/>
+          <a:ext cx="0" cy="0"/>
+          <a:chOff x="0" y="0"/>
+          <a:chExt cx="0" cy="0"/>
+        </a:xfrm>
+      </p:grpSpPr>
+      <p:sp>
+        <p:nvSpPr>
+          <p:cNvPr id="6" name="Slide Number Placeholder 3"/>
+          <p:cNvSpPr>
+            <a:spLocks noGrp="1"/>
+          </p:cNvSpPr>
+          <p:nvPr>
+            <p:ph type="sldNum" sz="quarter" idx="11"/>
+          </p:nvPr>
+        </p:nvSpPr>
+        <p:spPr/>
+        <p:txBody>
+          <a:bodyPr/>
+          <a:lstStyle/>
+          <a:p>
+            <a:pPr>
+              <a:defRPr/>
+            </a:pPr>
+            <a:r>
+              <a:rPr lang="en-US" dirty="0" err="1" smtClean="0"/>
+              <a:t>binom</a:t>
+            </a:r>
+            <a:r>
+              <a:rPr lang="en-US" dirty="0" smtClean="0"/>
+              <a:t>-uniform.</a:t>
+            </a:r>
+            <a:fld id="{96B43620-50E9-4AF8-A2CB-DB1E00EE695D}" type="slidenum">
+              <a:rPr lang="en-US" smtClean="0"/>
+              <a:pPr>
+                <a:defRPr/>
+              </a:pPr>
+              <a:t>15</a:t>
+            </a:fld>
+            <a:endParaRPr lang="en-US" dirty="0"/>
+          </a:p>
+        </p:txBody>
+      </p:sp>
+      <p:sp>
+        <p:nvSpPr>
+          <p:cNvPr id="38915" name="Rectangle 2"/>
+          <p:cNvSpPr>
+            <a:spLocks noGrp="1" noChangeArrowheads="1"/>
+          </p:cNvSpPr>
+          <p:nvPr>
+            <p:ph type="title" idx="4294967295"/>
+          </p:nvPr>
+        </p:nvSpPr>
+        <p:spPr/>
+        <p:txBody>
+          <a:bodyPr/>
+          <a:lstStyle/>
+          <a:p>
+            <a:pPr eaLnBrk="1" hangingPunct="1"/>
+            <a:r>
+              <a:rPr lang="en-US" dirty="0" smtClean="0"/>
+              <a:t>Density &amp; Distribution</a:t>
+            </a:r>
+          </a:p>
+        </p:txBody>
+      </p:sp>
+      <p:sp>
+        <p:nvSpPr>
+          <p:cNvPr id="152579" name="Rectangle 3"/>
+          <p:cNvSpPr>
+            <a:spLocks noGrp="1" noChangeArrowheads="1"/>
+          </p:cNvSpPr>
+          <p:nvPr>
+            <p:ph idx="4294967295"/>
+          </p:nvPr>
+        </p:nvSpPr>
+        <p:spPr>
+          <a:xfrm>
+            <a:off x="347131" y="1383000"/>
+            <a:ext cx="8458199" cy="4162655"/>
+          </a:xfrm>
+        </p:spPr>
+        <p:txBody>
+          <a:bodyPr/>
+          <a:lstStyle/>
+          <a:p>
+            <a:pPr eaLnBrk="1" hangingPunct="1"/>
+            <a:r>
+              <a:rPr lang="en-US" sz="4800" dirty="0" smtClean="0">
+                <a:solidFill>
+                  <a:srgbClr val="9B2894"/>
+                </a:solidFill>
+              </a:rPr>
+              <a:t>  Key observation:</a:t>
+            </a:r>
+          </a:p>
+          <a:p>
+            <a:pPr eaLnBrk="1" hangingPunct="1"/>
+            <a:r>
+              <a:rPr lang="en-US" sz="4800" dirty="0" smtClean="0"/>
+              <a:t>  The </a:t>
+            </a:r>
+            <a:r>
+              <a:rPr lang="en-US" sz="4800" dirty="0" smtClean="0"/>
+              <a:t>Probability Density &amp; Cumulative Distribution Functions </a:t>
+            </a:r>
+            <a:r>
+              <a:rPr lang="en-US" sz="4800" dirty="0" smtClean="0">
+                <a:solidFill>
+                  <a:srgbClr val="000000"/>
+                </a:solidFill>
+              </a:rPr>
+              <a:t>of</a:t>
+            </a:r>
+            <a:r>
+              <a:rPr lang="en-US" sz="4800" dirty="0" smtClean="0">
+                <a:solidFill>
+                  <a:srgbClr val="0000FF"/>
+                </a:solidFill>
+              </a:rPr>
+              <a:t> R</a:t>
+            </a:r>
+            <a:r>
+              <a:rPr lang="en-US" sz="4800" dirty="0" smtClean="0"/>
+              <a:t>, </a:t>
+            </a:r>
+            <a:r>
+              <a:rPr lang="en-US" sz="4800" dirty="0" smtClean="0">
+                <a:solidFill>
+                  <a:srgbClr val="9B2894"/>
+                </a:solidFill>
+              </a:rPr>
+              <a:t>do not depend</a:t>
+            </a:r>
+            <a:r>
+              <a:rPr lang="en-US" sz="4800" dirty="0" smtClean="0"/>
+              <a:t> on </a:t>
+            </a:r>
+            <a:r>
+              <a:rPr lang="en-US" sz="4800" dirty="0" smtClean="0"/>
+              <a:t>the </a:t>
+            </a:r>
+            <a:r>
+              <a:rPr lang="en-US" sz="4800" dirty="0" smtClean="0">
+                <a:solidFill>
+                  <a:srgbClr val="0000FF"/>
+                </a:solidFill>
+              </a:rPr>
+              <a:t>sample </a:t>
+            </a:r>
+            <a:r>
+              <a:rPr lang="en-US" sz="4800" dirty="0" smtClean="0">
+                <a:solidFill>
+                  <a:srgbClr val="0000FF"/>
+                </a:solidFill>
+              </a:rPr>
+              <a:t>space</a:t>
+            </a:r>
+          </a:p>
+        </p:txBody>
+      </p:sp>
+    </p:spTree>
+    <p:extLst>
+      <p:ext uri="{BB962C8B-B14F-4D97-AF65-F5344CB8AC3E}">
+        <p14:creationId xmlns:p14="http://schemas.microsoft.com/office/powerpoint/2010/main" val="1967514877"/>
+      </p:ext>
+    </p:extLst>
+  </p:cSld>
+  <p:clrMapOvr>
+    <a:masterClrMapping/>
+  </p:clrMapOvr>
+  <mc:AlternateContent xmlns:mc="http://schemas.openxmlformats.org/markup-compatibility/2006" xmlns:p14="http://schemas.microsoft.com/office/powerpoint/2010/main">
+    <mc:Choice Requires="p14">
+      <p:transition spd="slow" p14:dur="900" advClick="0">
+        <p:fade/>
+      </p:transition>
+    </mc:Choice>
+    <mc:Fallback xmlns="">
+      <p:transition xmlns:p14="http://schemas.microsoft.com/office/powerpoint/2010/main" spd="slow" advClick="0">
+        <p:fade/>
+      </p:transition>
+    </mc:Fallback>
+  </mc:AlternateContent>
+  <p:timing>
+    <p:tnLst>
+      <p:par>
+        <p:cTn xmlns:p14="http://schemas.microsoft.com/office/powerpoint/2010/main" id="1" dur="indefinite" restart="never" nodeType="tmRoot"/>
+      </p:par>
+    </p:tnLst>
+  </p:timing>
+</p:sld>
+</file>
+
+<file path=ppt/slides/slide2.xml><?xml version="1.0" encoding="utf-8"?>
+<p:sld xmlns:a="http://schemas.openxmlformats.org/drawingml/2006/main" xmlns:r="http://schemas.openxmlformats.org/officeDocument/2006/relationships" xmlns:p="http://schemas.openxmlformats.org/presentationml/2006/main">
+  <p:cSld>
+    <p:spTree>
+      <p:nvGrpSpPr>
+        <p:cNvPr id="1" name=""/>
+        <p:cNvGrpSpPr/>
+        <p:nvPr/>
+      </p:nvGrpSpPr>
+      <p:grpSpPr>
+        <a:xfrm>
+          <a:off x="0" y="0"/>
+          <a:ext cx="0" cy="0"/>
+          <a:chOff x="0" y="0"/>
+          <a:chExt cx="0" cy="0"/>
+        </a:xfrm>
+      </p:grpSpPr>
+      <p:sp>
+        <p:nvSpPr>
+          <p:cNvPr id="7" name="Slide Number Placeholder 3"/>
+          <p:cNvSpPr>
+            <a:spLocks noGrp="1"/>
+          </p:cNvSpPr>
+          <p:nvPr>
+            <p:ph type="sldNum" sz="quarter" idx="11"/>
+          </p:nvPr>
+        </p:nvSpPr>
+        <p:spPr/>
+        <p:txBody>
+          <a:bodyPr/>
+          <a:lstStyle/>
+          <a:p>
+            <a:pPr>
+              <a:defRPr/>
+            </a:pPr>
+            <a:r>
+              <a:rPr lang="en-US" dirty="0" err="1" smtClean="0"/>
+              <a:t>binom</a:t>
+            </a:r>
+            <a:r>
+              <a:rPr lang="en-US" dirty="0" smtClean="0"/>
+              <a:t>-uniform.</a:t>
+            </a:r>
+            <a:fld id="{C000224B-2332-4750-9253-37D5821B63F0}" type="slidenum">
+              <a:rPr lang="en-US" smtClean="0"/>
+              <a:pPr>
+                <a:defRPr/>
+              </a:pPr>
+              <a:t>2</a:t>
+            </a:fld>
+            <a:endParaRPr lang="en-US" dirty="0"/>
+          </a:p>
+        </p:txBody>
+      </p:sp>
+      <p:sp>
+        <p:nvSpPr>
+          <p:cNvPr id="7172" name="Rectangle 2"/>
+          <p:cNvSpPr>
+            <a:spLocks noGrp="1" noChangeArrowheads="1"/>
+          </p:cNvSpPr>
+          <p:nvPr>
+            <p:ph type="title" idx="4294967295"/>
+          </p:nvPr>
+        </p:nvSpPr>
+        <p:spPr/>
+        <p:txBody>
+          <a:bodyPr/>
+          <a:lstStyle/>
+          <a:p>
+            <a:pPr eaLnBrk="1" hangingPunct="1"/>
+            <a:r>
+              <a:rPr lang="en-US" dirty="0" smtClean="0"/>
+              <a:t>Uniform </a:t>
+            </a:r>
+            <a:r>
+              <a:rPr lang="en-US" dirty="0" smtClean="0"/>
+              <a:t>Random Variables</a:t>
+            </a:r>
+            <a:endParaRPr lang="en-US" dirty="0" smtClean="0"/>
+          </a:p>
+        </p:txBody>
+      </p:sp>
+      <p:sp>
+        <p:nvSpPr>
+          <p:cNvPr id="7173" name="Rectangle 3"/>
+          <p:cNvSpPr>
+            <a:spLocks noGrp="1" noChangeArrowheads="1"/>
+          </p:cNvSpPr>
+          <p:nvPr>
+            <p:ph idx="4294967295"/>
+          </p:nvPr>
+        </p:nvSpPr>
+        <p:spPr>
+          <a:xfrm>
+            <a:off x="226876" y="1596799"/>
+            <a:ext cx="8696991" cy="3076802"/>
+          </a:xfrm>
+        </p:spPr>
+        <p:txBody>
+          <a:bodyPr/>
+          <a:lstStyle/>
+          <a:p>
+            <a:pPr algn="ctr" eaLnBrk="1" hangingPunct="1"/>
+            <a:r>
+              <a:rPr lang="en-US" sz="5400" dirty="0" smtClean="0">
+                <a:solidFill>
+                  <a:srgbClr val="9B2894"/>
+                </a:solidFill>
+              </a:rPr>
+              <a:t>…all values equally </a:t>
+            </a:r>
+            <a:r>
+              <a:rPr lang="en-US" sz="5400" dirty="0" smtClean="0">
+                <a:solidFill>
+                  <a:srgbClr val="9B2894"/>
+                </a:solidFill>
+              </a:rPr>
+              <a:t>likely</a:t>
+            </a:r>
+            <a:endParaRPr lang="en-US" sz="5400" dirty="0" smtClean="0">
+              <a:solidFill>
+                <a:srgbClr val="9B2894"/>
+              </a:solidFill>
+            </a:endParaRPr>
+          </a:p>
+          <a:p>
+            <a:pPr eaLnBrk="1" hangingPunct="1"/>
+            <a:r>
+              <a:rPr lang="en-US" dirty="0" smtClean="0"/>
+              <a:t>“threshold” variable </a:t>
+            </a:r>
+            <a:r>
+              <a:rPr lang="en-US" sz="4400" dirty="0" smtClean="0"/>
+              <a:t>was uniform:</a:t>
+            </a:r>
+            <a:endParaRPr lang="en-US" dirty="0" smtClean="0"/>
+          </a:p>
+          <a:p>
+            <a:pPr eaLnBrk="1" hangingPunct="1"/>
+            <a:r>
+              <a:rPr lang="en-US" sz="5400" dirty="0" err="1" smtClean="0">
+                <a:solidFill>
+                  <a:srgbClr val="3333FF"/>
+                </a:solidFill>
+              </a:rPr>
+              <a:t>Pr</a:t>
+            </a:r>
+            <a:r>
+              <a:rPr lang="en-US" sz="5400" dirty="0" smtClean="0">
+                <a:solidFill>
+                  <a:srgbClr val="3333FF"/>
+                </a:solidFill>
+              </a:rPr>
+              <a:t>[</a:t>
+            </a:r>
+            <a:r>
+              <a:rPr lang="en-US" sz="5400" dirty="0" smtClean="0">
+                <a:solidFill>
+                  <a:srgbClr val="FF00FF"/>
+                </a:solidFill>
+              </a:rPr>
+              <a:t>Z</a:t>
+            </a:r>
+            <a:r>
+              <a:rPr lang="en-US" sz="5400" dirty="0" smtClean="0">
+                <a:solidFill>
+                  <a:srgbClr val="3333FF"/>
+                </a:solidFill>
+              </a:rPr>
+              <a:t> = 0] </a:t>
+            </a:r>
+            <a:r>
+              <a:rPr lang="en-US" sz="5400" b="1" dirty="0">
+                <a:solidFill>
+                  <a:srgbClr val="3333FF"/>
+                </a:solidFill>
+                <a:latin typeface="Euclid Symbol" charset="2"/>
+                <a:cs typeface="Euclid Symbol" charset="2"/>
+              </a:rPr>
+              <a:t>=</a:t>
+            </a:r>
+            <a:r>
+              <a:rPr lang="en-US" sz="5400" dirty="0" smtClean="0">
+                <a:solidFill>
+                  <a:srgbClr val="3333FF"/>
+                </a:solidFill>
+              </a:rPr>
+              <a:t> </a:t>
+            </a:r>
+            <a:r>
+              <a:rPr lang="en-US" sz="5400" dirty="0" smtClean="0">
+                <a:solidFill>
+                  <a:srgbClr val="3333FF"/>
+                </a:solidFill>
+                <a:latin typeface="DFKaiShu-SB-Estd-BF"/>
+              </a:rPr>
+              <a:t>…</a:t>
+            </a:r>
+            <a:r>
+              <a:rPr lang="en-US" sz="5400" b="1" dirty="0" smtClean="0">
+                <a:solidFill>
+                  <a:srgbClr val="3333FF"/>
+                </a:solidFill>
+                <a:latin typeface="Euclid Symbol" charset="2"/>
+                <a:cs typeface="Euclid Symbol" charset="2"/>
+              </a:rPr>
+              <a:t>=</a:t>
+            </a:r>
+            <a:r>
+              <a:rPr lang="en-US" sz="5400" dirty="0" smtClean="0">
+                <a:solidFill>
+                  <a:srgbClr val="3333FF"/>
+                </a:solidFill>
+                <a:latin typeface="DFKaiShu-SB-Estd-BF"/>
+              </a:rPr>
+              <a:t> </a:t>
+            </a:r>
+            <a:r>
+              <a:rPr lang="en-US" sz="5400" dirty="0" err="1" smtClean="0">
+                <a:solidFill>
+                  <a:srgbClr val="3333FF"/>
+                </a:solidFill>
+              </a:rPr>
+              <a:t>Pr</a:t>
+            </a:r>
+            <a:r>
+              <a:rPr lang="en-US" sz="5400" dirty="0" smtClean="0">
+                <a:solidFill>
+                  <a:srgbClr val="3333FF"/>
+                </a:solidFill>
+              </a:rPr>
+              <a:t>[</a:t>
+            </a:r>
+            <a:r>
+              <a:rPr lang="en-US" sz="5400" dirty="0" smtClean="0">
+                <a:solidFill>
+                  <a:srgbClr val="FF00FF"/>
+                </a:solidFill>
+              </a:rPr>
+              <a:t>Z</a:t>
+            </a:r>
+            <a:r>
+              <a:rPr lang="en-US" sz="5400" dirty="0" smtClean="0">
+                <a:solidFill>
+                  <a:srgbClr val="3333FF"/>
+                </a:solidFill>
+              </a:rPr>
+              <a:t> = 6]  </a:t>
+            </a:r>
+            <a:endParaRPr lang="en-US" sz="5400" dirty="0" smtClean="0">
+              <a:solidFill>
+                <a:srgbClr val="3333FF"/>
+              </a:solidFill>
+            </a:endParaRPr>
+          </a:p>
+        </p:txBody>
+      </p:sp>
+      <p:graphicFrame>
+        <p:nvGraphicFramePr>
+          <p:cNvPr id="51205" name="Object 5"/>
+          <p:cNvGraphicFramePr>
+            <a:graphicFrameLocks noChangeAspect="1"/>
+          </p:cNvGraphicFramePr>
+          <p:nvPr>
+            <p:extLst>
+              <p:ext uri="{D42A27DB-BD31-4B8C-83A1-F6EECF244321}">
+                <p14:modId xmlns:p14="http://schemas.microsoft.com/office/powerpoint/2010/main" val="2908127082"/>
+              </p:ext>
+            </p:extLst>
+          </p:nvPr>
+        </p:nvGraphicFramePr>
+        <p:xfrm>
+          <a:off x="3745442" y="4160838"/>
+          <a:ext cx="1332442" cy="1912193"/>
+        </p:xfrm>
+        <a:graphic>
+          <a:graphicData uri="http://schemas.openxmlformats.org/presentationml/2006/ole">
+            <mc:AlternateContent xmlns:mc="http://schemas.openxmlformats.org/markup-compatibility/2006">
+              <mc:Choice xmlns:v="urn:schemas-microsoft-com:vml" Requires="v">
+                <p:oleObj spid="_x0000_s79916" name="Equation" r:id="rId4" imgW="292100" imgH="419100" progId="Equation.DSMT4">
+                  <p:embed/>
+                </p:oleObj>
+              </mc:Choice>
+              <mc:Fallback>
+                <p:oleObj name="Equation" r:id="rId4" imgW="292100" imgH="419100" progId="Equation.DSMT4">
+                  <p:embed/>
+                  <p:pic>
+                    <p:nvPicPr>
+                      <p:cNvPr id="0" name="Object 5"/>
+                      <p:cNvPicPr>
+                        <a:picLocks noChangeAspect="1" noChangeArrowheads="1"/>
+                      </p:cNvPicPr>
+                      <p:nvPr/>
+                    </p:nvPicPr>
+                    <p:blipFill>
+                      <a:blip r:embed="rId5"/>
+                      <a:srcRect/>
+                      <a:stretch>
+                        <a:fillRect/>
+                      </a:stretch>
+                    </p:blipFill>
+                    <p:spPr bwMode="auto">
+                      <a:xfrm>
+                        <a:off x="3745442" y="4160838"/>
+                        <a:ext cx="1332442" cy="1912193"/>
+                      </a:xfrm>
+                      <a:prstGeom prst="rect">
+                        <a:avLst/>
+                      </a:prstGeom>
+                      <a:noFill/>
+                      <a:extLst/>
+                    </p:spPr>
+                  </p:pic>
+                </p:oleObj>
+              </mc:Fallback>
+            </mc:AlternateContent>
+          </a:graphicData>
+        </a:graphic>
+      </p:graphicFrame>
+    </p:spTree>
+  </p:cSld>
+  <p:clrMapOvr>
+    <a:masterClrMapping/>
+  </p:clrMapOvr>
+  <p:transition xmlns:p14="http://schemas.microsoft.com/office/powerpoint/2010/main" spd="slow" advClick="0">
+    <p:fade thruBlk="1"/>
+  </p:transition>
+  <p:timing>
+    <p:tnLst>
+      <p:par>
+        <p:cTn xmlns:p14="http://schemas.microsoft.com/office/powerpoint/2010/main" id="1" dur="indefinite" restart="never" nodeType="tmRoot">
+          <p:childTnLst>
+            <p:seq concurrent="1" nextAc="seek">
+              <p:cTn id="2" dur="indefinite" nodeType="mainSeq">
+                <p:childTnLst>
+                  <p:par>
+                    <p:cTn id="3" fill="hold">
+                      <p:stCondLst>
+                        <p:cond delay="indefinite"/>
+                      </p:stCondLst>
+                      <p:childTnLst>
+                        <p:par>
+                          <p:cTn id="4" fill="hold">
+                            <p:stCondLst>
+                              <p:cond delay="0"/>
+                            </p:stCondLst>
+                            <p:childTnLst>
+                              <p:par>
+                                <p:cTn id="5" presetID="22" presetClass="entr" presetSubtype="8" fill="hold" grpId="0" nodeType="clickEffect">
                                   <p:stCondLst>
                                     <p:cond delay="0"/>
                                   </p:stCondLst>
@@ -5002,9 +6821,9 @@
                                         <p:strVal val="visible"/>
                                       </p:to>
                                     </p:set>
-                                    <p:animEffect transition="in" filter="fade">
+                                    <p:animEffect transition="in" filter="wipe(left)">
                                       <p:cBhvr>
-                                        <p:cTn id="7" dur="500"/>
+                                        <p:cTn id="7" dur="1000"/>
                                         <p:tgtEl>
                                           <p:spTgt spid="7173">
                                             <p:txEl>
@@ -5097,7 +6916,7 @@
                             </p:stCondLst>
                             <p:childTnLst>
                               <p:par>
-                                <p:cTn id="15" presetID="10" presetClass="entr" presetSubtype="0" fill="hold" grpId="0" nodeType="clickEffect">
+                                <p:cTn id="15" presetID="22" presetClass="entr" presetSubtype="8" fill="hold" grpId="0" nodeType="clickEffect">
                                   <p:stCondLst>
                                     <p:cond delay="0"/>
                                   </p:stCondLst>
@@ -5124,9 +6943,9 @@
                                         <p:strVal val="visible"/>
                                       </p:to>
                                     </p:set>
-                                    <p:animEffect transition="in" filter="fade">
+                                    <p:animEffect transition="in" filter="wipe(left)">
                                       <p:cBhvr>
-                                        <p:cTn id="17" dur="500"/>
+                                        <p:cTn id="17" dur="1000"/>
                                         <p:tgtEl>
                                           <p:spTgt spid="7173">
                                             <p:txEl>
@@ -5139,15 +6958,24 @@
                                   </p:childTnLst>
                                 </p:cTn>
                               </p:par>
+                            </p:childTnLst>
+                          </p:cTn>
+                        </p:par>
+                        <p:par>
+                          <p:cTn id="18" fill="hold">
+                            <p:stCondLst>
+                              <p:cond delay="1000"/>
+                            </p:stCondLst>
+                            <p:childTnLst>
                               <p:par>
-                                <p:cTn id="18" presetID="9" presetClass="entr" presetSubtype="0" fill="hold" nodeType="withEffect">
+                                <p:cTn id="19" presetID="9" presetClass="entr" presetSubtype="0" fill="hold" nodeType="afterEffect">
                                   <p:stCondLst>
                                     <p:cond delay="0"/>
                                   </p:stCondLst>
                                   <p:childTnLst>
                                     <p:set>
                                       <p:cBhvr>
-                                        <p:cTn id="19" dur="1" fill="hold">
+                                        <p:cTn id="20" dur="1" fill="hold">
                                           <p:stCondLst>
                                             <p:cond delay="0"/>
                                           </p:stCondLst>
@@ -5165,61 +6993,9 @@
                                     </p:set>
                                     <p:animEffect transition="in" filter="dissolve">
                                       <p:cBhvr>
-                                        <p:cTn id="20" dur="500"/>
+                                        <p:cTn id="21" dur="500"/>
                                         <p:tgtEl>
                                           <p:spTgt spid="51205"/>
-                                        </p:tgtEl>
-                                      </p:cBhvr>
-                                    </p:animEffect>
-                                  </p:childTnLst>
-                                </p:cTn>
-                              </p:par>
-                            </p:childTnLst>
-                          </p:cTn>
-                        </p:par>
-                        <p:par>
-                          <p:cTn id="21" fill="hold">
-                            <p:stCondLst>
-                              <p:cond delay="500"/>
-                            </p:stCondLst>
-                            <p:childTnLst>
-                              <p:par>
-                                <p:cTn id="22" presetID="10" presetClass="entr" presetSubtype="0" fill="hold" grpId="0" nodeType="afterEffect">
-                                  <p:stCondLst>
-                                    <p:cond delay="0"/>
-                                  </p:stCondLst>
-                                  <p:childTnLst>
-                                    <p:set>
-                                      <p:cBhvr>
-                                        <p:cTn id="23" dur="1" fill="hold">
-                                          <p:stCondLst>
-                                            <p:cond delay="0"/>
-                                          </p:stCondLst>
-                                        </p:cTn>
-                                        <p:tgtEl>
-                                          <p:spTgt spid="7173">
-                                            <p:txEl>
-                                              <p:pRg st="3" end="3"/>
-                                            </p:txEl>
-                                          </p:spTgt>
-                                        </p:tgtEl>
-                                        <p:attrNameLst>
-                                          <p:attrName>style.visibility</p:attrName>
-                                        </p:attrNameLst>
-                                      </p:cBhvr>
-                                      <p:to>
-                                        <p:strVal val="visible"/>
-                                      </p:to>
-                                    </p:set>
-                                    <p:animEffect transition="in" filter="fade">
-                                      <p:cBhvr>
-                                        <p:cTn id="24" dur="1000"/>
-                                        <p:tgtEl>
-                                          <p:spTgt spid="7173">
-                                            <p:txEl>
-                                              <p:pRg st="3" end="3"/>
-                                            </p:txEl>
-                                          </p:spTgt>
                                         </p:tgtEl>
                                       </p:cBhvr>
                                     </p:animEffect>
@@ -5260,7 +7036,7 @@
 </p:sld>
 </file>
 
-<file path=ppt/slides/slide13.xml><?xml version="1.0" encoding="utf-8"?>
+<file path=ppt/slides/slide3.xml><?xml version="1.0" encoding="utf-8"?>
 <p:sld xmlns:a="http://schemas.openxmlformats.org/drawingml/2006/main" xmlns:r="http://schemas.openxmlformats.org/officeDocument/2006/relationships" xmlns:p="http://schemas.openxmlformats.org/presentationml/2006/main">
   <p:cSld>
     <p:spTree>
@@ -5308,7 +7084,7 @@
               <a:pPr>
                 <a:defRPr/>
               </a:pPr>
-              <a:t>13</a:t>
+              <a:t>3</a:t>
             </a:fld>
             <a:endParaRPr lang="en-US" dirty="0"/>
           </a:p>
@@ -5349,8 +7125,8 @@
         </p:nvSpPr>
         <p:spPr>
           <a:xfrm>
-            <a:off x="185615" y="1121510"/>
-            <a:ext cx="8801223" cy="4652108"/>
+            <a:off x="185615" y="1485591"/>
+            <a:ext cx="8831385" cy="3992357"/>
           </a:xfrm>
         </p:spPr>
         <p:txBody>
@@ -5359,80 +7135,32 @@
           <a:p>
             <a:pPr eaLnBrk="1" hangingPunct="1"/>
             <a:r>
-              <a:rPr lang="en-US" dirty="0" smtClean="0">
+              <a:rPr lang="en-US" sz="4400" dirty="0" smtClean="0">
                 <a:solidFill>
                   <a:srgbClr val="3333FF"/>
                 </a:solidFill>
               </a:rPr>
-              <a:t>R</a:t>
-            </a:r>
-            <a:r>
-              <a:rPr lang="en-US" dirty="0" smtClean="0"/>
-              <a:t> is </a:t>
-            </a:r>
-            <a:r>
-              <a:rPr lang="en-US" dirty="0" smtClean="0">
-                <a:solidFill>
-                  <a:srgbClr val="006600"/>
-                </a:solidFill>
-              </a:rPr>
-              <a:t>uniform</a:t>
-            </a:r>
-            <a:r>
-              <a:rPr lang="en-US" i="1" dirty="0" smtClean="0">
-                <a:solidFill>
-                  <a:srgbClr val="0000FF"/>
-                </a:solidFill>
-              </a:rPr>
+              <a:t>D</a:t>
+            </a:r>
+            <a:r>
+              <a:rPr lang="en-US" sz="4400" dirty="0" smtClean="0"/>
               <a:t> </a:t>
             </a:r>
             <a:r>
-              <a:rPr lang="en-US" dirty="0" err="1" smtClean="0"/>
-              <a:t>iff</a:t>
-            </a:r>
-            <a:r>
-              <a:rPr lang="en-US" dirty="0" smtClean="0"/>
-              <a:t>  PDF</a:t>
-            </a:r>
-            <a:r>
-              <a:rPr lang="en-US" baseline="-25000" dirty="0" smtClean="0">
-                <a:solidFill>
-                  <a:srgbClr val="3333FF"/>
-                </a:solidFill>
-              </a:rPr>
-              <a:t>R</a:t>
-            </a:r>
-            <a:r>
-              <a:rPr lang="en-US" baseline="-25000" dirty="0" smtClean="0"/>
-              <a:t> </a:t>
-            </a:r>
-            <a:r>
-              <a:rPr lang="en-US" dirty="0" smtClean="0"/>
-              <a:t> is </a:t>
-            </a:r>
-            <a:r>
-              <a:rPr lang="en-US" dirty="0" smtClean="0">
-                <a:solidFill>
-                  <a:srgbClr val="006600"/>
-                </a:solidFill>
-              </a:rPr>
-              <a:t>constant</a:t>
-            </a:r>
-            <a:endParaRPr lang="en-US" dirty="0" smtClean="0"/>
-          </a:p>
-          <a:p>
-            <a:pPr eaLnBrk="1" hangingPunct="1"/>
+              <a:rPr lang="en-US" sz="4400" dirty="0" smtClean="0"/>
+              <a:t>::= outcome of </a:t>
+            </a:r>
             <a:r>
               <a:rPr lang="en-US" sz="4400" dirty="0" smtClean="0">
                 <a:solidFill>
-                  <a:srgbClr val="3333FF"/>
-                </a:solidFill>
-              </a:rPr>
-              <a:t>D</a:t>
+                  <a:srgbClr val="9B2894"/>
+                </a:solidFill>
+              </a:rPr>
+              <a:t>fair</a:t>
             </a:r>
             <a:r>
               <a:rPr lang="en-US" sz="4400" dirty="0" smtClean="0"/>
-              <a:t> ::= outcome of fair die roll</a:t>
+              <a:t> die roll</a:t>
             </a:r>
           </a:p>
           <a:p>
@@ -5455,15 +7183,7 @@
             </a:r>
             <a:r>
               <a:rPr lang="en-US" dirty="0" smtClean="0"/>
-              <a:t>=</a:t>
-            </a:r>
-            <a:r>
-              <a:rPr lang="en-US" dirty="0" smtClean="0"/>
-              <a:t>1] </a:t>
-            </a:r>
-            <a:r>
-              <a:rPr lang="en-US" dirty="0" smtClean="0"/>
-              <a:t>= </a:t>
+              <a:t>=1] = </a:t>
             </a:r>
             <a:r>
               <a:rPr lang="en-US" dirty="0" err="1" smtClean="0"/>
@@ -5483,15 +7203,7 @@
             </a:r>
             <a:r>
               <a:rPr lang="en-US" dirty="0" smtClean="0"/>
-              <a:t>=</a:t>
-            </a:r>
-            <a:r>
-              <a:rPr lang="en-US" dirty="0" smtClean="0"/>
-              <a:t>2] </a:t>
-            </a:r>
-            <a:r>
-              <a:rPr lang="en-US" dirty="0" smtClean="0"/>
-              <a:t>=</a:t>
+              <a:t>=2] =</a:t>
             </a:r>
             <a:r>
               <a:rPr lang="en-US" dirty="0" smtClean="0">
@@ -5523,19 +7235,7 @@
               <a:rPr lang="en-US" dirty="0" smtClean="0">
                 <a:cs typeface="Times New Roman" pitchFamily="18" charset="0"/>
               </a:rPr>
-              <a:t>=</a:t>
-            </a:r>
-            <a:r>
-              <a:rPr lang="en-US" dirty="0" smtClean="0">
-                <a:cs typeface="Times New Roman" pitchFamily="18" charset="0"/>
-              </a:rPr>
-              <a:t>6] </a:t>
-            </a:r>
-            <a:r>
-              <a:rPr lang="en-US" dirty="0" smtClean="0">
-                <a:cs typeface="Times New Roman" pitchFamily="18" charset="0"/>
-              </a:rPr>
-              <a:t>= </a:t>
+              <a:t>=6] = </a:t>
             </a:r>
             <a:r>
               <a:rPr lang="en-US" dirty="0" smtClean="0">
@@ -5587,19 +7287,7 @@
             </a:r>
             <a:r>
               <a:rPr lang="en-US" dirty="0" smtClean="0"/>
-              <a:t> </a:t>
-            </a:r>
-            <a:r>
-              <a:rPr lang="en-US" dirty="0" smtClean="0"/>
-              <a:t>= </a:t>
-            </a:r>
-            <a:r>
-              <a:rPr lang="en-US" dirty="0" smtClean="0"/>
-              <a:t>0000] </a:t>
-            </a:r>
-            <a:r>
-              <a:rPr lang="en-US" dirty="0" smtClean="0"/>
-              <a:t>= </a:t>
+              <a:t> = 0000] = </a:t>
             </a:r>
             <a:r>
               <a:rPr lang="en-US" dirty="0" err="1" smtClean="0"/>
@@ -5619,19 +7307,7 @@
             </a:r>
             <a:r>
               <a:rPr lang="en-US" dirty="0" smtClean="0"/>
-              <a:t> </a:t>
-            </a:r>
-            <a:r>
-              <a:rPr lang="en-US" dirty="0" smtClean="0"/>
-              <a:t>= </a:t>
-            </a:r>
-            <a:r>
-              <a:rPr lang="en-US" dirty="0" smtClean="0"/>
-              <a:t>0001] </a:t>
-            </a:r>
-            <a:r>
-              <a:rPr lang="en-US" dirty="0" smtClean="0"/>
-              <a:t>= </a:t>
+              <a:t> = 0001] = </a:t>
             </a:r>
             <a:r>
               <a:rPr lang="en-US" dirty="0" smtClean="0">
@@ -5676,19 +7352,7 @@
               <a:rPr lang="en-US" dirty="0" smtClean="0">
                 <a:cs typeface="Times New Roman" pitchFamily="18" charset="0"/>
               </a:rPr>
-              <a:t>= </a:t>
-            </a:r>
-            <a:r>
-              <a:rPr lang="en-US" dirty="0" smtClean="0">
-                <a:cs typeface="Times New Roman" pitchFamily="18" charset="0"/>
-              </a:rPr>
-              <a:t>9999] </a:t>
-            </a:r>
-            <a:r>
-              <a:rPr lang="en-US" dirty="0" smtClean="0">
-                <a:cs typeface="Times New Roman" pitchFamily="18" charset="0"/>
-              </a:rPr>
-              <a:t>=  </a:t>
+              <a:t>= 9999] =  </a:t>
             </a:r>
             <a:r>
               <a:rPr lang="en-US" dirty="0" smtClean="0">
@@ -5707,13 +7371,13 @@
   <p:clrMapOvr>
     <a:masterClrMapping/>
   </p:clrMapOvr>
-  <mc:AlternateContent xmlns:mc="http://schemas.openxmlformats.org/markup-compatibility/2006" xmlns:p14="http://schemas.microsoft.com/office/powerpoint/2010/main">
-    <mc:Choice Requires="p14">
+  <mc:AlternateContent xmlns:mc="http://schemas.openxmlformats.org/markup-compatibility/2006">
+    <mc:Choice xmlns:p14="http://schemas.microsoft.com/office/powerpoint/2010/main" Requires="p14">
       <p:transition spd="slow" p14:dur="900" advClick="0">
         <p:fade/>
       </p:transition>
     </mc:Choice>
-    <mc:Fallback xmlns="">
+    <mc:Fallback>
       <p:transition xmlns:p14="http://schemas.microsoft.com/office/powerpoint/2010/main" spd="slow" advClick="0">
         <p:fade/>
       </p:transition>
@@ -5755,7 +7419,7 @@
                                         <p:tgtEl>
                                           <p:spTgt spid="153603">
                                             <p:txEl>
-                                              <p:pRg st="1" end="1"/>
+                                              <p:pRg st="0" end="0"/>
                                             </p:txEl>
                                           </p:spTgt>
                                         </p:tgtEl>
@@ -5773,7 +7437,7 @@
                                         <p:tgtEl>
                                           <p:spTgt spid="153603">
                                             <p:txEl>
-                                              <p:pRg st="1" end="1"/>
+                                              <p:pRg st="0" end="0"/>
                                             </p:txEl>
                                           </p:spTgt>
                                         </p:tgtEl>
@@ -5816,7 +7480,7 @@
                                         <p:tgtEl>
                                           <p:spTgt spid="153603">
                                             <p:txEl>
-                                              <p:pRg st="2" end="2"/>
+                                              <p:pRg st="1" end="1"/>
                                             </p:txEl>
                                           </p:spTgt>
                                         </p:tgtEl>
@@ -5834,7 +7498,7 @@
                                         <p:tgtEl>
                                           <p:spTgt spid="153603">
                                             <p:txEl>
-                                              <p:pRg st="2" end="2"/>
+                                              <p:pRg st="1" end="1"/>
                                             </p:txEl>
                                           </p:spTgt>
                                         </p:tgtEl>
@@ -5877,7 +7541,7 @@
                                         <p:tgtEl>
                                           <p:spTgt spid="153603">
                                             <p:txEl>
-                                              <p:pRg st="3" end="3"/>
+                                              <p:pRg st="2" end="2"/>
                                             </p:txEl>
                                           </p:spTgt>
                                         </p:tgtEl>
@@ -5895,7 +7559,7 @@
                                         <p:tgtEl>
                                           <p:spTgt spid="153603">
                                             <p:txEl>
-                                              <p:pRg st="3" end="3"/>
+                                              <p:pRg st="2" end="2"/>
                                             </p:txEl>
                                           </p:spTgt>
                                         </p:tgtEl>
@@ -5938,7 +7602,7 @@
                                         <p:tgtEl>
                                           <p:spTgt spid="153603">
                                             <p:txEl>
-                                              <p:pRg st="4" end="4"/>
+                                              <p:pRg st="3" end="3"/>
                                             </p:txEl>
                                           </p:spTgt>
                                         </p:tgtEl>
@@ -5956,7 +7620,7 @@
                                         <p:tgtEl>
                                           <p:spTgt spid="153603">
                                             <p:txEl>
-                                              <p:pRg st="4" end="4"/>
+                                              <p:pRg st="3" end="3"/>
                                             </p:txEl>
                                           </p:spTgt>
                                         </p:tgtEl>
@@ -5990,7 +7654,7 @@
                                         <p:tgtEl>
                                           <p:spTgt spid="153603">
                                             <p:txEl>
-                                              <p:pRg st="5" end="5"/>
+                                              <p:pRg st="4" end="4"/>
                                             </p:txEl>
                                           </p:spTgt>
                                         </p:tgtEl>
@@ -6008,7 +7672,7 @@
                                         <p:tgtEl>
                                           <p:spTgt spid="153603">
                                             <p:txEl>
-                                              <p:pRg st="5" end="5"/>
+                                              <p:pRg st="4" end="4"/>
                                             </p:txEl>
                                           </p:spTgt>
                                         </p:tgtEl>
@@ -6048,7 +7712,7 @@
 </p:sld>
 </file>
 
-<file path=ppt/slides/slide14.xml><?xml version="1.0" encoding="utf-8"?>
+<file path=ppt/slides/slide4.xml><?xml version="1.0" encoding="utf-8"?>
 <p:sld xmlns:a="http://schemas.openxmlformats.org/drawingml/2006/main" xmlns:r="http://schemas.openxmlformats.org/officeDocument/2006/relationships" xmlns:p="http://schemas.openxmlformats.org/presentationml/2006/main">
   <p:cSld>
     <p:spTree>
@@ -6075,14 +7739,19 @@
             <p:ph type="title"/>
           </p:nvPr>
         </p:nvSpPr>
-        <p:spPr/>
+        <p:spPr>
+          <a:xfrm>
+            <a:off x="1409699" y="225426"/>
+            <a:ext cx="7446433" cy="672042"/>
+          </a:xfrm>
+        </p:spPr>
         <p:txBody>
           <a:bodyPr/>
           <a:lstStyle/>
           <a:p>
             <a:r>
               <a:rPr lang="en-US" dirty="0" smtClean="0"/>
-              <a:t>Mutual Independence</a:t>
+              <a:t>Equal Pairs of Uniform Variables</a:t>
             </a:r>
             <a:endParaRPr lang="en-US" dirty="0"/>
           </a:p>
@@ -6100,8 +7769,8 @@
         </p:nvSpPr>
         <p:spPr>
           <a:xfrm>
-            <a:off x="175963" y="1015419"/>
-            <a:ext cx="8743345" cy="5359003"/>
+            <a:off x="110058" y="914387"/>
+            <a:ext cx="8890009" cy="5283209"/>
           </a:xfrm>
         </p:spPr>
         <p:txBody>
@@ -6109,177 +7778,412 @@
           <a:lstStyle/>
           <a:p>
             <a:r>
+              <a:rPr lang="en-US" sz="3600" dirty="0" smtClean="0"/>
+              <a:t>Lemma.</a:t>
+            </a:r>
+            <a:r>
+              <a:rPr lang="en-US" dirty="0" smtClean="0">
+                <a:solidFill>
+                  <a:srgbClr val="9B2894"/>
+                </a:solidFill>
+              </a:rPr>
+              <a:t> </a:t>
+            </a:r>
+            <a:r>
               <a:rPr lang="en-US" sz="4400" dirty="0" smtClean="0"/>
-              <a:t>Given mutually </a:t>
-            </a:r>
-            <a:r>
-              <a:rPr lang="en-US" sz="4400" dirty="0" err="1" smtClean="0"/>
+              <a:t>If </a:t>
+            </a:r>
+            <a:r>
+              <a:rPr lang="en-US" sz="4400" dirty="0" smtClean="0">
+                <a:solidFill>
+                  <a:srgbClr val="0000CC"/>
+                </a:solidFill>
+              </a:rPr>
+              <a:t>R</a:t>
+            </a:r>
+            <a:r>
+              <a:rPr lang="en-US" sz="4400" baseline="-25000" dirty="0" smtClean="0">
+                <a:solidFill>
+                  <a:srgbClr val="0000CC"/>
+                </a:solidFill>
+              </a:rPr>
+              <a:t>1</a:t>
+            </a:r>
+            <a:r>
+              <a:rPr lang="en-US" sz="4400" dirty="0" smtClean="0">
+                <a:solidFill>
+                  <a:srgbClr val="0000CC"/>
+                </a:solidFill>
+              </a:rPr>
+              <a:t>,R</a:t>
+            </a:r>
+            <a:r>
+              <a:rPr lang="en-US" sz="4400" baseline="-25000" dirty="0" smtClean="0">
+                <a:solidFill>
+                  <a:srgbClr val="0000CC"/>
+                </a:solidFill>
+              </a:rPr>
+              <a:t>2</a:t>
+            </a:r>
+            <a:r>
+              <a:rPr lang="en-US" sz="4400" dirty="0">
+                <a:solidFill>
+                  <a:srgbClr val="0000CC"/>
+                </a:solidFill>
+              </a:rPr>
+              <a:t>,</a:t>
+            </a:r>
+            <a:r>
+              <a:rPr lang="en-US" sz="4400" dirty="0" smtClean="0">
+                <a:solidFill>
+                  <a:srgbClr val="0000CC"/>
+                </a:solidFill>
+              </a:rPr>
+              <a:t>R</a:t>
+            </a:r>
+            <a:r>
+              <a:rPr lang="en-US" sz="4400" baseline="-25000" dirty="0" smtClean="0">
+                <a:solidFill>
+                  <a:srgbClr val="0000CC"/>
+                </a:solidFill>
+              </a:rPr>
+              <a:t>3</a:t>
+            </a:r>
+            <a:r>
+              <a:rPr lang="en-US" sz="4400" dirty="0" smtClean="0">
+                <a:solidFill>
+                  <a:srgbClr val="0000CC"/>
+                </a:solidFill>
+              </a:rPr>
+              <a:t> </a:t>
+            </a:r>
+            <a:r>
+              <a:rPr lang="en-US" sz="4400" dirty="0" smtClean="0">
+                <a:sym typeface="Euclid Symbol"/>
+              </a:rPr>
+              <a:t>have the same </a:t>
+            </a:r>
+          </a:p>
+          <a:p>
+            <a:r>
+              <a:rPr lang="en-US" sz="4400" dirty="0" smtClean="0">
+                <a:sym typeface="Euclid Symbol"/>
+              </a:rPr>
+              <a:t>range, are</a:t>
+            </a:r>
+            <a:r>
+              <a:rPr lang="en-US" sz="4400" dirty="0" smtClean="0"/>
+              <a:t> </a:t>
+            </a:r>
+            <a:r>
+              <a:rPr lang="en-US" sz="4400" dirty="0" smtClean="0">
+                <a:solidFill>
+                  <a:srgbClr val="9B2894"/>
+                </a:solidFill>
+              </a:rPr>
+              <a:t>mutually independent</a:t>
+            </a:r>
+            <a:r>
+              <a:rPr lang="en-US" sz="4400" dirty="0" smtClean="0"/>
+              <a:t>,</a:t>
+            </a:r>
+          </a:p>
+          <a:p>
+            <a:r>
+              <a:rPr lang="en-US" sz="4400" dirty="0" smtClean="0">
+                <a:solidFill>
+                  <a:srgbClr val="000000"/>
+                </a:solidFill>
+                <a:sym typeface="Euclid Symbol"/>
+              </a:rPr>
+              <a:t>and </a:t>
+            </a:r>
+            <a:r>
+              <a:rPr lang="en-US" sz="4400" dirty="0" smtClean="0">
+                <a:solidFill>
+                  <a:srgbClr val="0000CC"/>
+                </a:solidFill>
+              </a:rPr>
+              <a:t>R</a:t>
+            </a:r>
+            <a:r>
+              <a:rPr lang="en-US" sz="4400" baseline="-25000" dirty="0" smtClean="0">
+                <a:solidFill>
+                  <a:srgbClr val="0000CC"/>
+                </a:solidFill>
+              </a:rPr>
+              <a:t>1</a:t>
+            </a:r>
+            <a:r>
+              <a:rPr lang="en-US" sz="4400" dirty="0" smtClean="0">
+                <a:solidFill>
+                  <a:srgbClr val="000000"/>
+                </a:solidFill>
+              </a:rPr>
+              <a:t> is </a:t>
+            </a:r>
+            <a:r>
+              <a:rPr lang="en-US" sz="4400" dirty="0" smtClean="0">
+                <a:solidFill>
+                  <a:srgbClr val="9B2894"/>
+                </a:solidFill>
+              </a:rPr>
+              <a:t>uniform</a:t>
+            </a:r>
+            <a:r>
+              <a:rPr lang="en-US" sz="4400" dirty="0" smtClean="0">
+                <a:solidFill>
+                  <a:srgbClr val="000000"/>
+                </a:solidFill>
+              </a:rPr>
+              <a:t>, </a:t>
+            </a:r>
+            <a:r>
+              <a:rPr lang="en-US" sz="4400" dirty="0" smtClean="0">
+                <a:solidFill>
+                  <a:srgbClr val="000000"/>
+                </a:solidFill>
+                <a:sym typeface="Euclid Symbol"/>
+              </a:rPr>
+              <a:t>then</a:t>
+            </a:r>
+            <a:endParaRPr lang="en-US" sz="4400" dirty="0" smtClean="0">
+              <a:solidFill>
+                <a:srgbClr val="000000"/>
+              </a:solidFill>
+              <a:sym typeface="Euclid Symbol"/>
+            </a:endParaRPr>
+          </a:p>
+          <a:p>
+            <a:pPr algn="ctr"/>
+            <a:r>
+              <a:rPr lang="en-US" sz="5400" dirty="0" smtClean="0">
+                <a:solidFill>
+                  <a:srgbClr val="0000CC"/>
+                </a:solidFill>
+              </a:rPr>
+              <a:t>[R</a:t>
+            </a:r>
+            <a:r>
+              <a:rPr lang="en-US" sz="5400" baseline="-25000" dirty="0" smtClean="0">
+                <a:solidFill>
+                  <a:srgbClr val="0000CC"/>
+                </a:solidFill>
+              </a:rPr>
+              <a:t>1</a:t>
+            </a:r>
+            <a:r>
+              <a:rPr lang="en-US" sz="5400" dirty="0" smtClean="0">
+                <a:solidFill>
+                  <a:srgbClr val="0000CC"/>
+                </a:solidFill>
+              </a:rPr>
+              <a:t>=R</a:t>
+            </a:r>
+            <a:r>
+              <a:rPr lang="en-US" sz="5400" baseline="-25000" dirty="0" smtClean="0">
+                <a:solidFill>
+                  <a:srgbClr val="0000FF"/>
+                </a:solidFill>
+              </a:rPr>
+              <a:t>2</a:t>
+            </a:r>
+            <a:r>
+              <a:rPr lang="en-US" sz="5400" dirty="0" smtClean="0">
+                <a:solidFill>
+                  <a:srgbClr val="0000CC"/>
+                </a:solidFill>
+              </a:rPr>
+              <a:t>],</a:t>
+            </a:r>
+            <a:r>
+              <a:rPr lang="en-US" sz="5400" dirty="0" smtClean="0"/>
+              <a:t> </a:t>
+            </a:r>
+            <a:r>
+              <a:rPr lang="en-US" sz="5400" dirty="0" smtClean="0">
+                <a:solidFill>
+                  <a:srgbClr val="0000CC"/>
+                </a:solidFill>
+              </a:rPr>
+              <a:t>[</a:t>
+            </a:r>
+            <a:r>
+              <a:rPr lang="en-US" sz="5400" dirty="0" smtClean="0">
+                <a:solidFill>
+                  <a:srgbClr val="0000FF"/>
+                </a:solidFill>
+              </a:rPr>
+              <a:t>R</a:t>
+            </a:r>
+            <a:r>
+              <a:rPr lang="en-US" sz="5400" baseline="-25000" dirty="0">
+                <a:solidFill>
+                  <a:srgbClr val="0000FF"/>
+                </a:solidFill>
+              </a:rPr>
+              <a:t>2</a:t>
+            </a:r>
+            <a:r>
+              <a:rPr lang="en-US" sz="5400" dirty="0" smtClean="0">
+                <a:solidFill>
+                  <a:srgbClr val="0000CC"/>
+                </a:solidFill>
+              </a:rPr>
+              <a:t>=R</a:t>
+            </a:r>
+            <a:r>
+              <a:rPr lang="en-US" sz="5400" baseline="-25000" dirty="0" smtClean="0">
+                <a:solidFill>
+                  <a:srgbClr val="3333FF"/>
+                </a:solidFill>
+              </a:rPr>
+              <a:t>3</a:t>
+            </a:r>
+            <a:r>
+              <a:rPr lang="en-US" sz="5400" dirty="0">
+                <a:solidFill>
+                  <a:srgbClr val="0000CC"/>
+                </a:solidFill>
+              </a:rPr>
+              <a:t>], </a:t>
+            </a:r>
+            <a:r>
+              <a:rPr lang="en-US" sz="5400" dirty="0" smtClean="0">
+                <a:solidFill>
+                  <a:srgbClr val="0000CC"/>
+                </a:solidFill>
+              </a:rPr>
+              <a:t>[</a:t>
+            </a:r>
+            <a:r>
+              <a:rPr lang="en-US" sz="5400" dirty="0" smtClean="0">
+                <a:solidFill>
+                  <a:srgbClr val="0000FF"/>
+                </a:solidFill>
+              </a:rPr>
+              <a:t>R</a:t>
+            </a:r>
+            <a:r>
+              <a:rPr lang="en-US" sz="5400" baseline="-25000" dirty="0" smtClean="0">
+                <a:solidFill>
+                  <a:srgbClr val="0000FF"/>
+                </a:solidFill>
+              </a:rPr>
+              <a:t>1</a:t>
+            </a:r>
+            <a:r>
+              <a:rPr lang="en-US" sz="5400" dirty="0" smtClean="0">
+                <a:solidFill>
+                  <a:srgbClr val="0000CC"/>
+                </a:solidFill>
+              </a:rPr>
+              <a:t>=</a:t>
+            </a:r>
+            <a:r>
+              <a:rPr lang="en-US" sz="5400" dirty="0">
+                <a:solidFill>
+                  <a:srgbClr val="0000CC"/>
+                </a:solidFill>
+              </a:rPr>
+              <a:t>R</a:t>
+            </a:r>
+            <a:r>
+              <a:rPr lang="en-US" sz="5400" baseline="-25000" dirty="0">
+                <a:solidFill>
+                  <a:srgbClr val="3333FF"/>
+                </a:solidFill>
+              </a:rPr>
+              <a:t>3</a:t>
+            </a:r>
+            <a:r>
+              <a:rPr lang="en-US" sz="5400" dirty="0" smtClean="0">
+                <a:solidFill>
+                  <a:srgbClr val="0000CC"/>
+                </a:solidFill>
+              </a:rPr>
+              <a:t>]</a:t>
+            </a:r>
+            <a:endParaRPr lang="en-US" sz="5400" dirty="0" smtClean="0"/>
+          </a:p>
+          <a:p>
+            <a:r>
+              <a:rPr lang="en-US" sz="4800" dirty="0" smtClean="0">
+                <a:cs typeface="Comic Sans MS"/>
+              </a:rPr>
+              <a:t>are </a:t>
+            </a:r>
+            <a:r>
+              <a:rPr lang="en-US" sz="4800" dirty="0" smtClean="0">
+                <a:solidFill>
+                  <a:srgbClr val="9B2894"/>
+                </a:solidFill>
+                <a:cs typeface="Comic Sans MS"/>
+              </a:rPr>
+              <a:t>pairwise</a:t>
+            </a:r>
+            <a:r>
+              <a:rPr lang="en-US" sz="4800" dirty="0" smtClean="0">
+                <a:cs typeface="Comic Sans MS"/>
+              </a:rPr>
+              <a:t> independent.</a:t>
+            </a:r>
+          </a:p>
+          <a:p>
+            <a:r>
+              <a:rPr lang="en-US" sz="4800" dirty="0" smtClean="0">
+                <a:cs typeface="Comic Sans MS"/>
+              </a:rPr>
+              <a:t>Obviously </a:t>
+            </a:r>
+            <a:r>
+              <a:rPr lang="en-US" sz="4800" dirty="0" smtClean="0">
+                <a:solidFill>
+                  <a:srgbClr val="FF0000"/>
+                </a:solidFill>
+                <a:cs typeface="Comic Sans MS"/>
+              </a:rPr>
+              <a:t>NOT</a:t>
+            </a:r>
+            <a:r>
+              <a:rPr lang="en-US" sz="4800" dirty="0" smtClean="0">
+                <a:cs typeface="Comic Sans MS"/>
+              </a:rPr>
+              <a:t> </a:t>
+            </a:r>
+            <a:r>
+              <a:rPr lang="en-US" sz="4800" dirty="0" smtClean="0">
+                <a:solidFill>
+                  <a:srgbClr val="3333FF"/>
+                </a:solidFill>
+                <a:cs typeface="Comic Sans MS"/>
+              </a:rPr>
+              <a:t>3</a:t>
+            </a:r>
+            <a:r>
+              <a:rPr lang="en-US" sz="4800" dirty="0" smtClean="0">
+                <a:cs typeface="Comic Sans MS"/>
+              </a:rPr>
+              <a:t>-way </a:t>
+            </a:r>
+            <a:r>
+              <a:rPr lang="en-US" sz="4800" dirty="0" err="1" smtClean="0">
+                <a:cs typeface="Comic Sans MS"/>
+              </a:rPr>
               <a:t>indep</a:t>
             </a:r>
             <a:r>
-              <a:rPr lang="en-US" sz="4400" dirty="0" smtClean="0"/>
-              <a:t> RV’s </a:t>
-            </a:r>
-            <a:r>
-              <a:rPr lang="en-US" sz="4400" dirty="0" smtClean="0">
-                <a:solidFill>
-                  <a:srgbClr val="0000CC"/>
-                </a:solidFill>
-              </a:rPr>
-              <a:t>R</a:t>
-            </a:r>
-            <a:r>
-              <a:rPr lang="en-US" sz="4400" baseline="-25000" dirty="0" smtClean="0">
-                <a:solidFill>
-                  <a:srgbClr val="0000CC"/>
-                </a:solidFill>
-              </a:rPr>
-              <a:t>1</a:t>
-            </a:r>
-            <a:r>
-              <a:rPr lang="en-US" sz="4400" dirty="0" smtClean="0">
-                <a:solidFill>
-                  <a:srgbClr val="0000CC"/>
-                </a:solidFill>
-              </a:rPr>
-              <a:t>,R</a:t>
-            </a:r>
-            <a:r>
-              <a:rPr lang="en-US" sz="4400" baseline="-25000" dirty="0" smtClean="0">
-                <a:solidFill>
-                  <a:srgbClr val="0000CC"/>
-                </a:solidFill>
-              </a:rPr>
-              <a:t>2</a:t>
-            </a:r>
-            <a:r>
-              <a:rPr lang="en-US" sz="4400" dirty="0" smtClean="0">
-                <a:solidFill>
-                  <a:srgbClr val="0000CC"/>
-                </a:solidFill>
-              </a:rPr>
-              <a:t>,</a:t>
-            </a:r>
-            <a:r>
-              <a:rPr lang="en-US" sz="4400" dirty="0" smtClean="0">
-                <a:solidFill>
-                  <a:srgbClr val="0000CC"/>
-                </a:solidFill>
-                <a:sym typeface="Euclid Symbol"/>
-              </a:rPr>
-              <a:t>…</a:t>
-            </a:r>
-          </a:p>
-          <a:p>
-            <a:pPr algn="ctr"/>
-            <a:r>
-              <a:rPr lang="en-US" sz="5400" dirty="0" smtClean="0">
-                <a:solidFill>
-                  <a:srgbClr val="0000CC"/>
-                </a:solidFill>
-              </a:rPr>
-              <a:t>[R</a:t>
-            </a:r>
-            <a:r>
-              <a:rPr lang="en-US" sz="5400" baseline="-25000" dirty="0" smtClean="0">
-                <a:solidFill>
-                  <a:srgbClr val="0000CC"/>
-                </a:solidFill>
-              </a:rPr>
-              <a:t>1</a:t>
-            </a:r>
-            <a:r>
-              <a:rPr lang="en-US" sz="5400" dirty="0" smtClean="0">
-                <a:solidFill>
-                  <a:srgbClr val="0000CC"/>
-                </a:solidFill>
-              </a:rPr>
-              <a:t>=R</a:t>
-            </a:r>
-            <a:r>
-              <a:rPr lang="en-US" sz="5400" baseline="-25000" dirty="0" smtClean="0">
-                <a:solidFill>
-                  <a:srgbClr val="0000CC"/>
-                </a:solidFill>
-              </a:rPr>
-              <a:t>2</a:t>
-            </a:r>
-            <a:r>
-              <a:rPr lang="en-US" sz="5400" dirty="0" smtClean="0">
-                <a:solidFill>
-                  <a:srgbClr val="0000CC"/>
-                </a:solidFill>
-              </a:rPr>
-              <a:t>]</a:t>
-            </a:r>
-            <a:r>
-              <a:rPr lang="en-US" sz="5400" dirty="0" smtClean="0"/>
-              <a:t>  </a:t>
-            </a:r>
-            <a:r>
-              <a:rPr lang="en-US" sz="5400" dirty="0" err="1" smtClean="0"/>
-              <a:t>indep</a:t>
-            </a:r>
-            <a:r>
-              <a:rPr lang="en-US" sz="5400" dirty="0" smtClean="0"/>
-              <a:t> of </a:t>
-            </a:r>
-            <a:r>
-              <a:rPr lang="en-US" sz="5400" dirty="0" smtClean="0">
-                <a:solidFill>
-                  <a:srgbClr val="0000CC"/>
-                </a:solidFill>
-              </a:rPr>
-              <a:t>[R</a:t>
-            </a:r>
-            <a:r>
-              <a:rPr lang="en-US" sz="5400" baseline="-25000" dirty="0" smtClean="0">
-                <a:solidFill>
-                  <a:srgbClr val="0000CC"/>
-                </a:solidFill>
-              </a:rPr>
-              <a:t>3</a:t>
-            </a:r>
-            <a:r>
-              <a:rPr lang="en-US" sz="5400" dirty="0" smtClean="0">
-                <a:solidFill>
-                  <a:srgbClr val="0000CC"/>
-                </a:solidFill>
-              </a:rPr>
-              <a:t>=R</a:t>
-            </a:r>
-            <a:r>
-              <a:rPr lang="en-US" sz="5400" baseline="-25000" dirty="0" smtClean="0">
-                <a:solidFill>
-                  <a:srgbClr val="0000CC"/>
-                </a:solidFill>
-              </a:rPr>
-              <a:t>4</a:t>
-            </a:r>
-            <a:r>
-              <a:rPr lang="en-US" sz="5400" dirty="0" smtClean="0">
-                <a:solidFill>
-                  <a:srgbClr val="0000CC"/>
-                </a:solidFill>
-              </a:rPr>
-              <a:t>] </a:t>
-            </a:r>
-            <a:r>
-              <a:rPr lang="en-US" sz="5400" dirty="0" smtClean="0"/>
-              <a:t>?</a:t>
-            </a:r>
-            <a:endParaRPr lang="en-US" sz="5400" dirty="0" smtClean="0">
-              <a:solidFill>
-                <a:srgbClr val="0000CC"/>
-              </a:solidFill>
+              <a:rPr lang="en-US" sz="4800" dirty="0" smtClean="0">
+                <a:cs typeface="Comic Sans MS"/>
+              </a:rPr>
+              <a:t>.</a:t>
+            </a:r>
+            <a:endParaRPr lang="en-US" sz="4800" dirty="0" smtClean="0">
+              <a:cs typeface="Comic Sans MS"/>
             </a:endParaRPr>
           </a:p>
           <a:p>
-            <a:pPr algn="ctr"/>
-            <a:r>
-              <a:rPr lang="en-US" sz="7200" dirty="0" smtClean="0"/>
-              <a:t>obviously!</a:t>
-            </a:r>
+            <a:endParaRPr lang="en-US" sz="6000" dirty="0" smtClean="0"/>
           </a:p>
         </p:txBody>
       </p:sp>
@@ -6295,8 +8199,8 @@
         </p:nvSpPr>
         <p:spPr>
           <a:xfrm>
-            <a:off x="7543800" y="6591300"/>
-            <a:ext cx="1531809" cy="279399"/>
+            <a:off x="7391400" y="6527800"/>
+            <a:ext cx="1684209" cy="330199"/>
           </a:xfrm>
           <a:prstGeom prst="rect">
             <a:avLst/>
@@ -6331,7 +8235,7 @@
               <a:pPr>
                 <a:defRPr/>
               </a:pPr>
-              <a:t>14</a:t>
+              <a:t>4</a:t>
             </a:fld>
             <a:endParaRPr lang="en-US" sz="1200" dirty="0">
               <a:latin typeface="Comic Sans MS"/>
@@ -6341,13 +8245,27 @@
         </p:txBody>
       </p:sp>
     </p:spTree>
+    <p:extLst>
+      <p:ext uri="{BB962C8B-B14F-4D97-AF65-F5344CB8AC3E}">
+        <p14:creationId xmlns:p14="http://schemas.microsoft.com/office/powerpoint/2010/main" val="1404575434"/>
+      </p:ext>
+    </p:extLst>
   </p:cSld>
   <p:clrMapOvr>
     <a:masterClrMapping/>
   </p:clrMapOvr>
-  <p:transition xmlns:p14="http://schemas.microsoft.com/office/powerpoint/2010/main" spd="slow" advClick="0">
-    <p:fade thruBlk="1"/>
-  </p:transition>
+  <mc:AlternateContent xmlns:mc="http://schemas.openxmlformats.org/markup-compatibility/2006">
+    <mc:Choice xmlns:p14="http://schemas.microsoft.com/office/powerpoint/2010/main" Requires="p14">
+      <p:transition spd="slow" p14:dur="1200" advClick="0">
+        <p:fade thruBlk="1"/>
+      </p:transition>
+    </mc:Choice>
+    <mc:Fallback>
+      <p:transition xmlns:p14="http://schemas.microsoft.com/office/powerpoint/2010/main" spd="slow" advClick="0">
+        <p:fade thruBlk="1"/>
+      </p:transition>
+    </mc:Fallback>
+  </mc:AlternateContent>
   <p:timing>
     <p:tnLst>
       <p:par>
@@ -6384,7 +8302,7 @@
                                         <p:tgtEl>
                                           <p:spTgt spid="3">
                                             <p:txEl>
-                                              <p:pRg st="1" end="1"/>
+                                              <p:pRg st="4" end="4"/>
                                             </p:txEl>
                                           </p:spTgt>
                                         </p:tgtEl>
@@ -6402,7 +8320,7 @@
                                         <p:tgtEl>
                                           <p:spTgt spid="3">
                                             <p:txEl>
-                                              <p:pRg st="1" end="1"/>
+                                              <p:pRg st="4" end="4"/>
                                             </p:txEl>
                                           </p:spTgt>
                                         </p:tgtEl>
@@ -6445,7 +8363,7 @@
                                         <p:tgtEl>
                                           <p:spTgt spid="3">
                                             <p:txEl>
-                                              <p:pRg st="2" end="2"/>
+                                              <p:pRg st="5" end="5"/>
                                             </p:txEl>
                                           </p:spTgt>
                                         </p:tgtEl>
@@ -6463,7 +8381,7 @@
                                         <p:tgtEl>
                                           <p:spTgt spid="3">
                                             <p:txEl>
-                                              <p:pRg st="2" end="2"/>
+                                              <p:pRg st="5" end="5"/>
                                             </p:txEl>
                                           </p:spTgt>
                                         </p:tgtEl>
@@ -6506,7 +8424,7 @@
 </p:sld>
 </file>
 
-<file path=ppt/slides/slide15.xml><?xml version="1.0" encoding="utf-8"?>
+<file path=ppt/slides/slide5.xml><?xml version="1.0" encoding="utf-8"?>
 <p:sld xmlns:a="http://schemas.openxmlformats.org/drawingml/2006/main" xmlns:r="http://schemas.openxmlformats.org/officeDocument/2006/relationships" xmlns:p="http://schemas.openxmlformats.org/presentationml/2006/main">
   <p:cSld>
     <p:spTree>
@@ -6533,14 +8451,19 @@
             <p:ph type="title"/>
           </p:nvPr>
         </p:nvSpPr>
-        <p:spPr/>
+        <p:spPr>
+          <a:xfrm>
+            <a:off x="1409699" y="225426"/>
+            <a:ext cx="7446433" cy="672042"/>
+          </a:xfrm>
+        </p:spPr>
         <p:txBody>
           <a:bodyPr/>
           <a:lstStyle/>
           <a:p>
             <a:r>
               <a:rPr lang="en-US" dirty="0" smtClean="0"/>
-              <a:t>Mutual Independence</a:t>
+              <a:t>Equal Pairs of Uniform Variables</a:t>
             </a:r>
             <a:endParaRPr lang="en-US" dirty="0"/>
           </a:p>
@@ -6558,8 +8481,8 @@
         </p:nvSpPr>
         <p:spPr>
           <a:xfrm>
-            <a:off x="175963" y="977320"/>
-            <a:ext cx="8788120" cy="4964164"/>
+            <a:off x="211663" y="1024458"/>
+            <a:ext cx="8695274" cy="4995341"/>
           </a:xfrm>
         </p:spPr>
         <p:txBody>
@@ -6567,19 +8490,7 @@
           <a:lstStyle/>
           <a:p>
             <a:r>
-              <a:rPr lang="en-US" sz="4400" dirty="0" smtClean="0"/>
-              <a:t>Given mutually </a:t>
-            </a:r>
-            <a:r>
-              <a:rPr lang="en-US" sz="4400" dirty="0" err="1" smtClean="0"/>
-              <a:t>indep</a:t>
-            </a:r>
-            <a:r>
-              <a:rPr lang="en-US" sz="4400" dirty="0" smtClean="0"/>
-              <a:t> RV’s </a:t>
-            </a:r>
-            <a:r>
-              <a:rPr lang="en-US" sz="4400" dirty="0" smtClean="0">
+              <a:rPr lang="en-US" dirty="0" smtClean="0">
                 <a:solidFill>
                   <a:srgbClr val="0000CC"/>
                 </a:solidFill>
@@ -6587,7 +8498,7 @@
               <a:t>R</a:t>
             </a:r>
             <a:r>
-              <a:rPr lang="en-US" sz="4400" baseline="-25000" dirty="0" smtClean="0">
+              <a:rPr lang="en-US" baseline="-25000" dirty="0" smtClean="0">
                 <a:solidFill>
                   <a:srgbClr val="0000CC"/>
                 </a:solidFill>
@@ -6595,736 +8506,381 @@
               <a:t>1</a:t>
             </a:r>
             <a:r>
-              <a:rPr lang="en-US" sz="4400" dirty="0" smtClean="0">
+              <a:rPr lang="en-US" dirty="0">
                 <a:solidFill>
                   <a:srgbClr val="0000CC"/>
                 </a:solidFill>
               </a:rPr>
-              <a:t>,R</a:t>
-            </a:r>
-            <a:r>
-              <a:rPr lang="en-US" sz="4400" baseline="-25000" dirty="0" smtClean="0">
+              <a:t> </a:t>
+            </a:r>
+            <a:r>
+              <a:rPr lang="en-US" dirty="0" smtClean="0">
+                <a:solidFill>
+                  <a:srgbClr val="000000"/>
+                </a:solidFill>
+              </a:rPr>
+              <a:t>is independent of</a:t>
+            </a:r>
+            <a:r>
+              <a:rPr lang="en-US" dirty="0" smtClean="0">
                 <a:solidFill>
                   <a:srgbClr val="0000CC"/>
                 </a:solidFill>
               </a:rPr>
+              <a:t> [</a:t>
+            </a:r>
+            <a:r>
+              <a:rPr lang="en-US" dirty="0" smtClean="0">
+                <a:solidFill>
+                  <a:srgbClr val="0000CC"/>
+                </a:solidFill>
+              </a:rPr>
+              <a:t>R</a:t>
+            </a:r>
+            <a:r>
+              <a:rPr lang="en-US" baseline="-25000" dirty="0" smtClean="0">
+                <a:solidFill>
+                  <a:srgbClr val="0000CC"/>
+                </a:solidFill>
+              </a:rPr>
+              <a:t>2 </a:t>
+            </a:r>
+            <a:r>
+              <a:rPr lang="en-US" dirty="0" smtClean="0">
+                <a:solidFill>
+                  <a:srgbClr val="0000CC"/>
+                </a:solidFill>
+              </a:rPr>
+              <a:t>= </a:t>
+            </a:r>
+            <a:r>
+              <a:rPr lang="en-US" dirty="0" smtClean="0">
+                <a:solidFill>
+                  <a:srgbClr val="0000CC"/>
+                </a:solidFill>
+              </a:rPr>
+              <a:t>R</a:t>
+            </a:r>
+            <a:r>
+              <a:rPr lang="en-US" baseline="-25000" dirty="0" smtClean="0">
+                <a:solidFill>
+                  <a:srgbClr val="0000CC"/>
+                </a:solidFill>
+              </a:rPr>
+              <a:t>3</a:t>
+            </a:r>
+            <a:r>
+              <a:rPr lang="en-US" dirty="0" smtClean="0">
+                <a:solidFill>
+                  <a:srgbClr val="0000CC"/>
+                </a:solidFill>
+              </a:rPr>
+              <a:t>] </a:t>
+            </a:r>
+            <a:r>
+              <a:rPr lang="en-US" dirty="0" smtClean="0">
+                <a:solidFill>
+                  <a:srgbClr val="000000"/>
+                </a:solidFill>
+                <a:sym typeface="Euclid Symbol"/>
+              </a:rPr>
+              <a:t>&amp;</a:t>
+            </a:r>
+            <a:r>
+              <a:rPr lang="en-US" dirty="0" smtClean="0">
+                <a:solidFill>
+                  <a:srgbClr val="000000"/>
+                </a:solidFill>
+              </a:rPr>
+              <a:t> has </a:t>
+            </a:r>
+          </a:p>
+          <a:p>
+            <a:r>
+              <a:rPr lang="en-US" dirty="0" smtClean="0">
+                <a:solidFill>
+                  <a:srgbClr val="000000"/>
+                </a:solidFill>
+              </a:rPr>
+              <a:t>probability </a:t>
+            </a:r>
+            <a:r>
+              <a:rPr lang="en-US" dirty="0" smtClean="0">
+                <a:solidFill>
+                  <a:srgbClr val="FF00FF"/>
+                </a:solidFill>
+              </a:rPr>
+              <a:t>p </a:t>
+            </a:r>
+            <a:r>
+              <a:rPr lang="en-US" dirty="0" smtClean="0">
+                <a:solidFill>
+                  <a:srgbClr val="000000"/>
+                </a:solidFill>
+              </a:rPr>
+              <a:t>of equaling each value  </a:t>
+            </a:r>
+          </a:p>
+          <a:p>
+            <a:r>
+              <a:rPr lang="en-US" dirty="0" smtClean="0">
+                <a:solidFill>
+                  <a:srgbClr val="000000"/>
+                </a:solidFill>
+              </a:rPr>
+              <a:t>So it equals a common value of </a:t>
+            </a:r>
+          </a:p>
+          <a:p>
+            <a:r>
+              <a:rPr lang="en-US" dirty="0" smtClean="0">
+                <a:solidFill>
+                  <a:srgbClr val="0000CC"/>
+                </a:solidFill>
+              </a:rPr>
+              <a:t>R</a:t>
+            </a:r>
+            <a:r>
+              <a:rPr lang="en-US" baseline="-25000" dirty="0" smtClean="0">
+                <a:solidFill>
+                  <a:srgbClr val="0000CC"/>
+                </a:solidFill>
+              </a:rPr>
+              <a:t>2 </a:t>
+            </a:r>
+            <a:r>
+              <a:rPr lang="en-US" dirty="0" smtClean="0">
+                <a:solidFill>
+                  <a:srgbClr val="000000"/>
+                </a:solidFill>
+              </a:rPr>
+              <a:t>&amp;</a:t>
+            </a:r>
+            <a:r>
+              <a:rPr lang="en-US" dirty="0" smtClean="0">
+                <a:solidFill>
+                  <a:srgbClr val="0000CC"/>
+                </a:solidFill>
+              </a:rPr>
+              <a:t> R</a:t>
+            </a:r>
+            <a:r>
+              <a:rPr lang="en-US" baseline="-25000" dirty="0" smtClean="0">
+                <a:solidFill>
+                  <a:srgbClr val="0000CC"/>
+                </a:solidFill>
+              </a:rPr>
+              <a:t>3</a:t>
+            </a:r>
+            <a:r>
+              <a:rPr lang="en-US" dirty="0">
+                <a:solidFill>
+                  <a:srgbClr val="000000"/>
+                </a:solidFill>
+              </a:rPr>
+              <a:t> </a:t>
+            </a:r>
+            <a:r>
+              <a:rPr lang="en-US" dirty="0" smtClean="0">
+                <a:solidFill>
+                  <a:srgbClr val="000000"/>
+                </a:solidFill>
+              </a:rPr>
+              <a:t>with probability </a:t>
+            </a:r>
+            <a:r>
+              <a:rPr lang="en-US" dirty="0" smtClean="0">
+                <a:solidFill>
+                  <a:srgbClr val="FF00FF"/>
+                </a:solidFill>
+              </a:rPr>
+              <a:t>p</a:t>
+            </a:r>
+            <a:endParaRPr lang="en-US" dirty="0" smtClean="0">
+              <a:solidFill>
+                <a:srgbClr val="000000"/>
+              </a:solidFill>
+            </a:endParaRPr>
+          </a:p>
+          <a:p>
+            <a:r>
+              <a:rPr lang="en-US" dirty="0" smtClean="0">
+                <a:solidFill>
+                  <a:srgbClr val="000000"/>
+                </a:solidFill>
+              </a:rPr>
+              <a:t>That is, </a:t>
+            </a:r>
+          </a:p>
+          <a:p>
+            <a:pPr algn="ctr"/>
+            <a:r>
+              <a:rPr lang="en-US" dirty="0" err="1" smtClean="0">
+                <a:solidFill>
+                  <a:srgbClr val="3333FF"/>
+                </a:solidFill>
+              </a:rPr>
+              <a:t>Pr</a:t>
+            </a:r>
+            <a:r>
+              <a:rPr lang="en-US" dirty="0" smtClean="0">
+                <a:solidFill>
+                  <a:srgbClr val="3333FF"/>
+                </a:solidFill>
+              </a:rPr>
+              <a:t>[R</a:t>
+            </a:r>
+            <a:r>
+              <a:rPr lang="en-US" baseline="-25000" dirty="0" smtClean="0">
+                <a:solidFill>
+                  <a:srgbClr val="3333FF"/>
+                </a:solidFill>
+              </a:rPr>
+              <a:t>1</a:t>
+            </a:r>
+            <a:r>
+              <a:rPr lang="en-US" dirty="0" smtClean="0">
+                <a:solidFill>
+                  <a:srgbClr val="3333FF"/>
+                </a:solidFill>
+              </a:rPr>
+              <a:t>=R</a:t>
+            </a:r>
+            <a:r>
+              <a:rPr lang="en-US" baseline="-25000" dirty="0" smtClean="0">
+                <a:solidFill>
+                  <a:srgbClr val="3333FF"/>
+                </a:solidFill>
+              </a:rPr>
+              <a:t>2 </a:t>
+            </a:r>
+            <a:r>
+              <a:rPr lang="en-US" dirty="0" smtClean="0">
+                <a:solidFill>
+                  <a:srgbClr val="3333FF"/>
+                </a:solidFill>
+              </a:rPr>
+              <a:t>| R</a:t>
+            </a:r>
+            <a:r>
+              <a:rPr lang="en-US" baseline="-25000" dirty="0" smtClean="0">
+                <a:solidFill>
+                  <a:srgbClr val="3333FF"/>
+                </a:solidFill>
+              </a:rPr>
               <a:t>2</a:t>
             </a:r>
             <a:r>
-              <a:rPr lang="en-US" sz="4400" dirty="0" smtClean="0">
-                <a:solidFill>
-                  <a:srgbClr val="0000CC"/>
-                </a:solidFill>
-              </a:rPr>
-              <a:t>,</a:t>
-            </a:r>
-            <a:r>
-              <a:rPr lang="en-US" sz="4400" dirty="0" smtClean="0">
-                <a:solidFill>
-                  <a:srgbClr val="0000CC"/>
-                </a:solidFill>
-                <a:sym typeface="Euclid Symbol"/>
-              </a:rPr>
-              <a:t>…</a:t>
-            </a:r>
-          </a:p>
-          <a:p>
-            <a:pPr algn="ctr"/>
-            <a:r>
-              <a:rPr lang="en-US" sz="6000" dirty="0" smtClean="0">
-                <a:solidFill>
-                  <a:srgbClr val="FF0000"/>
-                </a:solidFill>
-                <a:sym typeface="Euclid Symbol"/>
-              </a:rPr>
-              <a:t>not</a:t>
-            </a:r>
-            <a:r>
-              <a:rPr lang="en-US" sz="6000" dirty="0" smtClean="0">
-                <a:sym typeface="Euclid Symbol"/>
-              </a:rPr>
-              <a:t> 3-way independent</a:t>
-            </a:r>
-          </a:p>
-          <a:p>
-            <a:r>
-              <a:rPr lang="en-US" sz="7200" dirty="0" smtClean="0">
-                <a:solidFill>
-                  <a:srgbClr val="0000CC"/>
-                </a:solidFill>
-                <a:cs typeface="Comic Sans MS"/>
+              <a:rPr lang="en-US" dirty="0" smtClean="0">
+                <a:solidFill>
+                  <a:srgbClr val="3333FF"/>
+                </a:solidFill>
+              </a:rPr>
+              <a:t>=R</a:t>
+            </a:r>
+            <a:r>
+              <a:rPr lang="en-US" baseline="-25000" dirty="0" smtClean="0">
+                <a:solidFill>
+                  <a:srgbClr val="3333FF"/>
+                </a:solidFill>
+              </a:rPr>
+              <a:t>3</a:t>
+            </a:r>
+            <a:r>
+              <a:rPr lang="en-US" dirty="0" smtClean="0">
+                <a:solidFill>
+                  <a:srgbClr val="3333FF"/>
+                </a:solidFill>
+              </a:rPr>
+              <a:t>] </a:t>
+            </a:r>
+            <a:r>
+              <a:rPr lang="en-US" sz="4400" b="1" dirty="0" smtClean="0">
+                <a:solidFill>
+                  <a:srgbClr val="3333FF"/>
+                </a:solidFill>
+                <a:latin typeface="Euclid Symbol" charset="2"/>
+                <a:cs typeface="Euclid Symbol" charset="2"/>
+              </a:rPr>
+              <a:t>= </a:t>
+            </a:r>
+            <a:r>
+              <a:rPr lang="en-US" dirty="0" err="1" smtClean="0">
+                <a:solidFill>
+                  <a:srgbClr val="3333FF"/>
+                </a:solidFill>
+              </a:rPr>
+              <a:t>Pr</a:t>
+            </a:r>
+            <a:r>
+              <a:rPr lang="en-US" dirty="0">
+                <a:solidFill>
+                  <a:srgbClr val="3333FF"/>
+                </a:solidFill>
+              </a:rPr>
+              <a:t>[</a:t>
+            </a:r>
+            <a:r>
+              <a:rPr lang="en-US" dirty="0" smtClean="0">
+                <a:solidFill>
+                  <a:srgbClr val="3333FF"/>
+                </a:solidFill>
               </a:rPr>
               <a:t>R</a:t>
             </a:r>
             <a:r>
-              <a:rPr lang="en-US" sz="7200" baseline="-25000" dirty="0" smtClean="0">
+              <a:rPr lang="en-US" baseline="-25000" dirty="0" smtClean="0">
+                <a:solidFill>
+                  <a:srgbClr val="3333FF"/>
+                </a:solidFill>
+              </a:rPr>
+              <a:t>1</a:t>
+            </a:r>
+            <a:r>
+              <a:rPr lang="en-US" dirty="0" smtClean="0">
+                <a:solidFill>
+                  <a:srgbClr val="3333FF"/>
+                </a:solidFill>
+              </a:rPr>
+              <a:t>=R</a:t>
+            </a:r>
+            <a:r>
+              <a:rPr lang="en-US" baseline="-25000" dirty="0" smtClean="0">
+                <a:solidFill>
+                  <a:srgbClr val="3333FF"/>
+                </a:solidFill>
+              </a:rPr>
+              <a:t>2</a:t>
+            </a:r>
+            <a:r>
+              <a:rPr lang="en-US" dirty="0" smtClean="0">
+                <a:solidFill>
+                  <a:srgbClr val="3333FF"/>
+                </a:solidFill>
+              </a:rPr>
+              <a:t>]</a:t>
+            </a:r>
+            <a:r>
+              <a:rPr lang="en-US" sz="4400" b="1" dirty="0" smtClean="0">
+                <a:solidFill>
+                  <a:srgbClr val="3333FF"/>
+                </a:solidFill>
+                <a:latin typeface="Euclid Symbol" charset="2"/>
+                <a:cs typeface="Euclid Symbol" charset="2"/>
+              </a:rPr>
+              <a:t>= </a:t>
+            </a:r>
+            <a:r>
+              <a:rPr lang="en-US" dirty="0" smtClean="0">
                 <a:solidFill>
                   <a:srgbClr val="FF00FF"/>
                 </a:solidFill>
-                <a:cs typeface="Comic Sans MS"/>
-              </a:rPr>
-              <a:t>1</a:t>
-            </a:r>
-            <a:r>
-              <a:rPr lang="en-US" sz="7200" dirty="0" smtClean="0">
-                <a:solidFill>
-                  <a:srgbClr val="0000CC"/>
-                </a:solidFill>
-                <a:cs typeface="Comic Sans MS"/>
-              </a:rPr>
-              <a:t>=R</a:t>
-            </a:r>
-            <a:r>
-              <a:rPr lang="en-US" sz="7200" baseline="-25000" dirty="0" smtClean="0">
-                <a:solidFill>
-                  <a:srgbClr val="FF6600"/>
-                </a:solidFill>
-                <a:cs typeface="Comic Sans MS"/>
-              </a:rPr>
-              <a:t>2</a:t>
-            </a:r>
-            <a:r>
-              <a:rPr lang="en-US" sz="7200" dirty="0" smtClean="0">
-                <a:solidFill>
-                  <a:srgbClr val="0000CC"/>
-                </a:solidFill>
-                <a:cs typeface="Comic Sans MS"/>
-              </a:rPr>
-              <a:t> and R</a:t>
-            </a:r>
-            <a:r>
-              <a:rPr lang="en-US" sz="7200" baseline="-25000" dirty="0" smtClean="0">
-                <a:solidFill>
-                  <a:srgbClr val="FF00FF"/>
-                </a:solidFill>
-                <a:cs typeface="Comic Sans MS"/>
-              </a:rPr>
-              <a:t>3</a:t>
-            </a:r>
-            <a:r>
-              <a:rPr lang="en-US" sz="7200" dirty="0" smtClean="0">
-                <a:solidFill>
-                  <a:srgbClr val="0000CC"/>
-                </a:solidFill>
-                <a:cs typeface="Comic Sans MS"/>
-              </a:rPr>
-              <a:t>=R</a:t>
-            </a:r>
-            <a:r>
-              <a:rPr lang="en-US" sz="7200" baseline="-25000" dirty="0" smtClean="0">
-                <a:solidFill>
-                  <a:srgbClr val="FF6600"/>
-                </a:solidFill>
-                <a:cs typeface="Comic Sans MS"/>
-              </a:rPr>
-              <a:t>2</a:t>
-            </a:r>
-          </a:p>
-          <a:p>
-            <a:r>
-              <a:rPr lang="en-US" sz="7200" dirty="0" smtClean="0">
-                <a:solidFill>
-                  <a:srgbClr val="0000CC"/>
-                </a:solidFill>
-                <a:cs typeface="Comic Sans MS"/>
-              </a:rPr>
-              <a:t>         implies R</a:t>
-            </a:r>
-            <a:r>
-              <a:rPr lang="en-US" sz="7200" baseline="-25000" dirty="0" smtClean="0">
-                <a:solidFill>
-                  <a:srgbClr val="FF00FF"/>
-                </a:solidFill>
-                <a:cs typeface="Comic Sans MS"/>
-              </a:rPr>
-              <a:t>1</a:t>
-            </a:r>
-            <a:r>
-              <a:rPr lang="en-US" sz="7200" dirty="0" smtClean="0">
-                <a:solidFill>
-                  <a:srgbClr val="0000CC"/>
-                </a:solidFill>
-                <a:cs typeface="Comic Sans MS"/>
-              </a:rPr>
-              <a:t>=R</a:t>
-            </a:r>
-            <a:r>
-              <a:rPr lang="en-US" sz="7200" baseline="-25000" dirty="0" smtClean="0">
-                <a:solidFill>
-                  <a:srgbClr val="FF00FF"/>
-                </a:solidFill>
-                <a:cs typeface="Comic Sans MS"/>
-              </a:rPr>
-              <a:t>3</a:t>
-            </a:r>
-            <a:endParaRPr lang="en-US" sz="7200" dirty="0" smtClean="0">
-              <a:cs typeface="Comic Sans MS"/>
-            </a:endParaRPr>
-          </a:p>
-        </p:txBody>
-      </p:sp>
-      <p:sp>
-        <p:nvSpPr>
-          <p:cNvPr id="4" name="Slide Number Placeholder 3"/>
-          <p:cNvSpPr>
-            <a:spLocks noGrp="1"/>
-          </p:cNvSpPr>
-          <p:nvPr>
-            <p:ph type="sldNum" sz="quarter" idx="4294967295"/>
-          </p:nvPr>
-        </p:nvSpPr>
-        <p:spPr>
-          <a:xfrm>
-            <a:off x="7581900" y="6591300"/>
-            <a:ext cx="1493709" cy="266699"/>
-          </a:xfrm>
-          <a:prstGeom prst="rect">
-            <a:avLst/>
-          </a:prstGeom>
-        </p:spPr>
-        <p:txBody>
-          <a:bodyPr/>
-          <a:lstStyle/>
-          <a:p>
-            <a:pPr>
-              <a:defRPr/>
-            </a:pPr>
-            <a:r>
-              <a:rPr lang="en-US" sz="1200" dirty="0" err="1" smtClean="0">
-                <a:latin typeface="Comic Sans MS"/>
-                <a:cs typeface="Comic Sans MS"/>
-              </a:rPr>
-              <a:t>binom</a:t>
-            </a:r>
-            <a:r>
-              <a:rPr lang="en-US" sz="1200" dirty="0" smtClean="0">
-                <a:latin typeface="Comic Sans MS"/>
-                <a:cs typeface="Comic Sans MS"/>
-              </a:rPr>
-              <a:t>-uniform.</a:t>
-            </a:r>
-            <a:fld id="{679D5B46-281B-48C5-ADB5-CFE0495CD191}" type="slidenum">
-              <a:rPr lang="en-US" sz="1200" smtClean="0">
-                <a:latin typeface="Comic Sans MS"/>
-                <a:cs typeface="Comic Sans MS"/>
-              </a:rPr>
-              <a:pPr>
-                <a:defRPr/>
-              </a:pPr>
-              <a:t>15</a:t>
-            </a:fld>
-            <a:endParaRPr lang="en-US" sz="1200" dirty="0">
-              <a:latin typeface="Comic Sans MS"/>
-              <a:cs typeface="Comic Sans MS"/>
-            </a:endParaRPr>
-          </a:p>
-        </p:txBody>
-      </p:sp>
-    </p:spTree>
-  </p:cSld>
-  <p:clrMapOvr>
-    <a:masterClrMapping/>
-  </p:clrMapOvr>
-  <mc:AlternateContent xmlns:mc="http://schemas.openxmlformats.org/markup-compatibility/2006" xmlns:p14="http://schemas.microsoft.com/office/powerpoint/2010/main">
-    <mc:Choice Requires="p14">
-      <p:transition spd="slow" p14:dur="900" advClick="0">
-        <p:fade/>
-      </p:transition>
-    </mc:Choice>
-    <mc:Fallback xmlns="">
-      <p:transition xmlns:p14="http://schemas.microsoft.com/office/powerpoint/2010/main" spd="slow" advClick="0">
-        <p:fade/>
-      </p:transition>
-    </mc:Fallback>
-  </mc:AlternateContent>
-  <p:timing>
-    <p:tnLst>
-      <p:par>
-        <p:cTn xmlns:p14="http://schemas.microsoft.com/office/powerpoint/2010/main" id="1" dur="indefinite" restart="never" nodeType="tmRoot">
-          <p:childTnLst>
-            <p:seq concurrent="1" nextAc="seek">
-              <p:cTn id="2" dur="indefinite" nodeType="mainSeq">
-                <p:childTnLst>
-                  <p:par>
-                    <p:cTn id="3" fill="hold">
-                      <p:stCondLst>
-                        <p:cond delay="indefinite"/>
-                      </p:stCondLst>
-                      <p:childTnLst>
-                        <p:par>
-                          <p:cTn id="4" fill="hold">
-                            <p:stCondLst>
-                              <p:cond delay="0"/>
-                            </p:stCondLst>
-                            <p:childTnLst>
-                              <p:par>
-                                <p:cTn id="5" presetID="22" presetClass="entr" presetSubtype="1" fill="hold" grpId="0" nodeType="clickEffect">
-                                  <p:stCondLst>
-                                    <p:cond delay="0"/>
-                                  </p:stCondLst>
-                                  <p:childTnLst>
-                                    <p:set>
-                                      <p:cBhvr>
-                                        <p:cTn id="6" dur="1" fill="hold">
-                                          <p:stCondLst>
-                                            <p:cond delay="0"/>
-                                          </p:stCondLst>
-                                        </p:cTn>
-                                        <p:tgtEl>
-                                          <p:spTgt spid="3">
-                                            <p:txEl>
-                                              <p:pRg st="2" end="2"/>
-                                            </p:txEl>
-                                          </p:spTgt>
-                                        </p:tgtEl>
-                                        <p:attrNameLst>
-                                          <p:attrName>style.visibility</p:attrName>
-                                        </p:attrNameLst>
-                                      </p:cBhvr>
-                                      <p:to>
-                                        <p:strVal val="visible"/>
-                                      </p:to>
-                                    </p:set>
-                                    <p:animEffect transition="in" filter="wipe(up)">
-                                      <p:cBhvr>
-                                        <p:cTn id="7" dur="500"/>
-                                        <p:tgtEl>
-                                          <p:spTgt spid="3">
-                                            <p:txEl>
-                                              <p:pRg st="2" end="2"/>
-                                            </p:txEl>
-                                          </p:spTgt>
-                                        </p:tgtEl>
-                                      </p:cBhvr>
-                                    </p:animEffect>
-                                  </p:childTnLst>
-                                </p:cTn>
-                              </p:par>
-                            </p:childTnLst>
-                          </p:cTn>
-                        </p:par>
-                        <p:par>
-                          <p:cTn id="8" fill="hold">
-                            <p:stCondLst>
-                              <p:cond delay="500"/>
-                            </p:stCondLst>
-                            <p:childTnLst>
-                              <p:par>
-                                <p:cTn id="9" presetID="22" presetClass="entr" presetSubtype="1" fill="hold" grpId="0" nodeType="afterEffect">
-                                  <p:stCondLst>
-                                    <p:cond delay="0"/>
-                                  </p:stCondLst>
-                                  <p:childTnLst>
-                                    <p:set>
-                                      <p:cBhvr>
-                                        <p:cTn id="10" dur="1" fill="hold">
-                                          <p:stCondLst>
-                                            <p:cond delay="0"/>
-                                          </p:stCondLst>
-                                        </p:cTn>
-                                        <p:tgtEl>
-                                          <p:spTgt spid="3">
-                                            <p:txEl>
-                                              <p:pRg st="3" end="3"/>
-                                            </p:txEl>
-                                          </p:spTgt>
-                                        </p:tgtEl>
-                                        <p:attrNameLst>
-                                          <p:attrName>style.visibility</p:attrName>
-                                        </p:attrNameLst>
-                                      </p:cBhvr>
-                                      <p:to>
-                                        <p:strVal val="visible"/>
-                                      </p:to>
-                                    </p:set>
-                                    <p:animEffect transition="in" filter="wipe(up)">
-                                      <p:cBhvr>
-                                        <p:cTn id="11" dur="500"/>
-                                        <p:tgtEl>
-                                          <p:spTgt spid="3">
-                                            <p:txEl>
-                                              <p:pRg st="3" end="3"/>
-                                            </p:txEl>
-                                          </p:spTgt>
-                                        </p:tgtEl>
-                                      </p:cBhvr>
-                                    </p:animEffect>
-                                  </p:childTnLst>
-                                </p:cTn>
-                              </p:par>
-                            </p:childTnLst>
-                          </p:cTn>
-                        </p:par>
-                      </p:childTnLst>
-                    </p:cTn>
-                  </p:par>
-                </p:childTnLst>
-              </p:cTn>
-              <p:prevCondLst>
-                <p:cond evt="onPrev" delay="0">
-                  <p:tgtEl>
-                    <p:sldTgt/>
-                  </p:tgtEl>
-                </p:cond>
-              </p:prevCondLst>
-              <p:nextCondLst>
-                <p:cond evt="onNext" delay="0">
-                  <p:tgtEl>
-                    <p:sldTgt/>
-                  </p:tgtEl>
-                </p:cond>
-              </p:nextCondLst>
-            </p:seq>
-          </p:childTnLst>
-        </p:cTn>
-      </p:par>
-    </p:tnLst>
-    <p:bldLst>
-      <p:bldP spid="3" grpId="0" build="p"/>
-    </p:bldLst>
-  </p:timing>
-</p:sld>
-</file>
-
-<file path=ppt/slides/slide16.xml><?xml version="1.0" encoding="utf-8"?>
-<p:sld xmlns:a="http://schemas.openxmlformats.org/drawingml/2006/main" xmlns:r="http://schemas.openxmlformats.org/officeDocument/2006/relationships" xmlns:p="http://schemas.openxmlformats.org/presentationml/2006/main">
-  <p:cSld>
-    <p:spTree>
-      <p:nvGrpSpPr>
-        <p:cNvPr id="1" name=""/>
-        <p:cNvGrpSpPr/>
-        <p:nvPr/>
-      </p:nvGrpSpPr>
-      <p:grpSpPr>
-        <a:xfrm>
-          <a:off x="0" y="0"/>
-          <a:ext cx="0" cy="0"/>
-          <a:chOff x="0" y="0"/>
-          <a:chExt cx="0" cy="0"/>
-        </a:xfrm>
-      </p:grpSpPr>
-      <p:sp>
-        <p:nvSpPr>
-          <p:cNvPr id="2" name="Title 1"/>
-          <p:cNvSpPr>
-            <a:spLocks noGrp="1"/>
-          </p:cNvSpPr>
-          <p:nvPr>
-            <p:ph type="title"/>
-          </p:nvPr>
-        </p:nvSpPr>
-        <p:spPr/>
-        <p:txBody>
-          <a:bodyPr/>
-          <a:lstStyle/>
-          <a:p>
-            <a:r>
-              <a:rPr lang="en-US" dirty="0" smtClean="0"/>
-              <a:t>Mutual Independence</a:t>
-            </a:r>
-            <a:endParaRPr lang="en-US" dirty="0"/>
-          </a:p>
-        </p:txBody>
-      </p:sp>
-      <p:sp>
-        <p:nvSpPr>
-          <p:cNvPr id="3" name="Content Placeholder 2"/>
-          <p:cNvSpPr>
-            <a:spLocks noGrp="1"/>
-          </p:cNvSpPr>
-          <p:nvPr>
-            <p:ph idx="1"/>
-          </p:nvPr>
-        </p:nvSpPr>
-        <p:spPr>
-          <a:xfrm>
-            <a:off x="175963" y="990019"/>
-            <a:ext cx="8968037" cy="4089981"/>
-          </a:xfrm>
-        </p:spPr>
-        <p:txBody>
-          <a:bodyPr/>
-          <a:lstStyle/>
-          <a:p>
-            <a:r>
-              <a:rPr lang="en-US" sz="4400" dirty="0" smtClean="0"/>
-              <a:t>Given mutually </a:t>
-            </a:r>
-            <a:r>
-              <a:rPr lang="en-US" sz="4400" dirty="0" err="1" smtClean="0"/>
-              <a:t>indep</a:t>
-            </a:r>
-            <a:r>
-              <a:rPr lang="en-US" sz="4400" dirty="0" smtClean="0"/>
-              <a:t> RV’s </a:t>
-            </a:r>
-            <a:r>
-              <a:rPr lang="en-US" sz="4400" dirty="0" smtClean="0">
-                <a:solidFill>
-                  <a:srgbClr val="0000CC"/>
-                </a:solidFill>
-              </a:rPr>
-              <a:t>R</a:t>
-            </a:r>
-            <a:r>
-              <a:rPr lang="en-US" sz="4400" baseline="-25000" dirty="0" smtClean="0">
-                <a:solidFill>
-                  <a:srgbClr val="0000CC"/>
-                </a:solidFill>
-              </a:rPr>
-              <a:t>1</a:t>
-            </a:r>
-            <a:r>
-              <a:rPr lang="en-US" sz="4400" dirty="0" smtClean="0">
-                <a:solidFill>
-                  <a:srgbClr val="0000CC"/>
-                </a:solidFill>
-              </a:rPr>
-              <a:t>,R</a:t>
-            </a:r>
-            <a:r>
-              <a:rPr lang="en-US" sz="4400" baseline="-25000" dirty="0" smtClean="0">
-                <a:solidFill>
-                  <a:srgbClr val="0000CC"/>
-                </a:solidFill>
-              </a:rPr>
-              <a:t>2</a:t>
-            </a:r>
-            <a:r>
-              <a:rPr lang="en-US" sz="4400" dirty="0" smtClean="0">
-                <a:solidFill>
-                  <a:srgbClr val="0000CC"/>
-                </a:solidFill>
-              </a:rPr>
-              <a:t>,</a:t>
-            </a:r>
-            <a:r>
-              <a:rPr lang="en-US" sz="4400" dirty="0" smtClean="0">
-                <a:solidFill>
-                  <a:srgbClr val="0000CC"/>
-                </a:solidFill>
-                <a:sym typeface="Euclid Symbol"/>
-              </a:rPr>
-              <a:t>…</a:t>
-            </a:r>
-          </a:p>
-          <a:p>
-            <a:pPr algn="ctr"/>
-            <a:r>
-              <a:rPr lang="en-US" sz="5400" dirty="0" smtClean="0">
-                <a:solidFill>
-                  <a:srgbClr val="0000CC"/>
-                </a:solidFill>
-              </a:rPr>
-              <a:t>[R</a:t>
-            </a:r>
-            <a:r>
-              <a:rPr lang="en-US" sz="5400" baseline="-25000" dirty="0" smtClean="0">
-                <a:solidFill>
-                  <a:srgbClr val="0000CC"/>
-                </a:solidFill>
-              </a:rPr>
-              <a:t>1</a:t>
-            </a:r>
-            <a:r>
-              <a:rPr lang="en-US" sz="5400" dirty="0" smtClean="0">
-                <a:solidFill>
-                  <a:srgbClr val="0000CC"/>
-                </a:solidFill>
-              </a:rPr>
-              <a:t>=R</a:t>
-            </a:r>
-            <a:r>
-              <a:rPr lang="en-US" sz="5400" baseline="-25000" dirty="0" smtClean="0">
-                <a:solidFill>
-                  <a:srgbClr val="FF00FF"/>
-                </a:solidFill>
-              </a:rPr>
-              <a:t>2</a:t>
-            </a:r>
-            <a:r>
-              <a:rPr lang="en-US" sz="5400" dirty="0" smtClean="0">
-                <a:solidFill>
-                  <a:srgbClr val="0000CC"/>
-                </a:solidFill>
-              </a:rPr>
-              <a:t>]</a:t>
-            </a:r>
-            <a:r>
-              <a:rPr lang="en-US" sz="5400" dirty="0" smtClean="0"/>
-              <a:t>  </a:t>
-            </a:r>
-            <a:r>
-              <a:rPr lang="en-US" sz="5400" dirty="0" err="1" smtClean="0"/>
-              <a:t>indep</a:t>
-            </a:r>
-            <a:r>
-              <a:rPr lang="en-US" sz="5400" dirty="0" smtClean="0"/>
-              <a:t> of </a:t>
-            </a:r>
-            <a:r>
-              <a:rPr lang="en-US" sz="5400" dirty="0" smtClean="0">
-                <a:solidFill>
-                  <a:srgbClr val="0000CC"/>
-                </a:solidFill>
-              </a:rPr>
-              <a:t>[R</a:t>
-            </a:r>
-            <a:r>
-              <a:rPr lang="en-US" sz="5400" baseline="-25000" dirty="0" smtClean="0">
-                <a:solidFill>
-                  <a:srgbClr val="0000CC"/>
-                </a:solidFill>
-              </a:rPr>
-              <a:t>3</a:t>
-            </a:r>
-            <a:r>
-              <a:rPr lang="en-US" sz="5400" dirty="0" smtClean="0">
-                <a:solidFill>
-                  <a:srgbClr val="0000CC"/>
-                </a:solidFill>
-              </a:rPr>
-              <a:t>=R</a:t>
-            </a:r>
-            <a:r>
-              <a:rPr lang="en-US" sz="5400" baseline="-25000" dirty="0" smtClean="0">
-                <a:solidFill>
-                  <a:srgbClr val="FF00FF"/>
-                </a:solidFill>
-              </a:rPr>
-              <a:t>2</a:t>
-            </a:r>
-            <a:r>
-              <a:rPr lang="en-US" sz="5400" dirty="0" smtClean="0">
-                <a:solidFill>
-                  <a:srgbClr val="0000CC"/>
-                </a:solidFill>
-              </a:rPr>
-              <a:t>] </a:t>
-            </a:r>
-            <a:r>
-              <a:rPr lang="en-US" sz="5400" dirty="0" smtClean="0"/>
-              <a:t>?</a:t>
-            </a:r>
-          </a:p>
-          <a:p>
-            <a:r>
-              <a:rPr lang="en-US" sz="4800" dirty="0" smtClean="0">
-                <a:solidFill>
-                  <a:srgbClr val="9B2894"/>
-                </a:solidFill>
-                <a:cs typeface="Comic Sans MS"/>
-              </a:rPr>
-              <a:t>Lemma:</a:t>
-            </a:r>
-            <a:r>
-              <a:rPr lang="en-US" sz="6000" dirty="0" smtClean="0">
-                <a:solidFill>
-                  <a:srgbClr val="006600"/>
-                </a:solidFill>
-                <a:cs typeface="Comic Sans MS"/>
-              </a:rPr>
-              <a:t> YES, </a:t>
-            </a:r>
-            <a:r>
-              <a:rPr lang="en-US" sz="6000" dirty="0" smtClean="0">
-                <a:solidFill>
-                  <a:schemeClr val="tx2"/>
-                </a:solidFill>
-                <a:cs typeface="Comic Sans MS"/>
-              </a:rPr>
-              <a:t>when one of </a:t>
-            </a:r>
-            <a:r>
-              <a:rPr lang="en-US" sz="6000" dirty="0" smtClean="0">
-                <a:solidFill>
-                  <a:srgbClr val="0000FF"/>
-                </a:solidFill>
-                <a:cs typeface="Comic Sans MS"/>
-              </a:rPr>
-              <a:t>R</a:t>
-            </a:r>
-            <a:r>
-              <a:rPr lang="en-US" sz="6000" baseline="-25000" dirty="0" smtClean="0">
-                <a:solidFill>
-                  <a:srgbClr val="0000FF"/>
-                </a:solidFill>
-                <a:cs typeface="Comic Sans MS"/>
-              </a:rPr>
-              <a:t>1</a:t>
-            </a:r>
-            <a:r>
-              <a:rPr lang="en-US" sz="6000" dirty="0" smtClean="0">
-                <a:cs typeface="Comic Sans MS"/>
-              </a:rPr>
-              <a:t>,</a:t>
-            </a:r>
-            <a:r>
-              <a:rPr lang="en-US" sz="6000" dirty="0" smtClean="0">
-                <a:solidFill>
-                  <a:srgbClr val="0000FF"/>
-                </a:solidFill>
-                <a:cs typeface="Comic Sans MS"/>
-              </a:rPr>
-              <a:t>R</a:t>
-            </a:r>
-            <a:r>
-              <a:rPr lang="en-US" sz="6000" baseline="-25000" dirty="0" smtClean="0">
-                <a:solidFill>
-                  <a:srgbClr val="FF00FF"/>
-                </a:solidFill>
-                <a:cs typeface="Comic Sans MS"/>
-              </a:rPr>
-              <a:t>2</a:t>
-            </a:r>
-            <a:r>
-              <a:rPr lang="en-US" sz="6000" dirty="0" smtClean="0">
-                <a:cs typeface="Comic Sans MS"/>
-              </a:rPr>
-              <a:t>,</a:t>
-            </a:r>
-            <a:r>
-              <a:rPr lang="en-US" sz="6000" dirty="0" smtClean="0">
-                <a:solidFill>
-                  <a:srgbClr val="0000FF"/>
-                </a:solidFill>
-                <a:cs typeface="Comic Sans MS"/>
-              </a:rPr>
-              <a:t>R</a:t>
-            </a:r>
-            <a:r>
-              <a:rPr lang="en-US" sz="6000" baseline="-25000" dirty="0" smtClean="0">
-                <a:solidFill>
-                  <a:srgbClr val="3333FF"/>
-                </a:solidFill>
-                <a:cs typeface="Comic Sans MS"/>
-              </a:rPr>
-              <a:t>3</a:t>
-            </a:r>
-            <a:r>
-              <a:rPr lang="en-US" sz="6000" dirty="0">
-                <a:cs typeface="Comic Sans MS"/>
-              </a:rPr>
-              <a:t> </a:t>
-            </a:r>
-            <a:r>
-              <a:rPr lang="en-US" sz="6000" dirty="0" smtClean="0">
-                <a:cs typeface="Comic Sans MS"/>
-              </a:rPr>
-              <a:t>is </a:t>
-            </a:r>
-            <a:r>
-              <a:rPr lang="en-US" sz="6000" dirty="0" smtClean="0">
-                <a:solidFill>
-                  <a:srgbClr val="0000FF"/>
-                </a:solidFill>
-                <a:cs typeface="Comic Sans MS"/>
-              </a:rPr>
-              <a:t>uniform</a:t>
-            </a:r>
-            <a:endParaRPr lang="en-US" sz="6000" dirty="0" smtClean="0">
+              </a:rPr>
+              <a:t>p</a:t>
+            </a:r>
+            <a:endParaRPr lang="en-US" sz="5400" dirty="0" smtClean="0">
               <a:solidFill>
-                <a:srgbClr val="0000FF"/>
+                <a:srgbClr val="000000"/>
               </a:solidFill>
             </a:endParaRPr>
           </a:p>
@@ -7378,7 +8934,7 @@
               <a:pPr>
                 <a:defRPr/>
               </a:pPr>
-              <a:t>16</a:t>
+              <a:t>5</a:t>
             </a:fld>
             <a:endParaRPr lang="en-US" sz="1200" dirty="0">
               <a:latin typeface="Comic Sans MS"/>
@@ -7388,478 +8944,18 @@
         </p:txBody>
       </p:sp>
     </p:spTree>
+    <p:extLst>
+      <p:ext uri="{BB962C8B-B14F-4D97-AF65-F5344CB8AC3E}">
+        <p14:creationId xmlns:p14="http://schemas.microsoft.com/office/powerpoint/2010/main" val="918949264"/>
+      </p:ext>
+    </p:extLst>
   </p:cSld>
   <p:clrMapOvr>
     <a:masterClrMapping/>
   </p:clrMapOvr>
-  <mc:AlternateContent xmlns:mc="http://schemas.openxmlformats.org/markup-compatibility/2006" xmlns:p14="http://schemas.microsoft.com/office/powerpoint/2010/main">
-    <mc:Choice Requires="p14">
-      <p:transition spd="slow" p14:dur="900" advClick="0">
-        <p:fade/>
-      </p:transition>
-    </mc:Choice>
-    <mc:Fallback xmlns="">
-      <p:transition xmlns:p14="http://schemas.microsoft.com/office/powerpoint/2010/main" spd="slow" advClick="0">
-        <p:fade/>
-      </p:transition>
-    </mc:Fallback>
-  </mc:AlternateContent>
-  <p:timing>
-    <p:tnLst>
-      <p:par>
-        <p:cTn xmlns:p14="http://schemas.microsoft.com/office/powerpoint/2010/main" id="1" dur="indefinite" restart="never" nodeType="tmRoot">
-          <p:childTnLst>
-            <p:seq concurrent="1" nextAc="seek">
-              <p:cTn id="2" dur="indefinite" nodeType="mainSeq">
-                <p:childTnLst>
-                  <p:par>
-                    <p:cTn id="3" fill="hold">
-                      <p:stCondLst>
-                        <p:cond delay="indefinite"/>
-                      </p:stCondLst>
-                      <p:childTnLst>
-                        <p:par>
-                          <p:cTn id="4" fill="hold">
-                            <p:stCondLst>
-                              <p:cond delay="0"/>
-                            </p:stCondLst>
-                            <p:childTnLst>
-                              <p:par>
-                                <p:cTn id="5" presetID="10" presetClass="entr" presetSubtype="0" fill="hold" grpId="0" nodeType="clickEffect">
-                                  <p:stCondLst>
-                                    <p:cond delay="0"/>
-                                  </p:stCondLst>
-                                  <p:childTnLst>
-                                    <p:set>
-                                      <p:cBhvr>
-                                        <p:cTn id="6" dur="1" fill="hold">
-                                          <p:stCondLst>
-                                            <p:cond delay="0"/>
-                                          </p:stCondLst>
-                                        </p:cTn>
-                                        <p:tgtEl>
-                                          <p:spTgt spid="3">
-                                            <p:txEl>
-                                              <p:pRg st="2" end="2"/>
-                                            </p:txEl>
-                                          </p:spTgt>
-                                        </p:tgtEl>
-                                        <p:attrNameLst>
-                                          <p:attrName>style.visibility</p:attrName>
-                                        </p:attrNameLst>
-                                      </p:cBhvr>
-                                      <p:to>
-                                        <p:strVal val="visible"/>
-                                      </p:to>
-                                    </p:set>
-                                    <p:animEffect transition="in" filter="fade">
-                                      <p:cBhvr>
-                                        <p:cTn id="7" dur="500"/>
-                                        <p:tgtEl>
-                                          <p:spTgt spid="3">
-                                            <p:txEl>
-                                              <p:pRg st="2" end="2"/>
-                                            </p:txEl>
-                                          </p:spTgt>
-                                        </p:tgtEl>
-                                      </p:cBhvr>
-                                    </p:animEffect>
-                                  </p:childTnLst>
-                                </p:cTn>
-                              </p:par>
-                            </p:childTnLst>
-                          </p:cTn>
-                        </p:par>
-                      </p:childTnLst>
-                    </p:cTn>
-                  </p:par>
-                </p:childTnLst>
-              </p:cTn>
-              <p:prevCondLst>
-                <p:cond evt="onPrev" delay="0">
-                  <p:tgtEl>
-                    <p:sldTgt/>
-                  </p:tgtEl>
-                </p:cond>
-              </p:prevCondLst>
-              <p:nextCondLst>
-                <p:cond evt="onNext" delay="0">
-                  <p:tgtEl>
-                    <p:sldTgt/>
-                  </p:tgtEl>
-                </p:cond>
-              </p:nextCondLst>
-            </p:seq>
-          </p:childTnLst>
-        </p:cTn>
-      </p:par>
-    </p:tnLst>
-    <p:bldLst>
-      <p:bldP spid="3" grpId="0" build="p"/>
-    </p:bldLst>
-  </p:timing>
-</p:sld>
-</file>
-
-<file path=ppt/slides/slide17.xml><?xml version="1.0" encoding="utf-8"?>
-<p:sld xmlns:a="http://schemas.openxmlformats.org/drawingml/2006/main" xmlns:r="http://schemas.openxmlformats.org/officeDocument/2006/relationships" xmlns:p="http://schemas.openxmlformats.org/presentationml/2006/main">
-  <p:cSld>
-    <p:spTree>
-      <p:nvGrpSpPr>
-        <p:cNvPr id="1" name=""/>
-        <p:cNvGrpSpPr/>
-        <p:nvPr/>
-      </p:nvGrpSpPr>
-      <p:grpSpPr>
-        <a:xfrm>
-          <a:off x="0" y="0"/>
-          <a:ext cx="0" cy="0"/>
-          <a:chOff x="0" y="0"/>
-          <a:chExt cx="0" cy="0"/>
-        </a:xfrm>
-      </p:grpSpPr>
-      <p:sp>
-        <p:nvSpPr>
-          <p:cNvPr id="2" name="Title 1"/>
-          <p:cNvSpPr>
-            <a:spLocks noGrp="1"/>
-          </p:cNvSpPr>
-          <p:nvPr>
-            <p:ph type="title"/>
-          </p:nvPr>
-        </p:nvSpPr>
-        <p:spPr/>
-        <p:txBody>
-          <a:bodyPr/>
-          <a:lstStyle/>
-          <a:p>
-            <a:r>
-              <a:rPr lang="en-US" dirty="0" smtClean="0"/>
-              <a:t>Mutual Independence</a:t>
-            </a:r>
-            <a:endParaRPr lang="en-US" dirty="0"/>
-          </a:p>
-        </p:txBody>
-      </p:sp>
-      <p:sp>
-        <p:nvSpPr>
-          <p:cNvPr id="3" name="Content Placeholder 2"/>
-          <p:cNvSpPr>
-            <a:spLocks noGrp="1"/>
-          </p:cNvSpPr>
-          <p:nvPr>
-            <p:ph idx="1"/>
-          </p:nvPr>
-        </p:nvSpPr>
-        <p:spPr>
-          <a:xfrm>
-            <a:off x="-9769" y="901119"/>
-            <a:ext cx="9143999" cy="5167667"/>
-          </a:xfrm>
-        </p:spPr>
-        <p:txBody>
-          <a:bodyPr/>
-          <a:lstStyle/>
-          <a:p>
-            <a:r>
-              <a:rPr lang="en-US" sz="4400" dirty="0" smtClean="0"/>
-              <a:t>Given mutually </a:t>
-            </a:r>
-            <a:r>
-              <a:rPr lang="en-US" sz="4400" dirty="0" err="1" smtClean="0"/>
-              <a:t>indep</a:t>
-            </a:r>
-            <a:r>
-              <a:rPr lang="en-US" sz="4400" dirty="0" smtClean="0"/>
-              <a:t> RV’s </a:t>
-            </a:r>
-            <a:r>
-              <a:rPr lang="en-US" sz="4400" dirty="0" smtClean="0">
-                <a:solidFill>
-                  <a:srgbClr val="0000CC"/>
-                </a:solidFill>
-              </a:rPr>
-              <a:t>R</a:t>
-            </a:r>
-            <a:r>
-              <a:rPr lang="en-US" sz="4400" baseline="-25000" dirty="0" smtClean="0">
-                <a:solidFill>
-                  <a:srgbClr val="0000CC"/>
-                </a:solidFill>
-              </a:rPr>
-              <a:t>1</a:t>
-            </a:r>
-            <a:r>
-              <a:rPr lang="en-US" sz="4400" dirty="0" smtClean="0">
-                <a:solidFill>
-                  <a:srgbClr val="0000CC"/>
-                </a:solidFill>
-              </a:rPr>
-              <a:t>,R</a:t>
-            </a:r>
-            <a:r>
-              <a:rPr lang="en-US" sz="4400" baseline="-25000" dirty="0" smtClean="0">
-                <a:solidFill>
-                  <a:srgbClr val="0000CC"/>
-                </a:solidFill>
-              </a:rPr>
-              <a:t>2</a:t>
-            </a:r>
-            <a:r>
-              <a:rPr lang="en-US" sz="4400" dirty="0" smtClean="0">
-                <a:solidFill>
-                  <a:srgbClr val="0000CC"/>
-                </a:solidFill>
-              </a:rPr>
-              <a:t>,</a:t>
-            </a:r>
-            <a:endParaRPr lang="en-US" sz="4400" dirty="0">
-              <a:solidFill>
-                <a:srgbClr val="0000CC"/>
-              </a:solidFill>
-              <a:sym typeface="Euclid Symbol"/>
-            </a:endParaRPr>
-          </a:p>
-          <a:p>
-            <a:r>
-              <a:rPr lang="en-US" sz="5400" dirty="0" smtClean="0">
-                <a:solidFill>
-                  <a:schemeClr val="tx1">
-                    <a:lumMod val="85000"/>
-                    <a:lumOff val="15000"/>
-                  </a:schemeClr>
-                </a:solidFill>
-              </a:rPr>
-              <a:t>the events</a:t>
-            </a:r>
-            <a:r>
-              <a:rPr lang="en-US" sz="5400" dirty="0" smtClean="0">
-                <a:solidFill>
-                  <a:srgbClr val="0000CC"/>
-                </a:solidFill>
-              </a:rPr>
-              <a:t> [</a:t>
-            </a:r>
-            <a:r>
-              <a:rPr lang="en-US" sz="5400" dirty="0" err="1" smtClean="0">
-                <a:solidFill>
-                  <a:srgbClr val="0000CC"/>
-                </a:solidFill>
-              </a:rPr>
-              <a:t>R</a:t>
-            </a:r>
-            <a:r>
-              <a:rPr lang="en-US" sz="5400" baseline="-25000" dirty="0" err="1" smtClean="0">
-                <a:solidFill>
-                  <a:srgbClr val="0000CC"/>
-                </a:solidFill>
-              </a:rPr>
-              <a:t>i</a:t>
-            </a:r>
-            <a:r>
-              <a:rPr lang="en-US" sz="5400" dirty="0" smtClean="0">
-                <a:solidFill>
-                  <a:srgbClr val="0000CC"/>
-                </a:solidFill>
-              </a:rPr>
-              <a:t>=</a:t>
-            </a:r>
-            <a:r>
-              <a:rPr lang="en-US" sz="5400" dirty="0" err="1" smtClean="0">
-                <a:solidFill>
-                  <a:srgbClr val="0000CC"/>
-                </a:solidFill>
-              </a:rPr>
-              <a:t>R</a:t>
-            </a:r>
-            <a:r>
-              <a:rPr lang="en-US" sz="5400" baseline="-25000" dirty="0" err="1" smtClean="0">
-                <a:solidFill>
-                  <a:srgbClr val="0000FF"/>
-                </a:solidFill>
-              </a:rPr>
-              <a:t>j</a:t>
-            </a:r>
-            <a:r>
-              <a:rPr lang="en-US" sz="5400" dirty="0" smtClean="0">
-                <a:solidFill>
-                  <a:srgbClr val="0000CC"/>
-                </a:solidFill>
-              </a:rPr>
-              <a:t>]</a:t>
-            </a:r>
-            <a:r>
-              <a:rPr lang="en-US" sz="5400" dirty="0"/>
-              <a:t> </a:t>
-            </a:r>
-            <a:r>
-              <a:rPr lang="en-US" sz="6000" dirty="0" smtClean="0">
-                <a:solidFill>
-                  <a:srgbClr val="000000"/>
-                </a:solidFill>
-                <a:cs typeface="Comic Sans MS"/>
-              </a:rPr>
-              <a:t>are </a:t>
-            </a:r>
-          </a:p>
-          <a:p>
-            <a:pPr algn="ctr"/>
-            <a:r>
-              <a:rPr lang="en-US" sz="6000" dirty="0" smtClean="0">
-                <a:solidFill>
-                  <a:srgbClr val="9B2894"/>
-                </a:solidFill>
-                <a:cs typeface="Comic Sans MS"/>
-              </a:rPr>
-              <a:t>pairwise</a:t>
-            </a:r>
-            <a:r>
-              <a:rPr lang="en-US" sz="6000" dirty="0" smtClean="0">
-                <a:solidFill>
-                  <a:srgbClr val="000000"/>
-                </a:solidFill>
-                <a:cs typeface="Comic Sans MS"/>
-              </a:rPr>
-              <a:t> independent</a:t>
-            </a:r>
-          </a:p>
-          <a:p>
-            <a:r>
-              <a:rPr lang="en-US" sz="6000" dirty="0" smtClean="0">
-                <a:solidFill>
-                  <a:srgbClr val="000000"/>
-                </a:solidFill>
-                <a:cs typeface="Comic Sans MS"/>
-              </a:rPr>
-              <a:t>when the </a:t>
-            </a:r>
-            <a:r>
-              <a:rPr lang="en-US" sz="6000" dirty="0" err="1" smtClean="0">
-                <a:solidFill>
-                  <a:srgbClr val="3333FF"/>
-                </a:solidFill>
-                <a:cs typeface="Comic Sans MS"/>
-              </a:rPr>
-              <a:t>R</a:t>
-            </a:r>
-            <a:r>
-              <a:rPr lang="en-US" sz="6000" baseline="-25000" dirty="0" err="1" smtClean="0">
-                <a:solidFill>
-                  <a:srgbClr val="3333FF"/>
-                </a:solidFill>
-                <a:cs typeface="Comic Sans MS"/>
-              </a:rPr>
-              <a:t>i</a:t>
-            </a:r>
-            <a:r>
-              <a:rPr lang="en-US" sz="6000" dirty="0" err="1" smtClean="0">
-                <a:solidFill>
-                  <a:srgbClr val="000000"/>
-                </a:solidFill>
-                <a:cs typeface="Comic Sans MS"/>
-              </a:rPr>
-              <a:t>’s</a:t>
-            </a:r>
-            <a:r>
-              <a:rPr lang="en-US" sz="6000" dirty="0" smtClean="0">
-                <a:solidFill>
-                  <a:srgbClr val="000000"/>
-                </a:solidFill>
-                <a:cs typeface="Comic Sans MS"/>
-              </a:rPr>
-              <a:t> are </a:t>
-            </a:r>
-            <a:r>
-              <a:rPr lang="en-US" sz="6000" dirty="0" smtClean="0">
-                <a:solidFill>
-                  <a:srgbClr val="3333FF"/>
-                </a:solidFill>
-                <a:cs typeface="Comic Sans MS"/>
-              </a:rPr>
-              <a:t>uniform</a:t>
-            </a:r>
-            <a:endParaRPr lang="en-US" sz="6000" dirty="0" smtClean="0">
-              <a:solidFill>
-                <a:srgbClr val="3333FF"/>
-              </a:solidFill>
-            </a:endParaRPr>
-          </a:p>
-        </p:txBody>
-      </p:sp>
-      <p:sp>
-        <p:nvSpPr>
-          <p:cNvPr id="4" name="Slide Number Placeholder 3"/>
-          <p:cNvSpPr>
-            <a:spLocks noGrp="1"/>
-          </p:cNvSpPr>
-          <p:nvPr>
-            <p:ph type="sldNum" sz="quarter" idx="4294967295"/>
-          </p:nvPr>
-        </p:nvSpPr>
-        <p:spPr>
-          <a:xfrm>
-            <a:off x="7543800" y="6604000"/>
-            <a:ext cx="1531809" cy="253999"/>
-          </a:xfrm>
-          <a:prstGeom prst="rect">
-            <a:avLst/>
-          </a:prstGeom>
-        </p:spPr>
-        <p:txBody>
-          <a:bodyPr/>
-          <a:lstStyle/>
-          <a:p>
-            <a:pPr>
-              <a:defRPr/>
-            </a:pPr>
-            <a:r>
-              <a:rPr lang="en-US" sz="1200" dirty="0" err="1" smtClean="0">
-                <a:latin typeface="Comic Sans MS"/>
-                <a:cs typeface="Comic Sans MS"/>
-              </a:rPr>
-              <a:t>binom</a:t>
-            </a:r>
-            <a:r>
-              <a:rPr lang="en-US" sz="1200" dirty="0" smtClean="0">
-                <a:latin typeface="Comic Sans MS"/>
-                <a:cs typeface="Comic Sans MS"/>
-              </a:rPr>
-              <a:t>-uniform.</a:t>
-            </a:r>
-            <a:fld id="{679D5B46-281B-48C5-ADB5-CFE0495CD191}" type="slidenum">
-              <a:rPr lang="en-US" sz="1200" smtClean="0">
-                <a:latin typeface="Comic Sans MS"/>
-                <a:cs typeface="Comic Sans MS"/>
-              </a:rPr>
-              <a:pPr>
-                <a:defRPr/>
-              </a:pPr>
-              <a:t>17</a:t>
-            </a:fld>
-            <a:endParaRPr lang="en-US" sz="1200" dirty="0">
-              <a:latin typeface="Comic Sans MS"/>
-              <a:cs typeface="Comic Sans MS"/>
-            </a:endParaRPr>
-          </a:p>
-        </p:txBody>
-      </p:sp>
-    </p:spTree>
-  </p:cSld>
-  <p:clrMapOvr>
-    <a:masterClrMapping/>
-  </p:clrMapOvr>
-  <mc:AlternateContent xmlns:mc="http://schemas.openxmlformats.org/markup-compatibility/2006" xmlns:p14="http://schemas.microsoft.com/office/powerpoint/2010/main">
-    <mc:Choice Requires="p14">
-      <p:transition spd="slow" p14:dur="900" advClick="0">
-        <p:fade/>
-      </p:transition>
-    </mc:Choice>
-    <mc:Fallback xmlns="">
-      <p:transition xmlns:p14="http://schemas.microsoft.com/office/powerpoint/2010/main" spd="slow" advClick="0">
-        <p:fade/>
-      </p:transition>
-    </mc:Fallback>
-  </mc:AlternateContent>
+  <p:transition xmlns:p14="http://schemas.microsoft.com/office/powerpoint/2010/main" spd="slow" advClick="0">
+    <p:fade/>
+  </p:transition>
   <p:timing>
     <p:tnLst>
       <p:par>
@@ -7870,7 +8966,7 @@
 </p:sld>
 </file>
 
-<file path=ppt/slides/slide2.xml><?xml version="1.0" encoding="utf-8"?>
+<file path=ppt/slides/slide6.xml><?xml version="1.0" encoding="utf-8"?>
 <p:sld xmlns:a="http://schemas.openxmlformats.org/drawingml/2006/main" xmlns:r="http://schemas.openxmlformats.org/officeDocument/2006/relationships" xmlns:p="http://schemas.openxmlformats.org/presentationml/2006/main">
   <p:cSld>
     <p:spTree>
@@ -7918,7 +9014,7 @@
               <a:pPr>
                 <a:defRPr/>
               </a:pPr>
-              <a:t>2</a:t>
+              <a:t>6</a:t>
             </a:fld>
             <a:endParaRPr lang="en-US" dirty="0"/>
           </a:p>
@@ -8165,7 +9261,15 @@
                   <a:srgbClr val="0000FF"/>
                 </a:solidFill>
               </a:rPr>
-              <a:t>[H</a:t>
+              <a:t>[H}⋅</a:t>
+            </a:r>
+            <a:r>
+              <a:rPr lang="en-US" dirty="0" err="1" smtClean="0">
+                <a:solidFill>
+                  <a:srgbClr val="0000FF"/>
+                </a:solidFill>
+              </a:rPr>
+              <a:t>Pr</a:t>
             </a:r>
             <a:r>
               <a:rPr lang="en-US" dirty="0" smtClean="0">
@@ -8173,7 +9277,7 @@
                   <a:srgbClr val="0000FF"/>
                 </a:solidFill>
               </a:rPr>
-              <a:t>}⋅</a:t>
+              <a:t>[H]⋅</a:t>
             </a:r>
             <a:r>
               <a:rPr lang="en-US" dirty="0" err="1" smtClean="0">
@@ -8189,7 +9293,7 @@
                   <a:srgbClr val="0000FF"/>
                 </a:solidFill>
               </a:rPr>
-              <a:t>[H]⋅</a:t>
+              <a:t>[T]⋅</a:t>
             </a:r>
             <a:r>
               <a:rPr lang="en-US" dirty="0" err="1" smtClean="0">
@@ -8221,29 +9325,8 @@
                   <a:srgbClr val="0000FF"/>
                 </a:solidFill>
               </a:rPr>
-              <a:t>[T]⋅</a:t>
-            </a:r>
-            <a:r>
-              <a:rPr lang="en-US" dirty="0" err="1" smtClean="0">
-                <a:solidFill>
-                  <a:srgbClr val="0000FF"/>
-                </a:solidFill>
-              </a:rPr>
-              <a:t>Pr</a:t>
-            </a:r>
-            <a:r>
-              <a:rPr lang="en-US" dirty="0" smtClean="0">
-                <a:solidFill>
-                  <a:srgbClr val="0000FF"/>
-                </a:solidFill>
-              </a:rPr>
               <a:t>[H]</a:t>
             </a:r>
-            <a:endParaRPr lang="en-US" dirty="0" smtClean="0">
-              <a:solidFill>
-                <a:srgbClr val="0000FF"/>
-              </a:solidFill>
-            </a:endParaRPr>
           </a:p>
           <a:p>
             <a:pPr eaLnBrk="1" hangingPunct="1"/>
@@ -8259,9 +9342,18 @@
   <p:clrMapOvr>
     <a:masterClrMapping/>
   </p:clrMapOvr>
-  <p:transition xmlns:p14="http://schemas.microsoft.com/office/powerpoint/2010/main" spd="slow" advClick="0">
-    <p:fade thruBlk="1"/>
-  </p:transition>
+  <mc:AlternateContent xmlns:mc="http://schemas.openxmlformats.org/markup-compatibility/2006">
+    <mc:Choice xmlns:p14="http://schemas.microsoft.com/office/powerpoint/2010/main" Requires="p14">
+      <p:transition spd="slow" p14:dur="1200" advClick="0">
+        <p:fade thruBlk="1"/>
+      </p:transition>
+    </mc:Choice>
+    <mc:Fallback>
+      <p:transition xmlns:p14="http://schemas.microsoft.com/office/powerpoint/2010/main" spd="slow" advClick="0">
+        <p:fade thruBlk="1"/>
+      </p:transition>
+    </mc:Fallback>
+  </mc:AlternateContent>
   <p:timing>
     <p:tnLst>
       <p:par>
@@ -8652,7 +9744,7 @@
 </p:sld>
 </file>
 
-<file path=ppt/slides/slide3.xml><?xml version="1.0" encoding="utf-8"?>
+<file path=ppt/slides/slide7.xml><?xml version="1.0" encoding="utf-8"?>
 <p:sld xmlns:a="http://schemas.openxmlformats.org/drawingml/2006/main" xmlns:r="http://schemas.openxmlformats.org/officeDocument/2006/relationships" xmlns:p="http://schemas.openxmlformats.org/presentationml/2006/main">
   <p:cSld>
     <p:spTree>
@@ -8700,7 +9792,7 @@
               <a:pPr>
                 <a:defRPr/>
               </a:pPr>
-              <a:t>3</a:t>
+              <a:t>7</a:t>
             </a:fld>
             <a:endParaRPr lang="en-US" dirty="0"/>
           </a:p>
@@ -8953,7 +10045,7 @@
           <a:graphicData uri="http://schemas.openxmlformats.org/presentationml/2006/ole">
             <mc:AlternateContent xmlns:mc="http://schemas.openxmlformats.org/markup-compatibility/2006">
               <mc:Choice xmlns:v="urn:schemas-microsoft-com:vml" Requires="v">
-                <p:oleObj spid="_x0000_s648232" name="Equation" r:id="rId4" imgW="1790700" imgH="469900" progId="Equation.DSMT4">
+                <p:oleObj spid="_x0000_s648236" name="Equation" r:id="rId4" imgW="1790700" imgH="469900" progId="Equation.DSMT4">
                   <p:embed/>
                 </p:oleObj>
               </mc:Choice>
@@ -9113,7 +10205,7 @@
 </p:sld>
 </file>
 
-<file path=ppt/slides/slide4.xml><?xml version="1.0" encoding="utf-8"?>
+<file path=ppt/slides/slide8.xml><?xml version="1.0" encoding="utf-8"?>
 <p:sld xmlns:a="http://schemas.openxmlformats.org/drawingml/2006/main" xmlns:r="http://schemas.openxmlformats.org/officeDocument/2006/relationships" xmlns:p="http://schemas.openxmlformats.org/presentationml/2006/main">
   <p:cSld>
     <p:spTree>
@@ -9161,7 +10253,7 @@
               <a:pPr>
                 <a:defRPr/>
               </a:pPr>
-              <a:t>4</a:t>
+              <a:t>8</a:t>
             </a:fld>
             <a:endParaRPr lang="en-US" dirty="0"/>
           </a:p>
@@ -9405,7 +10497,7 @@
           <a:graphicData uri="http://schemas.openxmlformats.org/presentationml/2006/ole">
             <mc:AlternateContent xmlns:mc="http://schemas.openxmlformats.org/markup-compatibility/2006">
               <mc:Choice xmlns:v="urn:schemas-microsoft-com:vml" Requires="v">
-                <p:oleObj spid="_x0000_s677927" name="Equation" r:id="rId4" imgW="660400" imgH="596900" progId="Equation.DSMT4">
+                <p:oleObj spid="_x0000_s677931" name="Equation" r:id="rId4" imgW="660400" imgH="596900" progId="Equation.DSMT4">
                   <p:embed/>
                 </p:oleObj>
               </mc:Choice>
@@ -9486,7 +10578,7 @@
 </p:sld>
 </file>
 
-<file path=ppt/slides/slide5.xml><?xml version="1.0" encoding="utf-8"?>
+<file path=ppt/slides/slide9.xml><?xml version="1.0" encoding="utf-8"?>
 <p:sld xmlns:a="http://schemas.openxmlformats.org/drawingml/2006/main" xmlns:r="http://schemas.openxmlformats.org/officeDocument/2006/relationships" xmlns:p="http://schemas.openxmlformats.org/presentationml/2006/main">
   <p:cSld>
     <p:spTree>
@@ -9534,7 +10626,7 @@
               <a:pPr>
                 <a:defRPr/>
               </a:pPr>
-              <a:t>5</a:t>
+              <a:t>9</a:t>
             </a:fld>
             <a:endParaRPr lang="en-US" dirty="0"/>
           </a:p>
@@ -9772,39 +10864,27 @@
                   <a:srgbClr val="0000FF"/>
                 </a:solidFill>
               </a:rPr>
-              <a:t> </a:t>
+              <a:t> T</a:t>
             </a:r>
             <a:r>
               <a:rPr lang="en-US" dirty="0" smtClean="0">
                 <a:solidFill>
+                  <a:srgbClr val="000000"/>
+                </a:solidFill>
+              </a:rPr>
+              <a:t>’s</a:t>
+            </a:r>
+            <a:r>
+              <a:rPr lang="en-US" dirty="0" smtClean="0">
+                <a:solidFill>
                   <a:srgbClr val="0000FF"/>
                 </a:solidFill>
               </a:rPr>
-              <a:t>T</a:t>
-            </a:r>
-            <a:r>
-              <a:rPr lang="en-US" dirty="0" smtClean="0">
-                <a:solidFill>
-                  <a:srgbClr val="000000"/>
-                </a:solidFill>
-              </a:rPr>
-              <a:t>’s</a:t>
-            </a:r>
-            <a:r>
-              <a:rPr lang="en-US" dirty="0" smtClean="0">
-                <a:solidFill>
-                  <a:srgbClr val="0000FF"/>
-                </a:solidFill>
-              </a:rPr>
               <a:t>]</a:t>
             </a:r>
             <a:r>
               <a:rPr lang="en-US" dirty="0" smtClean="0"/>
-              <a:t> </a:t>
-            </a:r>
-            <a:r>
-              <a:rPr lang="en-US" dirty="0" smtClean="0"/>
-              <a:t>=</a:t>
+              <a:t> =</a:t>
             </a:r>
             <a:endParaRPr lang="en-US" dirty="0" smtClean="0">
               <a:solidFill>
@@ -9830,7 +10910,7 @@
           <a:graphicData uri="http://schemas.openxmlformats.org/presentationml/2006/ole">
             <mc:AlternateContent xmlns:mc="http://schemas.openxmlformats.org/markup-compatibility/2006">
               <mc:Choice xmlns:v="urn:schemas-microsoft-com:vml" Requires="v">
-                <p:oleObj spid="_x0000_s100391" name="Equation" r:id="rId4" imgW="711200" imgH="393700" progId="Equation.DSMT4">
+                <p:oleObj spid="_x0000_s100395" name="Equation" r:id="rId4" imgW="711200" imgH="393700" progId="Equation.DSMT4">
                   <p:embed/>
                 </p:oleObj>
               </mc:Choice>
@@ -9950,1792 +11030,6 @@
                                         <p:cTn id="7" dur="500"/>
                                         <p:tgtEl>
                                           <p:spTgt spid="8"/>
-                                        </p:tgtEl>
-                                      </p:cBhvr>
-                                    </p:animEffect>
-                                  </p:childTnLst>
-                                </p:cTn>
-                              </p:par>
-                            </p:childTnLst>
-                          </p:cTn>
-                        </p:par>
-                      </p:childTnLst>
-                    </p:cTn>
-                  </p:par>
-                </p:childTnLst>
-              </p:cTn>
-              <p:prevCondLst>
-                <p:cond evt="onPrev" delay="0">
-                  <p:tgtEl>
-                    <p:sldTgt/>
-                  </p:tgtEl>
-                </p:cond>
-              </p:prevCondLst>
-              <p:nextCondLst>
-                <p:cond evt="onNext" delay="0">
-                  <p:tgtEl>
-                    <p:sldTgt/>
-                  </p:tgtEl>
-                </p:cond>
-              </p:nextCondLst>
-            </p:seq>
-          </p:childTnLst>
-        </p:cTn>
-      </p:par>
-    </p:tnLst>
-  </p:timing>
-</p:sld>
-</file>
-
-<file path=ppt/slides/slide6.xml><?xml version="1.0" encoding="utf-8"?>
-<p:sld xmlns:a="http://schemas.openxmlformats.org/drawingml/2006/main" xmlns:r="http://schemas.openxmlformats.org/officeDocument/2006/relationships" xmlns:p="http://schemas.openxmlformats.org/presentationml/2006/main">
-  <p:cSld>
-    <p:spTree>
-      <p:nvGrpSpPr>
-        <p:cNvPr id="1" name=""/>
-        <p:cNvGrpSpPr/>
-        <p:nvPr/>
-      </p:nvGrpSpPr>
-      <p:grpSpPr>
-        <a:xfrm>
-          <a:off x="0" y="0"/>
-          <a:ext cx="0" cy="0"/>
-          <a:chOff x="0" y="0"/>
-          <a:chExt cx="0" cy="0"/>
-        </a:xfrm>
-      </p:grpSpPr>
-      <p:sp>
-        <p:nvSpPr>
-          <p:cNvPr id="6" name="Slide Number Placeholder 3"/>
-          <p:cNvSpPr>
-            <a:spLocks noGrp="1"/>
-          </p:cNvSpPr>
-          <p:nvPr>
-            <p:ph type="sldNum" sz="quarter" idx="11"/>
-          </p:nvPr>
-        </p:nvSpPr>
-        <p:spPr/>
-        <p:txBody>
-          <a:bodyPr/>
-          <a:lstStyle/>
-          <a:p>
-            <a:pPr>
-              <a:defRPr/>
-            </a:pPr>
-            <a:r>
-              <a:rPr lang="en-US" dirty="0" err="1" smtClean="0"/>
-              <a:t>binom</a:t>
-            </a:r>
-            <a:r>
-              <a:rPr lang="en-US" dirty="0" smtClean="0"/>
-              <a:t>-uniform.</a:t>
-            </a:r>
-            <a:fld id="{DEDCF3E0-95E5-4B40-9A75-5FDE935C9264}" type="slidenum">
-              <a:rPr lang="en-US" smtClean="0"/>
-              <a:pPr>
-                <a:defRPr/>
-              </a:pPr>
-              <a:t>6</a:t>
-            </a:fld>
-            <a:endParaRPr lang="en-US" dirty="0"/>
-          </a:p>
-        </p:txBody>
-      </p:sp>
-      <p:sp>
-        <p:nvSpPr>
-          <p:cNvPr id="41987" name="Rectangle 2"/>
-          <p:cNvSpPr>
-            <a:spLocks noGrp="1" noChangeArrowheads="1"/>
-          </p:cNvSpPr>
-          <p:nvPr>
-            <p:ph type="title" idx="4294967295"/>
-          </p:nvPr>
-        </p:nvSpPr>
-        <p:spPr/>
-        <p:txBody>
-          <a:bodyPr/>
-          <a:lstStyle/>
-          <a:p>
-            <a:pPr eaLnBrk="1" hangingPunct="1"/>
-            <a:r>
-              <a:rPr lang="en-US" dirty="0" smtClean="0"/>
-              <a:t>Binomial Random Variable</a:t>
-            </a:r>
-          </a:p>
-        </p:txBody>
-      </p:sp>
-      <p:sp>
-        <p:nvSpPr>
-          <p:cNvPr id="157699" name="Rectangle 3"/>
-          <p:cNvSpPr>
-            <a:spLocks noGrp="1" noChangeArrowheads="1"/>
-          </p:cNvSpPr>
-          <p:nvPr>
-            <p:ph idx="4294967295"/>
-          </p:nvPr>
-        </p:nvSpPr>
-        <p:spPr>
-          <a:xfrm>
-            <a:off x="137588" y="984253"/>
-            <a:ext cx="8889181" cy="5609978"/>
-          </a:xfrm>
-        </p:spPr>
-        <p:txBody>
-          <a:bodyPr/>
-          <a:lstStyle/>
-          <a:p>
-            <a:pPr eaLnBrk="1" hangingPunct="1"/>
-            <a:r>
-              <a:rPr lang="en-US" sz="3600" dirty="0" err="1" smtClean="0">
-                <a:solidFill>
-                  <a:srgbClr val="3333FF"/>
-                </a:solidFill>
-              </a:rPr>
-              <a:t>B</a:t>
-            </a:r>
-            <a:r>
-              <a:rPr lang="en-US" sz="3600" baseline="-25000" dirty="0" err="1" smtClean="0">
-                <a:solidFill>
-                  <a:srgbClr val="3333FF"/>
-                </a:solidFill>
-              </a:rPr>
-              <a:t>n,p</a:t>
-            </a:r>
-            <a:r>
-              <a:rPr lang="en-US" sz="3600" dirty="0" smtClean="0"/>
-              <a:t>::= # heads in </a:t>
-            </a:r>
-            <a:r>
-              <a:rPr lang="en-US" sz="3600" dirty="0" err="1" smtClean="0">
-                <a:solidFill>
-                  <a:srgbClr val="3333FF"/>
-                </a:solidFill>
-              </a:rPr>
-              <a:t>n</a:t>
-            </a:r>
-            <a:r>
-              <a:rPr lang="en-US" sz="3600" dirty="0" smtClean="0"/>
-              <a:t> </a:t>
-            </a:r>
-            <a:r>
-              <a:rPr lang="en-US" sz="3600" dirty="0" smtClean="0">
-                <a:solidFill>
-                  <a:srgbClr val="FF00FF"/>
-                </a:solidFill>
-              </a:rPr>
-              <a:t>mutually</a:t>
-            </a:r>
-            <a:r>
-              <a:rPr lang="en-US" sz="3600" dirty="0" smtClean="0"/>
-              <a:t> </a:t>
-            </a:r>
-            <a:r>
-              <a:rPr lang="en-US" sz="3600" dirty="0" err="1" smtClean="0"/>
-              <a:t>indep</a:t>
-            </a:r>
-            <a:r>
-              <a:rPr lang="en-US" sz="3600" dirty="0" smtClean="0"/>
-              <a:t> flips.</a:t>
-            </a:r>
-            <a:endParaRPr lang="en-US" sz="3600" baseline="-25000" dirty="0" smtClean="0">
-              <a:solidFill>
-                <a:srgbClr val="3333FF"/>
-              </a:solidFill>
-            </a:endParaRPr>
-          </a:p>
-          <a:p>
-            <a:pPr eaLnBrk="1" hangingPunct="1"/>
-            <a:r>
-              <a:rPr lang="en-US" sz="3600" dirty="0" smtClean="0"/>
-              <a:t>Coin may be biased.  So 2 parameters</a:t>
-            </a:r>
-          </a:p>
-          <a:p>
-            <a:pPr algn="ctr" eaLnBrk="1" hangingPunct="1"/>
-            <a:r>
-              <a:rPr lang="en-US" sz="3600" dirty="0" err="1" smtClean="0">
-                <a:solidFill>
-                  <a:srgbClr val="3333FF"/>
-                </a:solidFill>
-              </a:rPr>
-              <a:t>n</a:t>
-            </a:r>
-            <a:r>
-              <a:rPr lang="en-US" sz="3600" dirty="0" smtClean="0"/>
-              <a:t> ::= # flips,    </a:t>
-            </a:r>
-            <a:r>
-              <a:rPr lang="en-US" sz="3600" dirty="0" err="1" smtClean="0">
-                <a:solidFill>
-                  <a:srgbClr val="3333FF"/>
-                </a:solidFill>
-              </a:rPr>
-              <a:t>p</a:t>
-            </a:r>
-            <a:r>
-              <a:rPr lang="en-US" sz="3600" dirty="0" smtClean="0"/>
-              <a:t> ::=  </a:t>
-            </a:r>
-            <a:r>
-              <a:rPr lang="en-US" sz="3600" dirty="0" err="1" smtClean="0"/>
-              <a:t>Pr{head</a:t>
-            </a:r>
-            <a:r>
-              <a:rPr lang="en-US" sz="3600" dirty="0" smtClean="0"/>
-              <a:t>}</a:t>
-            </a:r>
-          </a:p>
-          <a:p>
-            <a:pPr eaLnBrk="1" hangingPunct="1"/>
-            <a:r>
-              <a:rPr lang="en-US" dirty="0" err="1" smtClean="0">
-                <a:solidFill>
-                  <a:srgbClr val="0000FF"/>
-                </a:solidFill>
-              </a:rPr>
-              <a:t>Pr</a:t>
-            </a:r>
-            <a:r>
-              <a:rPr lang="en-US" dirty="0" smtClean="0">
-                <a:solidFill>
-                  <a:srgbClr val="0000FF"/>
-                </a:solidFill>
-              </a:rPr>
-              <a:t>[</a:t>
-            </a:r>
-            <a:r>
-              <a:rPr lang="en-US" dirty="0" smtClean="0">
-                <a:solidFill>
-                  <a:srgbClr val="000000"/>
-                </a:solidFill>
-              </a:rPr>
-              <a:t>get</a:t>
-            </a:r>
-            <a:r>
-              <a:rPr lang="en-US" dirty="0" smtClean="0">
-                <a:solidFill>
-                  <a:srgbClr val="0000FF"/>
-                </a:solidFill>
-              </a:rPr>
-              <a:t> </a:t>
-            </a:r>
-            <a:r>
-              <a:rPr lang="en-US" dirty="0" err="1" smtClean="0">
-                <a:solidFill>
-                  <a:srgbClr val="0000FF"/>
-                </a:solidFill>
-              </a:rPr>
-              <a:t>i</a:t>
-            </a:r>
-            <a:r>
-              <a:rPr lang="en-US" dirty="0" smtClean="0">
-                <a:solidFill>
-                  <a:srgbClr val="0000FF"/>
-                </a:solidFill>
-              </a:rPr>
-              <a:t> H</a:t>
-            </a:r>
-            <a:r>
-              <a:rPr lang="en-US" dirty="0" smtClean="0">
-                <a:solidFill>
-                  <a:srgbClr val="000000"/>
-                </a:solidFill>
-              </a:rPr>
-              <a:t>’s,</a:t>
-            </a:r>
-            <a:r>
-              <a:rPr lang="en-US" dirty="0" smtClean="0">
-                <a:solidFill>
-                  <a:srgbClr val="0000FF"/>
-                </a:solidFill>
-              </a:rPr>
-              <a:t> n-</a:t>
-            </a:r>
-            <a:r>
-              <a:rPr lang="en-US" dirty="0" err="1" smtClean="0">
-                <a:solidFill>
-                  <a:srgbClr val="0000FF"/>
-                </a:solidFill>
-              </a:rPr>
-              <a:t>i</a:t>
-            </a:r>
-            <a:r>
-              <a:rPr lang="en-US" dirty="0" smtClean="0">
-                <a:solidFill>
-                  <a:srgbClr val="0000FF"/>
-                </a:solidFill>
-              </a:rPr>
-              <a:t> </a:t>
-            </a:r>
-            <a:r>
-              <a:rPr lang="en-US" dirty="0" smtClean="0">
-                <a:solidFill>
-                  <a:srgbClr val="0000FF"/>
-                </a:solidFill>
-              </a:rPr>
-              <a:t>T</a:t>
-            </a:r>
-            <a:r>
-              <a:rPr lang="en-US" dirty="0" smtClean="0">
-                <a:solidFill>
-                  <a:srgbClr val="000000"/>
-                </a:solidFill>
-              </a:rPr>
-              <a:t>’s</a:t>
-            </a:r>
-            <a:r>
-              <a:rPr lang="en-US" dirty="0" smtClean="0">
-                <a:solidFill>
-                  <a:srgbClr val="0000FF"/>
-                </a:solidFill>
-              </a:rPr>
-              <a:t>]</a:t>
-            </a:r>
-            <a:r>
-              <a:rPr lang="en-US" dirty="0" smtClean="0"/>
-              <a:t> </a:t>
-            </a:r>
-            <a:r>
-              <a:rPr lang="en-US" dirty="0" smtClean="0"/>
-              <a:t>= #</a:t>
-            </a:r>
-            <a:r>
-              <a:rPr lang="en-US" dirty="0" err="1" smtClean="0"/>
-              <a:t>seq’s⋅pr</a:t>
-            </a:r>
-            <a:r>
-              <a:rPr lang="en-US" dirty="0" smtClean="0"/>
-              <a:t>[</a:t>
-            </a:r>
-            <a:r>
-              <a:rPr lang="en-US" dirty="0" err="1" smtClean="0"/>
-              <a:t>seq</a:t>
-            </a:r>
-            <a:r>
-              <a:rPr lang="en-US" dirty="0" smtClean="0"/>
-              <a:t>]</a:t>
-            </a:r>
-            <a:endParaRPr lang="en-US" dirty="0" smtClean="0">
-              <a:solidFill>
-                <a:srgbClr val="0000FF"/>
-              </a:solidFill>
-            </a:endParaRPr>
-          </a:p>
-        </p:txBody>
-      </p:sp>
-      <p:graphicFrame>
-        <p:nvGraphicFramePr>
-          <p:cNvPr id="8" name="Object 7"/>
-          <p:cNvGraphicFramePr>
-            <a:graphicFrameLocks noChangeAspect="1"/>
-          </p:cNvGraphicFramePr>
-          <p:nvPr/>
-        </p:nvGraphicFramePr>
-        <p:xfrm>
-          <a:off x="2432535" y="3818125"/>
-          <a:ext cx="4184040" cy="2473257"/>
-        </p:xfrm>
-        <a:graphic>
-          <a:graphicData uri="http://schemas.openxmlformats.org/presentationml/2006/ole">
-            <mc:AlternateContent xmlns:mc="http://schemas.openxmlformats.org/markup-compatibility/2006">
-              <mc:Choice xmlns:v="urn:schemas-microsoft-com:vml" Requires="v">
-                <p:oleObj spid="_x0000_s122920" name="Equation" r:id="rId4" imgW="901700" imgH="533400" progId="Equation.DSMT4">
-                  <p:embed/>
-                </p:oleObj>
-              </mc:Choice>
-              <mc:Fallback>
-                <p:oleObj name="Equation" r:id="rId4" imgW="901700" imgH="533400" progId="Equation.DSMT4">
-                  <p:embed/>
-                  <p:pic>
-                    <p:nvPicPr>
-                      <p:cNvPr id="0" name="Picture 2"/>
-                      <p:cNvPicPr>
-                        <a:picLocks noChangeAspect="1" noChangeArrowheads="1"/>
-                      </p:cNvPicPr>
-                      <p:nvPr/>
-                    </p:nvPicPr>
-                    <p:blipFill>
-                      <a:blip r:embed="rId5">
-                        <a:extLst>
-                          <a:ext uri="{28A0092B-C50C-407E-A947-70E740481C1C}">
-                            <a14:useLocalDpi xmlns:a14="http://schemas.microsoft.com/office/drawing/2010/main" val="0"/>
-                          </a:ext>
-                        </a:extLst>
-                      </a:blip>
-                      <a:srcRect/>
-                      <a:stretch>
-                        <a:fillRect/>
-                      </a:stretch>
-                    </p:blipFill>
-                    <p:spPr bwMode="auto">
-                      <a:xfrm>
-                        <a:off x="2432535" y="3818125"/>
-                        <a:ext cx="4184040" cy="2473257"/>
-                      </a:xfrm>
-                      <a:prstGeom prst="rect">
-                        <a:avLst/>
-                      </a:prstGeom>
-                      <a:noFill/>
-                      <a:extLst>
-                        <a:ext uri="{909E8E84-426E-40dd-AFC4-6F175D3DCCD1}">
-                          <a14:hiddenFill xmlns:a14="http://schemas.microsoft.com/office/drawing/2010/main">
-                            <a:solidFill>
-                              <a:srgbClr val="FFFFFF"/>
-                            </a:solidFill>
-                          </a14:hiddenFill>
-                        </a:ext>
-                      </a:extLst>
-                    </p:spPr>
-                  </p:pic>
-                </p:oleObj>
-              </mc:Fallback>
-            </mc:AlternateContent>
-          </a:graphicData>
-        </a:graphic>
-      </p:graphicFrame>
-    </p:spTree>
-  </p:cSld>
-  <p:clrMapOvr>
-    <a:masterClrMapping/>
-  </p:clrMapOvr>
-  <mc:AlternateContent xmlns:mc="http://schemas.openxmlformats.org/markup-compatibility/2006" xmlns:p14="http://schemas.microsoft.com/office/powerpoint/2010/main">
-    <mc:Choice Requires="p14">
-      <p:transition spd="slow" p14:dur="900" advClick="0">
-        <p:fade/>
-      </p:transition>
-    </mc:Choice>
-    <mc:Fallback xmlns="">
-      <p:transition xmlns:p14="http://schemas.microsoft.com/office/powerpoint/2010/main" spd="slow" advClick="0">
-        <p:fade/>
-      </p:transition>
-    </mc:Fallback>
-  </mc:AlternateContent>
-  <p:timing>
-    <p:tnLst>
-      <p:par>
-        <p:cTn xmlns:p14="http://schemas.microsoft.com/office/powerpoint/2010/main" id="1" dur="indefinite" restart="never" nodeType="tmRoot">
-          <p:childTnLst>
-            <p:seq concurrent="1" nextAc="seek">
-              <p:cTn id="2" dur="indefinite" nodeType="mainSeq">
-                <p:childTnLst>
-                  <p:par>
-                    <p:cTn id="3" fill="hold">
-                      <p:stCondLst>
-                        <p:cond delay="indefinite"/>
-                      </p:stCondLst>
-                      <p:childTnLst>
-                        <p:par>
-                          <p:cTn id="4" fill="hold">
-                            <p:stCondLst>
-                              <p:cond delay="0"/>
-                            </p:stCondLst>
-                            <p:childTnLst>
-                              <p:par>
-                                <p:cTn id="5" presetID="22" presetClass="entr" presetSubtype="8" fill="hold" nodeType="clickEffect">
-                                  <p:stCondLst>
-                                    <p:cond delay="0"/>
-                                  </p:stCondLst>
-                                  <p:childTnLst>
-                                    <p:set>
-                                      <p:cBhvr>
-                                        <p:cTn id="6" dur="1" fill="hold">
-                                          <p:stCondLst>
-                                            <p:cond delay="0"/>
-                                          </p:stCondLst>
-                                        </p:cTn>
-                                        <p:tgtEl>
-                                          <p:spTgt spid="8"/>
-                                        </p:tgtEl>
-                                        <p:attrNameLst>
-                                          <p:attrName>style.visibility</p:attrName>
-                                        </p:attrNameLst>
-                                      </p:cBhvr>
-                                      <p:to>
-                                        <p:strVal val="visible"/>
-                                      </p:to>
-                                    </p:set>
-                                    <p:animEffect transition="in" filter="wipe(left)">
-                                      <p:cBhvr>
-                                        <p:cTn id="7" dur="1000"/>
-                                        <p:tgtEl>
-                                          <p:spTgt spid="8"/>
-                                        </p:tgtEl>
-                                      </p:cBhvr>
-                                    </p:animEffect>
-                                  </p:childTnLst>
-                                </p:cTn>
-                              </p:par>
-                            </p:childTnLst>
-                          </p:cTn>
-                        </p:par>
-                      </p:childTnLst>
-                    </p:cTn>
-                  </p:par>
-                </p:childTnLst>
-              </p:cTn>
-              <p:prevCondLst>
-                <p:cond evt="onPrev" delay="0">
-                  <p:tgtEl>
-                    <p:sldTgt/>
-                  </p:tgtEl>
-                </p:cond>
-              </p:prevCondLst>
-              <p:nextCondLst>
-                <p:cond evt="onNext" delay="0">
-                  <p:tgtEl>
-                    <p:sldTgt/>
-                  </p:tgtEl>
-                </p:cond>
-              </p:nextCondLst>
-            </p:seq>
-          </p:childTnLst>
-        </p:cTn>
-      </p:par>
-    </p:tnLst>
-  </p:timing>
-</p:sld>
-</file>
-
-<file path=ppt/slides/slide7.xml><?xml version="1.0" encoding="utf-8"?>
-<p:sld xmlns:a="http://schemas.openxmlformats.org/drawingml/2006/main" xmlns:r="http://schemas.openxmlformats.org/officeDocument/2006/relationships" xmlns:p="http://schemas.openxmlformats.org/presentationml/2006/main">
-  <p:cSld>
-    <p:spTree>
-      <p:nvGrpSpPr>
-        <p:cNvPr id="1" name=""/>
-        <p:cNvGrpSpPr/>
-        <p:nvPr/>
-      </p:nvGrpSpPr>
-      <p:grpSpPr>
-        <a:xfrm>
-          <a:off x="0" y="0"/>
-          <a:ext cx="0" cy="0"/>
-          <a:chOff x="0" y="0"/>
-          <a:chExt cx="0" cy="0"/>
-        </a:xfrm>
-      </p:grpSpPr>
-      <p:sp>
-        <p:nvSpPr>
-          <p:cNvPr id="6" name="Slide Number Placeholder 3"/>
-          <p:cNvSpPr>
-            <a:spLocks noGrp="1"/>
-          </p:cNvSpPr>
-          <p:nvPr>
-            <p:ph type="sldNum" sz="quarter" idx="11"/>
-          </p:nvPr>
-        </p:nvSpPr>
-        <p:spPr/>
-        <p:txBody>
-          <a:bodyPr/>
-          <a:lstStyle/>
-          <a:p>
-            <a:pPr>
-              <a:defRPr/>
-            </a:pPr>
-            <a:r>
-              <a:rPr lang="en-US" dirty="0" err="1" smtClean="0"/>
-              <a:t>binom</a:t>
-            </a:r>
-            <a:r>
-              <a:rPr lang="en-US" dirty="0" smtClean="0"/>
-              <a:t>-uniform.</a:t>
-            </a:r>
-            <a:fld id="{DEDCF3E0-95E5-4B40-9A75-5FDE935C9264}" type="slidenum">
-              <a:rPr lang="en-US" smtClean="0"/>
-              <a:pPr>
-                <a:defRPr/>
-              </a:pPr>
-              <a:t>7</a:t>
-            </a:fld>
-            <a:endParaRPr lang="en-US" dirty="0"/>
-          </a:p>
-        </p:txBody>
-      </p:sp>
-      <p:sp>
-        <p:nvSpPr>
-          <p:cNvPr id="41987" name="Rectangle 2"/>
-          <p:cNvSpPr>
-            <a:spLocks noGrp="1" noChangeArrowheads="1"/>
-          </p:cNvSpPr>
-          <p:nvPr>
-            <p:ph type="title" idx="4294967295"/>
-          </p:nvPr>
-        </p:nvSpPr>
-        <p:spPr/>
-        <p:txBody>
-          <a:bodyPr/>
-          <a:lstStyle/>
-          <a:p>
-            <a:pPr eaLnBrk="1" hangingPunct="1"/>
-            <a:r>
-              <a:rPr lang="en-US" dirty="0" smtClean="0"/>
-              <a:t>Binomial Random Variable</a:t>
-            </a:r>
-          </a:p>
-        </p:txBody>
-      </p:sp>
-      <p:sp>
-        <p:nvSpPr>
-          <p:cNvPr id="157699" name="Rectangle 3"/>
-          <p:cNvSpPr>
-            <a:spLocks noGrp="1" noChangeArrowheads="1"/>
-          </p:cNvSpPr>
-          <p:nvPr>
-            <p:ph idx="4294967295"/>
-          </p:nvPr>
-        </p:nvSpPr>
-        <p:spPr>
-          <a:xfrm>
-            <a:off x="137588" y="986691"/>
-            <a:ext cx="9006412" cy="5607539"/>
-          </a:xfrm>
-        </p:spPr>
-        <p:txBody>
-          <a:bodyPr/>
-          <a:lstStyle/>
-          <a:p>
-            <a:pPr eaLnBrk="1" hangingPunct="1"/>
-            <a:r>
-              <a:rPr lang="en-US" sz="3600" dirty="0" err="1" smtClean="0">
-                <a:solidFill>
-                  <a:srgbClr val="3333FF"/>
-                </a:solidFill>
-              </a:rPr>
-              <a:t>B</a:t>
-            </a:r>
-            <a:r>
-              <a:rPr lang="en-US" sz="3600" baseline="-25000" dirty="0" err="1" smtClean="0">
-                <a:solidFill>
-                  <a:srgbClr val="3333FF"/>
-                </a:solidFill>
-              </a:rPr>
-              <a:t>n,p</a:t>
-            </a:r>
-            <a:r>
-              <a:rPr lang="en-US" sz="3600" dirty="0" smtClean="0"/>
-              <a:t>::= # heads in </a:t>
-            </a:r>
-            <a:r>
-              <a:rPr lang="en-US" sz="3600" dirty="0" err="1" smtClean="0">
-                <a:solidFill>
-                  <a:srgbClr val="3333FF"/>
-                </a:solidFill>
-              </a:rPr>
-              <a:t>n</a:t>
-            </a:r>
-            <a:r>
-              <a:rPr lang="en-US" sz="3600" dirty="0" smtClean="0"/>
-              <a:t> </a:t>
-            </a:r>
-            <a:r>
-              <a:rPr lang="en-US" sz="3600" dirty="0" smtClean="0">
-                <a:solidFill>
-                  <a:srgbClr val="FF00FF"/>
-                </a:solidFill>
-              </a:rPr>
-              <a:t>mutually</a:t>
-            </a:r>
-            <a:r>
-              <a:rPr lang="en-US" sz="3600" dirty="0" smtClean="0"/>
-              <a:t> </a:t>
-            </a:r>
-            <a:r>
-              <a:rPr lang="en-US" sz="3600" dirty="0" err="1" smtClean="0"/>
-              <a:t>indep</a:t>
-            </a:r>
-            <a:r>
-              <a:rPr lang="en-US" sz="3600" dirty="0" smtClean="0"/>
-              <a:t> flips.</a:t>
-            </a:r>
-            <a:endParaRPr lang="en-US" sz="3600" baseline="-25000" dirty="0" smtClean="0">
-              <a:solidFill>
-                <a:srgbClr val="3333FF"/>
-              </a:solidFill>
-            </a:endParaRPr>
-          </a:p>
-          <a:p>
-            <a:pPr eaLnBrk="1" hangingPunct="1"/>
-            <a:r>
-              <a:rPr lang="en-US" sz="3600" dirty="0" smtClean="0"/>
-              <a:t>Coin may be biased.  So 2 parameters</a:t>
-            </a:r>
-          </a:p>
-          <a:p>
-            <a:pPr algn="ctr" eaLnBrk="1" hangingPunct="1"/>
-            <a:r>
-              <a:rPr lang="en-US" sz="3600" dirty="0" smtClean="0">
-                <a:solidFill>
-                  <a:srgbClr val="3333FF"/>
-                </a:solidFill>
-              </a:rPr>
-              <a:t>n</a:t>
-            </a:r>
-            <a:r>
-              <a:rPr lang="en-US" sz="3600" dirty="0" smtClean="0"/>
-              <a:t> ::= # flips,    </a:t>
-            </a:r>
-            <a:r>
-              <a:rPr lang="en-US" sz="3600" dirty="0" smtClean="0">
-                <a:solidFill>
-                  <a:srgbClr val="3333FF"/>
-                </a:solidFill>
-              </a:rPr>
-              <a:t>p</a:t>
-            </a:r>
-            <a:r>
-              <a:rPr lang="en-US" sz="3600" dirty="0" smtClean="0"/>
-              <a:t> ::=  </a:t>
-            </a:r>
-            <a:r>
-              <a:rPr lang="en-US" sz="3600" dirty="0" err="1" smtClean="0"/>
-              <a:t>Pr</a:t>
-            </a:r>
-            <a:r>
-              <a:rPr lang="en-US" sz="3600" dirty="0" smtClean="0"/>
-              <a:t>{head}</a:t>
-            </a:r>
-          </a:p>
-          <a:p>
-            <a:pPr eaLnBrk="1" hangingPunct="1"/>
-            <a:r>
-              <a:rPr lang="en-US" dirty="0" err="1" smtClean="0">
-                <a:solidFill>
-                  <a:srgbClr val="0000FF"/>
-                </a:solidFill>
-              </a:rPr>
-              <a:t>Pr</a:t>
-            </a:r>
-            <a:r>
-              <a:rPr lang="en-US" dirty="0" smtClean="0">
-                <a:solidFill>
-                  <a:srgbClr val="0000FF"/>
-                </a:solidFill>
-              </a:rPr>
-              <a:t>[</a:t>
-            </a:r>
-            <a:r>
-              <a:rPr lang="en-US" dirty="0" smtClean="0">
-                <a:solidFill>
-                  <a:srgbClr val="000000"/>
-                </a:solidFill>
-              </a:rPr>
-              <a:t>                        </a:t>
-            </a:r>
-            <a:r>
-              <a:rPr lang="en-US" baseline="-25000" dirty="0" smtClean="0">
-                <a:solidFill>
-                  <a:srgbClr val="000000"/>
-                </a:solidFill>
-              </a:rPr>
-              <a:t> </a:t>
-            </a:r>
-            <a:r>
-              <a:rPr lang="en-US" dirty="0" smtClean="0">
-                <a:solidFill>
-                  <a:srgbClr val="0000FF"/>
-                </a:solidFill>
-              </a:rPr>
-              <a:t>]</a:t>
-            </a:r>
-            <a:r>
-              <a:rPr lang="en-US" dirty="0" smtClean="0"/>
-              <a:t> </a:t>
-            </a:r>
-            <a:r>
-              <a:rPr lang="en-US" dirty="0" smtClean="0"/>
-              <a:t>= #</a:t>
-            </a:r>
-            <a:r>
-              <a:rPr lang="en-US" dirty="0" err="1" smtClean="0"/>
-              <a:t>seq’s⋅pr</a:t>
-            </a:r>
-            <a:r>
-              <a:rPr lang="en-US" dirty="0" smtClean="0"/>
-              <a:t>{</a:t>
-            </a:r>
-            <a:r>
-              <a:rPr lang="en-US" dirty="0" err="1" smtClean="0"/>
-              <a:t>seq</a:t>
-            </a:r>
-            <a:r>
-              <a:rPr lang="en-US" dirty="0" smtClean="0"/>
-              <a:t>}</a:t>
-            </a:r>
-            <a:endParaRPr lang="en-US" dirty="0" smtClean="0">
-              <a:solidFill>
-                <a:srgbClr val="0000FF"/>
-              </a:solidFill>
-            </a:endParaRPr>
-          </a:p>
-        </p:txBody>
-      </p:sp>
-      <p:pic>
-        <p:nvPicPr>
-          <p:cNvPr id="131074" name="Picture 2"/>
-          <p:cNvPicPr>
-            <a:picLocks noChangeAspect="1" noChangeArrowheads="1"/>
-          </p:cNvPicPr>
-          <p:nvPr/>
-        </p:nvPicPr>
-        <p:blipFill>
-          <a:blip r:embed="rId3"/>
-          <a:srcRect/>
-          <a:stretch>
-            <a:fillRect/>
-          </a:stretch>
-        </p:blipFill>
-        <p:spPr bwMode="auto">
-          <a:xfrm>
-            <a:off x="2452688" y="3817938"/>
-            <a:ext cx="4183062" cy="2473325"/>
-          </a:xfrm>
-          <a:prstGeom prst="rect">
-            <a:avLst/>
-          </a:prstGeom>
-          <a:noFill/>
-        </p:spPr>
-      </p:pic>
-      <p:pic>
-        <p:nvPicPr>
-          <p:cNvPr id="131075" name="Picture 3"/>
-          <p:cNvPicPr>
-            <a:picLocks noChangeAspect="1" noChangeArrowheads="1"/>
-          </p:cNvPicPr>
-          <p:nvPr/>
-        </p:nvPicPr>
-        <p:blipFill>
-          <a:blip r:embed="rId4"/>
-          <a:srcRect/>
-          <a:stretch>
-            <a:fillRect/>
-          </a:stretch>
-        </p:blipFill>
-        <p:spPr bwMode="auto">
-          <a:xfrm>
-            <a:off x="1471613" y="2594512"/>
-            <a:ext cx="2289175" cy="1527175"/>
-          </a:xfrm>
-          <a:prstGeom prst="rect">
-            <a:avLst/>
-          </a:prstGeom>
-          <a:noFill/>
-        </p:spPr>
-      </p:pic>
-    </p:spTree>
-  </p:cSld>
-  <p:clrMapOvr>
-    <a:masterClrMapping/>
-  </p:clrMapOvr>
-  <mc:AlternateContent xmlns:mc="http://schemas.openxmlformats.org/markup-compatibility/2006" xmlns:p14="http://schemas.microsoft.com/office/powerpoint/2010/main">
-    <mc:Choice Requires="p14">
-      <p:transition spd="slow" p14:dur="900" advClick="0">
-        <p:fade/>
-      </p:transition>
-    </mc:Choice>
-    <mc:Fallback xmlns="">
-      <p:transition xmlns:p14="http://schemas.microsoft.com/office/powerpoint/2010/main" spd="slow" advClick="0">
-        <p:fade/>
-      </p:transition>
-    </mc:Fallback>
-  </mc:AlternateContent>
-  <p:timing>
-    <p:tnLst>
-      <p:par>
-        <p:cTn xmlns:p14="http://schemas.microsoft.com/office/powerpoint/2010/main" id="1" dur="indefinite" restart="never" nodeType="tmRoot"/>
-      </p:par>
-    </p:tnLst>
-  </p:timing>
-</p:sld>
-</file>
-
-<file path=ppt/slides/slide8.xml><?xml version="1.0" encoding="utf-8"?>
-<p:sld xmlns:a="http://schemas.openxmlformats.org/drawingml/2006/main" xmlns:r="http://schemas.openxmlformats.org/officeDocument/2006/relationships" xmlns:p="http://schemas.openxmlformats.org/presentationml/2006/main">
-  <p:cSld>
-    <p:spTree>
-      <p:nvGrpSpPr>
-        <p:cNvPr id="1" name=""/>
-        <p:cNvGrpSpPr/>
-        <p:nvPr/>
-      </p:nvGrpSpPr>
-      <p:grpSpPr>
-        <a:xfrm>
-          <a:off x="0" y="0"/>
-          <a:ext cx="0" cy="0"/>
-          <a:chOff x="0" y="0"/>
-          <a:chExt cx="0" cy="0"/>
-        </a:xfrm>
-      </p:grpSpPr>
-      <p:sp>
-        <p:nvSpPr>
-          <p:cNvPr id="6" name="Slide Number Placeholder 3"/>
-          <p:cNvSpPr>
-            <a:spLocks noGrp="1"/>
-          </p:cNvSpPr>
-          <p:nvPr>
-            <p:ph type="sldNum" sz="quarter" idx="11"/>
-          </p:nvPr>
-        </p:nvSpPr>
-        <p:spPr/>
-        <p:txBody>
-          <a:bodyPr/>
-          <a:lstStyle/>
-          <a:p>
-            <a:pPr>
-              <a:defRPr/>
-            </a:pPr>
-            <a:r>
-              <a:rPr lang="en-US" dirty="0" err="1" smtClean="0"/>
-              <a:t>binom</a:t>
-            </a:r>
-            <a:r>
-              <a:rPr lang="en-US" dirty="0" smtClean="0"/>
-              <a:t>-uniform.</a:t>
-            </a:r>
-            <a:fld id="{96B43620-50E9-4AF8-A2CB-DB1E00EE695D}" type="slidenum">
-              <a:rPr lang="en-US" smtClean="0"/>
-              <a:pPr>
-                <a:defRPr/>
-              </a:pPr>
-              <a:t>8</a:t>
-            </a:fld>
-            <a:endParaRPr lang="en-US" dirty="0"/>
-          </a:p>
-        </p:txBody>
-      </p:sp>
-      <p:sp>
-        <p:nvSpPr>
-          <p:cNvPr id="38915" name="Rectangle 2"/>
-          <p:cNvSpPr>
-            <a:spLocks noGrp="1" noChangeArrowheads="1"/>
-          </p:cNvSpPr>
-          <p:nvPr>
-            <p:ph type="title" idx="4294967295"/>
-          </p:nvPr>
-        </p:nvSpPr>
-        <p:spPr/>
-        <p:txBody>
-          <a:bodyPr/>
-          <a:lstStyle/>
-          <a:p>
-            <a:pPr eaLnBrk="1" hangingPunct="1"/>
-            <a:r>
-              <a:rPr lang="en-US" smtClean="0"/>
-              <a:t>Density &amp; Distribution</a:t>
-            </a:r>
-          </a:p>
-        </p:txBody>
-      </p:sp>
-      <p:sp>
-        <p:nvSpPr>
-          <p:cNvPr id="152579" name="Rectangle 3"/>
-          <p:cNvSpPr>
-            <a:spLocks noGrp="1" noChangeArrowheads="1"/>
-          </p:cNvSpPr>
-          <p:nvPr>
-            <p:ph idx="4294967295"/>
-          </p:nvPr>
-        </p:nvSpPr>
-        <p:spPr>
-          <a:xfrm>
-            <a:off x="166073" y="986691"/>
-            <a:ext cx="8841154" cy="3847625"/>
-          </a:xfrm>
-        </p:spPr>
-        <p:txBody>
-          <a:bodyPr/>
-          <a:lstStyle/>
-          <a:p>
-            <a:pPr eaLnBrk="1" hangingPunct="1"/>
-            <a:r>
-              <a:rPr lang="en-US" sz="4800" dirty="0" smtClean="0">
-                <a:solidFill>
-                  <a:srgbClr val="9B2894"/>
-                </a:solidFill>
-              </a:rPr>
-              <a:t>Probability Density Function</a:t>
-            </a:r>
-          </a:p>
-          <a:p>
-            <a:pPr eaLnBrk="1" hangingPunct="1"/>
-            <a:r>
-              <a:rPr lang="en-US" sz="4800" dirty="0" smtClean="0"/>
-              <a:t>of random variable </a:t>
-            </a:r>
-            <a:r>
-              <a:rPr lang="en-US" sz="4800" dirty="0" smtClean="0">
-                <a:solidFill>
-                  <a:srgbClr val="3333FF"/>
-                </a:solidFill>
-              </a:rPr>
-              <a:t>R</a:t>
-            </a:r>
-            <a:r>
-              <a:rPr lang="en-US" sz="4800" dirty="0" smtClean="0"/>
-              <a:t>, </a:t>
-            </a:r>
-          </a:p>
-          <a:p>
-            <a:pPr algn="ctr" eaLnBrk="1" hangingPunct="1"/>
-            <a:r>
-              <a:rPr lang="en-US" sz="5400" dirty="0" smtClean="0">
-                <a:solidFill>
-                  <a:srgbClr val="9B2894"/>
-                </a:solidFill>
-              </a:rPr>
-              <a:t>PDF</a:t>
-            </a:r>
-            <a:r>
-              <a:rPr lang="en-US" sz="5400" baseline="-25000" dirty="0" smtClean="0">
-                <a:solidFill>
-                  <a:srgbClr val="3333FF"/>
-                </a:solidFill>
-              </a:rPr>
-              <a:t>R</a:t>
-            </a:r>
-            <a:r>
-              <a:rPr lang="en-US" sz="5400" dirty="0" smtClean="0"/>
-              <a:t>(</a:t>
-            </a:r>
-            <a:r>
-              <a:rPr lang="en-US" sz="5400" dirty="0" smtClean="0">
-                <a:solidFill>
-                  <a:srgbClr val="3333FF"/>
-                </a:solidFill>
-              </a:rPr>
-              <a:t>a</a:t>
-            </a:r>
-            <a:r>
-              <a:rPr lang="en-US" sz="5400" dirty="0" smtClean="0"/>
-              <a:t>)</a:t>
-            </a:r>
-            <a:r>
-              <a:rPr lang="en-US" sz="5400" baseline="-25000" dirty="0" smtClean="0"/>
-              <a:t>  </a:t>
-            </a:r>
-            <a:r>
-              <a:rPr lang="en-US" sz="5400" dirty="0" smtClean="0"/>
-              <a:t>::= </a:t>
-            </a:r>
-            <a:r>
-              <a:rPr lang="en-US" sz="5400" dirty="0" err="1" smtClean="0"/>
-              <a:t>Pr</a:t>
-            </a:r>
-            <a:r>
-              <a:rPr lang="en-US" sz="5400" dirty="0" smtClean="0"/>
-              <a:t>[</a:t>
-            </a:r>
-            <a:r>
-              <a:rPr lang="en-US" sz="5400" dirty="0" smtClean="0">
-                <a:solidFill>
-                  <a:srgbClr val="3333FF"/>
-                </a:solidFill>
-              </a:rPr>
-              <a:t>R </a:t>
-            </a:r>
-            <a:r>
-              <a:rPr lang="en-US" sz="5400" dirty="0" smtClean="0"/>
-              <a:t>= </a:t>
-            </a:r>
-            <a:r>
-              <a:rPr lang="en-US" sz="5400" dirty="0" smtClean="0">
-                <a:solidFill>
-                  <a:srgbClr val="3333FF"/>
-                </a:solidFill>
-              </a:rPr>
-              <a:t>a</a:t>
-            </a:r>
-            <a:r>
-              <a:rPr lang="en-US" sz="5400" dirty="0" smtClean="0"/>
-              <a:t>]</a:t>
-            </a:r>
-            <a:endParaRPr lang="en-US" sz="5400" dirty="0" smtClean="0"/>
-          </a:p>
-          <a:p>
-            <a:pPr eaLnBrk="1" hangingPunct="1"/>
-            <a:r>
-              <a:rPr lang="en-US" sz="5400" dirty="0" smtClean="0"/>
-              <a:t>so</a:t>
-            </a:r>
-          </a:p>
-        </p:txBody>
-      </p:sp>
-      <p:graphicFrame>
-        <p:nvGraphicFramePr>
-          <p:cNvPr id="5" name="Object 4"/>
-          <p:cNvGraphicFramePr>
-            <a:graphicFrameLocks noChangeAspect="1"/>
-          </p:cNvGraphicFramePr>
-          <p:nvPr>
-            <p:extLst>
-              <p:ext uri="{D42A27DB-BD31-4B8C-83A1-F6EECF244321}">
-                <p14:modId xmlns:p14="http://schemas.microsoft.com/office/powerpoint/2010/main" val="3900551252"/>
-              </p:ext>
-            </p:extLst>
-          </p:nvPr>
-        </p:nvGraphicFramePr>
-        <p:xfrm>
-          <a:off x="1120775" y="3532188"/>
-          <a:ext cx="7510463" cy="2408237"/>
-        </p:xfrm>
-        <a:graphic>
-          <a:graphicData uri="http://schemas.openxmlformats.org/presentationml/2006/ole">
-            <mc:AlternateContent xmlns:mc="http://schemas.openxmlformats.org/markup-compatibility/2006">
-              <mc:Choice xmlns:v="urn:schemas-microsoft-com:vml" Requires="v">
-                <p:oleObj spid="_x0000_s104488" name="Equation" r:id="rId4" imgW="1663700" imgH="533400" progId="Equation.DSMT4">
-                  <p:embed/>
-                </p:oleObj>
-              </mc:Choice>
-              <mc:Fallback>
-                <p:oleObj name="Equation" r:id="rId4" imgW="1663700" imgH="533400" progId="Equation.DSMT4">
-                  <p:embed/>
-                  <p:pic>
-                    <p:nvPicPr>
-                      <p:cNvPr id="0" name="Picture 2"/>
-                      <p:cNvPicPr>
-                        <a:picLocks noChangeAspect="1" noChangeArrowheads="1"/>
-                      </p:cNvPicPr>
-                      <p:nvPr/>
-                    </p:nvPicPr>
-                    <p:blipFill>
-                      <a:blip r:embed="rId5"/>
-                      <a:srcRect/>
-                      <a:stretch>
-                        <a:fillRect/>
-                      </a:stretch>
-                    </p:blipFill>
-                    <p:spPr bwMode="auto">
-                      <a:xfrm>
-                        <a:off x="1120775" y="3532188"/>
-                        <a:ext cx="7510463" cy="2408237"/>
-                      </a:xfrm>
-                      <a:prstGeom prst="rect">
-                        <a:avLst/>
-                      </a:prstGeom>
-                      <a:noFill/>
-                      <a:extLst>
-                        <a:ext uri="{909E8E84-426E-40dd-AFC4-6F175D3DCCD1}">
-                          <a14:hiddenFill xmlns:a14="http://schemas.microsoft.com/office/drawing/2010/main">
-                            <a:solidFill>
-                              <a:srgbClr val="FFFFFF"/>
-                            </a:solidFill>
-                          </a14:hiddenFill>
-                        </a:ext>
-                      </a:extLst>
-                    </p:spPr>
-                  </p:pic>
-                </p:oleObj>
-              </mc:Fallback>
-            </mc:AlternateContent>
-          </a:graphicData>
-        </a:graphic>
-      </p:graphicFrame>
-    </p:spTree>
-  </p:cSld>
-  <p:clrMapOvr>
-    <a:masterClrMapping/>
-  </p:clrMapOvr>
-  <p:transition xmlns:p14="http://schemas.microsoft.com/office/powerpoint/2010/main" spd="slow" advClick="0">
-    <p:fade thruBlk="1"/>
-  </p:transition>
-  <p:timing>
-    <p:tnLst>
-      <p:par>
-        <p:cTn xmlns:p14="http://schemas.microsoft.com/office/powerpoint/2010/main" id="1" dur="indefinite" restart="never" nodeType="tmRoot">
-          <p:childTnLst>
-            <p:seq concurrent="1" nextAc="seek">
-              <p:cTn id="2" dur="indefinite" nodeType="mainSeq">
-                <p:childTnLst>
-                  <p:par>
-                    <p:cTn id="3" fill="hold">
-                      <p:stCondLst>
-                        <p:cond delay="indefinite"/>
-                      </p:stCondLst>
-                      <p:childTnLst>
-                        <p:par>
-                          <p:cTn id="4" fill="hold">
-                            <p:stCondLst>
-                              <p:cond delay="0"/>
-                            </p:stCondLst>
-                            <p:childTnLst>
-                              <p:par>
-                                <p:cTn id="5" presetID="22" presetClass="entr" presetSubtype="8" fill="hold" grpId="0" nodeType="clickEffect">
-                                  <p:stCondLst>
-                                    <p:cond delay="0"/>
-                                  </p:stCondLst>
-                                  <p:childTnLst>
-                                    <p:set>
-                                      <p:cBhvr>
-                                        <p:cTn id="6" dur="1" fill="hold">
-                                          <p:stCondLst>
-                                            <p:cond delay="0"/>
-                                          </p:stCondLst>
-                                        </p:cTn>
-                                        <p:tgtEl>
-                                          <p:spTgt spid="152579">
-                                            <p:txEl>
-                                              <p:pRg st="2" end="2"/>
-                                            </p:txEl>
-                                          </p:spTgt>
-                                        </p:tgtEl>
-                                        <p:attrNameLst>
-                                          <p:attrName>style.visibility</p:attrName>
-                                        </p:attrNameLst>
-                                      </p:cBhvr>
-                                      <p:to>
-                                        <p:strVal val="visible"/>
-                                      </p:to>
-                                    </p:set>
-                                    <p:animEffect transition="in" filter="wipe(left)">
-                                      <p:cBhvr>
-                                        <p:cTn id="7" dur="1000"/>
-                                        <p:tgtEl>
-                                          <p:spTgt spid="152579">
-                                            <p:txEl>
-                                              <p:pRg st="2" end="2"/>
-                                            </p:txEl>
-                                          </p:spTgt>
-                                        </p:tgtEl>
-                                      </p:cBhvr>
-                                    </p:animEffect>
-                                  </p:childTnLst>
-                                </p:cTn>
-                              </p:par>
-                            </p:childTnLst>
-                          </p:cTn>
-                        </p:par>
-                      </p:childTnLst>
-                    </p:cTn>
-                  </p:par>
-                  <p:par>
-                    <p:cTn id="8" fill="hold">
-                      <p:stCondLst>
-                        <p:cond delay="indefinite"/>
-                      </p:stCondLst>
-                      <p:childTnLst>
-                        <p:par>
-                          <p:cTn id="9" fill="hold">
-                            <p:stCondLst>
-                              <p:cond delay="0"/>
-                            </p:stCondLst>
-                            <p:childTnLst>
-                              <p:par>
-                                <p:cTn id="10" presetID="10" presetClass="entr" presetSubtype="0" fill="hold" grpId="0" nodeType="clickEffect">
-                                  <p:stCondLst>
-                                    <p:cond delay="0"/>
-                                  </p:stCondLst>
-                                  <p:childTnLst>
-                                    <p:set>
-                                      <p:cBhvr>
-                                        <p:cTn id="11" dur="1" fill="hold">
-                                          <p:stCondLst>
-                                            <p:cond delay="0"/>
-                                          </p:stCondLst>
-                                        </p:cTn>
-                                        <p:tgtEl>
-                                          <p:spTgt spid="152579">
-                                            <p:txEl>
-                                              <p:pRg st="3" end="3"/>
-                                            </p:txEl>
-                                          </p:spTgt>
-                                        </p:tgtEl>
-                                        <p:attrNameLst>
-                                          <p:attrName>style.visibility</p:attrName>
-                                        </p:attrNameLst>
-                                      </p:cBhvr>
-                                      <p:to>
-                                        <p:strVal val="visible"/>
-                                      </p:to>
-                                    </p:set>
-                                    <p:animEffect transition="in" filter="fade">
-                                      <p:cBhvr>
-                                        <p:cTn id="12" dur="500"/>
-                                        <p:tgtEl>
-                                          <p:spTgt spid="152579">
-                                            <p:txEl>
-                                              <p:pRg st="3" end="3"/>
-                                            </p:txEl>
-                                          </p:spTgt>
-                                        </p:tgtEl>
-                                      </p:cBhvr>
-                                    </p:animEffect>
-                                  </p:childTnLst>
-                                </p:cTn>
-                              </p:par>
-                            </p:childTnLst>
-                          </p:cTn>
-                        </p:par>
-                        <p:par>
-                          <p:cTn id="13" fill="hold">
-                            <p:stCondLst>
-                              <p:cond delay="500"/>
-                            </p:stCondLst>
-                            <p:childTnLst>
-                              <p:par>
-                                <p:cTn id="14" presetID="22" presetClass="entr" presetSubtype="8" fill="hold" nodeType="afterEffect">
-                                  <p:stCondLst>
-                                    <p:cond delay="0"/>
-                                  </p:stCondLst>
-                                  <p:childTnLst>
-                                    <p:set>
-                                      <p:cBhvr>
-                                        <p:cTn id="15" dur="1" fill="hold">
-                                          <p:stCondLst>
-                                            <p:cond delay="0"/>
-                                          </p:stCondLst>
-                                        </p:cTn>
-                                        <p:tgtEl>
-                                          <p:spTgt spid="5"/>
-                                        </p:tgtEl>
-                                        <p:attrNameLst>
-                                          <p:attrName>style.visibility</p:attrName>
-                                        </p:attrNameLst>
-                                      </p:cBhvr>
-                                      <p:to>
-                                        <p:strVal val="visible"/>
-                                      </p:to>
-                                    </p:set>
-                                    <p:animEffect transition="in" filter="wipe(left)">
-                                      <p:cBhvr>
-                                        <p:cTn id="16" dur="1000"/>
-                                        <p:tgtEl>
-                                          <p:spTgt spid="5"/>
-                                        </p:tgtEl>
-                                      </p:cBhvr>
-                                    </p:animEffect>
-                                  </p:childTnLst>
-                                </p:cTn>
-                              </p:par>
-                            </p:childTnLst>
-                          </p:cTn>
-                        </p:par>
-                      </p:childTnLst>
-                    </p:cTn>
-                  </p:par>
-                </p:childTnLst>
-              </p:cTn>
-              <p:prevCondLst>
-                <p:cond evt="onPrev" delay="0">
-                  <p:tgtEl>
-                    <p:sldTgt/>
-                  </p:tgtEl>
-                </p:cond>
-              </p:prevCondLst>
-              <p:nextCondLst>
-                <p:cond evt="onNext" delay="0">
-                  <p:tgtEl>
-                    <p:sldTgt/>
-                  </p:tgtEl>
-                </p:cond>
-              </p:nextCondLst>
-            </p:seq>
-          </p:childTnLst>
-        </p:cTn>
-      </p:par>
-    </p:tnLst>
-    <p:bldLst>
-      <p:bldP spid="152579" grpId="0" build="p"/>
-    </p:bldLst>
-  </p:timing>
-</p:sld>
-</file>
-
-<file path=ppt/slides/slide9.xml><?xml version="1.0" encoding="utf-8"?>
-<p:sld xmlns:a="http://schemas.openxmlformats.org/drawingml/2006/main" xmlns:r="http://schemas.openxmlformats.org/officeDocument/2006/relationships" xmlns:p="http://schemas.openxmlformats.org/presentationml/2006/main">
-  <p:cSld>
-    <p:spTree>
-      <p:nvGrpSpPr>
-        <p:cNvPr id="1" name=""/>
-        <p:cNvGrpSpPr/>
-        <p:nvPr/>
-      </p:nvGrpSpPr>
-      <p:grpSpPr>
-        <a:xfrm>
-          <a:off x="0" y="0"/>
-          <a:ext cx="0" cy="0"/>
-          <a:chOff x="0" y="0"/>
-          <a:chExt cx="0" cy="0"/>
-        </a:xfrm>
-      </p:grpSpPr>
-      <p:sp>
-        <p:nvSpPr>
-          <p:cNvPr id="6" name="Slide Number Placeholder 3"/>
-          <p:cNvSpPr>
-            <a:spLocks noGrp="1"/>
-          </p:cNvSpPr>
-          <p:nvPr>
-            <p:ph type="sldNum" sz="quarter" idx="11"/>
-          </p:nvPr>
-        </p:nvSpPr>
-        <p:spPr>
-          <a:xfrm>
-            <a:off x="7580313" y="6568894"/>
-            <a:ext cx="1527175" cy="244475"/>
-          </a:xfrm>
-        </p:spPr>
-        <p:txBody>
-          <a:bodyPr/>
-          <a:lstStyle/>
-          <a:p>
-            <a:pPr>
-              <a:defRPr/>
-            </a:pPr>
-            <a:r>
-              <a:rPr lang="en-US" dirty="0" err="1" smtClean="0"/>
-              <a:t>binom</a:t>
-            </a:r>
-            <a:r>
-              <a:rPr lang="en-US" dirty="0" smtClean="0"/>
-              <a:t>-uniform.</a:t>
-            </a:r>
-            <a:fld id="{96B43620-50E9-4AF8-A2CB-DB1E00EE695D}" type="slidenum">
-              <a:rPr lang="en-US" smtClean="0"/>
-              <a:pPr>
-                <a:defRPr/>
-              </a:pPr>
-              <a:t>9</a:t>
-            </a:fld>
-            <a:endParaRPr lang="en-US" dirty="0"/>
-          </a:p>
-        </p:txBody>
-      </p:sp>
-      <p:sp>
-        <p:nvSpPr>
-          <p:cNvPr id="38915" name="Rectangle 2"/>
-          <p:cNvSpPr>
-            <a:spLocks noGrp="1" noChangeArrowheads="1"/>
-          </p:cNvSpPr>
-          <p:nvPr>
-            <p:ph type="title" idx="4294967295"/>
-          </p:nvPr>
-        </p:nvSpPr>
-        <p:spPr/>
-        <p:txBody>
-          <a:bodyPr/>
-          <a:lstStyle/>
-          <a:p>
-            <a:pPr eaLnBrk="1" hangingPunct="1"/>
-            <a:r>
-              <a:rPr lang="en-US" smtClean="0"/>
-              <a:t>Density &amp; Distribution</a:t>
-            </a:r>
-          </a:p>
-        </p:txBody>
-      </p:sp>
-      <p:sp>
-        <p:nvSpPr>
-          <p:cNvPr id="152579" name="Rectangle 3"/>
-          <p:cNvSpPr>
-            <a:spLocks noGrp="1" noChangeArrowheads="1"/>
-          </p:cNvSpPr>
-          <p:nvPr>
-            <p:ph idx="4294967295"/>
-          </p:nvPr>
-        </p:nvSpPr>
-        <p:spPr>
-          <a:xfrm>
-            <a:off x="166073" y="986691"/>
-            <a:ext cx="8896284" cy="5172809"/>
-          </a:xfrm>
-        </p:spPr>
-        <p:txBody>
-          <a:bodyPr/>
-          <a:lstStyle/>
-          <a:p>
-            <a:pPr eaLnBrk="1" hangingPunct="1"/>
-            <a:r>
-              <a:rPr lang="en-US" sz="4800" dirty="0" smtClean="0">
-                <a:solidFill>
-                  <a:srgbClr val="9B2894"/>
-                </a:solidFill>
-              </a:rPr>
-              <a:t>Probability Density Function</a:t>
-            </a:r>
-          </a:p>
-          <a:p>
-            <a:pPr eaLnBrk="1" hangingPunct="1"/>
-            <a:r>
-              <a:rPr lang="en-US" sz="4800" dirty="0" smtClean="0"/>
-              <a:t>of random variable </a:t>
-            </a:r>
-            <a:r>
-              <a:rPr lang="en-US" sz="4800" dirty="0" smtClean="0">
-                <a:solidFill>
-                  <a:srgbClr val="3333FF"/>
-                </a:solidFill>
-              </a:rPr>
-              <a:t>R</a:t>
-            </a:r>
-            <a:r>
-              <a:rPr lang="en-US" sz="4800" dirty="0" smtClean="0"/>
-              <a:t>, </a:t>
-            </a:r>
-          </a:p>
-          <a:p>
-            <a:pPr algn="ctr" eaLnBrk="1" hangingPunct="1"/>
-            <a:r>
-              <a:rPr lang="en-US" sz="5400" dirty="0" smtClean="0">
-                <a:solidFill>
-                  <a:srgbClr val="9B2894"/>
-                </a:solidFill>
-              </a:rPr>
-              <a:t>PDF</a:t>
-            </a:r>
-            <a:r>
-              <a:rPr lang="en-US" sz="5400" baseline="-25000" dirty="0" smtClean="0">
-                <a:solidFill>
-                  <a:srgbClr val="3333FF"/>
-                </a:solidFill>
-              </a:rPr>
-              <a:t>R</a:t>
-            </a:r>
-            <a:r>
-              <a:rPr lang="en-US" sz="5400" dirty="0" smtClean="0"/>
-              <a:t>(</a:t>
-            </a:r>
-            <a:r>
-              <a:rPr lang="en-US" sz="5400" dirty="0" smtClean="0">
-                <a:solidFill>
-                  <a:srgbClr val="3333FF"/>
-                </a:solidFill>
-              </a:rPr>
-              <a:t>a</a:t>
-            </a:r>
-            <a:r>
-              <a:rPr lang="en-US" sz="5400" dirty="0" smtClean="0"/>
-              <a:t>)</a:t>
-            </a:r>
-            <a:r>
-              <a:rPr lang="en-US" sz="5400" baseline="-25000" dirty="0" smtClean="0"/>
-              <a:t>  </a:t>
-            </a:r>
-            <a:r>
-              <a:rPr lang="en-US" sz="5400" dirty="0" smtClean="0"/>
-              <a:t>::= </a:t>
-            </a:r>
-            <a:r>
-              <a:rPr lang="en-US" sz="5400" dirty="0" err="1" smtClean="0"/>
-              <a:t>Pr</a:t>
-            </a:r>
-            <a:r>
-              <a:rPr lang="en-US" sz="5400" dirty="0" smtClean="0"/>
-              <a:t>[</a:t>
-            </a:r>
-            <a:r>
-              <a:rPr lang="en-US" sz="5400" dirty="0" smtClean="0">
-                <a:solidFill>
-                  <a:srgbClr val="3333FF"/>
-                </a:solidFill>
-              </a:rPr>
-              <a:t>R </a:t>
-            </a:r>
-            <a:r>
-              <a:rPr lang="en-US" sz="5400" dirty="0" smtClean="0"/>
-              <a:t>= </a:t>
-            </a:r>
-            <a:r>
-              <a:rPr lang="en-US" sz="5400" dirty="0" smtClean="0">
-                <a:solidFill>
-                  <a:srgbClr val="3333FF"/>
-                </a:solidFill>
-              </a:rPr>
-              <a:t>a</a:t>
-            </a:r>
-            <a:r>
-              <a:rPr lang="en-US" sz="5400" dirty="0" smtClean="0"/>
-              <a:t>]</a:t>
-            </a:r>
-            <a:endParaRPr lang="en-US" sz="5400" dirty="0" smtClean="0"/>
-          </a:p>
-          <a:p>
-            <a:pPr eaLnBrk="1" hangingPunct="1"/>
-            <a:r>
-              <a:rPr lang="en-US" sz="5400" dirty="0" smtClean="0">
-                <a:solidFill>
-                  <a:srgbClr val="9B2894"/>
-                </a:solidFill>
-              </a:rPr>
-              <a:t>Cumulative Distribution</a:t>
-            </a:r>
-          </a:p>
-          <a:p>
-            <a:pPr algn="ctr" eaLnBrk="1" hangingPunct="1"/>
-            <a:r>
-              <a:rPr lang="en-US" sz="5400" dirty="0">
-                <a:solidFill>
-                  <a:srgbClr val="9B2894"/>
-                </a:solidFill>
-              </a:rPr>
-              <a:t>CDF</a:t>
-            </a:r>
-            <a:r>
-              <a:rPr lang="en-US" sz="5400" baseline="-25000" dirty="0">
-                <a:solidFill>
-                  <a:srgbClr val="3333FF"/>
-                </a:solidFill>
-              </a:rPr>
-              <a:t>R</a:t>
-            </a:r>
-            <a:r>
-              <a:rPr lang="en-US" sz="5400" dirty="0"/>
-              <a:t>(</a:t>
-            </a:r>
-            <a:r>
-              <a:rPr lang="en-US" sz="5400" dirty="0">
-                <a:solidFill>
-                  <a:srgbClr val="3333FF"/>
-                </a:solidFill>
-              </a:rPr>
-              <a:t>a</a:t>
-            </a:r>
-            <a:r>
-              <a:rPr lang="en-US" sz="5400" dirty="0"/>
-              <a:t>)</a:t>
-            </a:r>
-            <a:r>
-              <a:rPr lang="en-US" sz="5400" baseline="-25000" dirty="0"/>
-              <a:t> </a:t>
-            </a:r>
-            <a:r>
-              <a:rPr lang="en-US" sz="5400" b="1" dirty="0">
-                <a:latin typeface="Euclid Symbol" charset="2"/>
-                <a:cs typeface="Euclid Symbol" charset="2"/>
-              </a:rPr>
-              <a:t>::=</a:t>
-            </a:r>
-            <a:r>
-              <a:rPr lang="en-US" sz="5400" dirty="0"/>
-              <a:t> </a:t>
-            </a:r>
-            <a:r>
-              <a:rPr lang="en-US" sz="5400" dirty="0" err="1" smtClean="0"/>
-              <a:t>Pr</a:t>
-            </a:r>
-            <a:r>
-              <a:rPr lang="en-US" sz="5400" dirty="0" smtClean="0"/>
-              <a:t>[</a:t>
-            </a:r>
-            <a:r>
-              <a:rPr lang="en-US" sz="5400" dirty="0" smtClean="0">
-                <a:solidFill>
-                  <a:srgbClr val="3333FF"/>
-                </a:solidFill>
-              </a:rPr>
-              <a:t>R</a:t>
-            </a:r>
-            <a:r>
-              <a:rPr lang="en-US" sz="5400" dirty="0" smtClean="0"/>
-              <a:t> </a:t>
-            </a:r>
-            <a:r>
-              <a:rPr lang="en-US" sz="5400" b="1" dirty="0">
-                <a:latin typeface="Euclid Symbol" charset="2"/>
-                <a:cs typeface="Euclid Symbol" charset="2"/>
-                <a:sym typeface="Euclid Symbol" pitchFamily="18" charset="2"/>
-              </a:rPr>
-              <a:t>≤</a:t>
-            </a:r>
-            <a:r>
-              <a:rPr lang="en-US" sz="5400" dirty="0"/>
-              <a:t> </a:t>
-            </a:r>
-            <a:r>
-              <a:rPr lang="en-US" sz="5400" dirty="0" smtClean="0">
-                <a:solidFill>
-                  <a:srgbClr val="3333FF"/>
-                </a:solidFill>
-              </a:rPr>
-              <a:t>a</a:t>
-            </a:r>
-            <a:r>
-              <a:rPr lang="en-US" sz="5400" dirty="0" smtClean="0"/>
-              <a:t>]</a:t>
-            </a:r>
-            <a:endParaRPr lang="en-US" sz="5400" dirty="0">
-              <a:solidFill>
-                <a:srgbClr val="9B2894"/>
-              </a:solidFill>
-            </a:endParaRPr>
-          </a:p>
-        </p:txBody>
-      </p:sp>
-    </p:spTree>
-    <p:extLst>
-      <p:ext uri="{BB962C8B-B14F-4D97-AF65-F5344CB8AC3E}">
-        <p14:creationId xmlns:p14="http://schemas.microsoft.com/office/powerpoint/2010/main" val="570934241"/>
-      </p:ext>
-    </p:extLst>
-  </p:cSld>
-  <p:clrMapOvr>
-    <a:masterClrMapping/>
-  </p:clrMapOvr>
-  <mc:AlternateContent xmlns:mc="http://schemas.openxmlformats.org/markup-compatibility/2006" xmlns:p14="http://schemas.microsoft.com/office/powerpoint/2010/main">
-    <mc:Choice Requires="p14">
-      <p:transition spd="med" p14:dur="700" advClick="0">
-        <p:fade/>
-      </p:transition>
-    </mc:Choice>
-    <mc:Fallback xmlns="">
-      <p:transition xmlns:p14="http://schemas.microsoft.com/office/powerpoint/2010/main" spd="med" advClick="0">
-        <p:fade/>
-      </p:transition>
-    </mc:Fallback>
-  </mc:AlternateContent>
-  <p:timing>
-    <p:tnLst>
-      <p:par>
-        <p:cTn xmlns:p14="http://schemas.microsoft.com/office/powerpoint/2010/main" id="1" dur="indefinite" restart="never" nodeType="tmRoot">
-          <p:childTnLst>
-            <p:seq concurrent="1" nextAc="seek">
-              <p:cTn id="2" dur="indefinite" nodeType="mainSeq">
-                <p:childTnLst>
-                  <p:par>
-                    <p:cTn id="3" fill="hold">
-                      <p:stCondLst>
-                        <p:cond delay="indefinite"/>
-                      </p:stCondLst>
-                      <p:childTnLst>
-                        <p:par>
-                          <p:cTn id="4" fill="hold">
-                            <p:stCondLst>
-                              <p:cond delay="0"/>
-                            </p:stCondLst>
-                            <p:childTnLst>
-                              <p:par>
-                                <p:cTn id="5" presetID="22" presetClass="entr" presetSubtype="8" fill="hold" nodeType="clickEffect">
-                                  <p:stCondLst>
-                                    <p:cond delay="0"/>
-                                  </p:stCondLst>
-                                  <p:childTnLst>
-                                    <p:set>
-                                      <p:cBhvr>
-                                        <p:cTn id="6" dur="1" fill="hold">
-                                          <p:stCondLst>
-                                            <p:cond delay="0"/>
-                                          </p:stCondLst>
-                                        </p:cTn>
-                                        <p:tgtEl>
-                                          <p:spTgt spid="152579">
-                                            <p:txEl>
-                                              <p:pRg st="4" end="4"/>
-                                            </p:txEl>
-                                          </p:spTgt>
-                                        </p:tgtEl>
-                                        <p:attrNameLst>
-                                          <p:attrName>style.visibility</p:attrName>
-                                        </p:attrNameLst>
-                                      </p:cBhvr>
-                                      <p:to>
-                                        <p:strVal val="visible"/>
-                                      </p:to>
-                                    </p:set>
-                                    <p:animEffect transition="in" filter="wipe(left)">
-                                      <p:cBhvr>
-                                        <p:cTn id="7" dur="1000"/>
-                                        <p:tgtEl>
-                                          <p:spTgt spid="152579">
-                                            <p:txEl>
-                                              <p:pRg st="4" end="4"/>
-                                            </p:txEl>
-                                          </p:spTgt>
                                         </p:tgtEl>
                                       </p:cBhvr>
                                     </p:animEffect>
@@ -12025,6 +11319,22 @@
         </a:fontRef>
       </a:style>
     </a:spDef>
+    <a:txDef>
+      <a:spPr>
+        <a:noFill/>
+      </a:spPr>
+      <a:bodyPr wrap="none" rtlCol="0">
+        <a:spAutoFit/>
+      </a:bodyPr>
+      <a:lstStyle>
+        <a:defPPr>
+          <a:defRPr sz="4800" dirty="0" smtClean="0">
+            <a:latin typeface="Comic Sans MS"/>
+            <a:cs typeface="Comic Sans MS"/>
+          </a:defRPr>
+        </a:defPPr>
+      </a:lstStyle>
+    </a:txDef>
   </a:objectDefaults>
   <a:extraClrSchemeLst>
     <a:extraClrScheme>

--- a/spring13/slides13/ranvar-binomial.pptx
+++ b/spring13/slides13/ranvar-binomial.pptx
@@ -5,10 +5,10 @@
     <p:sldMasterId id="2147483648" r:id="rId1"/>
   </p:sldMasterIdLst>
   <p:notesMasterIdLst>
-    <p:notesMasterId r:id="rId17"/>
+    <p:notesMasterId r:id="rId18"/>
   </p:notesMasterIdLst>
   <p:handoutMasterIdLst>
-    <p:handoutMasterId r:id="rId18"/>
+    <p:handoutMasterId r:id="rId19"/>
   </p:handoutMasterIdLst>
   <p:sldIdLst>
     <p:sldId id="257" r:id="rId2"/>
@@ -23,9 +23,10 @@
     <p:sldId id="297" r:id="rId11"/>
     <p:sldId id="301" r:id="rId12"/>
     <p:sldId id="278" r:id="rId13"/>
-    <p:sldId id="384" r:id="rId14"/>
-    <p:sldId id="376" r:id="rId15"/>
-    <p:sldId id="375" r:id="rId16"/>
+    <p:sldId id="385" r:id="rId14"/>
+    <p:sldId id="384" r:id="rId15"/>
+    <p:sldId id="376" r:id="rId16"/>
+    <p:sldId id="375" r:id="rId17"/>
   </p:sldIdLst>
   <p:sldSz cx="9144000" cy="6858000" type="screen4x3"/>
   <p:notesSz cx="9601200" cy="7315200"/>
@@ -1509,6 +1510,98 @@
               <a:rPr lang="en-US" smtClean="0"/>
               <a:pPr/>
               <a:t>15</a:t>
+            </a:fld>
+            <a:endParaRPr lang="en-US" smtClean="0"/>
+          </a:p>
+        </p:txBody>
+      </p:sp>
+      <p:sp>
+        <p:nvSpPr>
+          <p:cNvPr id="68611" name="Rectangle 2"/>
+          <p:cNvSpPr>
+            <a:spLocks noGrp="1" noRot="1" noChangeAspect="1" noChangeArrowheads="1" noTextEdit="1"/>
+          </p:cNvSpPr>
+          <p:nvPr>
+            <p:ph type="sldImg"/>
+          </p:nvPr>
+        </p:nvSpPr>
+        <p:spPr>
+          <a:xfrm>
+            <a:off x="2973388" y="549275"/>
+            <a:ext cx="3659187" cy="2743200"/>
+          </a:xfrm>
+          <a:ln/>
+        </p:spPr>
+      </p:sp>
+      <p:sp>
+        <p:nvSpPr>
+          <p:cNvPr id="68612" name="Rectangle 3"/>
+          <p:cNvSpPr>
+            <a:spLocks noGrp="1" noChangeArrowheads="1"/>
+          </p:cNvSpPr>
+          <p:nvPr>
+            <p:ph type="body" idx="1"/>
+          </p:nvPr>
+        </p:nvSpPr>
+        <p:spPr>
+          <a:noFill/>
+          <a:ln/>
+        </p:spPr>
+        <p:txBody>
+          <a:bodyPr/>
+          <a:lstStyle/>
+          <a:p>
+            <a:pPr eaLnBrk="1" hangingPunct="1"/>
+            <a:endParaRPr lang="en-US" smtClean="0"/>
+          </a:p>
+        </p:txBody>
+      </p:sp>
+    </p:spTree>
+  </p:cSld>
+  <p:clrMapOvr>
+    <a:masterClrMapping/>
+  </p:clrMapOvr>
+</p:notes>
+</file>
+
+<file path=ppt/notesSlides/notesSlide16.xml><?xml version="1.0" encoding="utf-8"?>
+<p:notes xmlns:a="http://schemas.openxmlformats.org/drawingml/2006/main" xmlns:r="http://schemas.openxmlformats.org/officeDocument/2006/relationships" xmlns:p="http://schemas.openxmlformats.org/presentationml/2006/main">
+  <p:cSld>
+    <p:spTree>
+      <p:nvGrpSpPr>
+        <p:cNvPr id="1" name=""/>
+        <p:cNvGrpSpPr/>
+        <p:nvPr/>
+      </p:nvGrpSpPr>
+      <p:grpSpPr>
+        <a:xfrm>
+          <a:off x="0" y="0"/>
+          <a:ext cx="0" cy="0"/>
+          <a:chOff x="0" y="0"/>
+          <a:chExt cx="0" cy="0"/>
+        </a:xfrm>
+      </p:grpSpPr>
+      <p:sp>
+        <p:nvSpPr>
+          <p:cNvPr id="68610" name="Rectangle 7"/>
+          <p:cNvSpPr>
+            <a:spLocks noGrp="1" noChangeArrowheads="1"/>
+          </p:cNvSpPr>
+          <p:nvPr>
+            <p:ph type="sldNum" sz="quarter" idx="5"/>
+          </p:nvPr>
+        </p:nvSpPr>
+        <p:spPr>
+          <a:noFill/>
+        </p:spPr>
+        <p:txBody>
+          <a:bodyPr/>
+          <a:lstStyle/>
+          <a:p>
+            <a:fld id="{5EB02511-0D7A-4E7C-93BD-BE9165986261}" type="slidenum">
+              <a:rPr lang="en-US" smtClean="0"/>
+              <a:pPr/>
+              <a:t>16</a:t>
             </a:fld>
             <a:endParaRPr lang="en-US" smtClean="0"/>
           </a:p>
@@ -3709,17 +3802,8 @@
               <a:rPr lang="en-US" sz="6000" b="1" dirty="0" smtClean="0">
                 <a:latin typeface="Comic Sans MS" pitchFamily="66" charset="0"/>
               </a:rPr>
-              <a:t>Random </a:t>
-            </a:r>
-            <a:r>
-              <a:rPr lang="en-US" sz="6000" b="1" dirty="0" smtClean="0">
-                <a:latin typeface="Comic Sans MS" pitchFamily="66" charset="0"/>
-              </a:rPr>
-              <a:t>Variables</a:t>
-            </a:r>
-            <a:endParaRPr lang="en-US" sz="6000" b="1" dirty="0" smtClean="0">
-              <a:latin typeface="Comic Sans MS" pitchFamily="66" charset="0"/>
-            </a:endParaRPr>
+              <a:t>Random Variables</a:t>
+            </a:r>
           </a:p>
           <a:p>
             <a:pPr algn="ctr"/>
@@ -4191,7 +4275,7 @@
           <a:graphicData uri="http://schemas.openxmlformats.org/presentationml/2006/ole">
             <mc:AlternateContent xmlns:mc="http://schemas.openxmlformats.org/markup-compatibility/2006">
               <mc:Choice xmlns:v="urn:schemas-microsoft-com:vml" Requires="v">
-                <p:oleObj spid="_x0000_s122924" name="Equation" r:id="rId4" imgW="901700" imgH="533400" progId="Equation.DSMT4">
+                <p:oleObj spid="_x0000_s122928" name="Equation" r:id="rId4" imgW="901700" imgH="533400" progId="Equation.DSMT4">
                   <p:embed/>
                 </p:oleObj>
               </mc:Choice>
@@ -4751,29 +4835,6 @@
       </p:sp>
       <p:sp>
         <p:nvSpPr>
-          <p:cNvPr id="38915" name="Rectangle 2"/>
-          <p:cNvSpPr>
-            <a:spLocks noGrp="1" noChangeArrowheads="1"/>
-          </p:cNvSpPr>
-          <p:nvPr>
-            <p:ph type="title" idx="4294967295"/>
-          </p:nvPr>
-        </p:nvSpPr>
-        <p:spPr/>
-        <p:txBody>
-          <a:bodyPr/>
-          <a:lstStyle/>
-          <a:p>
-            <a:pPr eaLnBrk="1" hangingPunct="1"/>
-            <a:r>
-              <a:rPr lang="en-US" smtClean="0"/>
-              <a:t>Density &amp; Distribution</a:t>
-            </a:r>
-          </a:p>
-        </p:txBody>
-      </p:sp>
-      <p:sp>
-        <p:nvSpPr>
           <p:cNvPr id="152579" name="Rectangle 3"/>
           <p:cNvSpPr>
             <a:spLocks noGrp="1" noChangeArrowheads="1"/>
@@ -4914,7 +4975,7 @@
           <p:nvPr>
             <p:extLst>
               <p:ext uri="{D42A27DB-BD31-4B8C-83A1-F6EECF244321}">
-                <p14:modId xmlns:p14="http://schemas.microsoft.com/office/powerpoint/2010/main" val="3900551252"/>
+                <p14:modId xmlns:p14="http://schemas.microsoft.com/office/powerpoint/2010/main" val="3903494044"/>
               </p:ext>
             </p:extLst>
           </p:nvPr>
@@ -4927,7 +4988,7 @@
           <a:graphicData uri="http://schemas.openxmlformats.org/presentationml/2006/ole">
             <mc:AlternateContent xmlns:mc="http://schemas.openxmlformats.org/markup-compatibility/2006">
               <mc:Choice xmlns:v="urn:schemas-microsoft-com:vml" Requires="v">
-                <p:oleObj spid="_x0000_s104492" name="Equation" r:id="rId4" imgW="1663700" imgH="533400" progId="Equation.DSMT4">
+                <p:oleObj spid="_x0000_s104497" name="Equation" r:id="rId4" imgW="1663700" imgH="533400" progId="Equation.DSMT4">
                   <p:embed/>
                 </p:oleObj>
               </mc:Choice>
@@ -4975,6 +5036,176 @@
           </a:graphicData>
         </a:graphic>
       </p:graphicFrame>
+      <p:sp>
+        <p:nvSpPr>
+          <p:cNvPr id="7" name="Rectangle 2"/>
+          <p:cNvSpPr txBox="1">
+            <a:spLocks noChangeArrowheads="1"/>
+          </p:cNvSpPr>
+          <p:nvPr/>
+        </p:nvSpPr>
+        <p:spPr bwMode="auto">
+          <a:xfrm>
+            <a:off x="1409700" y="225425"/>
+            <a:ext cx="7270750" cy="684213"/>
+          </a:xfrm>
+          <a:prstGeom prst="rect">
+            <a:avLst/>
+          </a:prstGeom>
+          <a:noFill/>
+          <a:ln w="9525">
+            <a:noFill/>
+            <a:miter lim="800000"/>
+            <a:headEnd/>
+            <a:tailEnd/>
+          </a:ln>
+        </p:spPr>
+        <p:txBody>
+          <a:bodyPr vert="horz" wrap="square" lIns="91440" tIns="45720" rIns="91440" bIns="45720" numCol="1" anchor="ctr" anchorCtr="0" compatLnSpc="1">
+            <a:prstTxWarp prst="textNoShape">
+              <a:avLst/>
+            </a:prstTxWarp>
+          </a:bodyPr>
+          <a:lstStyle>
+            <a:lvl1pPr algn="ctr" rtl="0" eaLnBrk="0" fontAlgn="base" hangingPunct="0">
+              <a:spcBef>
+                <a:spcPct val="0"/>
+              </a:spcBef>
+              <a:spcAft>
+                <a:spcPct val="0"/>
+              </a:spcAft>
+              <a:defRPr sz="4000" b="1">
+                <a:solidFill>
+                  <a:schemeClr val="tx2"/>
+                </a:solidFill>
+                <a:latin typeface="+mj-lt"/>
+                <a:ea typeface="+mj-ea"/>
+                <a:cs typeface="+mj-cs"/>
+              </a:defRPr>
+            </a:lvl1pPr>
+            <a:lvl2pPr algn="ctr" rtl="0" eaLnBrk="0" fontAlgn="base" hangingPunct="0">
+              <a:spcBef>
+                <a:spcPct val="0"/>
+              </a:spcBef>
+              <a:spcAft>
+                <a:spcPct val="0"/>
+              </a:spcAft>
+              <a:defRPr sz="4000" b="1">
+                <a:solidFill>
+                  <a:schemeClr val="tx2"/>
+                </a:solidFill>
+                <a:latin typeface="Comic Sans MS" pitchFamily="66" charset="0"/>
+              </a:defRPr>
+            </a:lvl2pPr>
+            <a:lvl3pPr algn="ctr" rtl="0" eaLnBrk="0" fontAlgn="base" hangingPunct="0">
+              <a:spcBef>
+                <a:spcPct val="0"/>
+              </a:spcBef>
+              <a:spcAft>
+                <a:spcPct val="0"/>
+              </a:spcAft>
+              <a:defRPr sz="4000" b="1">
+                <a:solidFill>
+                  <a:schemeClr val="tx2"/>
+                </a:solidFill>
+                <a:latin typeface="Comic Sans MS" pitchFamily="66" charset="0"/>
+              </a:defRPr>
+            </a:lvl3pPr>
+            <a:lvl4pPr algn="ctr" rtl="0" eaLnBrk="0" fontAlgn="base" hangingPunct="0">
+              <a:spcBef>
+                <a:spcPct val="0"/>
+              </a:spcBef>
+              <a:spcAft>
+                <a:spcPct val="0"/>
+              </a:spcAft>
+              <a:defRPr sz="4000" b="1">
+                <a:solidFill>
+                  <a:schemeClr val="tx2"/>
+                </a:solidFill>
+                <a:latin typeface="Comic Sans MS" pitchFamily="66" charset="0"/>
+              </a:defRPr>
+            </a:lvl4pPr>
+            <a:lvl5pPr algn="ctr" rtl="0" eaLnBrk="0" fontAlgn="base" hangingPunct="0">
+              <a:spcBef>
+                <a:spcPct val="0"/>
+              </a:spcBef>
+              <a:spcAft>
+                <a:spcPct val="0"/>
+              </a:spcAft>
+              <a:defRPr sz="4000" b="1">
+                <a:solidFill>
+                  <a:schemeClr val="tx2"/>
+                </a:solidFill>
+                <a:latin typeface="Comic Sans MS" pitchFamily="66" charset="0"/>
+              </a:defRPr>
+            </a:lvl5pPr>
+            <a:lvl6pPr marL="457200" algn="ctr" rtl="0" fontAlgn="base">
+              <a:spcBef>
+                <a:spcPct val="0"/>
+              </a:spcBef>
+              <a:spcAft>
+                <a:spcPct val="0"/>
+              </a:spcAft>
+              <a:defRPr sz="4000" b="1">
+                <a:solidFill>
+                  <a:schemeClr val="tx2"/>
+                </a:solidFill>
+                <a:latin typeface="Comic Sans MS" pitchFamily="66" charset="0"/>
+              </a:defRPr>
+            </a:lvl6pPr>
+            <a:lvl7pPr marL="914400" algn="ctr" rtl="0" fontAlgn="base">
+              <a:spcBef>
+                <a:spcPct val="0"/>
+              </a:spcBef>
+              <a:spcAft>
+                <a:spcPct val="0"/>
+              </a:spcAft>
+              <a:defRPr sz="4000" b="1">
+                <a:solidFill>
+                  <a:schemeClr val="tx2"/>
+                </a:solidFill>
+                <a:latin typeface="Comic Sans MS" pitchFamily="66" charset="0"/>
+              </a:defRPr>
+            </a:lvl7pPr>
+            <a:lvl8pPr marL="1371600" algn="ctr" rtl="0" fontAlgn="base">
+              <a:spcBef>
+                <a:spcPct val="0"/>
+              </a:spcBef>
+              <a:spcAft>
+                <a:spcPct val="0"/>
+              </a:spcAft>
+              <a:defRPr sz="4000" b="1">
+                <a:solidFill>
+                  <a:schemeClr val="tx2"/>
+                </a:solidFill>
+                <a:latin typeface="Comic Sans MS" pitchFamily="66" charset="0"/>
+              </a:defRPr>
+            </a:lvl8pPr>
+            <a:lvl9pPr marL="1828800" algn="ctr" rtl="0" fontAlgn="base">
+              <a:spcBef>
+                <a:spcPct val="0"/>
+              </a:spcBef>
+              <a:spcAft>
+                <a:spcPct val="0"/>
+              </a:spcAft>
+              <a:defRPr sz="4000" b="1">
+                <a:solidFill>
+                  <a:schemeClr val="tx2"/>
+                </a:solidFill>
+                <a:latin typeface="Comic Sans MS" pitchFamily="66" charset="0"/>
+              </a:defRPr>
+            </a:lvl9pPr>
+          </a:lstStyle>
+          <a:p>
+            <a:pPr eaLnBrk="1" hangingPunct="1"/>
+            <a:r>
+              <a:rPr lang="en-US" sz="4800" dirty="0" smtClean="0"/>
+              <a:t>Density Function</a:t>
+            </a:r>
+            <a:endParaRPr lang="en-US" sz="4800" dirty="0" smtClean="0"/>
+          </a:p>
+        </p:txBody>
+      </p:sp>
     </p:spTree>
   </p:cSld>
   <p:clrMapOvr>
@@ -5241,29 +5472,6 @@
       </p:sp>
       <p:sp>
         <p:nvSpPr>
-          <p:cNvPr id="38915" name="Rectangle 2"/>
-          <p:cNvSpPr>
-            <a:spLocks noGrp="1" noChangeArrowheads="1"/>
-          </p:cNvSpPr>
-          <p:nvPr>
-            <p:ph type="title" idx="4294967295"/>
-          </p:nvPr>
-        </p:nvSpPr>
-        <p:spPr/>
-        <p:txBody>
-          <a:bodyPr/>
-          <a:lstStyle/>
-          <a:p>
-            <a:pPr eaLnBrk="1" hangingPunct="1"/>
-            <a:r>
-              <a:rPr lang="en-US" sz="4800" smtClean="0"/>
-              <a:t>Density &amp; Distribution</a:t>
-            </a:r>
-          </a:p>
-        </p:txBody>
-      </p:sp>
-      <p:sp>
-        <p:nvSpPr>
           <p:cNvPr id="152579" name="Rectangle 3"/>
           <p:cNvSpPr>
             <a:spLocks noGrp="1" noChangeArrowheads="1"/>
@@ -5274,7 +5482,7 @@
         </p:nvSpPr>
         <p:spPr>
           <a:xfrm>
-            <a:off x="166073" y="986691"/>
+            <a:off x="166073" y="995158"/>
             <a:ext cx="8841154" cy="3847625"/>
           </a:xfrm>
         </p:spPr>
@@ -5314,7 +5522,7 @@
           <a:p>
             <a:pPr algn="ctr" eaLnBrk="1" hangingPunct="1"/>
             <a:r>
-              <a:rPr lang="en-US" sz="4800" dirty="0" smtClean="0">
+              <a:rPr lang="en-US" sz="5400" dirty="0" smtClean="0">
                 <a:solidFill>
                   <a:srgbClr val="9B2894"/>
                 </a:solidFill>
@@ -5322,7 +5530,7 @@
               <a:t>PDF</a:t>
             </a:r>
             <a:r>
-              <a:rPr lang="en-US" sz="4800" baseline="-25000" dirty="0" smtClean="0">
+              <a:rPr lang="en-US" sz="5400" baseline="-25000" dirty="0" smtClean="0">
                 <a:solidFill>
                   <a:srgbClr val="3333FF"/>
                 </a:solidFill>
@@ -5330,11 +5538,11 @@
               <a:t>R</a:t>
             </a:r>
             <a:r>
-              <a:rPr lang="en-US" sz="4800" dirty="0" smtClean="0"/>
+              <a:rPr lang="en-US" sz="5400" dirty="0" smtClean="0"/>
               <a:t>(</a:t>
             </a:r>
             <a:r>
-              <a:rPr lang="en-US" sz="4800" dirty="0" smtClean="0">
+              <a:rPr lang="en-US" sz="5400" dirty="0" smtClean="0">
                 <a:solidFill>
                   <a:srgbClr val="3333FF"/>
                 </a:solidFill>
@@ -5342,27 +5550,27 @@
               <a:t>a</a:t>
             </a:r>
             <a:r>
-              <a:rPr lang="en-US" sz="4800" dirty="0" smtClean="0"/>
+              <a:rPr lang="en-US" sz="5400" dirty="0" smtClean="0"/>
               <a:t>)</a:t>
             </a:r>
             <a:r>
-              <a:rPr lang="en-US" sz="4800" baseline="-25000" dirty="0" smtClean="0"/>
+              <a:rPr lang="en-US" sz="5400" baseline="-25000" dirty="0" smtClean="0"/>
               <a:t>  </a:t>
             </a:r>
             <a:r>
-              <a:rPr lang="en-US" sz="4800" dirty="0" smtClean="0"/>
+              <a:rPr lang="en-US" sz="5400" dirty="0" smtClean="0"/>
               <a:t>::= </a:t>
             </a:r>
             <a:r>
-              <a:rPr lang="en-US" sz="4800" dirty="0" err="1" smtClean="0"/>
+              <a:rPr lang="en-US" sz="5400" dirty="0" err="1" smtClean="0"/>
               <a:t>Pr</a:t>
             </a:r>
             <a:r>
-              <a:rPr lang="en-US" sz="4800" dirty="0" smtClean="0"/>
+              <a:rPr lang="en-US" sz="5400" dirty="0" smtClean="0"/>
               <a:t>[</a:t>
             </a:r>
             <a:r>
-              <a:rPr lang="en-US" sz="4800" dirty="0" smtClean="0">
+              <a:rPr lang="en-US" sz="5400" dirty="0" smtClean="0">
                 <a:solidFill>
                   <a:srgbClr val="3333FF"/>
                 </a:solidFill>
@@ -5370,11 +5578,11 @@
               <a:t>R </a:t>
             </a:r>
             <a:r>
-              <a:rPr lang="en-US" sz="4800" dirty="0" smtClean="0"/>
+              <a:rPr lang="en-US" sz="5400" dirty="0" smtClean="0"/>
               <a:t>= </a:t>
             </a:r>
             <a:r>
-              <a:rPr lang="en-US" sz="4800" dirty="0" smtClean="0">
+              <a:rPr lang="en-US" sz="5400" dirty="0" smtClean="0">
                 <a:solidFill>
                   <a:srgbClr val="3333FF"/>
                 </a:solidFill>
@@ -5382,14 +5590,14 @@
               <a:t>a</a:t>
             </a:r>
             <a:r>
-              <a:rPr lang="en-US" sz="4800" dirty="0" smtClean="0"/>
+              <a:rPr lang="en-US" sz="5400" dirty="0" smtClean="0"/>
               <a:t>]</a:t>
             </a:r>
           </a:p>
           <a:p>
             <a:pPr eaLnBrk="1" hangingPunct="1"/>
             <a:r>
-              <a:rPr lang="en-US" sz="4800" dirty="0" smtClean="0"/>
+              <a:rPr lang="en-US" sz="5400" dirty="0" smtClean="0"/>
               <a:t>so</a:t>
             </a:r>
           </a:p>
@@ -5404,25 +5612,25 @@
           <p:nvPr>
             <p:extLst>
               <p:ext uri="{D42A27DB-BD31-4B8C-83A1-F6EECF244321}">
-                <p14:modId xmlns:p14="http://schemas.microsoft.com/office/powerpoint/2010/main" val="1803993794"/>
+                <p14:modId xmlns:p14="http://schemas.microsoft.com/office/powerpoint/2010/main" val="51872269"/>
               </p:ext>
             </p:extLst>
           </p:nvPr>
         </p:nvGraphicFramePr>
         <p:xfrm>
-          <a:off x="1110714" y="3990975"/>
-          <a:ext cx="6191250" cy="1490663"/>
+          <a:off x="1551534" y="3788822"/>
+          <a:ext cx="6000737" cy="1278619"/>
         </p:xfrm>
         <a:graphic>
           <a:graphicData uri="http://schemas.openxmlformats.org/presentationml/2006/ole">
             <mc:AlternateContent xmlns:mc="http://schemas.openxmlformats.org/markup-compatibility/2006">
               <mc:Choice xmlns:v="urn:schemas-microsoft-com:vml" Requires="v">
-                <p:oleObj spid="_x0000_s1028" name="Equation" r:id="rId4" imgW="1371600" imgH="330200" progId="Equation.DSMT4">
+                <p:oleObj spid="_x0000_s678917" name="Equation" r:id="rId4" imgW="1371600" imgH="292100" progId="Equation.DSMT4">
                   <p:embed/>
                 </p:oleObj>
               </mc:Choice>
               <mc:Fallback>
-                <p:oleObj name="Equation" r:id="rId4" imgW="1371600" imgH="330200" progId="Equation.DSMT4">
+                <p:oleObj name="Equation" r:id="rId4" imgW="1371600" imgH="292100" progId="Equation.DSMT4">
                   <p:embed/>
                   <p:pic>
                     <p:nvPicPr>
@@ -5441,22 +5649,14 @@
                     </p:blipFill>
                     <p:spPr bwMode="auto">
                       <a:xfrm>
-                        <a:off x="1110714" y="3990975"/>
-                        <a:ext cx="6191250" cy="1490663"/>
+                        <a:off x="1551534" y="3788822"/>
+                        <a:ext cx="6000737" cy="1278619"/>
                       </a:xfrm>
                       <a:prstGeom prst="rect">
                         <a:avLst/>
                       </a:prstGeom>
                       <a:noFill/>
-                      <a:extLst>
-                        <a:ext uri="{909E8E84-426E-40dd-AFC4-6F175D3DCCD1}">
-                          <a14:hiddenFill xmlns:a14="http://schemas.microsoft.com/office/drawing/2010/main">
-                            <a:solidFill>
-                              <a:srgbClr val="FFFFFF"/>
-                            </a:solidFill>
-                          </a14:hiddenFill>
-                        </a:ext>
-                      </a:extLst>
+                      <a:extLst/>
                     </p:spPr>
                   </p:pic>
                 </p:oleObj>
@@ -5548,19 +5748,198 @@
           </a:p>
         </p:txBody>
       </p:sp>
+      <p:sp>
+        <p:nvSpPr>
+          <p:cNvPr id="8" name="Rectangle 2"/>
+          <p:cNvSpPr txBox="1">
+            <a:spLocks noChangeArrowheads="1"/>
+          </p:cNvSpPr>
+          <p:nvPr/>
+        </p:nvSpPr>
+        <p:spPr bwMode="auto">
+          <a:xfrm>
+            <a:off x="1409700" y="225425"/>
+            <a:ext cx="7270750" cy="684213"/>
+          </a:xfrm>
+          <a:prstGeom prst="rect">
+            <a:avLst/>
+          </a:prstGeom>
+          <a:noFill/>
+          <a:ln w="9525">
+            <a:noFill/>
+            <a:miter lim="800000"/>
+            <a:headEnd/>
+            <a:tailEnd/>
+          </a:ln>
+        </p:spPr>
+        <p:txBody>
+          <a:bodyPr vert="horz" wrap="square" lIns="91440" tIns="45720" rIns="91440" bIns="45720" numCol="1" anchor="ctr" anchorCtr="0" compatLnSpc="1">
+            <a:prstTxWarp prst="textNoShape">
+              <a:avLst/>
+            </a:prstTxWarp>
+          </a:bodyPr>
+          <a:lstStyle>
+            <a:lvl1pPr algn="ctr" rtl="0" eaLnBrk="0" fontAlgn="base" hangingPunct="0">
+              <a:spcBef>
+                <a:spcPct val="0"/>
+              </a:spcBef>
+              <a:spcAft>
+                <a:spcPct val="0"/>
+              </a:spcAft>
+              <a:defRPr sz="4000" b="1">
+                <a:solidFill>
+                  <a:schemeClr val="tx2"/>
+                </a:solidFill>
+                <a:latin typeface="+mj-lt"/>
+                <a:ea typeface="+mj-ea"/>
+                <a:cs typeface="+mj-cs"/>
+              </a:defRPr>
+            </a:lvl1pPr>
+            <a:lvl2pPr algn="ctr" rtl="0" eaLnBrk="0" fontAlgn="base" hangingPunct="0">
+              <a:spcBef>
+                <a:spcPct val="0"/>
+              </a:spcBef>
+              <a:spcAft>
+                <a:spcPct val="0"/>
+              </a:spcAft>
+              <a:defRPr sz="4000" b="1">
+                <a:solidFill>
+                  <a:schemeClr val="tx2"/>
+                </a:solidFill>
+                <a:latin typeface="Comic Sans MS" pitchFamily="66" charset="0"/>
+              </a:defRPr>
+            </a:lvl2pPr>
+            <a:lvl3pPr algn="ctr" rtl="0" eaLnBrk="0" fontAlgn="base" hangingPunct="0">
+              <a:spcBef>
+                <a:spcPct val="0"/>
+              </a:spcBef>
+              <a:spcAft>
+                <a:spcPct val="0"/>
+              </a:spcAft>
+              <a:defRPr sz="4000" b="1">
+                <a:solidFill>
+                  <a:schemeClr val="tx2"/>
+                </a:solidFill>
+                <a:latin typeface="Comic Sans MS" pitchFamily="66" charset="0"/>
+              </a:defRPr>
+            </a:lvl3pPr>
+            <a:lvl4pPr algn="ctr" rtl="0" eaLnBrk="0" fontAlgn="base" hangingPunct="0">
+              <a:spcBef>
+                <a:spcPct val="0"/>
+              </a:spcBef>
+              <a:spcAft>
+                <a:spcPct val="0"/>
+              </a:spcAft>
+              <a:defRPr sz="4000" b="1">
+                <a:solidFill>
+                  <a:schemeClr val="tx2"/>
+                </a:solidFill>
+                <a:latin typeface="Comic Sans MS" pitchFamily="66" charset="0"/>
+              </a:defRPr>
+            </a:lvl4pPr>
+            <a:lvl5pPr algn="ctr" rtl="0" eaLnBrk="0" fontAlgn="base" hangingPunct="0">
+              <a:spcBef>
+                <a:spcPct val="0"/>
+              </a:spcBef>
+              <a:spcAft>
+                <a:spcPct val="0"/>
+              </a:spcAft>
+              <a:defRPr sz="4000" b="1">
+                <a:solidFill>
+                  <a:schemeClr val="tx2"/>
+                </a:solidFill>
+                <a:latin typeface="Comic Sans MS" pitchFamily="66" charset="0"/>
+              </a:defRPr>
+            </a:lvl5pPr>
+            <a:lvl6pPr marL="457200" algn="ctr" rtl="0" fontAlgn="base">
+              <a:spcBef>
+                <a:spcPct val="0"/>
+              </a:spcBef>
+              <a:spcAft>
+                <a:spcPct val="0"/>
+              </a:spcAft>
+              <a:defRPr sz="4000" b="1">
+                <a:solidFill>
+                  <a:schemeClr val="tx2"/>
+                </a:solidFill>
+                <a:latin typeface="Comic Sans MS" pitchFamily="66" charset="0"/>
+              </a:defRPr>
+            </a:lvl6pPr>
+            <a:lvl7pPr marL="914400" algn="ctr" rtl="0" fontAlgn="base">
+              <a:spcBef>
+                <a:spcPct val="0"/>
+              </a:spcBef>
+              <a:spcAft>
+                <a:spcPct val="0"/>
+              </a:spcAft>
+              <a:defRPr sz="4000" b="1">
+                <a:solidFill>
+                  <a:schemeClr val="tx2"/>
+                </a:solidFill>
+                <a:latin typeface="Comic Sans MS" pitchFamily="66" charset="0"/>
+              </a:defRPr>
+            </a:lvl7pPr>
+            <a:lvl8pPr marL="1371600" algn="ctr" rtl="0" fontAlgn="base">
+              <a:spcBef>
+                <a:spcPct val="0"/>
+              </a:spcBef>
+              <a:spcAft>
+                <a:spcPct val="0"/>
+              </a:spcAft>
+              <a:defRPr sz="4000" b="1">
+                <a:solidFill>
+                  <a:schemeClr val="tx2"/>
+                </a:solidFill>
+                <a:latin typeface="Comic Sans MS" pitchFamily="66" charset="0"/>
+              </a:defRPr>
+            </a:lvl8pPr>
+            <a:lvl9pPr marL="1828800" algn="ctr" rtl="0" fontAlgn="base">
+              <a:spcBef>
+                <a:spcPct val="0"/>
+              </a:spcBef>
+              <a:spcAft>
+                <a:spcPct val="0"/>
+              </a:spcAft>
+              <a:defRPr sz="4000" b="1">
+                <a:solidFill>
+                  <a:schemeClr val="tx2"/>
+                </a:solidFill>
+                <a:latin typeface="Comic Sans MS" pitchFamily="66" charset="0"/>
+              </a:defRPr>
+            </a:lvl9pPr>
+          </a:lstStyle>
+          <a:p>
+            <a:pPr eaLnBrk="1" hangingPunct="1"/>
+            <a:r>
+              <a:rPr lang="en-US" sz="4800" dirty="0" smtClean="0"/>
+              <a:t>Density Function</a:t>
+            </a:r>
+            <a:endParaRPr lang="en-US" sz="4800" dirty="0" smtClean="0"/>
+          </a:p>
+        </p:txBody>
+      </p:sp>
     </p:spTree>
     <p:extLst>
       <p:ext uri="{BB962C8B-B14F-4D97-AF65-F5344CB8AC3E}">
-        <p14:creationId xmlns:p14="http://schemas.microsoft.com/office/powerpoint/2010/main" val="1614964825"/>
+        <p14:creationId xmlns:p14="http://schemas.microsoft.com/office/powerpoint/2010/main" val="2111754028"/>
       </p:ext>
     </p:extLst>
   </p:cSld>
   <p:clrMapOvr>
     <a:masterClrMapping/>
   </p:clrMapOvr>
-  <p:transition xmlns:p14="http://schemas.microsoft.com/office/powerpoint/2010/main" spd="slow" advClick="0">
-    <p:fade thruBlk="1"/>
-  </p:transition>
+  <mc:AlternateContent xmlns:mc="http://schemas.openxmlformats.org/markup-compatibility/2006">
+    <mc:Choice xmlns:p14="http://schemas.microsoft.com/office/powerpoint/2010/main" Requires="p14">
+      <p:transition spd="med" p14:dur="700" advClick="0">
+        <p:fade/>
+      </p:transition>
+    </mc:Choice>
+    <mc:Fallback>
+      <p:transition xmlns:p14="http://schemas.microsoft.com/office/powerpoint/2010/main" spd="med" advClick="0">
+        <p:fade/>
+      </p:transition>
+    </mc:Fallback>
+  </mc:AlternateContent>
   <p:timing>
     <p:tnLst>
       <p:par>
@@ -5582,7 +5961,7 @@
                             </p:stCondLst>
                             <p:childTnLst>
                               <p:par>
-                                <p:cTn id="5" presetID="22" presetClass="entr" presetSubtype="8" fill="hold" grpId="0" nodeType="clickEffect">
+                                <p:cTn id="5" presetID="10" presetClass="entr" presetSubtype="0" fill="hold" grpId="0" nodeType="clickEffect">
                                   <p:stCondLst>
                                     <p:cond delay="0"/>
                                   </p:stCondLst>
@@ -5590,163 +5969,6 @@
                                     <p:set>
                                       <p:cBhvr>
                                         <p:cTn id="6" dur="1" fill="hold">
-                                          <p:stCondLst>
-                                            <p:cond delay="0"/>
-                                          </p:stCondLst>
-                                        </p:cTn>
-                                        <p:tgtEl>
-                                          <p:spTgt spid="152579">
-                                            <p:txEl>
-                                              <p:pRg st="2" end="2"/>
-                                            </p:txEl>
-                                          </p:spTgt>
-                                        </p:tgtEl>
-                                        <p:attrNameLst>
-                                          <p:attrName>style.visibility</p:attrName>
-                                        </p:attrNameLst>
-                                      </p:cBhvr>
-                                      <p:to>
-                                        <p:strVal val="visible"/>
-                                      </p:to>
-                                    </p:set>
-                                    <p:animEffect transition="in" filter="wipe(left)">
-                                      <p:cBhvr>
-                                        <p:cTn id="7" dur="1000"/>
-                                        <p:tgtEl>
-                                          <p:spTgt spid="152579">
-                                            <p:txEl>
-                                              <p:pRg st="2" end="2"/>
-                                            </p:txEl>
-                                          </p:spTgt>
-                                        </p:tgtEl>
-                                      </p:cBhvr>
-                                    </p:animEffect>
-                                  </p:childTnLst>
-                                </p:cTn>
-                              </p:par>
-                            </p:childTnLst>
-                          </p:cTn>
-                        </p:par>
-                      </p:childTnLst>
-                    </p:cTn>
-                  </p:par>
-                  <p:par>
-                    <p:cTn id="8" fill="hold">
-                      <p:stCondLst>
-                        <p:cond delay="indefinite"/>
-                      </p:stCondLst>
-                      <p:childTnLst>
-                        <p:par>
-                          <p:cTn id="9" fill="hold">
-                            <p:stCondLst>
-                              <p:cond delay="0"/>
-                            </p:stCondLst>
-                            <p:childTnLst>
-                              <p:par>
-                                <p:cTn id="10" presetID="10" presetClass="entr" presetSubtype="0" fill="hold" grpId="0" nodeType="clickEffect">
-                                  <p:stCondLst>
-                                    <p:cond delay="0"/>
-                                  </p:stCondLst>
-                                  <p:childTnLst>
-                                    <p:set>
-                                      <p:cBhvr>
-                                        <p:cTn id="11" dur="1" fill="hold">
-                                          <p:stCondLst>
-                                            <p:cond delay="0"/>
-                                          </p:stCondLst>
-                                        </p:cTn>
-                                        <p:tgtEl>
-                                          <p:spTgt spid="152579">
-                                            <p:txEl>
-                                              <p:pRg st="3" end="3"/>
-                                            </p:txEl>
-                                          </p:spTgt>
-                                        </p:tgtEl>
-                                        <p:attrNameLst>
-                                          <p:attrName>style.visibility</p:attrName>
-                                        </p:attrNameLst>
-                                      </p:cBhvr>
-                                      <p:to>
-                                        <p:strVal val="visible"/>
-                                      </p:to>
-                                    </p:set>
-                                    <p:animEffect transition="in" filter="fade">
-                                      <p:cBhvr>
-                                        <p:cTn id="12" dur="500"/>
-                                        <p:tgtEl>
-                                          <p:spTgt spid="152579">
-                                            <p:txEl>
-                                              <p:pRg st="3" end="3"/>
-                                            </p:txEl>
-                                          </p:spTgt>
-                                        </p:tgtEl>
-                                      </p:cBhvr>
-                                    </p:animEffect>
-                                  </p:childTnLst>
-                                </p:cTn>
-                              </p:par>
-                            </p:childTnLst>
-                          </p:cTn>
-                        </p:par>
-                        <p:par>
-                          <p:cTn id="13" fill="hold">
-                            <p:stCondLst>
-                              <p:cond delay="500"/>
-                            </p:stCondLst>
-                            <p:childTnLst>
-                              <p:par>
-                                <p:cTn id="14" presetID="10" presetClass="entr" presetSubtype="0" fill="hold" nodeType="afterEffect">
-                                  <p:stCondLst>
-                                    <p:cond delay="0"/>
-                                  </p:stCondLst>
-                                  <p:childTnLst>
-                                    <p:set>
-                                      <p:cBhvr>
-                                        <p:cTn id="15" dur="1" fill="hold">
-                                          <p:stCondLst>
-                                            <p:cond delay="0"/>
-                                          </p:stCondLst>
-                                        </p:cTn>
-                                        <p:tgtEl>
-                                          <p:spTgt spid="5"/>
-                                        </p:tgtEl>
-                                        <p:attrNameLst>
-                                          <p:attrName>style.visibility</p:attrName>
-                                        </p:attrNameLst>
-                                      </p:cBhvr>
-                                      <p:to>
-                                        <p:strVal val="visible"/>
-                                      </p:to>
-                                    </p:set>
-                                    <p:animEffect transition="in" filter="fade">
-                                      <p:cBhvr>
-                                        <p:cTn id="16" dur="500"/>
-                                        <p:tgtEl>
-                                          <p:spTgt spid="5"/>
-                                        </p:tgtEl>
-                                      </p:cBhvr>
-                                    </p:animEffect>
-                                  </p:childTnLst>
-                                </p:cTn>
-                              </p:par>
-                            </p:childTnLst>
-                          </p:cTn>
-                        </p:par>
-                        <p:par>
-                          <p:cTn id="17" fill="hold">
-                            <p:stCondLst>
-                              <p:cond delay="1000"/>
-                            </p:stCondLst>
-                            <p:childTnLst>
-                              <p:par>
-                                <p:cTn id="18" presetID="10" presetClass="entr" presetSubtype="0" fill="hold" grpId="0" nodeType="afterEffect">
-                                  <p:stCondLst>
-                                    <p:cond delay="0"/>
-                                  </p:stCondLst>
-                                  <p:childTnLst>
-                                    <p:set>
-                                      <p:cBhvr>
-                                        <p:cTn id="19" dur="1" fill="hold">
                                           <p:stCondLst>
                                             <p:cond delay="0"/>
                                           </p:stCondLst>
@@ -5764,7 +5986,7 @@
                                     </p:set>
                                     <p:animEffect transition="in" filter="fade">
                                       <p:cBhvr>
-                                        <p:cTn id="20" dur="500"/>
+                                        <p:cTn id="7" dur="500"/>
                                         <p:tgtEl>
                                           <p:spTgt spid="2"/>
                                         </p:tgtEl>
@@ -5801,7 +6023,6 @@
       </p:par>
     </p:tnLst>
     <p:bldLst>
-      <p:bldP spid="152579" grpId="0" build="p"/>
       <p:bldP spid="2" grpId="0"/>
     </p:bldLst>
   </p:timing>
@@ -5809,6 +6030,540 @@
 </file>
 
 <file path=ppt/slides/slide14.xml><?xml version="1.0" encoding="utf-8"?>
+<p:sld xmlns:a="http://schemas.openxmlformats.org/drawingml/2006/main" xmlns:r="http://schemas.openxmlformats.org/officeDocument/2006/relationships" xmlns:p="http://schemas.openxmlformats.org/presentationml/2006/main">
+  <p:cSld>
+    <p:spTree>
+      <p:nvGrpSpPr>
+        <p:cNvPr id="1" name=""/>
+        <p:cNvGrpSpPr/>
+        <p:nvPr/>
+      </p:nvGrpSpPr>
+      <p:grpSpPr>
+        <a:xfrm>
+          <a:off x="0" y="0"/>
+          <a:ext cx="0" cy="0"/>
+          <a:chOff x="0" y="0"/>
+          <a:chExt cx="0" cy="0"/>
+        </a:xfrm>
+      </p:grpSpPr>
+      <p:sp>
+        <p:nvSpPr>
+          <p:cNvPr id="6" name="Slide Number Placeholder 3"/>
+          <p:cNvSpPr>
+            <a:spLocks noGrp="1"/>
+          </p:cNvSpPr>
+          <p:nvPr>
+            <p:ph type="sldNum" sz="quarter" idx="11"/>
+          </p:nvPr>
+        </p:nvSpPr>
+        <p:spPr/>
+        <p:txBody>
+          <a:bodyPr/>
+          <a:lstStyle/>
+          <a:p>
+            <a:pPr>
+              <a:defRPr/>
+            </a:pPr>
+            <a:r>
+              <a:rPr lang="en-US" dirty="0" err="1" smtClean="0"/>
+              <a:t>binom</a:t>
+            </a:r>
+            <a:r>
+              <a:rPr lang="en-US" dirty="0" smtClean="0"/>
+              <a:t>-uniform.</a:t>
+            </a:r>
+            <a:fld id="{96B43620-50E9-4AF8-A2CB-DB1E00EE695D}" type="slidenum">
+              <a:rPr lang="en-US" smtClean="0"/>
+              <a:pPr>
+                <a:defRPr/>
+              </a:pPr>
+              <a:t>14</a:t>
+            </a:fld>
+            <a:endParaRPr lang="en-US" dirty="0"/>
+          </a:p>
+        </p:txBody>
+      </p:sp>
+      <p:sp>
+        <p:nvSpPr>
+          <p:cNvPr id="152579" name="Rectangle 3"/>
+          <p:cNvSpPr>
+            <a:spLocks noGrp="1" noChangeArrowheads="1"/>
+          </p:cNvSpPr>
+          <p:nvPr>
+            <p:ph idx="4294967295"/>
+          </p:nvPr>
+        </p:nvSpPr>
+        <p:spPr>
+          <a:xfrm>
+            <a:off x="166073" y="978224"/>
+            <a:ext cx="8841154" cy="3847625"/>
+          </a:xfrm>
+        </p:spPr>
+        <p:txBody>
+          <a:bodyPr/>
+          <a:lstStyle/>
+          <a:p>
+            <a:pPr eaLnBrk="1" hangingPunct="1"/>
+            <a:r>
+              <a:rPr lang="en-US" sz="4800" dirty="0" smtClean="0">
+                <a:solidFill>
+                  <a:srgbClr val="9B2894"/>
+                </a:solidFill>
+              </a:rPr>
+              <a:t>Probability Density Function</a:t>
+            </a:r>
+          </a:p>
+          <a:p>
+            <a:pPr eaLnBrk="1" hangingPunct="1"/>
+            <a:r>
+              <a:rPr lang="en-US" sz="4800" dirty="0" smtClean="0"/>
+              <a:t>of random variable </a:t>
+            </a:r>
+            <a:r>
+              <a:rPr lang="en-US" sz="4800" dirty="0" smtClean="0">
+                <a:solidFill>
+                  <a:srgbClr val="3333FF"/>
+                </a:solidFill>
+              </a:rPr>
+              <a:t>R</a:t>
+            </a:r>
+            <a:r>
+              <a:rPr lang="en-US" sz="4800" dirty="0" smtClean="0"/>
+              <a:t>, </a:t>
+            </a:r>
+          </a:p>
+          <a:p>
+            <a:pPr algn="ctr" eaLnBrk="1" hangingPunct="1"/>
+            <a:r>
+              <a:rPr lang="en-US" sz="5400" dirty="0" smtClean="0">
+                <a:solidFill>
+                  <a:srgbClr val="9B2894"/>
+                </a:solidFill>
+              </a:rPr>
+              <a:t>PDF</a:t>
+            </a:r>
+            <a:r>
+              <a:rPr lang="en-US" sz="5400" baseline="-25000" dirty="0" smtClean="0">
+                <a:solidFill>
+                  <a:srgbClr val="3333FF"/>
+                </a:solidFill>
+              </a:rPr>
+              <a:t>R</a:t>
+            </a:r>
+            <a:r>
+              <a:rPr lang="en-US" sz="5400" dirty="0" smtClean="0"/>
+              <a:t>(</a:t>
+            </a:r>
+            <a:r>
+              <a:rPr lang="en-US" sz="5400" dirty="0" smtClean="0">
+                <a:solidFill>
+                  <a:srgbClr val="3333FF"/>
+                </a:solidFill>
+              </a:rPr>
+              <a:t>a</a:t>
+            </a:r>
+            <a:r>
+              <a:rPr lang="en-US" sz="5400" dirty="0" smtClean="0"/>
+              <a:t>)</a:t>
+            </a:r>
+            <a:r>
+              <a:rPr lang="en-US" sz="5400" baseline="-25000" dirty="0" smtClean="0"/>
+              <a:t>  </a:t>
+            </a:r>
+            <a:r>
+              <a:rPr lang="en-US" sz="5400" dirty="0" smtClean="0"/>
+              <a:t>::= </a:t>
+            </a:r>
+            <a:r>
+              <a:rPr lang="en-US" sz="5400" dirty="0" err="1" smtClean="0"/>
+              <a:t>Pr</a:t>
+            </a:r>
+            <a:r>
+              <a:rPr lang="en-US" sz="5400" dirty="0" smtClean="0"/>
+              <a:t>[</a:t>
+            </a:r>
+            <a:r>
+              <a:rPr lang="en-US" sz="5400" dirty="0" smtClean="0">
+                <a:solidFill>
+                  <a:srgbClr val="3333FF"/>
+                </a:solidFill>
+              </a:rPr>
+              <a:t>R </a:t>
+            </a:r>
+            <a:r>
+              <a:rPr lang="en-US" sz="5400" dirty="0" smtClean="0"/>
+              <a:t>= </a:t>
+            </a:r>
+            <a:r>
+              <a:rPr lang="en-US" sz="5400" dirty="0" smtClean="0">
+                <a:solidFill>
+                  <a:srgbClr val="3333FF"/>
+                </a:solidFill>
+              </a:rPr>
+              <a:t>a</a:t>
+            </a:r>
+            <a:r>
+              <a:rPr lang="en-US" sz="5400" dirty="0" smtClean="0"/>
+              <a:t>]</a:t>
+            </a:r>
+          </a:p>
+          <a:p>
+            <a:pPr eaLnBrk="1" hangingPunct="1"/>
+            <a:r>
+              <a:rPr lang="en-US" sz="5400" dirty="0" smtClean="0"/>
+              <a:t>so</a:t>
+            </a:r>
+          </a:p>
+        </p:txBody>
+      </p:sp>
+      <p:sp>
+        <p:nvSpPr>
+          <p:cNvPr id="2" name="TextBox 1"/>
+          <p:cNvSpPr txBox="1"/>
+          <p:nvPr/>
+        </p:nvSpPr>
+        <p:spPr>
+          <a:xfrm>
+            <a:off x="440267" y="5325533"/>
+            <a:ext cx="7927170" cy="830997"/>
+          </a:xfrm>
+          <a:prstGeom prst="rect">
+            <a:avLst/>
+          </a:prstGeom>
+          <a:noFill/>
+        </p:spPr>
+        <p:txBody>
+          <a:bodyPr wrap="none" rtlCol="0">
+            <a:spAutoFit/>
+          </a:bodyPr>
+          <a:lstStyle/>
+          <a:p>
+            <a:r>
+              <a:rPr lang="en-US" sz="4800" dirty="0" smtClean="0">
+                <a:latin typeface="Comic Sans MS"/>
+                <a:cs typeface="Comic Sans MS"/>
+              </a:rPr>
+              <a:t>for </a:t>
+            </a:r>
+            <a:r>
+              <a:rPr lang="en-US" sz="4800" dirty="0" smtClean="0">
+                <a:solidFill>
+                  <a:srgbClr val="3333FF"/>
+                </a:solidFill>
+                <a:latin typeface="Comic Sans MS"/>
+                <a:cs typeface="Comic Sans MS"/>
+              </a:rPr>
+              <a:t>v</a:t>
+            </a:r>
+            <a:r>
+              <a:rPr lang="en-US" sz="4800" dirty="0" smtClean="0">
+                <a:latin typeface="Comic Sans MS"/>
+                <a:cs typeface="Comic Sans MS"/>
+              </a:rPr>
+              <a:t> in range of </a:t>
+            </a:r>
+            <a:r>
+              <a:rPr lang="en-US" sz="4800" dirty="0" smtClean="0">
+                <a:solidFill>
+                  <a:srgbClr val="9B2894"/>
+                </a:solidFill>
+                <a:latin typeface="Comic Sans MS"/>
+                <a:cs typeface="Comic Sans MS"/>
+              </a:rPr>
+              <a:t>uniform</a:t>
+            </a:r>
+            <a:r>
+              <a:rPr lang="en-US" sz="4800" dirty="0" smtClean="0">
+                <a:latin typeface="Comic Sans MS"/>
+                <a:cs typeface="Comic Sans MS"/>
+              </a:rPr>
+              <a:t> </a:t>
+            </a:r>
+            <a:r>
+              <a:rPr lang="en-US" sz="4800" dirty="0" smtClean="0">
+                <a:solidFill>
+                  <a:srgbClr val="3333FF"/>
+                </a:solidFill>
+                <a:latin typeface="Comic Sans MS"/>
+                <a:cs typeface="Comic Sans MS"/>
+              </a:rPr>
+              <a:t>U</a:t>
+            </a:r>
+            <a:endParaRPr lang="en-US" sz="4800" dirty="0">
+              <a:solidFill>
+                <a:srgbClr val="3333FF"/>
+              </a:solidFill>
+              <a:latin typeface="Comic Sans MS"/>
+              <a:cs typeface="Comic Sans MS"/>
+            </a:endParaRPr>
+          </a:p>
+        </p:txBody>
+      </p:sp>
+      <p:graphicFrame>
+        <p:nvGraphicFramePr>
+          <p:cNvPr id="8" name="Object 7"/>
+          <p:cNvGraphicFramePr>
+            <a:graphicFrameLocks noChangeAspect="1"/>
+          </p:cNvGraphicFramePr>
+          <p:nvPr>
+            <p:extLst>
+              <p:ext uri="{D42A27DB-BD31-4B8C-83A1-F6EECF244321}">
+                <p14:modId xmlns:p14="http://schemas.microsoft.com/office/powerpoint/2010/main" val="3601796666"/>
+              </p:ext>
+            </p:extLst>
+          </p:nvPr>
+        </p:nvGraphicFramePr>
+        <p:xfrm>
+          <a:off x="1749425" y="3429000"/>
+          <a:ext cx="5997575" cy="2017713"/>
+        </p:xfrm>
+        <a:graphic>
+          <a:graphicData uri="http://schemas.openxmlformats.org/presentationml/2006/ole">
+            <mc:AlternateContent xmlns:mc="http://schemas.openxmlformats.org/markup-compatibility/2006">
+              <mc:Choice xmlns:v="urn:schemas-microsoft-com:vml" Requires="v">
+                <p:oleObj spid="_x0000_s1035" name="Equation" r:id="rId4" imgW="1511300" imgH="508000" progId="Equation.DSMT4">
+                  <p:embed/>
+                </p:oleObj>
+              </mc:Choice>
+              <mc:Fallback>
+                <p:oleObj name="Equation" r:id="rId4" imgW="1511300" imgH="508000" progId="Equation.DSMT4">
+                  <p:embed/>
+                  <p:pic>
+                    <p:nvPicPr>
+                      <p:cNvPr id="0" name=""/>
+                      <p:cNvPicPr>
+                        <a:picLocks noChangeAspect="1" noChangeArrowheads="1"/>
+                      </p:cNvPicPr>
+                      <p:nvPr/>
+                    </p:nvPicPr>
+                    <p:blipFill>
+                      <a:blip r:embed="rId5"/>
+                      <a:srcRect/>
+                      <a:stretch>
+                        <a:fillRect/>
+                      </a:stretch>
+                    </p:blipFill>
+                    <p:spPr bwMode="auto">
+                      <a:xfrm>
+                        <a:off x="1749425" y="3429000"/>
+                        <a:ext cx="5997575" cy="2017713"/>
+                      </a:xfrm>
+                      <a:prstGeom prst="rect">
+                        <a:avLst/>
+                      </a:prstGeom>
+                      <a:noFill/>
+                      <a:extLst/>
+                    </p:spPr>
+                  </p:pic>
+                </p:oleObj>
+              </mc:Fallback>
+            </mc:AlternateContent>
+          </a:graphicData>
+        </a:graphic>
+      </p:graphicFrame>
+      <p:sp>
+        <p:nvSpPr>
+          <p:cNvPr id="9" name="Rectangle 2"/>
+          <p:cNvSpPr txBox="1">
+            <a:spLocks noChangeArrowheads="1"/>
+          </p:cNvSpPr>
+          <p:nvPr/>
+        </p:nvSpPr>
+        <p:spPr bwMode="auto">
+          <a:xfrm>
+            <a:off x="1409700" y="225425"/>
+            <a:ext cx="7270750" cy="684213"/>
+          </a:xfrm>
+          <a:prstGeom prst="rect">
+            <a:avLst/>
+          </a:prstGeom>
+          <a:noFill/>
+          <a:ln w="9525">
+            <a:noFill/>
+            <a:miter lim="800000"/>
+            <a:headEnd/>
+            <a:tailEnd/>
+          </a:ln>
+        </p:spPr>
+        <p:txBody>
+          <a:bodyPr vert="horz" wrap="square" lIns="91440" tIns="45720" rIns="91440" bIns="45720" numCol="1" anchor="ctr" anchorCtr="0" compatLnSpc="1">
+            <a:prstTxWarp prst="textNoShape">
+              <a:avLst/>
+            </a:prstTxWarp>
+          </a:bodyPr>
+          <a:lstStyle>
+            <a:lvl1pPr algn="ctr" rtl="0" eaLnBrk="0" fontAlgn="base" hangingPunct="0">
+              <a:spcBef>
+                <a:spcPct val="0"/>
+              </a:spcBef>
+              <a:spcAft>
+                <a:spcPct val="0"/>
+              </a:spcAft>
+              <a:defRPr sz="4000" b="1">
+                <a:solidFill>
+                  <a:schemeClr val="tx2"/>
+                </a:solidFill>
+                <a:latin typeface="+mj-lt"/>
+                <a:ea typeface="+mj-ea"/>
+                <a:cs typeface="+mj-cs"/>
+              </a:defRPr>
+            </a:lvl1pPr>
+            <a:lvl2pPr algn="ctr" rtl="0" eaLnBrk="0" fontAlgn="base" hangingPunct="0">
+              <a:spcBef>
+                <a:spcPct val="0"/>
+              </a:spcBef>
+              <a:spcAft>
+                <a:spcPct val="0"/>
+              </a:spcAft>
+              <a:defRPr sz="4000" b="1">
+                <a:solidFill>
+                  <a:schemeClr val="tx2"/>
+                </a:solidFill>
+                <a:latin typeface="Comic Sans MS" pitchFamily="66" charset="0"/>
+              </a:defRPr>
+            </a:lvl2pPr>
+            <a:lvl3pPr algn="ctr" rtl="0" eaLnBrk="0" fontAlgn="base" hangingPunct="0">
+              <a:spcBef>
+                <a:spcPct val="0"/>
+              </a:spcBef>
+              <a:spcAft>
+                <a:spcPct val="0"/>
+              </a:spcAft>
+              <a:defRPr sz="4000" b="1">
+                <a:solidFill>
+                  <a:schemeClr val="tx2"/>
+                </a:solidFill>
+                <a:latin typeface="Comic Sans MS" pitchFamily="66" charset="0"/>
+              </a:defRPr>
+            </a:lvl3pPr>
+            <a:lvl4pPr algn="ctr" rtl="0" eaLnBrk="0" fontAlgn="base" hangingPunct="0">
+              <a:spcBef>
+                <a:spcPct val="0"/>
+              </a:spcBef>
+              <a:spcAft>
+                <a:spcPct val="0"/>
+              </a:spcAft>
+              <a:defRPr sz="4000" b="1">
+                <a:solidFill>
+                  <a:schemeClr val="tx2"/>
+                </a:solidFill>
+                <a:latin typeface="Comic Sans MS" pitchFamily="66" charset="0"/>
+              </a:defRPr>
+            </a:lvl4pPr>
+            <a:lvl5pPr algn="ctr" rtl="0" eaLnBrk="0" fontAlgn="base" hangingPunct="0">
+              <a:spcBef>
+                <a:spcPct val="0"/>
+              </a:spcBef>
+              <a:spcAft>
+                <a:spcPct val="0"/>
+              </a:spcAft>
+              <a:defRPr sz="4000" b="1">
+                <a:solidFill>
+                  <a:schemeClr val="tx2"/>
+                </a:solidFill>
+                <a:latin typeface="Comic Sans MS" pitchFamily="66" charset="0"/>
+              </a:defRPr>
+            </a:lvl5pPr>
+            <a:lvl6pPr marL="457200" algn="ctr" rtl="0" fontAlgn="base">
+              <a:spcBef>
+                <a:spcPct val="0"/>
+              </a:spcBef>
+              <a:spcAft>
+                <a:spcPct val="0"/>
+              </a:spcAft>
+              <a:defRPr sz="4000" b="1">
+                <a:solidFill>
+                  <a:schemeClr val="tx2"/>
+                </a:solidFill>
+                <a:latin typeface="Comic Sans MS" pitchFamily="66" charset="0"/>
+              </a:defRPr>
+            </a:lvl6pPr>
+            <a:lvl7pPr marL="914400" algn="ctr" rtl="0" fontAlgn="base">
+              <a:spcBef>
+                <a:spcPct val="0"/>
+              </a:spcBef>
+              <a:spcAft>
+                <a:spcPct val="0"/>
+              </a:spcAft>
+              <a:defRPr sz="4000" b="1">
+                <a:solidFill>
+                  <a:schemeClr val="tx2"/>
+                </a:solidFill>
+                <a:latin typeface="Comic Sans MS" pitchFamily="66" charset="0"/>
+              </a:defRPr>
+            </a:lvl7pPr>
+            <a:lvl8pPr marL="1371600" algn="ctr" rtl="0" fontAlgn="base">
+              <a:spcBef>
+                <a:spcPct val="0"/>
+              </a:spcBef>
+              <a:spcAft>
+                <a:spcPct val="0"/>
+              </a:spcAft>
+              <a:defRPr sz="4000" b="1">
+                <a:solidFill>
+                  <a:schemeClr val="tx2"/>
+                </a:solidFill>
+                <a:latin typeface="Comic Sans MS" pitchFamily="66" charset="0"/>
+              </a:defRPr>
+            </a:lvl8pPr>
+            <a:lvl9pPr marL="1828800" algn="ctr" rtl="0" fontAlgn="base">
+              <a:spcBef>
+                <a:spcPct val="0"/>
+              </a:spcBef>
+              <a:spcAft>
+                <a:spcPct val="0"/>
+              </a:spcAft>
+              <a:defRPr sz="4000" b="1">
+                <a:solidFill>
+                  <a:schemeClr val="tx2"/>
+                </a:solidFill>
+                <a:latin typeface="Comic Sans MS" pitchFamily="66" charset="0"/>
+              </a:defRPr>
+            </a:lvl9pPr>
+          </a:lstStyle>
+          <a:p>
+            <a:pPr eaLnBrk="1" hangingPunct="1"/>
+            <a:r>
+              <a:rPr lang="en-US" sz="4800" dirty="0" smtClean="0"/>
+              <a:t>Density Function</a:t>
+            </a:r>
+            <a:endParaRPr lang="en-US" sz="4800" dirty="0" smtClean="0"/>
+          </a:p>
+        </p:txBody>
+      </p:sp>
+    </p:spTree>
+    <p:extLst>
+      <p:ext uri="{BB962C8B-B14F-4D97-AF65-F5344CB8AC3E}">
+        <p14:creationId xmlns:p14="http://schemas.microsoft.com/office/powerpoint/2010/main" val="1614964825"/>
+      </p:ext>
+    </p:extLst>
+  </p:cSld>
+  <p:clrMapOvr>
+    <a:masterClrMapping/>
+  </p:clrMapOvr>
+  <mc:AlternateContent xmlns:mc="http://schemas.openxmlformats.org/markup-compatibility/2006">
+    <mc:Choice xmlns:p14="http://schemas.microsoft.com/office/powerpoint/2010/main" Requires="p14">
+      <p:transition spd="med" p14:dur="600" advClick="0">
+        <p:fade/>
+      </p:transition>
+    </mc:Choice>
+    <mc:Fallback>
+      <p:transition xmlns:p14="http://schemas.microsoft.com/office/powerpoint/2010/main" spd="med" advClick="0">
+        <p:fade/>
+      </p:transition>
+    </mc:Fallback>
+  </mc:AlternateContent>
+  <p:timing>
+    <p:tnLst>
+      <p:par>
+        <p:cTn xmlns:p14="http://schemas.microsoft.com/office/powerpoint/2010/main" id="1" dur="indefinite" restart="never" nodeType="tmRoot"/>
+      </p:par>
+    </p:tnLst>
+  </p:timing>
+</p:sld>
+</file>
+
+<file path=ppt/slides/slide15.xml><?xml version="1.0" encoding="utf-8"?>
 <p:sld xmlns:a="http://schemas.openxmlformats.org/drawingml/2006/main" xmlns:r="http://schemas.openxmlformats.org/officeDocument/2006/relationships" xmlns:p="http://schemas.openxmlformats.org/presentationml/2006/main">
   <p:cSld>
     <p:spTree>
@@ -5861,7 +6616,7 @@
               <a:pPr>
                 <a:defRPr/>
               </a:pPr>
-              <a:t>14</a:t>
+              <a:t>15</a:t>
             </a:fld>
             <a:endParaRPr lang="en-US" dirty="0"/>
           </a:p>
@@ -5877,16 +6632,22 @@
             <p:ph type="title" idx="4294967295"/>
           </p:nvPr>
         </p:nvSpPr>
-        <p:spPr/>
+        <p:spPr>
+          <a:xfrm>
+            <a:off x="1409699" y="225425"/>
+            <a:ext cx="7332133" cy="790575"/>
+          </a:xfrm>
+        </p:spPr>
         <p:txBody>
           <a:bodyPr/>
           <a:lstStyle/>
           <a:p>
             <a:pPr eaLnBrk="1" hangingPunct="1"/>
             <a:r>
-              <a:rPr lang="en-US" smtClean="0"/>
-              <a:t>Density &amp; Distribution</a:t>
-            </a:r>
+              <a:rPr lang="en-US" dirty="0" smtClean="0"/>
+              <a:t>Distribution Function</a:t>
+            </a:r>
+            <a:endParaRPr lang="en-US" dirty="0" smtClean="0"/>
           </a:p>
         </p:txBody>
       </p:sp>
@@ -5912,11 +6673,7 @@
           <a:p>
             <a:pPr eaLnBrk="1" hangingPunct="1"/>
             <a:r>
-              <a:rPr lang="en-US" sz="4800" dirty="0" smtClean="0">
-                <a:solidFill>
-                  <a:srgbClr val="9B2894"/>
-                </a:solidFill>
-              </a:rPr>
+              <a:rPr lang="en-US" sz="4800" dirty="0" smtClean="0"/>
               <a:t>Probability Density Function</a:t>
             </a:r>
           </a:p>
@@ -5944,7 +6701,7 @@
             <a:r>
               <a:rPr lang="en-US" sz="5400" dirty="0" smtClean="0">
                 <a:solidFill>
-                  <a:srgbClr val="9B2894"/>
+                  <a:srgbClr val="3333FF"/>
                 </a:solidFill>
               </a:rPr>
               <a:t>PDF</a:t>
@@ -6136,18 +6893,9 @@
   <p:clrMapOvr>
     <a:masterClrMapping/>
   </p:clrMapOvr>
-  <mc:AlternateContent xmlns:mc="http://schemas.openxmlformats.org/markup-compatibility/2006" xmlns:p14="http://schemas.microsoft.com/office/powerpoint/2010/main">
-    <mc:Choice Requires="p14">
-      <p:transition spd="med" p14:dur="700" advClick="0">
-        <p:fade/>
-      </p:transition>
-    </mc:Choice>
-    <mc:Fallback xmlns="">
-      <p:transition xmlns:p14="http://schemas.microsoft.com/office/powerpoint/2010/main" spd="med" advClick="0">
-        <p:fade/>
-      </p:transition>
-    </mc:Fallback>
-  </mc:AlternateContent>
+  <p:transition xmlns:p14="http://schemas.microsoft.com/office/powerpoint/2010/main" spd="slow" advClick="0">
+    <p:fade thruBlk="1"/>
+  </p:transition>
   <p:timing>
     <p:tnLst>
       <p:par>
@@ -6242,7 +6990,7 @@
 </p:sld>
 </file>
 
-<file path=ppt/slides/slide15.xml><?xml version="1.0" encoding="utf-8"?>
+<file path=ppt/slides/slide16.xml><?xml version="1.0" encoding="utf-8"?>
 <p:sld xmlns:a="http://schemas.openxmlformats.org/drawingml/2006/main" xmlns:r="http://schemas.openxmlformats.org/officeDocument/2006/relationships" xmlns:p="http://schemas.openxmlformats.org/presentationml/2006/main">
   <p:cSld>
     <p:spTree>
@@ -6290,7 +7038,7 @@
               <a:pPr>
                 <a:defRPr/>
               </a:pPr>
-              <a:t>15</a:t>
+              <a:t>16</a:t>
             </a:fld>
             <a:endParaRPr lang="en-US" dirty="0"/>
           </a:p>
@@ -6353,11 +7101,7 @@
             <a:pPr eaLnBrk="1" hangingPunct="1"/>
             <a:r>
               <a:rPr lang="en-US" sz="4800" dirty="0" smtClean="0"/>
-              <a:t>  The </a:t>
-            </a:r>
-            <a:r>
-              <a:rPr lang="en-US" sz="4800" dirty="0" smtClean="0"/>
-              <a:t>Probability Density &amp; Cumulative Distribution Functions </a:t>
+              <a:t>  The Probability Density &amp; Cumulative Distribution Functions </a:t>
             </a:r>
             <a:r>
               <a:rPr lang="en-US" sz="4800" dirty="0" smtClean="0">
@@ -6389,11 +7133,7 @@
             </a:r>
             <a:r>
               <a:rPr lang="en-US" sz="4800" dirty="0" smtClean="0"/>
-              <a:t> on </a:t>
-            </a:r>
-            <a:r>
-              <a:rPr lang="en-US" sz="4800" dirty="0" smtClean="0"/>
-              <a:t>the </a:t>
+              <a:t> on the </a:t>
             </a:r>
             <a:r>
               <a:rPr lang="en-US" sz="4800" dirty="0" smtClean="0">
@@ -6401,15 +7141,7 @@
                   <a:srgbClr val="0000FF"/>
                 </a:solidFill>
               </a:rPr>
-              <a:t>sample </a:t>
-            </a:r>
-            <a:r>
-              <a:rPr lang="en-US" sz="4800" dirty="0" smtClean="0">
-                <a:solidFill>
-                  <a:srgbClr val="0000FF"/>
-                </a:solidFill>
-              </a:rPr>
-              <a:t>space</a:t>
+              <a:t>sample space</a:t>
             </a:r>
           </a:p>
         </p:txBody>
@@ -6518,13 +7250,8 @@
             <a:pPr eaLnBrk="1" hangingPunct="1"/>
             <a:r>
               <a:rPr lang="en-US" dirty="0" smtClean="0"/>
-              <a:t>Uniform </a:t>
-            </a:r>
-            <a:r>
-              <a:rPr lang="en-US" dirty="0" smtClean="0"/>
-              <a:t>Random Variables</a:t>
-            </a:r>
-            <a:endParaRPr lang="en-US" dirty="0" smtClean="0"/>
+              <a:t>Uniform Random Variables</a:t>
+            </a:r>
           </a:p>
         </p:txBody>
       </p:sp>
@@ -6555,21 +7282,8 @@
                   <a:srgbClr val="9B2894"/>
                 </a:solidFill>
               </a:rPr>
-              <a:t>…all values equally </a:t>
-            </a:r>
-            <a:r>
-              <a:rPr lang="en-US" sz="5400" dirty="0" smtClean="0">
-                <a:solidFill>
-                  <a:srgbClr val="9B2894"/>
-                </a:solidFill>
-              </a:rPr>
-              <a:t>likely</a:t>
-            </a:r>
-            <a:endParaRPr lang="en-US" sz="5400" dirty="0" smtClean="0">
-              <a:solidFill>
-                <a:srgbClr val="9B2894"/>
-              </a:solidFill>
-            </a:endParaRPr>
+              <a:t>…all values equally likely</a:t>
+            </a:r>
           </a:p>
           <a:p>
             <a:pPr eaLnBrk="1" hangingPunct="1"/>
@@ -6695,11 +7409,6 @@
               </a:rPr>
               <a:t> = 6]  </a:t>
             </a:r>
-            <a:endParaRPr lang="en-US" sz="5400" dirty="0" smtClean="0">
-              <a:solidFill>
-                <a:srgbClr val="3333FF"/>
-              </a:solidFill>
-            </a:endParaRPr>
           </a:p>
         </p:txBody>
       </p:sp>
@@ -6725,7 +7434,7 @@
           <a:graphicData uri="http://schemas.openxmlformats.org/presentationml/2006/ole">
             <mc:AlternateContent xmlns:mc="http://schemas.openxmlformats.org/markup-compatibility/2006">
               <mc:Choice xmlns:v="urn:schemas-microsoft-com:vml" Requires="v">
-                <p:oleObj spid="_x0000_s79916" name="Equation" r:id="rId4" imgW="292100" imgH="419100" progId="Equation.DSMT4">
+                <p:oleObj spid="_x0000_s79920" name="Equation" r:id="rId4" imgW="292100" imgH="419100" progId="Equation.DSMT4">
                   <p:embed/>
                 </p:oleObj>
               </mc:Choice>
@@ -7100,14 +7809,19 @@
             <p:ph type="title" idx="4294967295"/>
           </p:nvPr>
         </p:nvSpPr>
-        <p:spPr/>
+        <p:spPr>
+          <a:xfrm>
+            <a:off x="1371600" y="225425"/>
+            <a:ext cx="7308850" cy="841375"/>
+          </a:xfrm>
+        </p:spPr>
         <p:txBody>
           <a:bodyPr/>
           <a:lstStyle/>
           <a:p>
             <a:pPr eaLnBrk="1" hangingPunct="1"/>
             <a:r>
-              <a:rPr lang="en-US" smtClean="0"/>
+              <a:rPr lang="en-US" dirty="0" smtClean="0"/>
               <a:t>Uniform Distribution</a:t>
             </a:r>
           </a:p>
@@ -7144,11 +7858,7 @@
             </a:r>
             <a:r>
               <a:rPr lang="en-US" sz="4400" dirty="0" smtClean="0"/>
-              <a:t> </a:t>
-            </a:r>
-            <a:r>
-              <a:rPr lang="en-US" sz="4400" dirty="0" smtClean="0"/>
-              <a:t>::= outcome of </a:t>
+              <a:t> ::= outcome of </a:t>
             </a:r>
             <a:r>
               <a:rPr lang="en-US" sz="4400" dirty="0" smtClean="0">
@@ -7371,13 +8081,13 @@
   <p:clrMapOvr>
     <a:masterClrMapping/>
   </p:clrMapOvr>
-  <mc:AlternateContent xmlns:mc="http://schemas.openxmlformats.org/markup-compatibility/2006">
-    <mc:Choice xmlns:p14="http://schemas.microsoft.com/office/powerpoint/2010/main" Requires="p14">
+  <mc:AlternateContent xmlns:mc="http://schemas.openxmlformats.org/markup-compatibility/2006" xmlns:p14="http://schemas.microsoft.com/office/powerpoint/2010/main">
+    <mc:Choice Requires="p14">
       <p:transition spd="slow" p14:dur="900" advClick="0">
         <p:fade/>
       </p:transition>
     </mc:Choice>
-    <mc:Fallback>
+    <mc:Fallback xmlns="">
       <p:transition xmlns:p14="http://schemas.microsoft.com/office/powerpoint/2010/main" spd="slow" advClick="0">
         <p:fade/>
       </p:transition>
@@ -7947,12 +8657,6 @@
               </a:rPr>
               <a:t>then</a:t>
             </a:r>
-            <a:endParaRPr lang="en-US" sz="4400" dirty="0" smtClean="0">
-              <a:solidFill>
-                <a:srgbClr val="000000"/>
-              </a:solidFill>
-              <a:sym typeface="Euclid Symbol"/>
-            </a:endParaRPr>
           </a:p>
           <a:p>
             <a:pPr algn="ctr"/>
@@ -8178,9 +8882,6 @@
               </a:rPr>
               <a:t>.</a:t>
             </a:r>
-            <a:endParaRPr lang="en-US" sz="4800" dirty="0" smtClean="0">
-              <a:cs typeface="Comic Sans MS"/>
-            </a:endParaRPr>
           </a:p>
           <a:p>
             <a:endParaRPr lang="en-US" sz="6000" dirty="0" smtClean="0"/>
@@ -8254,13 +8955,13 @@
   <p:clrMapOvr>
     <a:masterClrMapping/>
   </p:clrMapOvr>
-  <mc:AlternateContent xmlns:mc="http://schemas.openxmlformats.org/markup-compatibility/2006">
-    <mc:Choice xmlns:p14="http://schemas.microsoft.com/office/powerpoint/2010/main" Requires="p14">
+  <mc:AlternateContent xmlns:mc="http://schemas.openxmlformats.org/markup-compatibility/2006" xmlns:p14="http://schemas.microsoft.com/office/powerpoint/2010/main">
+    <mc:Choice Requires="p14">
       <p:transition spd="slow" p14:dur="1200" advClick="0">
         <p:fade thruBlk="1"/>
       </p:transition>
     </mc:Choice>
-    <mc:Fallback>
+    <mc:Fallback xmlns="">
       <p:transition xmlns:p14="http://schemas.microsoft.com/office/powerpoint/2010/main" spd="slow" advClick="0">
         <p:fade thruBlk="1"/>
       </p:transition>
@@ -8527,7 +9228,15 @@
                   <a:srgbClr val="0000CC"/>
                 </a:solidFill>
               </a:rPr>
-              <a:t> [</a:t>
+              <a:t> [R</a:t>
+            </a:r>
+            <a:r>
+              <a:rPr lang="en-US" baseline="-25000" dirty="0" smtClean="0">
+                <a:solidFill>
+                  <a:srgbClr val="0000CC"/>
+                </a:solidFill>
+              </a:rPr>
+              <a:t>2 </a:t>
             </a:r>
             <a:r>
               <a:rPr lang="en-US" dirty="0" smtClean="0">
@@ -8535,31 +9244,7 @@
                   <a:srgbClr val="0000CC"/>
                 </a:solidFill>
               </a:rPr>
-              <a:t>R</a:t>
-            </a:r>
-            <a:r>
-              <a:rPr lang="en-US" baseline="-25000" dirty="0" smtClean="0">
-                <a:solidFill>
-                  <a:srgbClr val="0000CC"/>
-                </a:solidFill>
-              </a:rPr>
-              <a:t>2 </a:t>
-            </a:r>
-            <a:r>
-              <a:rPr lang="en-US" dirty="0" smtClean="0">
-                <a:solidFill>
-                  <a:srgbClr val="0000CC"/>
-                </a:solidFill>
-              </a:rPr>
-              <a:t>= </a:t>
-            </a:r>
-            <a:r>
-              <a:rPr lang="en-US" dirty="0" smtClean="0">
-                <a:solidFill>
-                  <a:srgbClr val="0000CC"/>
-                </a:solidFill>
-              </a:rPr>
-              <a:t>R</a:t>
+              <a:t>= R</a:t>
             </a:r>
             <a:r>
               <a:rPr lang="en-US" baseline="-25000" dirty="0" smtClean="0">
@@ -9144,7 +9829,7 @@
               <a:t> ::= # flips,    </a:t>
             </a:r>
             <a:r>
-              <a:rPr lang="en-US" sz="3600" dirty="0" err="1" smtClean="0">
+              <a:rPr lang="en-US" sz="3600" dirty="0" smtClean="0">
                 <a:solidFill>
                   <a:srgbClr val="3333FF"/>
                 </a:solidFill>
@@ -9157,12 +9842,13 @@
             </a:r>
             <a:r>
               <a:rPr lang="en-US" sz="3600" dirty="0" err="1" smtClean="0"/>
-              <a:t>Pr{head</a:t>
+              <a:t>Pr</a:t>
             </a:r>
             <a:r>
               <a:rPr lang="en-US" sz="3600" dirty="0" smtClean="0"/>
-              <a:t>}</a:t>
-            </a:r>
+              <a:t>[head]</a:t>
+            </a:r>
+            <a:endParaRPr lang="en-US" sz="3600" dirty="0" smtClean="0"/>
           </a:p>
           <a:p>
             <a:pPr eaLnBrk="1" hangingPunct="1"/>
@@ -9261,7 +9947,15 @@
                   <a:srgbClr val="0000FF"/>
                 </a:solidFill>
               </a:rPr>
-              <a:t>[H}⋅</a:t>
+              <a:t>[</a:t>
+            </a:r>
+            <a:r>
+              <a:rPr lang="en-US" dirty="0" smtClean="0">
+                <a:solidFill>
+                  <a:srgbClr val="0000FF"/>
+                </a:solidFill>
+              </a:rPr>
+              <a:t>H]⋅</a:t>
             </a:r>
             <a:r>
               <a:rPr lang="en-US" dirty="0" err="1" smtClean="0">
@@ -9342,13 +10036,13 @@
   <p:clrMapOvr>
     <a:masterClrMapping/>
   </p:clrMapOvr>
-  <mc:AlternateContent xmlns:mc="http://schemas.openxmlformats.org/markup-compatibility/2006">
-    <mc:Choice xmlns:p14="http://schemas.microsoft.com/office/powerpoint/2010/main" Requires="p14">
+  <mc:AlternateContent xmlns:mc="http://schemas.openxmlformats.org/markup-compatibility/2006" xmlns:p14="http://schemas.microsoft.com/office/powerpoint/2010/main">
+    <mc:Choice Requires="p14">
       <p:transition spd="slow" p14:dur="1200" advClick="0">
         <p:fade thruBlk="1"/>
       </p:transition>
     </mc:Choice>
-    <mc:Fallback>
+    <mc:Fallback xmlns="">
       <p:transition xmlns:p14="http://schemas.microsoft.com/office/powerpoint/2010/main" spd="slow" advClick="0">
         <p:fade thruBlk="1"/>
       </p:transition>
@@ -10045,7 +10739,7 @@
           <a:graphicData uri="http://schemas.openxmlformats.org/presentationml/2006/ole">
             <mc:AlternateContent xmlns:mc="http://schemas.openxmlformats.org/markup-compatibility/2006">
               <mc:Choice xmlns:v="urn:schemas-microsoft-com:vml" Requires="v">
-                <p:oleObj spid="_x0000_s648236" name="Equation" r:id="rId4" imgW="1790700" imgH="469900" progId="Equation.DSMT4">
+                <p:oleObj spid="_x0000_s648240" name="Equation" r:id="rId4" imgW="1790700" imgH="469900" progId="Equation.DSMT4">
                   <p:embed/>
                 </p:oleObj>
               </mc:Choice>
@@ -10497,7 +11191,7 @@
           <a:graphicData uri="http://schemas.openxmlformats.org/presentationml/2006/ole">
             <mc:AlternateContent xmlns:mc="http://schemas.openxmlformats.org/markup-compatibility/2006">
               <mc:Choice xmlns:v="urn:schemas-microsoft-com:vml" Requires="v">
-                <p:oleObj spid="_x0000_s677931" name="Equation" r:id="rId4" imgW="660400" imgH="596900" progId="Equation.DSMT4">
+                <p:oleObj spid="_x0000_s677935" name="Equation" r:id="rId4" imgW="660400" imgH="596900" progId="Equation.DSMT4">
                   <p:embed/>
                 </p:oleObj>
               </mc:Choice>
@@ -10910,7 +11604,7 @@
           <a:graphicData uri="http://schemas.openxmlformats.org/presentationml/2006/ole">
             <mc:AlternateContent xmlns:mc="http://schemas.openxmlformats.org/markup-compatibility/2006">
               <mc:Choice xmlns:v="urn:schemas-microsoft-com:vml" Requires="v">
-                <p:oleObj spid="_x0000_s100395" name="Equation" r:id="rId4" imgW="711200" imgH="393700" progId="Equation.DSMT4">
+                <p:oleObj spid="_x0000_s100399" name="Equation" r:id="rId4" imgW="711200" imgH="393700" progId="Equation.DSMT4">
                   <p:embed/>
                 </p:oleObj>
               </mc:Choice>
